--- a/documentos/Presentación3.pptx
+++ b/documentos/Presentación3.pptx
@@ -6,12 +6,18 @@
   </p:sldMasterIdLst>
   <p:sldIdLst>
     <p:sldId id="256" r:id="rId2"/>
-    <p:sldId id="262" r:id="rId3"/>
-    <p:sldId id="258" r:id="rId4"/>
-    <p:sldId id="259" r:id="rId5"/>
-    <p:sldId id="260" r:id="rId6"/>
-    <p:sldId id="263" r:id="rId7"/>
-    <p:sldId id="264" r:id="rId8"/>
+    <p:sldId id="265" r:id="rId3"/>
+    <p:sldId id="262" r:id="rId4"/>
+    <p:sldId id="258" r:id="rId5"/>
+    <p:sldId id="270" r:id="rId6"/>
+    <p:sldId id="266" r:id="rId7"/>
+    <p:sldId id="267" r:id="rId8"/>
+    <p:sldId id="268" r:id="rId9"/>
+    <p:sldId id="259" r:id="rId10"/>
+    <p:sldId id="260" r:id="rId11"/>
+    <p:sldId id="263" r:id="rId12"/>
+    <p:sldId id="269" r:id="rId13"/>
+    <p:sldId id="264" r:id="rId14"/>
   </p:sldIdLst>
   <p:sldSz cx="12192000" cy="6858000"/>
   <p:notesSz cx="6858000" cy="9144000"/>
@@ -621,7 +627,7 @@
             <a:fld id="{B61BEF0D-F0BB-DE4B-95CE-6DB70DBA9567}" type="datetimeFigureOut">
               <a:rPr lang="en-US" dirty="0"/>
               <a:pPr/>
-              <a:t>8/11/17</a:t>
+              <a:t>9/20/17</a:t>
             </a:fld>
             <a:endParaRPr lang="en-US" dirty="0"/>
           </a:p>
@@ -914,7 +920,7 @@
             <a:fld id="{B61BEF0D-F0BB-DE4B-95CE-6DB70DBA9567}" type="datetimeFigureOut">
               <a:rPr lang="en-US" dirty="0"/>
               <a:pPr/>
-              <a:t>8/11/17</a:t>
+              <a:t>9/20/17</a:t>
             </a:fld>
             <a:endParaRPr lang="en-US" dirty="0"/>
           </a:p>
@@ -1159,7 +1165,7 @@
             <a:fld id="{B61BEF0D-F0BB-DE4B-95CE-6DB70DBA9567}" type="datetimeFigureOut">
               <a:rPr lang="en-US" dirty="0"/>
               <a:pPr/>
-              <a:t>8/11/17</a:t>
+              <a:t>9/20/17</a:t>
             </a:fld>
             <a:endParaRPr lang="en-US" dirty="0"/>
           </a:p>
@@ -1696,7 +1702,7 @@
             <a:fld id="{B61BEF0D-F0BB-DE4B-95CE-6DB70DBA9567}" type="datetimeFigureOut">
               <a:rPr lang="en-US" dirty="0"/>
               <a:pPr/>
-              <a:t>8/11/17</a:t>
+              <a:t>9/20/17</a:t>
             </a:fld>
             <a:endParaRPr lang="en-US" dirty="0"/>
           </a:p>
@@ -1941,7 +1947,7 @@
             <a:fld id="{B61BEF0D-F0BB-DE4B-95CE-6DB70DBA9567}" type="datetimeFigureOut">
               <a:rPr lang="en-US" dirty="0"/>
               <a:pPr/>
-              <a:t>8/11/17</a:t>
+              <a:t>9/20/17</a:t>
             </a:fld>
             <a:endParaRPr lang="en-US" dirty="0"/>
           </a:p>
@@ -2470,7 +2476,7 @@
             <a:fld id="{B61BEF0D-F0BB-DE4B-95CE-6DB70DBA9567}" type="datetimeFigureOut">
               <a:rPr lang="en-US" dirty="0"/>
               <a:pPr/>
-              <a:t>8/11/17</a:t>
+              <a:t>9/20/17</a:t>
             </a:fld>
             <a:endParaRPr lang="en-US" dirty="0"/>
           </a:p>
@@ -2764,7 +2770,7 @@
             <a:fld id="{B61BEF0D-F0BB-DE4B-95CE-6DB70DBA9567}" type="datetimeFigureOut">
               <a:rPr lang="en-US" dirty="0"/>
               <a:pPr/>
-              <a:t>8/11/17</a:t>
+              <a:t>9/20/17</a:t>
             </a:fld>
             <a:endParaRPr lang="en-US" dirty="0"/>
           </a:p>
@@ -2935,7 +2941,7 @@
             <a:fld id="{B61BEF0D-F0BB-DE4B-95CE-6DB70DBA9567}" type="datetimeFigureOut">
               <a:rPr lang="en-US" dirty="0"/>
               <a:pPr/>
-              <a:t>8/11/17</a:t>
+              <a:t>9/20/17</a:t>
             </a:fld>
             <a:endParaRPr lang="en-US" dirty="0"/>
           </a:p>
@@ -3112,7 +3118,7 @@
             <a:fld id="{B61BEF0D-F0BB-DE4B-95CE-6DB70DBA9567}" type="datetimeFigureOut">
               <a:rPr lang="en-US" dirty="0"/>
               <a:pPr/>
-              <a:t>8/11/17</a:t>
+              <a:t>9/20/17</a:t>
             </a:fld>
             <a:endParaRPr lang="en-US" dirty="0"/>
           </a:p>
@@ -3279,7 +3285,7 @@
             <a:fld id="{B61BEF0D-F0BB-DE4B-95CE-6DB70DBA9567}" type="datetimeFigureOut">
               <a:rPr lang="en-US" dirty="0"/>
               <a:pPr/>
-              <a:t>8/11/17</a:t>
+              <a:t>9/20/17</a:t>
             </a:fld>
             <a:endParaRPr lang="en-US" dirty="0"/>
           </a:p>
@@ -3527,7 +3533,7 @@
             <a:fld id="{B61BEF0D-F0BB-DE4B-95CE-6DB70DBA9567}" type="datetimeFigureOut">
               <a:rPr lang="en-US" dirty="0"/>
               <a:pPr/>
-              <a:t>8/11/17</a:t>
+              <a:t>9/20/17</a:t>
             </a:fld>
             <a:endParaRPr lang="en-US" dirty="0"/>
           </a:p>
@@ -3821,7 +3827,7 @@
             <a:fld id="{B61BEF0D-F0BB-DE4B-95CE-6DB70DBA9567}" type="datetimeFigureOut">
               <a:rPr lang="en-US" dirty="0"/>
               <a:pPr/>
-              <a:t>8/11/17</a:t>
+              <a:t>9/20/17</a:t>
             </a:fld>
             <a:endParaRPr lang="en-US" dirty="0"/>
           </a:p>
@@ -4260,7 +4266,7 @@
             <a:fld id="{B61BEF0D-F0BB-DE4B-95CE-6DB70DBA9567}" type="datetimeFigureOut">
               <a:rPr lang="en-US" dirty="0"/>
               <a:pPr/>
-              <a:t>8/11/17</a:t>
+              <a:t>9/20/17</a:t>
             </a:fld>
             <a:endParaRPr lang="en-US" dirty="0"/>
           </a:p>
@@ -4375,7 +4381,7 @@
             <a:fld id="{B61BEF0D-F0BB-DE4B-95CE-6DB70DBA9567}" type="datetimeFigureOut">
               <a:rPr lang="en-US" dirty="0"/>
               <a:pPr/>
-              <a:t>8/11/17</a:t>
+              <a:t>9/20/17</a:t>
             </a:fld>
             <a:endParaRPr lang="en-US" dirty="0"/>
           </a:p>
@@ -4467,7 +4473,7 @@
             <a:fld id="{B61BEF0D-F0BB-DE4B-95CE-6DB70DBA9567}" type="datetimeFigureOut">
               <a:rPr lang="en-US" dirty="0"/>
               <a:pPr/>
-              <a:t>8/11/17</a:t>
+              <a:t>9/20/17</a:t>
             </a:fld>
             <a:endParaRPr lang="en-US" dirty="0"/>
           </a:p>
@@ -4747,7 +4753,7 @@
             <a:fld id="{B61BEF0D-F0BB-DE4B-95CE-6DB70DBA9567}" type="datetimeFigureOut">
               <a:rPr lang="en-US" dirty="0"/>
               <a:pPr/>
-              <a:t>8/11/17</a:t>
+              <a:t>9/20/17</a:t>
             </a:fld>
             <a:endParaRPr lang="en-US" dirty="0"/>
           </a:p>
@@ -5035,7 +5041,7 @@
             <a:fld id="{B61BEF0D-F0BB-DE4B-95CE-6DB70DBA9567}" type="datetimeFigureOut">
               <a:rPr lang="en-US" dirty="0"/>
               <a:pPr/>
-              <a:t>8/11/17</a:t>
+              <a:t>9/20/17</a:t>
             </a:fld>
             <a:endParaRPr lang="en-US" dirty="0"/>
           </a:p>
@@ -5562,7 +5568,7 @@
             <a:fld id="{B61BEF0D-F0BB-DE4B-95CE-6DB70DBA9567}" type="datetimeFigureOut">
               <a:rPr lang="en-US" dirty="0"/>
               <a:pPr/>
-              <a:t>8/11/17</a:t>
+              <a:t>9/20/17</a:t>
             </a:fld>
             <a:endParaRPr lang="en-US" dirty="0"/>
           </a:p>
@@ -6205,7 +6211,1452 @@
 </p:sld>
 </file>
 
+<file path=ppt/slides/slide10.xml><?xml version="1.0" encoding="utf-8"?>
+<p:sld xmlns:a="http://schemas.openxmlformats.org/drawingml/2006/main" xmlns:r="http://schemas.openxmlformats.org/officeDocument/2006/relationships" xmlns:p="http://schemas.openxmlformats.org/presentationml/2006/main">
+  <p:cSld>
+    <p:spTree>
+      <p:nvGrpSpPr>
+        <p:cNvPr id="1" name=""/>
+        <p:cNvGrpSpPr/>
+        <p:nvPr/>
+      </p:nvGrpSpPr>
+      <p:grpSpPr>
+        <a:xfrm>
+          <a:off x="0" y="0"/>
+          <a:ext cx="0" cy="0"/>
+          <a:chOff x="0" y="0"/>
+          <a:chExt cx="0" cy="0"/>
+        </a:xfrm>
+      </p:grpSpPr>
+      <p:sp>
+        <p:nvSpPr>
+          <p:cNvPr id="2" name="Título 1"/>
+          <p:cNvSpPr>
+            <a:spLocks noGrp="1"/>
+          </p:cNvSpPr>
+          <p:nvPr>
+            <p:ph type="title"/>
+          </p:nvPr>
+        </p:nvSpPr>
+        <p:spPr>
+          <a:xfrm>
+            <a:off x="1484310" y="117389"/>
+            <a:ext cx="10018713" cy="673443"/>
+          </a:xfrm>
+        </p:spPr>
+        <p:txBody>
+          <a:bodyPr>
+            <a:normAutofit fontScale="90000"/>
+          </a:bodyPr>
+          <a:lstStyle/>
+          <a:p>
+            <a:r>
+              <a:rPr lang="es-ES" dirty="0" smtClean="0"/>
+              <a:t>Estados de </a:t>
+            </a:r>
+            <a:r>
+              <a:rPr lang="es-ES_tradnl" dirty="0" smtClean="0"/>
+              <a:t>GIT</a:t>
+            </a:r>
+            <a:endParaRPr lang="es-ES_tradnl" dirty="0"/>
+          </a:p>
+        </p:txBody>
+      </p:sp>
+      <p:pic>
+        <p:nvPicPr>
+          <p:cNvPr id="5" name="Imagen 4"/>
+          <p:cNvPicPr>
+            <a:picLocks noChangeAspect="1"/>
+          </p:cNvPicPr>
+          <p:nvPr/>
+        </p:nvPicPr>
+        <p:blipFill>
+          <a:blip r:embed="rId2">
+            <a:extLst>
+              <a:ext uri="{28A0092B-C50C-407E-A947-70E740481C1C}">
+                <a14:useLocalDpi xmlns:a14="http://schemas.microsoft.com/office/drawing/2010/main" val="0"/>
+              </a:ext>
+            </a:extLst>
+          </a:blip>
+          <a:stretch>
+            <a:fillRect/>
+          </a:stretch>
+        </p:blipFill>
+        <p:spPr>
+          <a:xfrm>
+            <a:off x="1484310" y="1283730"/>
+            <a:ext cx="4270512" cy="4017319"/>
+          </a:xfrm>
+          <a:prstGeom prst="rect">
+            <a:avLst/>
+          </a:prstGeom>
+        </p:spPr>
+      </p:pic>
+      <p:sp>
+        <p:nvSpPr>
+          <p:cNvPr id="6" name="CuadroTexto 5"/>
+          <p:cNvSpPr txBox="1"/>
+          <p:nvPr/>
+        </p:nvSpPr>
+        <p:spPr>
+          <a:xfrm>
+            <a:off x="6263758" y="1283730"/>
+            <a:ext cx="5239265" cy="2862322"/>
+          </a:xfrm>
+          <a:prstGeom prst="rect">
+            <a:avLst/>
+          </a:prstGeom>
+          <a:noFill/>
+        </p:spPr>
+        <p:txBody>
+          <a:bodyPr wrap="square" rtlCol="0">
+            <a:spAutoFit/>
+          </a:bodyPr>
+          <a:lstStyle/>
+          <a:p>
+            <a:pPr marL="285750" indent="-285750" algn="just">
+              <a:buFont typeface="Arial" charset="0"/>
+              <a:buChar char="•"/>
+            </a:pPr>
+            <a:r>
+              <a:rPr lang="es-ES_tradnl" b="1" dirty="0"/>
+              <a:t>C</a:t>
+            </a:r>
+            <a:r>
+              <a:rPr lang="es-ES_tradnl" b="1" dirty="0" smtClean="0"/>
+              <a:t>onfirmado (</a:t>
+            </a:r>
+            <a:r>
+              <a:rPr lang="es-ES_tradnl" b="1" dirty="0" err="1" smtClean="0"/>
+              <a:t>committed</a:t>
+            </a:r>
+            <a:r>
+              <a:rPr lang="es-ES_tradnl" b="1" dirty="0" smtClean="0"/>
+              <a:t>): </a:t>
+            </a:r>
+            <a:r>
+              <a:rPr lang="es-ES_tradnl" dirty="0" smtClean="0"/>
+              <a:t>Los datos </a:t>
+            </a:r>
+            <a:r>
+              <a:rPr lang="es-ES_tradnl" dirty="0" err="1" smtClean="0"/>
+              <a:t>estan</a:t>
+            </a:r>
+            <a:r>
+              <a:rPr lang="es-ES_tradnl" dirty="0" smtClean="0"/>
+              <a:t> almacenados de manera segura en tu base de datos local.</a:t>
+            </a:r>
+            <a:endParaRPr lang="es-ES_tradnl" b="1" dirty="0" smtClean="0"/>
+          </a:p>
+          <a:p>
+            <a:pPr marL="285750" indent="-285750" algn="just">
+              <a:buFont typeface="Arial" charset="0"/>
+              <a:buChar char="•"/>
+            </a:pPr>
+            <a:r>
+              <a:rPr lang="es-ES_tradnl" b="1" dirty="0"/>
+              <a:t>M</a:t>
+            </a:r>
+            <a:r>
+              <a:rPr lang="es-ES_tradnl" b="1" dirty="0" smtClean="0"/>
+              <a:t>odificado (</a:t>
+            </a:r>
+            <a:r>
+              <a:rPr lang="es-ES_tradnl" b="1" dirty="0" err="1" smtClean="0"/>
+              <a:t>modified</a:t>
+            </a:r>
+            <a:r>
+              <a:rPr lang="es-ES_tradnl" b="1" dirty="0" smtClean="0"/>
+              <a:t>): </a:t>
+            </a:r>
+            <a:r>
+              <a:rPr lang="es-ES_tradnl" dirty="0" smtClean="0"/>
+              <a:t>Significa que has modificado </a:t>
+            </a:r>
+            <a:r>
+              <a:rPr lang="es-ES_tradnl" dirty="0" err="1" smtClean="0"/>
+              <a:t>algun</a:t>
+            </a:r>
+            <a:r>
+              <a:rPr lang="es-ES_tradnl" dirty="0" smtClean="0"/>
+              <a:t> archivo pero que aun no lo confirmas.</a:t>
+            </a:r>
+            <a:endParaRPr lang="es-ES_tradnl" b="1" dirty="0" smtClean="0"/>
+          </a:p>
+          <a:p>
+            <a:pPr marL="285750" indent="-285750" algn="just">
+              <a:buFont typeface="Arial" charset="0"/>
+              <a:buChar char="•"/>
+            </a:pPr>
+            <a:r>
+              <a:rPr lang="es-ES_tradnl" b="1" dirty="0"/>
+              <a:t>P</a:t>
+            </a:r>
+            <a:r>
+              <a:rPr lang="es-ES_tradnl" b="1" dirty="0" smtClean="0"/>
+              <a:t>reparado (</a:t>
+            </a:r>
+            <a:r>
+              <a:rPr lang="es-ES_tradnl" b="1" dirty="0" err="1" smtClean="0"/>
+              <a:t>stage</a:t>
+            </a:r>
+            <a:r>
+              <a:rPr lang="es-ES_tradnl" b="1" dirty="0" smtClean="0"/>
+              <a:t>): </a:t>
+            </a:r>
+            <a:r>
+              <a:rPr lang="es-ES_tradnl" dirty="0" smtClean="0"/>
+              <a:t>Significa que has marcado algún archivo modificado en su versión actual  para confirmarlo.</a:t>
+            </a:r>
+          </a:p>
+          <a:p>
+            <a:pPr marL="285750" indent="-285750" algn="just">
+              <a:buFont typeface="Arial" charset="0"/>
+              <a:buChar char="•"/>
+            </a:pPr>
+            <a:endParaRPr lang="es-ES_tradnl" b="1" dirty="0"/>
+          </a:p>
+        </p:txBody>
+      </p:sp>
+      <p:sp>
+        <p:nvSpPr>
+          <p:cNvPr id="7" name="CuadroTexto 6"/>
+          <p:cNvSpPr txBox="1"/>
+          <p:nvPr/>
+        </p:nvSpPr>
+        <p:spPr>
+          <a:xfrm>
+            <a:off x="6263758" y="4146052"/>
+            <a:ext cx="5536945" cy="1785104"/>
+          </a:xfrm>
+          <a:prstGeom prst="rect">
+            <a:avLst/>
+          </a:prstGeom>
+          <a:noFill/>
+        </p:spPr>
+        <p:txBody>
+          <a:bodyPr wrap="square" rtlCol="0">
+            <a:spAutoFit/>
+          </a:bodyPr>
+          <a:lstStyle/>
+          <a:p>
+            <a:r>
+              <a:rPr lang="es-ES_tradnl" b="1" dirty="0" smtClean="0"/>
+              <a:t>FLUJO DE TRABAJO</a:t>
+            </a:r>
+          </a:p>
+          <a:p>
+            <a:pPr marL="342900" indent="-342900">
+              <a:buFont typeface="+mj-lt"/>
+              <a:buAutoNum type="arabicPeriod"/>
+            </a:pPr>
+            <a:r>
+              <a:rPr lang="es-ES_tradnl" dirty="0" smtClean="0"/>
+              <a:t>Modificar archivos en directorio trabajo.</a:t>
+            </a:r>
+          </a:p>
+          <a:p>
+            <a:pPr marL="342900" indent="-342900">
+              <a:buFont typeface="+mj-lt"/>
+              <a:buAutoNum type="arabicPeriod"/>
+            </a:pPr>
+            <a:r>
+              <a:rPr lang="es-ES_tradnl" dirty="0" smtClean="0"/>
+              <a:t>Preparar los archivo, </a:t>
+            </a:r>
+            <a:r>
+              <a:rPr lang="es-ES_tradnl" dirty="0" err="1" smtClean="0"/>
+              <a:t>instantaneas</a:t>
+            </a:r>
+            <a:r>
+              <a:rPr lang="es-ES_tradnl" dirty="0" smtClean="0"/>
+              <a:t> en el área de preparación.</a:t>
+            </a:r>
+          </a:p>
+          <a:p>
+            <a:pPr marL="342900" indent="-342900">
+              <a:buFont typeface="+mj-lt"/>
+              <a:buAutoNum type="arabicPeriod"/>
+            </a:pPr>
+            <a:r>
+              <a:rPr lang="es-ES_tradnl" dirty="0" smtClean="0"/>
+              <a:t>Confirmar los cambios, almacenando sus instantáneas en el directorio GIT.</a:t>
+            </a:r>
+            <a:endParaRPr lang="es-ES_tradnl" dirty="0"/>
+          </a:p>
+        </p:txBody>
+      </p:sp>
+      <p:sp>
+        <p:nvSpPr>
+          <p:cNvPr id="9" name="CuadroTexto 8"/>
+          <p:cNvSpPr txBox="1"/>
+          <p:nvPr/>
+        </p:nvSpPr>
+        <p:spPr>
+          <a:xfrm>
+            <a:off x="56876" y="6340526"/>
+            <a:ext cx="2902205" cy="369332"/>
+          </a:xfrm>
+          <a:prstGeom prst="rect">
+            <a:avLst/>
+          </a:prstGeom>
+          <a:solidFill>
+            <a:schemeClr val="tx2">
+              <a:lumMod val="75000"/>
+              <a:lumOff val="25000"/>
+            </a:schemeClr>
+          </a:solidFill>
+        </p:spPr>
+        <p:txBody>
+          <a:bodyPr wrap="none" rtlCol="0">
+            <a:spAutoFit/>
+          </a:bodyPr>
+          <a:lstStyle/>
+          <a:p>
+            <a:r>
+              <a:rPr lang="es-ES_tradnl" dirty="0" smtClean="0">
+                <a:solidFill>
+                  <a:schemeClr val="bg1"/>
+                </a:solidFill>
+              </a:rPr>
+              <a:t>Fuente: https</a:t>
+            </a:r>
+            <a:r>
+              <a:rPr lang="es-ES_tradnl" dirty="0">
+                <a:solidFill>
+                  <a:schemeClr val="bg1"/>
+                </a:solidFill>
+              </a:rPr>
+              <a:t>://</a:t>
+            </a:r>
+            <a:r>
+              <a:rPr lang="es-ES_tradnl" dirty="0" err="1">
+                <a:solidFill>
+                  <a:schemeClr val="bg1"/>
+                </a:solidFill>
+              </a:rPr>
+              <a:t>git-scm.com</a:t>
+            </a:r>
+            <a:r>
+              <a:rPr lang="es-ES_tradnl" dirty="0">
+                <a:solidFill>
+                  <a:schemeClr val="bg1"/>
+                </a:solidFill>
+              </a:rPr>
+              <a:t>/</a:t>
+            </a:r>
+          </a:p>
+        </p:txBody>
+      </p:sp>
+    </p:spTree>
+    <p:extLst>
+      <p:ext uri="{BB962C8B-B14F-4D97-AF65-F5344CB8AC3E}">
+        <p14:creationId xmlns:p14="http://schemas.microsoft.com/office/powerpoint/2010/main" val="1646112634"/>
+      </p:ext>
+    </p:extLst>
+  </p:cSld>
+  <p:clrMapOvr>
+    <a:masterClrMapping/>
+  </p:clrMapOvr>
+</p:sld>
+</file>
+
+<file path=ppt/slides/slide11.xml><?xml version="1.0" encoding="utf-8"?>
+<p:sld xmlns:a="http://schemas.openxmlformats.org/drawingml/2006/main" xmlns:r="http://schemas.openxmlformats.org/officeDocument/2006/relationships" xmlns:p="http://schemas.openxmlformats.org/presentationml/2006/main">
+  <p:cSld>
+    <p:spTree>
+      <p:nvGrpSpPr>
+        <p:cNvPr id="1" name=""/>
+        <p:cNvGrpSpPr/>
+        <p:nvPr/>
+      </p:nvGrpSpPr>
+      <p:grpSpPr>
+        <a:xfrm>
+          <a:off x="0" y="0"/>
+          <a:ext cx="0" cy="0"/>
+          <a:chOff x="0" y="0"/>
+          <a:chExt cx="0" cy="0"/>
+        </a:xfrm>
+      </p:grpSpPr>
+      <p:sp>
+        <p:nvSpPr>
+          <p:cNvPr id="2" name="Título 1"/>
+          <p:cNvSpPr>
+            <a:spLocks noGrp="1"/>
+          </p:cNvSpPr>
+          <p:nvPr>
+            <p:ph type="title"/>
+          </p:nvPr>
+        </p:nvSpPr>
+        <p:spPr>
+          <a:xfrm>
+            <a:off x="1484310" y="117389"/>
+            <a:ext cx="10018713" cy="673443"/>
+          </a:xfrm>
+        </p:spPr>
+        <p:txBody>
+          <a:bodyPr>
+            <a:normAutofit fontScale="90000"/>
+          </a:bodyPr>
+          <a:lstStyle/>
+          <a:p>
+            <a:r>
+              <a:rPr lang="es-ES" dirty="0" smtClean="0"/>
+              <a:t>Ramas en </a:t>
+            </a:r>
+            <a:r>
+              <a:rPr lang="es-ES_tradnl" dirty="0" smtClean="0"/>
+              <a:t>GIT (</a:t>
+            </a:r>
+            <a:r>
+              <a:rPr lang="es-ES_tradnl" dirty="0" err="1" smtClean="0"/>
+              <a:t>branching</a:t>
+            </a:r>
+            <a:r>
+              <a:rPr lang="es-ES_tradnl" dirty="0" smtClean="0"/>
+              <a:t>)</a:t>
+            </a:r>
+            <a:endParaRPr lang="es-ES_tradnl" dirty="0"/>
+          </a:p>
+        </p:txBody>
+      </p:sp>
+      <p:sp>
+        <p:nvSpPr>
+          <p:cNvPr id="6" name="CuadroTexto 5"/>
+          <p:cNvSpPr txBox="1"/>
+          <p:nvPr/>
+        </p:nvSpPr>
+        <p:spPr>
+          <a:xfrm>
+            <a:off x="6263758" y="1283730"/>
+            <a:ext cx="5239265" cy="4247317"/>
+          </a:xfrm>
+          <a:prstGeom prst="rect">
+            <a:avLst/>
+          </a:prstGeom>
+          <a:noFill/>
+        </p:spPr>
+        <p:txBody>
+          <a:bodyPr wrap="square" rtlCol="0">
+            <a:spAutoFit/>
+          </a:bodyPr>
+          <a:lstStyle/>
+          <a:p>
+            <a:pPr marL="285750" indent="-285750" algn="just">
+              <a:buFont typeface="Arial" charset="0"/>
+              <a:buChar char="•"/>
+            </a:pPr>
+            <a:r>
+              <a:rPr lang="es-ES_tradnl" dirty="0" smtClean="0"/>
+              <a:t>Existe una rama principal (master), la cual es la inicial.</a:t>
+            </a:r>
+          </a:p>
+          <a:p>
+            <a:pPr marL="285750" indent="-285750" algn="just">
+              <a:buFont typeface="Arial" charset="0"/>
+              <a:buChar char="•"/>
+            </a:pPr>
+            <a:r>
+              <a:rPr lang="es-ES_tradnl" dirty="0" smtClean="0"/>
+              <a:t>Se pueden crear ramas en base a master o </a:t>
+            </a:r>
+            <a:r>
+              <a:rPr lang="es-ES_tradnl" dirty="0" err="1" smtClean="0"/>
+              <a:t>subramas</a:t>
+            </a:r>
+            <a:r>
+              <a:rPr lang="es-ES_tradnl" dirty="0" smtClean="0"/>
+              <a:t> (copia de archivos desde rama).</a:t>
+            </a:r>
+          </a:p>
+          <a:p>
+            <a:pPr marL="285750" indent="-285750" algn="just">
+              <a:buFont typeface="Arial" charset="0"/>
+              <a:buChar char="•"/>
+            </a:pPr>
+            <a:r>
+              <a:rPr lang="es-ES_tradnl" dirty="0"/>
+              <a:t>Cada </a:t>
+            </a:r>
+            <a:r>
+              <a:rPr lang="es-ES_tradnl" dirty="0" err="1"/>
+              <a:t>commit</a:t>
+            </a:r>
+            <a:r>
+              <a:rPr lang="es-ES_tradnl" dirty="0"/>
+              <a:t> almacena las instantáneas de los archivos en base a su </a:t>
+            </a:r>
+            <a:r>
+              <a:rPr lang="es-ES_tradnl" dirty="0" err="1" smtClean="0"/>
+              <a:t>checksum</a:t>
+            </a:r>
+            <a:r>
+              <a:rPr lang="es-ES_tradnl" dirty="0" smtClean="0"/>
+              <a:t> (nodo verde).</a:t>
+            </a:r>
+          </a:p>
+          <a:p>
+            <a:pPr marL="285750" indent="-285750" algn="just">
+              <a:buFont typeface="Arial" charset="0"/>
+              <a:buChar char="•"/>
+            </a:pPr>
+            <a:r>
+              <a:rPr lang="es-ES_tradnl" dirty="0" smtClean="0"/>
+              <a:t>Se avanza en paralelo en las diferentes ramas realizando cambios.</a:t>
+            </a:r>
+          </a:p>
+          <a:p>
+            <a:pPr marL="285750" indent="-285750" algn="just">
+              <a:buFont typeface="Arial" charset="0"/>
+              <a:buChar char="•"/>
+            </a:pPr>
+            <a:r>
+              <a:rPr lang="es-ES_tradnl" dirty="0" smtClean="0"/>
+              <a:t>HEAD es el apuntador que nos indica en la </a:t>
+            </a:r>
+            <a:r>
+              <a:rPr lang="es-ES_tradnl" dirty="0" err="1" smtClean="0"/>
+              <a:t>version</a:t>
+            </a:r>
+            <a:r>
+              <a:rPr lang="es-ES_tradnl" dirty="0" smtClean="0"/>
+              <a:t> y rama que nos encontramos, la cual se puede mover entre ramas (</a:t>
+            </a:r>
+            <a:r>
+              <a:rPr lang="es-ES_tradnl" dirty="0" err="1" smtClean="0"/>
+              <a:t>checkout</a:t>
+            </a:r>
+            <a:r>
+              <a:rPr lang="es-ES_tradnl" dirty="0" smtClean="0"/>
+              <a:t>).</a:t>
+            </a:r>
+          </a:p>
+          <a:p>
+            <a:pPr marL="285750" indent="-285750" algn="just">
+              <a:buFont typeface="Arial" charset="0"/>
+              <a:buChar char="•"/>
+            </a:pPr>
+            <a:r>
+              <a:rPr lang="es-ES_tradnl" dirty="0" smtClean="0"/>
+              <a:t>Al fusionar las ramas, se arrastran los cambios a la rama principal (fusión de cambios).</a:t>
+            </a:r>
+          </a:p>
+          <a:p>
+            <a:pPr marL="285750" indent="-285750" algn="just">
+              <a:buFont typeface="Arial" charset="0"/>
+              <a:buChar char="•"/>
+            </a:pPr>
+            <a:endParaRPr lang="es-ES_tradnl" dirty="0" smtClean="0"/>
+          </a:p>
+          <a:p>
+            <a:pPr marL="285750" indent="-285750" algn="just">
+              <a:buFont typeface="Arial" charset="0"/>
+              <a:buChar char="•"/>
+            </a:pPr>
+            <a:endParaRPr lang="es-ES_tradnl" b="1" dirty="0"/>
+          </a:p>
+        </p:txBody>
+      </p:sp>
+      <p:pic>
+        <p:nvPicPr>
+          <p:cNvPr id="8" name="Imagen 7"/>
+          <p:cNvPicPr>
+            <a:picLocks noChangeAspect="1"/>
+          </p:cNvPicPr>
+          <p:nvPr/>
+        </p:nvPicPr>
+        <p:blipFill>
+          <a:blip r:embed="rId2">
+            <a:extLst>
+              <a:ext uri="{28A0092B-C50C-407E-A947-70E740481C1C}">
+                <a14:useLocalDpi xmlns:a14="http://schemas.microsoft.com/office/drawing/2010/main" val="0"/>
+              </a:ext>
+            </a:extLst>
+          </a:blip>
+          <a:stretch>
+            <a:fillRect/>
+          </a:stretch>
+        </p:blipFill>
+        <p:spPr>
+          <a:xfrm>
+            <a:off x="1176638" y="1038998"/>
+            <a:ext cx="4965259" cy="5213522"/>
+          </a:xfrm>
+          <a:prstGeom prst="rect">
+            <a:avLst/>
+          </a:prstGeom>
+        </p:spPr>
+      </p:pic>
+      <p:sp>
+        <p:nvSpPr>
+          <p:cNvPr id="7" name="CuadroTexto 6"/>
+          <p:cNvSpPr txBox="1"/>
+          <p:nvPr/>
+        </p:nvSpPr>
+        <p:spPr>
+          <a:xfrm>
+            <a:off x="56876" y="6340526"/>
+            <a:ext cx="2902205" cy="369332"/>
+          </a:xfrm>
+          <a:prstGeom prst="rect">
+            <a:avLst/>
+          </a:prstGeom>
+          <a:solidFill>
+            <a:schemeClr val="tx2">
+              <a:lumMod val="75000"/>
+              <a:lumOff val="25000"/>
+            </a:schemeClr>
+          </a:solidFill>
+        </p:spPr>
+        <p:txBody>
+          <a:bodyPr wrap="none" rtlCol="0">
+            <a:spAutoFit/>
+          </a:bodyPr>
+          <a:lstStyle/>
+          <a:p>
+            <a:r>
+              <a:rPr lang="es-ES_tradnl" dirty="0" smtClean="0">
+                <a:solidFill>
+                  <a:schemeClr val="bg1"/>
+                </a:solidFill>
+              </a:rPr>
+              <a:t>Fuente: https</a:t>
+            </a:r>
+            <a:r>
+              <a:rPr lang="es-ES_tradnl" dirty="0">
+                <a:solidFill>
+                  <a:schemeClr val="bg1"/>
+                </a:solidFill>
+              </a:rPr>
+              <a:t>://</a:t>
+            </a:r>
+            <a:r>
+              <a:rPr lang="es-ES_tradnl" dirty="0" err="1">
+                <a:solidFill>
+                  <a:schemeClr val="bg1"/>
+                </a:solidFill>
+              </a:rPr>
+              <a:t>git-scm.com</a:t>
+            </a:r>
+            <a:r>
+              <a:rPr lang="es-ES_tradnl" dirty="0">
+                <a:solidFill>
+                  <a:schemeClr val="bg1"/>
+                </a:solidFill>
+              </a:rPr>
+              <a:t>/</a:t>
+            </a:r>
+          </a:p>
+        </p:txBody>
+      </p:sp>
+    </p:spTree>
+    <p:extLst>
+      <p:ext uri="{BB962C8B-B14F-4D97-AF65-F5344CB8AC3E}">
+        <p14:creationId xmlns:p14="http://schemas.microsoft.com/office/powerpoint/2010/main" val="1378200591"/>
+      </p:ext>
+    </p:extLst>
+  </p:cSld>
+  <p:clrMapOvr>
+    <a:masterClrMapping/>
+  </p:clrMapOvr>
+</p:sld>
+</file>
+
+<file path=ppt/slides/slide12.xml><?xml version="1.0" encoding="utf-8"?>
+<p:sld xmlns:a="http://schemas.openxmlformats.org/drawingml/2006/main" xmlns:r="http://schemas.openxmlformats.org/officeDocument/2006/relationships" xmlns:p="http://schemas.openxmlformats.org/presentationml/2006/main">
+  <p:cSld>
+    <p:spTree>
+      <p:nvGrpSpPr>
+        <p:cNvPr id="1" name=""/>
+        <p:cNvGrpSpPr/>
+        <p:nvPr/>
+      </p:nvGrpSpPr>
+      <p:grpSpPr>
+        <a:xfrm>
+          <a:off x="0" y="0"/>
+          <a:ext cx="0" cy="0"/>
+          <a:chOff x="0" y="0"/>
+          <a:chExt cx="0" cy="0"/>
+        </a:xfrm>
+      </p:grpSpPr>
+      <p:sp>
+        <p:nvSpPr>
+          <p:cNvPr id="2" name="Título 1"/>
+          <p:cNvSpPr>
+            <a:spLocks noGrp="1"/>
+          </p:cNvSpPr>
+          <p:nvPr>
+            <p:ph type="title"/>
+          </p:nvPr>
+        </p:nvSpPr>
+        <p:spPr/>
+        <p:txBody>
+          <a:bodyPr/>
+          <a:lstStyle/>
+          <a:p>
+            <a:r>
+              <a:rPr lang="es-ES_tradnl" dirty="0" smtClean="0"/>
+              <a:t>¿C</a:t>
+            </a:r>
+            <a:r>
+              <a:rPr lang="es-ES" dirty="0" err="1" smtClean="0"/>
+              <a:t>ómo</a:t>
+            </a:r>
+            <a:r>
+              <a:rPr lang="es-ES" dirty="0" smtClean="0"/>
+              <a:t> </a:t>
+            </a:r>
+            <a:r>
+              <a:rPr lang="es-ES" dirty="0" smtClean="0"/>
+              <a:t>lo </a:t>
+            </a:r>
+            <a:r>
+              <a:rPr lang="es-ES" dirty="0" smtClean="0"/>
+              <a:t>utilizo?</a:t>
+            </a:r>
+            <a:endParaRPr lang="es-ES_tradnl" dirty="0"/>
+          </a:p>
+        </p:txBody>
+      </p:sp>
+      <p:sp>
+        <p:nvSpPr>
+          <p:cNvPr id="3" name="Marcador de contenido 2"/>
+          <p:cNvSpPr>
+            <a:spLocks noGrp="1"/>
+          </p:cNvSpPr>
+          <p:nvPr>
+            <p:ph idx="1"/>
+          </p:nvPr>
+        </p:nvSpPr>
+        <p:spPr/>
+        <p:txBody>
+          <a:bodyPr/>
+          <a:lstStyle/>
+          <a:p>
+            <a:endParaRPr lang="es-ES_tradnl"/>
+          </a:p>
+        </p:txBody>
+      </p:sp>
+    </p:spTree>
+    <p:extLst>
+      <p:ext uri="{BB962C8B-B14F-4D97-AF65-F5344CB8AC3E}">
+        <p14:creationId xmlns:p14="http://schemas.microsoft.com/office/powerpoint/2010/main" val="881217806"/>
+      </p:ext>
+    </p:extLst>
+  </p:cSld>
+  <p:clrMapOvr>
+    <a:masterClrMapping/>
+  </p:clrMapOvr>
+</p:sld>
+</file>
+
+<file path=ppt/slides/slide13.xml><?xml version="1.0" encoding="utf-8"?>
+<p:sld xmlns:a="http://schemas.openxmlformats.org/drawingml/2006/main" xmlns:r="http://schemas.openxmlformats.org/officeDocument/2006/relationships" xmlns:p="http://schemas.openxmlformats.org/presentationml/2006/main">
+  <p:cSld>
+    <p:spTree>
+      <p:nvGrpSpPr>
+        <p:cNvPr id="1" name=""/>
+        <p:cNvGrpSpPr/>
+        <p:nvPr/>
+      </p:nvGrpSpPr>
+      <p:grpSpPr>
+        <a:xfrm>
+          <a:off x="0" y="0"/>
+          <a:ext cx="0" cy="0"/>
+          <a:chOff x="0" y="0"/>
+          <a:chExt cx="0" cy="0"/>
+        </a:xfrm>
+      </p:grpSpPr>
+      <p:sp>
+        <p:nvSpPr>
+          <p:cNvPr id="2" name="Título 1"/>
+          <p:cNvSpPr>
+            <a:spLocks noGrp="1"/>
+          </p:cNvSpPr>
+          <p:nvPr>
+            <p:ph type="title"/>
+          </p:nvPr>
+        </p:nvSpPr>
+        <p:spPr>
+          <a:xfrm>
+            <a:off x="1484310" y="117389"/>
+            <a:ext cx="10018713" cy="673443"/>
+          </a:xfrm>
+        </p:spPr>
+        <p:txBody>
+          <a:bodyPr>
+            <a:normAutofit fontScale="90000"/>
+          </a:bodyPr>
+          <a:lstStyle/>
+          <a:p>
+            <a:r>
+              <a:rPr lang="es-ES" dirty="0" smtClean="0"/>
+              <a:t>Actividades con GIT</a:t>
+            </a:r>
+            <a:endParaRPr lang="es-ES_tradnl" dirty="0"/>
+          </a:p>
+        </p:txBody>
+      </p:sp>
+      <p:sp>
+        <p:nvSpPr>
+          <p:cNvPr id="6" name="CuadroTexto 5"/>
+          <p:cNvSpPr txBox="1"/>
+          <p:nvPr/>
+        </p:nvSpPr>
+        <p:spPr>
+          <a:xfrm>
+            <a:off x="1804086" y="1283730"/>
+            <a:ext cx="9698937" cy="3416320"/>
+          </a:xfrm>
+          <a:prstGeom prst="rect">
+            <a:avLst/>
+          </a:prstGeom>
+          <a:noFill/>
+        </p:spPr>
+        <p:txBody>
+          <a:bodyPr wrap="square" rtlCol="0">
+            <a:spAutoFit/>
+          </a:bodyPr>
+          <a:lstStyle/>
+          <a:p>
+            <a:pPr marL="342900" marR="0" lvl="0" indent="-342900" algn="just" defTabSz="914400" eaLnBrk="1" fontAlgn="auto" latinLnBrk="0" hangingPunct="1">
+              <a:lnSpc>
+                <a:spcPct val="100000"/>
+              </a:lnSpc>
+              <a:spcBef>
+                <a:spcPts val="0"/>
+              </a:spcBef>
+              <a:spcAft>
+                <a:spcPts val="0"/>
+              </a:spcAft>
+              <a:buClrTx/>
+              <a:buSzTx/>
+              <a:buFont typeface="+mj-lt"/>
+              <a:buAutoNum type="arabicPeriod"/>
+              <a:tabLst/>
+              <a:defRPr/>
+            </a:pPr>
+            <a:r>
+              <a:rPr lang="es-ES_tradnl" dirty="0" smtClean="0"/>
+              <a:t>Crear cuenta</a:t>
+            </a:r>
+          </a:p>
+          <a:p>
+            <a:pPr marL="800100" lvl="1" indent="-342900" algn="just" defTabSz="914400">
+              <a:buFont typeface="+mj-lt"/>
+              <a:buAutoNum type="alphaLcParenR"/>
+            </a:pPr>
+            <a:r>
+              <a:rPr lang="es-ES_tradnl" dirty="0" smtClean="0"/>
+              <a:t>Registro en </a:t>
+            </a:r>
+            <a:r>
+              <a:rPr lang="es-ES_tradnl" dirty="0" err="1" smtClean="0"/>
+              <a:t>github</a:t>
+            </a:r>
+            <a:r>
+              <a:rPr lang="es-ES_tradnl" dirty="0" smtClean="0"/>
+              <a:t>.</a:t>
+            </a:r>
+          </a:p>
+          <a:p>
+            <a:pPr marL="800100" lvl="1" indent="-342900" algn="just" defTabSz="914400">
+              <a:buFont typeface="+mj-lt"/>
+              <a:buAutoNum type="alphaLcParenR"/>
+            </a:pPr>
+            <a:r>
+              <a:rPr lang="es-ES_tradnl" dirty="0" smtClean="0"/>
+              <a:t>Crear un proyecto (repositorio) de prueba.</a:t>
+            </a:r>
+          </a:p>
+          <a:p>
+            <a:pPr marL="800100" lvl="1" indent="-342900" algn="just" defTabSz="914400">
+              <a:buFont typeface="+mj-lt"/>
+              <a:buAutoNum type="alphaLcParenR"/>
+            </a:pPr>
+            <a:r>
+              <a:rPr lang="es-ES_tradnl" dirty="0" smtClean="0"/>
+              <a:t>Crear un archivo y realizar cambios.</a:t>
+            </a:r>
+          </a:p>
+          <a:p>
+            <a:pPr marL="800100" lvl="1" indent="-342900" algn="just" defTabSz="914400">
+              <a:buFont typeface="+mj-lt"/>
+              <a:buAutoNum type="alphaLcParenR"/>
+            </a:pPr>
+            <a:r>
+              <a:rPr lang="es-ES_tradnl" dirty="0" smtClean="0"/>
+              <a:t>Confirmar los cambios y subir cambios.</a:t>
+            </a:r>
+          </a:p>
+          <a:p>
+            <a:pPr marL="800100" lvl="1" indent="-342900" algn="just" defTabSz="914400">
+              <a:buFont typeface="+mj-lt"/>
+              <a:buAutoNum type="alphaLcParenR"/>
+            </a:pPr>
+            <a:endParaRPr lang="es-ES_tradnl" dirty="0" smtClean="0"/>
+          </a:p>
+          <a:p>
+            <a:pPr marL="342900" indent="-342900" algn="just" defTabSz="914400">
+              <a:buFont typeface="+mj-lt"/>
+              <a:buAutoNum type="arabicPeriod"/>
+            </a:pPr>
+            <a:r>
+              <a:rPr lang="es-ES_tradnl" dirty="0" smtClean="0"/>
+              <a:t>Clonar un proyecto existente</a:t>
+            </a:r>
+          </a:p>
+          <a:p>
+            <a:pPr marL="800100" lvl="1" indent="-342900" algn="just" defTabSz="914400">
+              <a:buFont typeface="+mj-lt"/>
+              <a:buAutoNum type="alphaLcParenR"/>
+            </a:pPr>
+            <a:r>
+              <a:rPr lang="es-ES_tradnl" dirty="0" smtClean="0"/>
+              <a:t>Ubicarse en la rama correspondiente.</a:t>
+            </a:r>
+          </a:p>
+          <a:p>
+            <a:pPr marL="800100" lvl="1" indent="-342900" algn="just" defTabSz="914400">
+              <a:buFont typeface="+mj-lt"/>
+              <a:buAutoNum type="alphaLcParenR"/>
+            </a:pPr>
+            <a:r>
+              <a:rPr lang="es-ES_tradnl" dirty="0" smtClean="0"/>
+              <a:t>Realizar cambios a un determinado archivo.</a:t>
+            </a:r>
+          </a:p>
+          <a:p>
+            <a:pPr marL="800100" lvl="1" indent="-342900" algn="just" defTabSz="914400">
+              <a:buFont typeface="+mj-lt"/>
+              <a:buAutoNum type="alphaLcParenR"/>
+            </a:pPr>
+            <a:r>
+              <a:rPr lang="es-ES_tradnl" dirty="0" smtClean="0"/>
+              <a:t>Confirmar cambios y subirlos.</a:t>
+            </a:r>
+          </a:p>
+          <a:p>
+            <a:pPr marL="800100" lvl="1" indent="-342900" algn="just" defTabSz="914400">
+              <a:buFont typeface="+mj-lt"/>
+              <a:buAutoNum type="alphaLcParenR"/>
+            </a:pPr>
+            <a:r>
+              <a:rPr lang="es-ES_tradnl" dirty="0" smtClean="0"/>
+              <a:t>Fusionar las ramas (administrador).</a:t>
+            </a:r>
+          </a:p>
+          <a:p>
+            <a:pPr marL="800100" lvl="1" indent="-342900" algn="just" defTabSz="914400">
+              <a:buFont typeface="+mj-lt"/>
+              <a:buAutoNum type="alphaLcParenR"/>
+            </a:pPr>
+            <a:r>
+              <a:rPr lang="es-ES_tradnl" dirty="0" smtClean="0"/>
+              <a:t>Visualizar versión actualizada en master.</a:t>
+            </a:r>
+            <a:endParaRPr lang="es-ES_tradnl" dirty="0"/>
+          </a:p>
+        </p:txBody>
+      </p:sp>
+      <p:sp>
+        <p:nvSpPr>
+          <p:cNvPr id="4" name="CuadroTexto 3"/>
+          <p:cNvSpPr txBox="1"/>
+          <p:nvPr/>
+        </p:nvSpPr>
+        <p:spPr>
+          <a:xfrm>
+            <a:off x="56876" y="6340526"/>
+            <a:ext cx="2902205" cy="369332"/>
+          </a:xfrm>
+          <a:prstGeom prst="rect">
+            <a:avLst/>
+          </a:prstGeom>
+          <a:solidFill>
+            <a:schemeClr val="tx2">
+              <a:lumMod val="75000"/>
+              <a:lumOff val="25000"/>
+            </a:schemeClr>
+          </a:solidFill>
+        </p:spPr>
+        <p:txBody>
+          <a:bodyPr wrap="none" rtlCol="0">
+            <a:spAutoFit/>
+          </a:bodyPr>
+          <a:lstStyle/>
+          <a:p>
+            <a:r>
+              <a:rPr lang="es-ES_tradnl" dirty="0" smtClean="0">
+                <a:solidFill>
+                  <a:schemeClr val="bg1"/>
+                </a:solidFill>
+              </a:rPr>
+              <a:t>Fuente: https</a:t>
+            </a:r>
+            <a:r>
+              <a:rPr lang="es-ES_tradnl" dirty="0">
+                <a:solidFill>
+                  <a:schemeClr val="bg1"/>
+                </a:solidFill>
+              </a:rPr>
+              <a:t>://</a:t>
+            </a:r>
+            <a:r>
+              <a:rPr lang="es-ES_tradnl" dirty="0" err="1">
+                <a:solidFill>
+                  <a:schemeClr val="bg1"/>
+                </a:solidFill>
+              </a:rPr>
+              <a:t>git-scm.com</a:t>
+            </a:r>
+            <a:r>
+              <a:rPr lang="es-ES_tradnl" dirty="0">
+                <a:solidFill>
+                  <a:schemeClr val="bg1"/>
+                </a:solidFill>
+              </a:rPr>
+              <a:t>/</a:t>
+            </a:r>
+          </a:p>
+        </p:txBody>
+      </p:sp>
+      <p:pic>
+        <p:nvPicPr>
+          <p:cNvPr id="3" name="Imagen 2"/>
+          <p:cNvPicPr>
+            <a:picLocks noChangeAspect="1"/>
+          </p:cNvPicPr>
+          <p:nvPr/>
+        </p:nvPicPr>
+        <p:blipFill>
+          <a:blip r:embed="rId2">
+            <a:extLst>
+              <a:ext uri="{28A0092B-C50C-407E-A947-70E740481C1C}">
+                <a14:useLocalDpi xmlns:a14="http://schemas.microsoft.com/office/drawing/2010/main" val="0"/>
+              </a:ext>
+            </a:extLst>
+          </a:blip>
+          <a:stretch>
+            <a:fillRect/>
+          </a:stretch>
+        </p:blipFill>
+        <p:spPr>
+          <a:xfrm>
+            <a:off x="3606084" y="4826318"/>
+            <a:ext cx="7585656" cy="1683952"/>
+          </a:xfrm>
+          <a:prstGeom prst="rect">
+            <a:avLst/>
+          </a:prstGeom>
+        </p:spPr>
+      </p:pic>
+    </p:spTree>
+    <p:extLst>
+      <p:ext uri="{BB962C8B-B14F-4D97-AF65-F5344CB8AC3E}">
+        <p14:creationId xmlns:p14="http://schemas.microsoft.com/office/powerpoint/2010/main" val="116525941"/>
+      </p:ext>
+    </p:extLst>
+  </p:cSld>
+  <p:clrMapOvr>
+    <a:masterClrMapping/>
+  </p:clrMapOvr>
+</p:sld>
+</file>
+
 <file path=ppt/slides/slide2.xml><?xml version="1.0" encoding="utf-8"?>
+<p:sld xmlns:a="http://schemas.openxmlformats.org/drawingml/2006/main" xmlns:r="http://schemas.openxmlformats.org/officeDocument/2006/relationships" xmlns:p="http://schemas.openxmlformats.org/presentationml/2006/main">
+  <p:cSld>
+    <p:spTree>
+      <p:nvGrpSpPr>
+        <p:cNvPr id="1" name=""/>
+        <p:cNvGrpSpPr/>
+        <p:nvPr/>
+      </p:nvGrpSpPr>
+      <p:grpSpPr>
+        <a:xfrm>
+          <a:off x="0" y="0"/>
+          <a:ext cx="0" cy="0"/>
+          <a:chOff x="0" y="0"/>
+          <a:chExt cx="0" cy="0"/>
+        </a:xfrm>
+      </p:grpSpPr>
+      <p:sp>
+        <p:nvSpPr>
+          <p:cNvPr id="2" name="Título 1"/>
+          <p:cNvSpPr>
+            <a:spLocks noGrp="1"/>
+          </p:cNvSpPr>
+          <p:nvPr>
+            <p:ph type="title"/>
+          </p:nvPr>
+        </p:nvSpPr>
+        <p:spPr/>
+        <p:txBody>
+          <a:bodyPr/>
+          <a:lstStyle/>
+          <a:p>
+            <a:r>
+              <a:rPr lang="es-ES_tradnl" dirty="0" smtClean="0"/>
+              <a:t>¿</a:t>
+            </a:r>
+            <a:r>
+              <a:rPr lang="es-ES_tradnl" dirty="0" err="1" smtClean="0"/>
+              <a:t>Qu</a:t>
+            </a:r>
+            <a:r>
+              <a:rPr lang="es-ES" dirty="0" smtClean="0"/>
+              <a:t>é es GIT?</a:t>
+            </a:r>
+            <a:endParaRPr lang="es-ES_tradnl" dirty="0"/>
+          </a:p>
+        </p:txBody>
+      </p:sp>
+      <p:sp>
+        <p:nvSpPr>
+          <p:cNvPr id="3" name="Marcador de contenido 2"/>
+          <p:cNvSpPr>
+            <a:spLocks noGrp="1"/>
+          </p:cNvSpPr>
+          <p:nvPr>
+            <p:ph idx="1"/>
+          </p:nvPr>
+        </p:nvSpPr>
+        <p:spPr/>
+        <p:txBody>
+          <a:bodyPr>
+            <a:normAutofit fontScale="85000" lnSpcReduction="20000"/>
+          </a:bodyPr>
+          <a:lstStyle/>
+          <a:p>
+            <a:r>
+              <a:rPr lang="es-ES_tradnl" dirty="0" err="1"/>
+              <a:t>Git</a:t>
+            </a:r>
+            <a:r>
+              <a:rPr lang="es-ES_tradnl" dirty="0"/>
+              <a:t> </a:t>
+            </a:r>
+            <a:r>
+              <a:rPr lang="es-ES_tradnl" dirty="0" smtClean="0"/>
+              <a:t> es un sistema de control de versiones distribuido free y open </a:t>
+            </a:r>
+            <a:r>
+              <a:rPr lang="es-ES_tradnl" dirty="0" err="1" smtClean="0"/>
+              <a:t>source</a:t>
+            </a:r>
+            <a:r>
+              <a:rPr lang="es-ES_tradnl" dirty="0" smtClean="0"/>
+              <a:t> diseñado para manejar desde proyectos pequeños a muy grandes con </a:t>
+            </a:r>
+            <a:r>
+              <a:rPr lang="es-ES_tradnl" dirty="0" err="1" smtClean="0"/>
+              <a:t>ra</a:t>
+            </a:r>
+            <a:r>
+              <a:rPr lang="es-ES" dirty="0" err="1" smtClean="0"/>
+              <a:t>pidez</a:t>
+            </a:r>
+            <a:r>
+              <a:rPr lang="es-ES_tradnl" dirty="0" smtClean="0"/>
+              <a:t> y eficiencia. </a:t>
+            </a:r>
+          </a:p>
+          <a:p>
+            <a:r>
+              <a:rPr lang="es-ES_tradnl" dirty="0" smtClean="0"/>
+              <a:t>Control de </a:t>
+            </a:r>
+            <a:r>
+              <a:rPr lang="es-ES_tradnl" dirty="0" err="1" smtClean="0"/>
+              <a:t>versi</a:t>
+            </a:r>
+            <a:r>
+              <a:rPr lang="es-ES" dirty="0" err="1"/>
+              <a:t>o</a:t>
+            </a:r>
+            <a:r>
+              <a:rPr lang="es-ES" dirty="0" err="1" smtClean="0"/>
+              <a:t>nes</a:t>
+            </a:r>
+            <a:r>
+              <a:rPr lang="es-ES" dirty="0" smtClean="0"/>
+              <a:t>: Es un sistema que registra cambios en un archivo o conjunto de archivos a lo largo del tiempo para que más adelante se pueda recuperar versiones especificas.</a:t>
+            </a:r>
+          </a:p>
+          <a:p>
+            <a:endParaRPr lang="es-ES_tradnl" dirty="0"/>
+          </a:p>
+          <a:p>
+            <a:r>
+              <a:rPr lang="es-ES_tradnl" dirty="0" err="1" smtClean="0"/>
+              <a:t>is</a:t>
+            </a:r>
+            <a:r>
+              <a:rPr lang="es-ES_tradnl" dirty="0" smtClean="0"/>
+              <a:t> </a:t>
+            </a:r>
+            <a:r>
+              <a:rPr lang="es-ES_tradnl" dirty="0"/>
+              <a:t>a free and </a:t>
+            </a:r>
+            <a:r>
+              <a:rPr lang="es-ES_tradnl" dirty="0" smtClean="0"/>
+              <a:t>open </a:t>
+            </a:r>
+            <a:r>
+              <a:rPr lang="es-ES_tradnl" dirty="0" err="1"/>
+              <a:t>source</a:t>
+            </a:r>
+            <a:r>
+              <a:rPr lang="es-ES_tradnl" dirty="0"/>
+              <a:t> </a:t>
+            </a:r>
+            <a:r>
+              <a:rPr lang="es-ES_tradnl" dirty="0" err="1"/>
+              <a:t>distributed</a:t>
+            </a:r>
+            <a:r>
+              <a:rPr lang="es-ES_tradnl" dirty="0"/>
+              <a:t> </a:t>
+            </a:r>
+            <a:r>
+              <a:rPr lang="es-ES_tradnl" dirty="0" err="1"/>
+              <a:t>version</a:t>
+            </a:r>
+            <a:r>
+              <a:rPr lang="es-ES_tradnl" dirty="0"/>
+              <a:t> control </a:t>
+            </a:r>
+            <a:r>
+              <a:rPr lang="es-ES_tradnl" dirty="0" err="1" smtClean="0"/>
+              <a:t>system</a:t>
+            </a:r>
+            <a:r>
+              <a:rPr lang="es-ES_tradnl" dirty="0"/>
+              <a:t> </a:t>
+            </a:r>
+            <a:r>
+              <a:rPr lang="es-ES_tradnl" dirty="0" err="1" smtClean="0"/>
+              <a:t>designed</a:t>
+            </a:r>
+            <a:r>
+              <a:rPr lang="es-ES_tradnl" dirty="0" smtClean="0"/>
+              <a:t> </a:t>
+            </a:r>
+            <a:r>
+              <a:rPr lang="es-ES_tradnl" dirty="0"/>
+              <a:t>to </a:t>
+            </a:r>
+            <a:r>
+              <a:rPr lang="es-ES_tradnl" dirty="0" err="1"/>
+              <a:t>handle</a:t>
+            </a:r>
+            <a:r>
+              <a:rPr lang="es-ES_tradnl" dirty="0"/>
+              <a:t> </a:t>
+            </a:r>
+            <a:r>
+              <a:rPr lang="es-ES_tradnl" dirty="0" err="1"/>
+              <a:t>everything</a:t>
+            </a:r>
+            <a:r>
+              <a:rPr lang="es-ES_tradnl" dirty="0"/>
+              <a:t> </a:t>
+            </a:r>
+            <a:r>
+              <a:rPr lang="es-ES_tradnl" dirty="0" err="1"/>
+              <a:t>from</a:t>
+            </a:r>
+            <a:r>
+              <a:rPr lang="es-ES_tradnl" dirty="0"/>
+              <a:t> </a:t>
+            </a:r>
+            <a:r>
+              <a:rPr lang="es-ES_tradnl" dirty="0" err="1"/>
+              <a:t>small</a:t>
+            </a:r>
+            <a:r>
+              <a:rPr lang="es-ES_tradnl" dirty="0"/>
+              <a:t> to </a:t>
+            </a:r>
+            <a:r>
+              <a:rPr lang="es-ES_tradnl" dirty="0" err="1"/>
+              <a:t>very</a:t>
+            </a:r>
+            <a:r>
+              <a:rPr lang="es-ES_tradnl" dirty="0"/>
+              <a:t> </a:t>
+            </a:r>
+            <a:r>
+              <a:rPr lang="es-ES_tradnl" dirty="0" err="1"/>
+              <a:t>large</a:t>
+            </a:r>
+            <a:r>
+              <a:rPr lang="es-ES_tradnl" dirty="0"/>
+              <a:t> </a:t>
+            </a:r>
+            <a:r>
+              <a:rPr lang="es-ES_tradnl" dirty="0" err="1"/>
+              <a:t>projects</a:t>
+            </a:r>
+            <a:r>
+              <a:rPr lang="es-ES_tradnl" dirty="0"/>
+              <a:t> </a:t>
+            </a:r>
+            <a:r>
+              <a:rPr lang="es-ES_tradnl" dirty="0" err="1"/>
+              <a:t>with</a:t>
+            </a:r>
+            <a:r>
+              <a:rPr lang="es-ES_tradnl" dirty="0"/>
+              <a:t> </a:t>
+            </a:r>
+            <a:r>
+              <a:rPr lang="es-ES_tradnl" dirty="0" err="1"/>
+              <a:t>speed</a:t>
+            </a:r>
+            <a:r>
+              <a:rPr lang="es-ES_tradnl" dirty="0"/>
+              <a:t> and </a:t>
+            </a:r>
+            <a:r>
+              <a:rPr lang="es-ES_tradnl" dirty="0" err="1"/>
+              <a:t>efficiency</a:t>
+            </a:r>
+            <a:r>
+              <a:rPr lang="es-ES_tradnl" dirty="0" smtClean="0"/>
+              <a:t>.</a:t>
+            </a:r>
+            <a:endParaRPr lang="es-ES_tradnl" dirty="0"/>
+          </a:p>
+          <a:p>
+            <a:r>
+              <a:rPr lang="es-ES_tradnl" dirty="0" err="1" smtClean="0"/>
+              <a:t>Version</a:t>
+            </a:r>
+            <a:r>
+              <a:rPr lang="es-ES_tradnl" dirty="0" smtClean="0"/>
+              <a:t> control</a:t>
+            </a:r>
+            <a:r>
+              <a:rPr lang="es-ES_tradnl" dirty="0"/>
+              <a:t>:</a:t>
+            </a:r>
+            <a:r>
+              <a:rPr lang="es-ES_tradnl" dirty="0" smtClean="0"/>
+              <a:t> </a:t>
+            </a:r>
+            <a:r>
+              <a:rPr lang="es-ES_tradnl" dirty="0" err="1"/>
+              <a:t>is</a:t>
+            </a:r>
+            <a:r>
+              <a:rPr lang="es-ES_tradnl" dirty="0"/>
+              <a:t> a </a:t>
+            </a:r>
+            <a:r>
+              <a:rPr lang="es-ES_tradnl" dirty="0" err="1"/>
+              <a:t>system</a:t>
+            </a:r>
+            <a:r>
+              <a:rPr lang="es-ES_tradnl" dirty="0"/>
+              <a:t> </a:t>
+            </a:r>
+            <a:r>
+              <a:rPr lang="es-ES_tradnl" dirty="0" err="1"/>
+              <a:t>that</a:t>
+            </a:r>
+            <a:r>
+              <a:rPr lang="es-ES_tradnl" dirty="0"/>
+              <a:t> records </a:t>
+            </a:r>
+            <a:r>
+              <a:rPr lang="es-ES_tradnl" dirty="0" err="1"/>
+              <a:t>changes</a:t>
+            </a:r>
+            <a:r>
+              <a:rPr lang="es-ES_tradnl" dirty="0"/>
+              <a:t> to a file </a:t>
+            </a:r>
+            <a:r>
+              <a:rPr lang="es-ES_tradnl" dirty="0" err="1"/>
+              <a:t>or</a:t>
+            </a:r>
+            <a:r>
+              <a:rPr lang="es-ES_tradnl" dirty="0"/>
+              <a:t> set of files </a:t>
+            </a:r>
+            <a:r>
+              <a:rPr lang="es-ES_tradnl" dirty="0" err="1"/>
+              <a:t>over</a:t>
+            </a:r>
+            <a:r>
+              <a:rPr lang="es-ES_tradnl" dirty="0"/>
+              <a:t> time so </a:t>
+            </a:r>
+            <a:r>
+              <a:rPr lang="es-ES_tradnl" dirty="0" err="1"/>
+              <a:t>that</a:t>
+            </a:r>
+            <a:r>
+              <a:rPr lang="es-ES_tradnl" dirty="0"/>
+              <a:t> </a:t>
+            </a:r>
+            <a:r>
+              <a:rPr lang="es-ES_tradnl" dirty="0" err="1"/>
+              <a:t>you</a:t>
+            </a:r>
+            <a:r>
+              <a:rPr lang="es-ES_tradnl" dirty="0"/>
+              <a:t> can </a:t>
+            </a:r>
+            <a:r>
+              <a:rPr lang="es-ES_tradnl" dirty="0" err="1"/>
+              <a:t>recall</a:t>
+            </a:r>
+            <a:r>
+              <a:rPr lang="es-ES_tradnl" dirty="0"/>
+              <a:t> </a:t>
+            </a:r>
+            <a:r>
+              <a:rPr lang="es-ES_tradnl" dirty="0" err="1"/>
+              <a:t>specific</a:t>
+            </a:r>
+            <a:r>
+              <a:rPr lang="es-ES_tradnl" dirty="0"/>
+              <a:t> </a:t>
+            </a:r>
+            <a:r>
+              <a:rPr lang="es-ES_tradnl" dirty="0" err="1"/>
+              <a:t>versions</a:t>
+            </a:r>
+            <a:r>
+              <a:rPr lang="es-ES_tradnl" dirty="0"/>
+              <a:t> </a:t>
+            </a:r>
+            <a:r>
+              <a:rPr lang="es-ES_tradnl" dirty="0" err="1" smtClean="0"/>
+              <a:t>later</a:t>
+            </a:r>
+            <a:endParaRPr lang="es-ES_tradnl" dirty="0"/>
+          </a:p>
+        </p:txBody>
+      </p:sp>
+    </p:spTree>
+    <p:extLst>
+      <p:ext uri="{BB962C8B-B14F-4D97-AF65-F5344CB8AC3E}">
+        <p14:creationId xmlns:p14="http://schemas.microsoft.com/office/powerpoint/2010/main" val="422520315"/>
+      </p:ext>
+    </p:extLst>
+  </p:cSld>
+  <p:clrMapOvr>
+    <a:masterClrMapping/>
+  </p:clrMapOvr>
+</p:sld>
+</file>
+
+<file path=ppt/slides/slide3.xml><?xml version="1.0" encoding="utf-8"?>
 <p:sld xmlns:a="http://schemas.openxmlformats.org/drawingml/2006/main" xmlns:r="http://schemas.openxmlformats.org/officeDocument/2006/relationships" xmlns:p="http://schemas.openxmlformats.org/presentationml/2006/main">
   <p:cSld>
     <p:spTree>
@@ -7401,7 +8852,7 @@
 </p:sld>
 </file>
 
-<file path=ppt/slides/slide3.xml><?xml version="1.0" encoding="utf-8"?>
+<file path=ppt/slides/slide4.xml><?xml version="1.0" encoding="utf-8"?>
 <p:sld xmlns:a="http://schemas.openxmlformats.org/drawingml/2006/main" xmlns:r="http://schemas.openxmlformats.org/officeDocument/2006/relationships" xmlns:p="http://schemas.openxmlformats.org/presentationml/2006/main">
   <p:cSld>
     <p:spTree>
@@ -7442,7 +8893,7 @@
           <a:p>
             <a:r>
               <a:rPr lang="es-ES_tradnl" dirty="0" smtClean="0"/>
-              <a:t>Historia de GIT (DVCS)</a:t>
+              <a:t>Un poco de historia (Esquema)</a:t>
             </a:r>
             <a:endParaRPr lang="es-ES_tradnl" dirty="0"/>
           </a:p>
@@ -7466,7 +8917,7 @@
         </p:spPr>
         <p:txBody>
           <a:bodyPr>
-            <a:normAutofit fontScale="85000" lnSpcReduction="10000"/>
+            <a:normAutofit/>
           </a:bodyPr>
           <a:lstStyle/>
           <a:p>
@@ -7527,46 +8978,7 @@
             </a:r>
             <a:r>
               <a:rPr lang="es-ES_tradnl" dirty="0" smtClean="0"/>
-              <a:t>a desarrollar GIT. Con objetivos como:</a:t>
-            </a:r>
-          </a:p>
-          <a:p>
-            <a:pPr lvl="1" algn="just"/>
-            <a:r>
-              <a:rPr lang="es-ES_tradnl" dirty="0" smtClean="0"/>
-              <a:t>Velocidad</a:t>
-            </a:r>
-            <a:endParaRPr lang="es-ES_tradnl" dirty="0"/>
-          </a:p>
-          <a:p>
-            <a:pPr lvl="1" algn="just"/>
-            <a:r>
-              <a:rPr lang="es-ES_tradnl" dirty="0" smtClean="0"/>
-              <a:t>Diseño sencillo</a:t>
-            </a:r>
-            <a:endParaRPr lang="es-ES_tradnl" dirty="0"/>
-          </a:p>
-          <a:p>
-            <a:pPr lvl="1" algn="just"/>
-            <a:r>
-              <a:rPr lang="es-ES_tradnl" dirty="0" smtClean="0"/>
-              <a:t>Fuerte apoyo en el desarrollo no lineal (ramas paralelas)</a:t>
-            </a:r>
-            <a:endParaRPr lang="es-ES_tradnl" dirty="0"/>
-          </a:p>
-          <a:p>
-            <a:pPr lvl="1" algn="just"/>
-            <a:r>
-              <a:rPr lang="es-ES_tradnl" dirty="0" smtClean="0"/>
-              <a:t>Completamente distribuido</a:t>
-            </a:r>
-            <a:endParaRPr lang="es-ES_tradnl" dirty="0"/>
-          </a:p>
-          <a:p>
-            <a:pPr lvl="1" algn="just"/>
-            <a:r>
-              <a:rPr lang="es-ES_tradnl" dirty="0" smtClean="0"/>
-              <a:t>Capacidad de manejar grandes proyectos (tamaño de datos)</a:t>
+              <a:t>a desarrollar GIT. </a:t>
             </a:r>
           </a:p>
           <a:p>
@@ -7657,7 +9069,899 @@
 </p:sld>
 </file>
 
-<file path=ppt/slides/slide4.xml><?xml version="1.0" encoding="utf-8"?>
+<file path=ppt/slides/slide5.xml><?xml version="1.0" encoding="utf-8"?>
+<p:sld xmlns:a="http://schemas.openxmlformats.org/drawingml/2006/main" xmlns:r="http://schemas.openxmlformats.org/officeDocument/2006/relationships" xmlns:p="http://schemas.openxmlformats.org/presentationml/2006/main">
+  <p:cSld>
+    <p:spTree>
+      <p:nvGrpSpPr>
+        <p:cNvPr id="1" name=""/>
+        <p:cNvGrpSpPr/>
+        <p:nvPr/>
+      </p:nvGrpSpPr>
+      <p:grpSpPr>
+        <a:xfrm>
+          <a:off x="0" y="0"/>
+          <a:ext cx="0" cy="0"/>
+          <a:chOff x="0" y="0"/>
+          <a:chExt cx="0" cy="0"/>
+        </a:xfrm>
+      </p:grpSpPr>
+      <p:sp>
+        <p:nvSpPr>
+          <p:cNvPr id="4" name="Título 1"/>
+          <p:cNvSpPr>
+            <a:spLocks noGrp="1"/>
+          </p:cNvSpPr>
+          <p:nvPr>
+            <p:ph type="title"/>
+          </p:nvPr>
+        </p:nvSpPr>
+        <p:spPr>
+          <a:xfrm>
+            <a:off x="1484310" y="117389"/>
+            <a:ext cx="10018713" cy="673443"/>
+          </a:xfrm>
+        </p:spPr>
+        <p:txBody>
+          <a:bodyPr>
+            <a:normAutofit fontScale="90000"/>
+          </a:bodyPr>
+          <a:lstStyle/>
+          <a:p>
+            <a:r>
+              <a:rPr lang="es-ES_tradnl" dirty="0" smtClean="0"/>
+              <a:t>Un poco de historia (Esquema)</a:t>
+            </a:r>
+            <a:endParaRPr lang="es-ES_tradnl" dirty="0"/>
+          </a:p>
+        </p:txBody>
+      </p:sp>
+      <p:pic>
+        <p:nvPicPr>
+          <p:cNvPr id="6" name="Imagen 5"/>
+          <p:cNvPicPr>
+            <a:picLocks noChangeAspect="1"/>
+          </p:cNvPicPr>
+          <p:nvPr/>
+        </p:nvPicPr>
+        <p:blipFill>
+          <a:blip r:embed="rId2">
+            <a:extLst>
+              <a:ext uri="{28A0092B-C50C-407E-A947-70E740481C1C}">
+                <a14:useLocalDpi xmlns:a14="http://schemas.microsoft.com/office/drawing/2010/main" val="0"/>
+              </a:ext>
+            </a:extLst>
+          </a:blip>
+          <a:stretch>
+            <a:fillRect/>
+          </a:stretch>
+        </p:blipFill>
+        <p:spPr>
+          <a:xfrm>
+            <a:off x="1031946" y="454110"/>
+            <a:ext cx="2514600" cy="2883408"/>
+          </a:xfrm>
+          <a:prstGeom prst="rect">
+            <a:avLst/>
+          </a:prstGeom>
+        </p:spPr>
+      </p:pic>
+      <p:pic>
+        <p:nvPicPr>
+          <p:cNvPr id="7" name="Imagen 6"/>
+          <p:cNvPicPr>
+            <a:picLocks noChangeAspect="1"/>
+          </p:cNvPicPr>
+          <p:nvPr/>
+        </p:nvPicPr>
+        <p:blipFill>
+          <a:blip r:embed="rId3">
+            <a:extLst>
+              <a:ext uri="{28A0092B-C50C-407E-A947-70E740481C1C}">
+                <a14:useLocalDpi xmlns:a14="http://schemas.microsoft.com/office/drawing/2010/main" val="0"/>
+              </a:ext>
+            </a:extLst>
+          </a:blip>
+          <a:stretch>
+            <a:fillRect/>
+          </a:stretch>
+        </p:blipFill>
+        <p:spPr>
+          <a:xfrm>
+            <a:off x="1149418" y="4318510"/>
+            <a:ext cx="2857500" cy="1276350"/>
+          </a:xfrm>
+          <a:prstGeom prst="rect">
+            <a:avLst/>
+          </a:prstGeom>
+        </p:spPr>
+      </p:pic>
+      <p:pic>
+        <p:nvPicPr>
+          <p:cNvPr id="8" name="Imagen 7"/>
+          <p:cNvPicPr>
+            <a:picLocks noChangeAspect="1"/>
+          </p:cNvPicPr>
+          <p:nvPr/>
+        </p:nvPicPr>
+        <p:blipFill>
+          <a:blip r:embed="rId4">
+            <a:extLst>
+              <a:ext uri="{28A0092B-C50C-407E-A947-70E740481C1C}">
+                <a14:useLocalDpi xmlns:a14="http://schemas.microsoft.com/office/drawing/2010/main" val="0"/>
+              </a:ext>
+            </a:extLst>
+          </a:blip>
+          <a:stretch>
+            <a:fillRect/>
+          </a:stretch>
+        </p:blipFill>
+        <p:spPr>
+          <a:xfrm>
+            <a:off x="4143409" y="2870710"/>
+            <a:ext cx="3467100" cy="1447800"/>
+          </a:xfrm>
+          <a:prstGeom prst="rect">
+            <a:avLst/>
+          </a:prstGeom>
+        </p:spPr>
+      </p:pic>
+      <p:pic>
+        <p:nvPicPr>
+          <p:cNvPr id="9" name="Imagen 8"/>
+          <p:cNvPicPr>
+            <a:picLocks noChangeAspect="1"/>
+          </p:cNvPicPr>
+          <p:nvPr/>
+        </p:nvPicPr>
+        <p:blipFill>
+          <a:blip r:embed="rId5">
+            <a:extLst>
+              <a:ext uri="{28A0092B-C50C-407E-A947-70E740481C1C}">
+                <a14:useLocalDpi xmlns:a14="http://schemas.microsoft.com/office/drawing/2010/main" val="0"/>
+              </a:ext>
+            </a:extLst>
+          </a:blip>
+          <a:stretch>
+            <a:fillRect/>
+          </a:stretch>
+        </p:blipFill>
+        <p:spPr>
+          <a:xfrm>
+            <a:off x="7747000" y="3151698"/>
+            <a:ext cx="4445000" cy="2333625"/>
+          </a:xfrm>
+          <a:prstGeom prst="rect">
+            <a:avLst/>
+          </a:prstGeom>
+        </p:spPr>
+      </p:pic>
+      <p:pic>
+        <p:nvPicPr>
+          <p:cNvPr id="11" name="Imagen 10"/>
+          <p:cNvPicPr>
+            <a:picLocks noChangeAspect="1"/>
+          </p:cNvPicPr>
+          <p:nvPr/>
+        </p:nvPicPr>
+        <p:blipFill>
+          <a:blip r:embed="rId6">
+            <a:extLst>
+              <a:ext uri="{28A0092B-C50C-407E-A947-70E740481C1C}">
+                <a14:useLocalDpi xmlns:a14="http://schemas.microsoft.com/office/drawing/2010/main" val="0"/>
+              </a:ext>
+            </a:extLst>
+          </a:blip>
+          <a:stretch>
+            <a:fillRect/>
+          </a:stretch>
+        </p:blipFill>
+        <p:spPr>
+          <a:xfrm>
+            <a:off x="8455023" y="1497669"/>
+            <a:ext cx="3048000" cy="796290"/>
+          </a:xfrm>
+          <a:prstGeom prst="rect">
+            <a:avLst/>
+          </a:prstGeom>
+        </p:spPr>
+      </p:pic>
+    </p:spTree>
+    <p:extLst>
+      <p:ext uri="{BB962C8B-B14F-4D97-AF65-F5344CB8AC3E}">
+        <p14:creationId xmlns:p14="http://schemas.microsoft.com/office/powerpoint/2010/main" val="1690099718"/>
+      </p:ext>
+    </p:extLst>
+  </p:cSld>
+  <p:clrMapOvr>
+    <a:masterClrMapping/>
+  </p:clrMapOvr>
+</p:sld>
+</file>
+
+<file path=ppt/slides/slide6.xml><?xml version="1.0" encoding="utf-8"?>
+<p:sld xmlns:a="http://schemas.openxmlformats.org/drawingml/2006/main" xmlns:r="http://schemas.openxmlformats.org/officeDocument/2006/relationships" xmlns:p="http://schemas.openxmlformats.org/presentationml/2006/main">
+  <p:cSld>
+    <p:spTree>
+      <p:nvGrpSpPr>
+        <p:cNvPr id="1" name=""/>
+        <p:cNvGrpSpPr/>
+        <p:nvPr/>
+      </p:nvGrpSpPr>
+      <p:grpSpPr>
+        <a:xfrm>
+          <a:off x="0" y="0"/>
+          <a:ext cx="0" cy="0"/>
+          <a:chOff x="0" y="0"/>
+          <a:chExt cx="0" cy="0"/>
+        </a:xfrm>
+      </p:grpSpPr>
+      <p:sp>
+        <p:nvSpPr>
+          <p:cNvPr id="2" name="Título 1"/>
+          <p:cNvSpPr>
+            <a:spLocks noGrp="1"/>
+          </p:cNvSpPr>
+          <p:nvPr>
+            <p:ph type="title"/>
+          </p:nvPr>
+        </p:nvSpPr>
+        <p:spPr/>
+        <p:txBody>
+          <a:bodyPr/>
+          <a:lstStyle/>
+          <a:p>
+            <a:r>
+              <a:rPr lang="es-ES_tradnl" dirty="0" smtClean="0"/>
+              <a:t>Carácter</a:t>
+            </a:r>
+            <a:r>
+              <a:rPr lang="es-ES" dirty="0" err="1" smtClean="0"/>
+              <a:t>ísticas</a:t>
+            </a:r>
+            <a:r>
+              <a:rPr lang="es-ES" dirty="0" smtClean="0"/>
+              <a:t> de </a:t>
+            </a:r>
+            <a:r>
+              <a:rPr lang="es-ES" dirty="0" err="1" smtClean="0"/>
+              <a:t>Git</a:t>
+            </a:r>
+            <a:endParaRPr lang="es-ES_tradnl" dirty="0"/>
+          </a:p>
+        </p:txBody>
+      </p:sp>
+      <p:sp>
+        <p:nvSpPr>
+          <p:cNvPr id="3" name="Marcador de contenido 2"/>
+          <p:cNvSpPr>
+            <a:spLocks noGrp="1"/>
+          </p:cNvSpPr>
+          <p:nvPr>
+            <p:ph idx="1"/>
+          </p:nvPr>
+        </p:nvSpPr>
+        <p:spPr/>
+        <p:txBody>
+          <a:bodyPr/>
+          <a:lstStyle/>
+          <a:p>
+            <a:pPr algn="just"/>
+            <a:r>
+              <a:rPr lang="es-ES_tradnl" dirty="0" smtClean="0"/>
+              <a:t>Rapidez</a:t>
+            </a:r>
+            <a:endParaRPr lang="es-ES_tradnl" dirty="0" smtClean="0"/>
+          </a:p>
+          <a:p>
+            <a:pPr algn="just"/>
+            <a:r>
+              <a:rPr lang="es-ES_tradnl" dirty="0"/>
+              <a:t>Completamente </a:t>
+            </a:r>
+            <a:r>
+              <a:rPr lang="es-ES_tradnl" dirty="0" smtClean="0"/>
+              <a:t>distribuido</a:t>
+            </a:r>
+            <a:endParaRPr lang="es-ES_tradnl" dirty="0"/>
+          </a:p>
+          <a:p>
+            <a:pPr algn="just"/>
+            <a:r>
+              <a:rPr lang="es-ES_tradnl" dirty="0"/>
+              <a:t>Diseño sencillo</a:t>
+            </a:r>
+          </a:p>
+          <a:p>
+            <a:pPr algn="just"/>
+            <a:r>
+              <a:rPr lang="es-ES_tradnl" dirty="0"/>
+              <a:t>Fuerte apoyo en el desarrollo no lineal </a:t>
+            </a:r>
+            <a:r>
+              <a:rPr lang="es-ES_tradnl" dirty="0" smtClean="0"/>
+              <a:t>(</a:t>
+            </a:r>
+            <a:r>
+              <a:rPr lang="es-ES_tradnl" dirty="0" err="1"/>
+              <a:t>thousands</a:t>
+            </a:r>
+            <a:r>
+              <a:rPr lang="es-ES_tradnl" dirty="0"/>
+              <a:t> of </a:t>
+            </a:r>
+            <a:r>
+              <a:rPr lang="es-ES_tradnl" dirty="0" err="1"/>
+              <a:t>parallel</a:t>
+            </a:r>
+            <a:r>
+              <a:rPr lang="es-ES_tradnl" dirty="0"/>
+              <a:t> </a:t>
+            </a:r>
+            <a:r>
+              <a:rPr lang="es-ES_tradnl" dirty="0" err="1"/>
+              <a:t>branches</a:t>
+            </a:r>
+            <a:r>
+              <a:rPr lang="es-ES_tradnl" dirty="0" smtClean="0"/>
+              <a:t>)</a:t>
+            </a:r>
+            <a:endParaRPr lang="es-ES_tradnl" dirty="0"/>
+          </a:p>
+          <a:p>
+            <a:pPr algn="just"/>
+            <a:r>
+              <a:rPr lang="es-ES_tradnl" dirty="0" smtClean="0"/>
+              <a:t>Capacidad </a:t>
+            </a:r>
+            <a:r>
+              <a:rPr lang="es-ES_tradnl" dirty="0"/>
+              <a:t>de manejar grandes proyectos (tamaño de datos)</a:t>
+            </a:r>
+          </a:p>
+          <a:p>
+            <a:endParaRPr lang="es-ES_tradnl" dirty="0"/>
+          </a:p>
+        </p:txBody>
+      </p:sp>
+    </p:spTree>
+    <p:extLst>
+      <p:ext uri="{BB962C8B-B14F-4D97-AF65-F5344CB8AC3E}">
+        <p14:creationId xmlns:p14="http://schemas.microsoft.com/office/powerpoint/2010/main" val="671350469"/>
+      </p:ext>
+    </p:extLst>
+  </p:cSld>
+  <p:clrMapOvr>
+    <a:masterClrMapping/>
+  </p:clrMapOvr>
+</p:sld>
+</file>
+
+<file path=ppt/slides/slide7.xml><?xml version="1.0" encoding="utf-8"?>
+<p:sld xmlns:a="http://schemas.openxmlformats.org/drawingml/2006/main" xmlns:r="http://schemas.openxmlformats.org/officeDocument/2006/relationships" xmlns:p="http://schemas.openxmlformats.org/presentationml/2006/main">
+  <p:cSld>
+    <p:spTree>
+      <p:nvGrpSpPr>
+        <p:cNvPr id="1" name=""/>
+        <p:cNvGrpSpPr/>
+        <p:nvPr/>
+      </p:nvGrpSpPr>
+      <p:grpSpPr>
+        <a:xfrm>
+          <a:off x="0" y="0"/>
+          <a:ext cx="0" cy="0"/>
+          <a:chOff x="0" y="0"/>
+          <a:chExt cx="0" cy="0"/>
+        </a:xfrm>
+      </p:grpSpPr>
+      <p:sp>
+        <p:nvSpPr>
+          <p:cNvPr id="2" name="Título 1"/>
+          <p:cNvSpPr>
+            <a:spLocks noGrp="1"/>
+          </p:cNvSpPr>
+          <p:nvPr>
+            <p:ph type="title"/>
+          </p:nvPr>
+        </p:nvSpPr>
+        <p:spPr/>
+        <p:txBody>
+          <a:bodyPr/>
+          <a:lstStyle/>
+          <a:p>
+            <a:r>
+              <a:rPr lang="es-ES_tradnl" dirty="0" smtClean="0"/>
+              <a:t>Herramientas</a:t>
+            </a:r>
+            <a:endParaRPr lang="es-ES_tradnl" dirty="0"/>
+          </a:p>
+        </p:txBody>
+      </p:sp>
+      <p:sp>
+        <p:nvSpPr>
+          <p:cNvPr id="3" name="Marcador de contenido 2"/>
+          <p:cNvSpPr>
+            <a:spLocks noGrp="1"/>
+          </p:cNvSpPr>
+          <p:nvPr>
+            <p:ph idx="1"/>
+          </p:nvPr>
+        </p:nvSpPr>
+        <p:spPr/>
+        <p:txBody>
+          <a:bodyPr>
+            <a:normAutofit fontScale="55000" lnSpcReduction="20000"/>
+          </a:bodyPr>
+          <a:lstStyle/>
+          <a:p>
+            <a:r>
+              <a:rPr lang="es-ES_tradnl" dirty="0"/>
+              <a:t>Se recomienda </a:t>
+            </a:r>
+            <a:r>
+              <a:rPr lang="es-ES_tradnl" dirty="0" smtClean="0"/>
+              <a:t>utilizar repositorios remotos :</a:t>
+            </a:r>
+            <a:endParaRPr lang="es-ES_tradnl" dirty="0" smtClean="0"/>
+          </a:p>
+          <a:p>
+            <a:pPr lvl="1"/>
+            <a:r>
+              <a:rPr lang="es-ES_tradnl" dirty="0" smtClean="0">
+                <a:hlinkClick r:id="rId2"/>
+              </a:rPr>
+              <a:t>https</a:t>
+            </a:r>
+            <a:r>
+              <a:rPr lang="es-ES_tradnl" dirty="0">
+                <a:hlinkClick r:id="rId2"/>
+              </a:rPr>
+              <a:t>://</a:t>
+            </a:r>
+            <a:r>
+              <a:rPr lang="es-ES_tradnl" dirty="0" smtClean="0">
+                <a:hlinkClick r:id="rId2"/>
+              </a:rPr>
+              <a:t>github.com</a:t>
+            </a:r>
+            <a:endParaRPr lang="es-ES_tradnl" dirty="0">
+              <a:hlinkClick r:id="rId2"/>
+            </a:endParaRPr>
+          </a:p>
+          <a:p>
+            <a:pPr lvl="1"/>
+            <a:r>
+              <a:rPr lang="es-ES_tradnl" dirty="0" smtClean="0">
+                <a:hlinkClick r:id="rId3"/>
+              </a:rPr>
+              <a:t>https</a:t>
+            </a:r>
+            <a:r>
+              <a:rPr lang="es-ES_tradnl" dirty="0">
+                <a:hlinkClick r:id="rId3"/>
+              </a:rPr>
+              <a:t>://</a:t>
+            </a:r>
+            <a:r>
+              <a:rPr lang="es-ES_tradnl" dirty="0" smtClean="0">
+                <a:hlinkClick r:id="rId3"/>
+              </a:rPr>
+              <a:t>bitbucket.org</a:t>
+            </a:r>
+            <a:endParaRPr lang="es-ES_tradnl" dirty="0">
+              <a:hlinkClick r:id="rId3"/>
+            </a:endParaRPr>
+          </a:p>
+          <a:p>
+            <a:pPr lvl="1"/>
+            <a:r>
+              <a:rPr lang="es-ES_tradnl" dirty="0" smtClean="0">
+                <a:hlinkClick r:id="rId4"/>
+              </a:rPr>
+              <a:t>https</a:t>
+            </a:r>
+            <a:r>
+              <a:rPr lang="es-ES_tradnl" dirty="0">
+                <a:hlinkClick r:id="rId4"/>
+              </a:rPr>
+              <a:t>://about.gitlab.com</a:t>
+            </a:r>
+            <a:r>
+              <a:rPr lang="es-ES_tradnl" dirty="0" smtClean="0">
+                <a:hlinkClick r:id="rId4"/>
+              </a:rPr>
+              <a:t>/</a:t>
+            </a:r>
+            <a:endParaRPr lang="es-ES_tradnl" dirty="0">
+              <a:hlinkClick r:id="rId4"/>
+            </a:endParaRPr>
+          </a:p>
+          <a:p>
+            <a:pPr lvl="1"/>
+            <a:r>
+              <a:rPr lang="es-ES_tradnl" dirty="0" smtClean="0">
+                <a:hlinkClick r:id="rId5"/>
+              </a:rPr>
+              <a:t>https</a:t>
+            </a:r>
+            <a:r>
+              <a:rPr lang="es-ES_tradnl" dirty="0">
+                <a:hlinkClick r:id="rId5"/>
+              </a:rPr>
+              <a:t>://gogs.io</a:t>
+            </a:r>
+            <a:r>
+              <a:rPr lang="es-ES_tradnl" dirty="0" smtClean="0">
+                <a:hlinkClick r:id="rId5"/>
+              </a:rPr>
+              <a:t>/ </a:t>
+            </a:r>
+            <a:r>
+              <a:rPr lang="es-ES_tradnl" dirty="0">
+                <a:hlinkClick r:id="rId5"/>
+              </a:rPr>
+              <a:t>(A painless self-hosted Git service.)</a:t>
+            </a:r>
+          </a:p>
+          <a:p>
+            <a:endParaRPr lang="es-ES_tradnl" dirty="0" smtClean="0"/>
+          </a:p>
+          <a:p>
+            <a:r>
+              <a:rPr lang="es-ES_tradnl" dirty="0"/>
+              <a:t>GUI </a:t>
+            </a:r>
+            <a:r>
+              <a:rPr lang="es-ES_tradnl" dirty="0" err="1" smtClean="0"/>
+              <a:t>Clients</a:t>
+            </a:r>
+            <a:endParaRPr lang="es-ES_tradnl" dirty="0"/>
+          </a:p>
+          <a:p>
+            <a:pPr lvl="1"/>
+            <a:r>
+              <a:rPr lang="es-ES_tradnl" dirty="0" err="1"/>
+              <a:t>Git</a:t>
+            </a:r>
+            <a:r>
+              <a:rPr lang="es-ES_tradnl" dirty="0"/>
+              <a:t> comes </a:t>
+            </a:r>
+            <a:r>
+              <a:rPr lang="es-ES_tradnl" dirty="0" err="1"/>
+              <a:t>with</a:t>
+            </a:r>
+            <a:r>
+              <a:rPr lang="es-ES_tradnl" dirty="0"/>
+              <a:t> </a:t>
+            </a:r>
+            <a:r>
+              <a:rPr lang="es-ES_tradnl" dirty="0" err="1"/>
+              <a:t>built</a:t>
+            </a:r>
+            <a:r>
+              <a:rPr lang="es-ES_tradnl" dirty="0"/>
+              <a:t>-in GUI </a:t>
+            </a:r>
+            <a:r>
+              <a:rPr lang="es-ES_tradnl" dirty="0" err="1"/>
+              <a:t>tools</a:t>
+            </a:r>
+            <a:r>
+              <a:rPr lang="es-ES_tradnl" dirty="0"/>
+              <a:t> </a:t>
+            </a:r>
+            <a:r>
+              <a:rPr lang="es-ES_tradnl" dirty="0" err="1"/>
+              <a:t>for</a:t>
+            </a:r>
+            <a:r>
+              <a:rPr lang="es-ES_tradnl" dirty="0"/>
+              <a:t> </a:t>
+            </a:r>
+            <a:r>
+              <a:rPr lang="es-ES_tradnl" dirty="0" err="1"/>
+              <a:t>committing</a:t>
+            </a:r>
+            <a:r>
+              <a:rPr lang="es-ES_tradnl" dirty="0"/>
+              <a:t> (</a:t>
+            </a:r>
+            <a:r>
+              <a:rPr lang="es-ES_tradnl" dirty="0" err="1"/>
+              <a:t>git-gui</a:t>
+            </a:r>
+            <a:r>
+              <a:rPr lang="es-ES_tradnl" dirty="0"/>
+              <a:t>) and </a:t>
+            </a:r>
+            <a:r>
+              <a:rPr lang="es-ES_tradnl" dirty="0" err="1"/>
+              <a:t>browsing</a:t>
+            </a:r>
+            <a:r>
+              <a:rPr lang="es-ES_tradnl" dirty="0"/>
+              <a:t> (</a:t>
+            </a:r>
+            <a:r>
+              <a:rPr lang="es-ES_tradnl" dirty="0" err="1"/>
+              <a:t>gitk</a:t>
+            </a:r>
+            <a:r>
+              <a:rPr lang="es-ES_tradnl" dirty="0"/>
+              <a:t>), </a:t>
+            </a:r>
+            <a:r>
+              <a:rPr lang="es-ES_tradnl" dirty="0" err="1"/>
+              <a:t>but</a:t>
+            </a:r>
+            <a:r>
+              <a:rPr lang="es-ES_tradnl" dirty="0"/>
+              <a:t> </a:t>
+            </a:r>
+            <a:r>
+              <a:rPr lang="es-ES_tradnl" dirty="0" err="1"/>
+              <a:t>there</a:t>
+            </a:r>
+            <a:r>
+              <a:rPr lang="es-ES_tradnl" dirty="0"/>
+              <a:t> are </a:t>
+            </a:r>
+            <a:r>
+              <a:rPr lang="es-ES_tradnl" dirty="0" err="1"/>
+              <a:t>several</a:t>
+            </a:r>
+            <a:r>
+              <a:rPr lang="es-ES_tradnl" dirty="0"/>
+              <a:t> </a:t>
+            </a:r>
+            <a:r>
+              <a:rPr lang="es-ES_tradnl" dirty="0" err="1"/>
+              <a:t>third-party</a:t>
+            </a:r>
+            <a:r>
+              <a:rPr lang="es-ES_tradnl" dirty="0"/>
+              <a:t> </a:t>
+            </a:r>
+            <a:r>
+              <a:rPr lang="es-ES_tradnl" dirty="0" err="1"/>
+              <a:t>tools</a:t>
+            </a:r>
+            <a:r>
+              <a:rPr lang="es-ES_tradnl" dirty="0"/>
+              <a:t> </a:t>
+            </a:r>
+            <a:r>
+              <a:rPr lang="es-ES_tradnl" dirty="0" err="1"/>
+              <a:t>for</a:t>
+            </a:r>
+            <a:r>
+              <a:rPr lang="es-ES_tradnl" dirty="0"/>
+              <a:t> </a:t>
+            </a:r>
+            <a:r>
+              <a:rPr lang="es-ES_tradnl" dirty="0" err="1"/>
+              <a:t>users</a:t>
+            </a:r>
+            <a:r>
+              <a:rPr lang="es-ES_tradnl" dirty="0"/>
+              <a:t> </a:t>
+            </a:r>
+            <a:r>
+              <a:rPr lang="es-ES_tradnl" dirty="0" err="1"/>
+              <a:t>looking</a:t>
+            </a:r>
+            <a:r>
+              <a:rPr lang="es-ES_tradnl" dirty="0"/>
+              <a:t> </a:t>
+            </a:r>
+            <a:r>
+              <a:rPr lang="es-ES_tradnl" dirty="0" err="1"/>
+              <a:t>for</a:t>
+            </a:r>
+            <a:r>
+              <a:rPr lang="es-ES_tradnl" dirty="0"/>
+              <a:t> </a:t>
+            </a:r>
+            <a:r>
+              <a:rPr lang="es-ES_tradnl" dirty="0" err="1"/>
+              <a:t>platform-specific</a:t>
+            </a:r>
+            <a:r>
+              <a:rPr lang="es-ES_tradnl" dirty="0"/>
+              <a:t> </a:t>
+            </a:r>
+            <a:r>
+              <a:rPr lang="es-ES_tradnl" dirty="0" err="1"/>
+              <a:t>experience</a:t>
+            </a:r>
+            <a:r>
+              <a:rPr lang="es-ES_tradnl" dirty="0"/>
+              <a:t>. </a:t>
+            </a:r>
+          </a:p>
+          <a:p>
+            <a:pPr lvl="1"/>
+            <a:r>
+              <a:rPr lang="es-ES_tradnl" dirty="0" err="1" smtClean="0"/>
+              <a:t>SourceTree</a:t>
+            </a:r>
+            <a:r>
+              <a:rPr lang="es-ES_tradnl" dirty="0" smtClean="0"/>
+              <a:t> </a:t>
+            </a:r>
+            <a:r>
+              <a:rPr lang="es-ES_tradnl" dirty="0"/>
+              <a:t>(</a:t>
+            </a:r>
+            <a:r>
+              <a:rPr lang="es-ES_tradnl" dirty="0" err="1"/>
+              <a:t>SourceTree</a:t>
+            </a:r>
+            <a:r>
+              <a:rPr lang="es-ES_tradnl" dirty="0"/>
+              <a:t> </a:t>
+            </a:r>
+            <a:r>
+              <a:rPr lang="es-ES_tradnl" dirty="0" err="1"/>
+              <a:t>is</a:t>
+            </a:r>
+            <a:r>
+              <a:rPr lang="es-ES_tradnl" dirty="0"/>
+              <a:t> </a:t>
+            </a:r>
+            <a:r>
+              <a:rPr lang="es-ES_tradnl" dirty="0" err="1"/>
+              <a:t>Atlassian's</a:t>
+            </a:r>
+            <a:r>
+              <a:rPr lang="es-ES_tradnl" dirty="0"/>
+              <a:t> free desktop </a:t>
+            </a:r>
+            <a:r>
+              <a:rPr lang="es-ES_tradnl" dirty="0" err="1"/>
+              <a:t>client</a:t>
+            </a:r>
+            <a:r>
+              <a:rPr lang="es-ES_tradnl" dirty="0"/>
+              <a:t> </a:t>
+            </a:r>
+            <a:r>
+              <a:rPr lang="es-ES_tradnl" dirty="0" err="1"/>
+              <a:t>for</a:t>
+            </a:r>
+            <a:r>
+              <a:rPr lang="es-ES_tradnl" dirty="0"/>
+              <a:t> </a:t>
+            </a:r>
+            <a:r>
+              <a:rPr lang="es-ES_tradnl" dirty="0" err="1"/>
+              <a:t>Bitbucket</a:t>
+            </a:r>
+            <a:r>
+              <a:rPr lang="es-ES_tradnl" dirty="0"/>
+              <a:t>.)</a:t>
+            </a:r>
+          </a:p>
+          <a:p>
+            <a:pPr lvl="1"/>
+            <a:r>
+              <a:rPr lang="es-ES_tradnl" dirty="0" smtClean="0"/>
+              <a:t>GitHub </a:t>
+            </a:r>
+            <a:r>
+              <a:rPr lang="es-ES_tradnl" dirty="0"/>
+              <a:t>Desktop</a:t>
+            </a:r>
+          </a:p>
+          <a:p>
+            <a:pPr lvl="1"/>
+            <a:r>
+              <a:rPr lang="es-ES_tradnl" dirty="0" err="1" smtClean="0"/>
+              <a:t>TortoiseGit</a:t>
+            </a:r>
+            <a:r>
+              <a:rPr lang="mr-IN" dirty="0" smtClean="0"/>
+              <a:t> ...</a:t>
+            </a:r>
+            <a:endParaRPr lang="es-ES_tradnl" dirty="0" smtClean="0"/>
+          </a:p>
+        </p:txBody>
+      </p:sp>
+    </p:spTree>
+    <p:extLst>
+      <p:ext uri="{BB962C8B-B14F-4D97-AF65-F5344CB8AC3E}">
+        <p14:creationId xmlns:p14="http://schemas.microsoft.com/office/powerpoint/2010/main" val="1742130175"/>
+      </p:ext>
+    </p:extLst>
+  </p:cSld>
+  <p:clrMapOvr>
+    <a:masterClrMapping/>
+  </p:clrMapOvr>
+</p:sld>
+</file>
+
+<file path=ppt/slides/slide8.xml><?xml version="1.0" encoding="utf-8"?>
+<p:sld xmlns:a="http://schemas.openxmlformats.org/drawingml/2006/main" xmlns:r="http://schemas.openxmlformats.org/officeDocument/2006/relationships" xmlns:p="http://schemas.openxmlformats.org/presentationml/2006/main">
+  <p:cSld>
+    <p:spTree>
+      <p:nvGrpSpPr>
+        <p:cNvPr id="1" name=""/>
+        <p:cNvGrpSpPr/>
+        <p:nvPr/>
+      </p:nvGrpSpPr>
+      <p:grpSpPr>
+        <a:xfrm>
+          <a:off x="0" y="0"/>
+          <a:ext cx="0" cy="0"/>
+          <a:chOff x="0" y="0"/>
+          <a:chExt cx="0" cy="0"/>
+        </a:xfrm>
+      </p:grpSpPr>
+      <p:sp>
+        <p:nvSpPr>
+          <p:cNvPr id="2" name="Título 1"/>
+          <p:cNvSpPr>
+            <a:spLocks noGrp="1"/>
+          </p:cNvSpPr>
+          <p:nvPr>
+            <p:ph type="title"/>
+          </p:nvPr>
+        </p:nvSpPr>
+        <p:spPr/>
+        <p:txBody>
+          <a:bodyPr/>
+          <a:lstStyle/>
+          <a:p>
+            <a:r>
+              <a:rPr lang="es-ES_tradnl" dirty="0" smtClean="0"/>
+              <a:t>C</a:t>
+            </a:r>
+            <a:r>
+              <a:rPr lang="es-ES" dirty="0" err="1" smtClean="0"/>
+              <a:t>ómo</a:t>
+            </a:r>
+            <a:r>
+              <a:rPr lang="es-ES" dirty="0" smtClean="0"/>
+              <a:t> Funciona?</a:t>
+            </a:r>
+            <a:endParaRPr lang="es-ES_tradnl" dirty="0"/>
+          </a:p>
+        </p:txBody>
+      </p:sp>
+      <p:sp>
+        <p:nvSpPr>
+          <p:cNvPr id="3" name="Marcador de contenido 2"/>
+          <p:cNvSpPr>
+            <a:spLocks noGrp="1"/>
+          </p:cNvSpPr>
+          <p:nvPr>
+            <p:ph idx="1"/>
+          </p:nvPr>
+        </p:nvSpPr>
+        <p:spPr/>
+        <p:txBody>
+          <a:bodyPr/>
+          <a:lstStyle/>
+          <a:p>
+            <a:endParaRPr lang="es-ES_tradnl"/>
+          </a:p>
+        </p:txBody>
+      </p:sp>
+    </p:spTree>
+    <p:extLst>
+      <p:ext uri="{BB962C8B-B14F-4D97-AF65-F5344CB8AC3E}">
+        <p14:creationId xmlns:p14="http://schemas.microsoft.com/office/powerpoint/2010/main" val="1450622489"/>
+      </p:ext>
+    </p:extLst>
+  </p:cSld>
+  <p:clrMapOvr>
+    <a:masterClrMapping/>
+  </p:clrMapOvr>
+</p:sld>
+</file>
+
+<file path=ppt/slides/slide9.xml><?xml version="1.0" encoding="utf-8"?>
 <p:sld xmlns:a="http://schemas.openxmlformats.org/drawingml/2006/main" xmlns:r="http://schemas.openxmlformats.org/officeDocument/2006/relationships" xmlns:p="http://schemas.openxmlformats.org/presentationml/2006/main">
   <p:cSld>
     <p:spTree>
@@ -8008,971 +10312,6 @@
     <p:extLst>
       <p:ext uri="{BB962C8B-B14F-4D97-AF65-F5344CB8AC3E}">
         <p14:creationId xmlns:p14="http://schemas.microsoft.com/office/powerpoint/2010/main" val="1772697267"/>
-      </p:ext>
-    </p:extLst>
-  </p:cSld>
-  <p:clrMapOvr>
-    <a:masterClrMapping/>
-  </p:clrMapOvr>
-</p:sld>
-</file>
-
-<file path=ppt/slides/slide5.xml><?xml version="1.0" encoding="utf-8"?>
-<p:sld xmlns:a="http://schemas.openxmlformats.org/drawingml/2006/main" xmlns:r="http://schemas.openxmlformats.org/officeDocument/2006/relationships" xmlns:p="http://schemas.openxmlformats.org/presentationml/2006/main">
-  <p:cSld>
-    <p:spTree>
-      <p:nvGrpSpPr>
-        <p:cNvPr id="1" name=""/>
-        <p:cNvGrpSpPr/>
-        <p:nvPr/>
-      </p:nvGrpSpPr>
-      <p:grpSpPr>
-        <a:xfrm>
-          <a:off x="0" y="0"/>
-          <a:ext cx="0" cy="0"/>
-          <a:chOff x="0" y="0"/>
-          <a:chExt cx="0" cy="0"/>
-        </a:xfrm>
-      </p:grpSpPr>
-      <p:sp>
-        <p:nvSpPr>
-          <p:cNvPr id="2" name="Título 1"/>
-          <p:cNvSpPr>
-            <a:spLocks noGrp="1"/>
-          </p:cNvSpPr>
-          <p:nvPr>
-            <p:ph type="title"/>
-          </p:nvPr>
-        </p:nvSpPr>
-        <p:spPr>
-          <a:xfrm>
-            <a:off x="1484310" y="117389"/>
-            <a:ext cx="10018713" cy="673443"/>
-          </a:xfrm>
-        </p:spPr>
-        <p:txBody>
-          <a:bodyPr>
-            <a:normAutofit fontScale="90000"/>
-          </a:bodyPr>
-          <a:lstStyle/>
-          <a:p>
-            <a:r>
-              <a:rPr lang="es-ES" dirty="0" smtClean="0"/>
-              <a:t>Estados de </a:t>
-            </a:r>
-            <a:r>
-              <a:rPr lang="es-ES_tradnl" dirty="0" smtClean="0"/>
-              <a:t>GIT</a:t>
-            </a:r>
-            <a:endParaRPr lang="es-ES_tradnl" dirty="0"/>
-          </a:p>
-        </p:txBody>
-      </p:sp>
-      <p:pic>
-        <p:nvPicPr>
-          <p:cNvPr id="5" name="Imagen 4"/>
-          <p:cNvPicPr>
-            <a:picLocks noChangeAspect="1"/>
-          </p:cNvPicPr>
-          <p:nvPr/>
-        </p:nvPicPr>
-        <p:blipFill>
-          <a:blip r:embed="rId2">
-            <a:extLst>
-              <a:ext uri="{28A0092B-C50C-407E-A947-70E740481C1C}">
-                <a14:useLocalDpi xmlns:a14="http://schemas.microsoft.com/office/drawing/2010/main" val="0"/>
-              </a:ext>
-            </a:extLst>
-          </a:blip>
-          <a:stretch>
-            <a:fillRect/>
-          </a:stretch>
-        </p:blipFill>
-        <p:spPr>
-          <a:xfrm>
-            <a:off x="1484310" y="1283730"/>
-            <a:ext cx="4270512" cy="4017319"/>
-          </a:xfrm>
-          <a:prstGeom prst="rect">
-            <a:avLst/>
-          </a:prstGeom>
-        </p:spPr>
-      </p:pic>
-      <p:sp>
-        <p:nvSpPr>
-          <p:cNvPr id="6" name="CuadroTexto 5"/>
-          <p:cNvSpPr txBox="1"/>
-          <p:nvPr/>
-        </p:nvSpPr>
-        <p:spPr>
-          <a:xfrm>
-            <a:off x="6263758" y="1283730"/>
-            <a:ext cx="5239265" cy="2862322"/>
-          </a:xfrm>
-          <a:prstGeom prst="rect">
-            <a:avLst/>
-          </a:prstGeom>
-          <a:noFill/>
-        </p:spPr>
-        <p:txBody>
-          <a:bodyPr wrap="square" rtlCol="0">
-            <a:spAutoFit/>
-          </a:bodyPr>
-          <a:lstStyle/>
-          <a:p>
-            <a:pPr marL="285750" indent="-285750" algn="just">
-              <a:buFont typeface="Arial" charset="0"/>
-              <a:buChar char="•"/>
-            </a:pPr>
-            <a:r>
-              <a:rPr lang="es-ES_tradnl" b="1" dirty="0"/>
-              <a:t>C</a:t>
-            </a:r>
-            <a:r>
-              <a:rPr lang="es-ES_tradnl" b="1" dirty="0" smtClean="0"/>
-              <a:t>onfirmado (</a:t>
-            </a:r>
-            <a:r>
-              <a:rPr lang="es-ES_tradnl" b="1" dirty="0" err="1" smtClean="0"/>
-              <a:t>committed</a:t>
-            </a:r>
-            <a:r>
-              <a:rPr lang="es-ES_tradnl" b="1" dirty="0" smtClean="0"/>
-              <a:t>): </a:t>
-            </a:r>
-            <a:r>
-              <a:rPr lang="es-ES_tradnl" dirty="0" smtClean="0"/>
-              <a:t>Los datos </a:t>
-            </a:r>
-            <a:r>
-              <a:rPr lang="es-ES_tradnl" dirty="0" err="1" smtClean="0"/>
-              <a:t>estan</a:t>
-            </a:r>
-            <a:r>
-              <a:rPr lang="es-ES_tradnl" dirty="0" smtClean="0"/>
-              <a:t> almacenados de manera segura en tu base de datos local.</a:t>
-            </a:r>
-            <a:endParaRPr lang="es-ES_tradnl" b="1" dirty="0" smtClean="0"/>
-          </a:p>
-          <a:p>
-            <a:pPr marL="285750" indent="-285750" algn="just">
-              <a:buFont typeface="Arial" charset="0"/>
-              <a:buChar char="•"/>
-            </a:pPr>
-            <a:r>
-              <a:rPr lang="es-ES_tradnl" b="1" dirty="0"/>
-              <a:t>M</a:t>
-            </a:r>
-            <a:r>
-              <a:rPr lang="es-ES_tradnl" b="1" dirty="0" smtClean="0"/>
-              <a:t>odificado (</a:t>
-            </a:r>
-            <a:r>
-              <a:rPr lang="es-ES_tradnl" b="1" dirty="0" err="1" smtClean="0"/>
-              <a:t>modified</a:t>
-            </a:r>
-            <a:r>
-              <a:rPr lang="es-ES_tradnl" b="1" dirty="0" smtClean="0"/>
-              <a:t>): </a:t>
-            </a:r>
-            <a:r>
-              <a:rPr lang="es-ES_tradnl" dirty="0" smtClean="0"/>
-              <a:t>Significa que has modificado </a:t>
-            </a:r>
-            <a:r>
-              <a:rPr lang="es-ES_tradnl" dirty="0" err="1" smtClean="0"/>
-              <a:t>algun</a:t>
-            </a:r>
-            <a:r>
-              <a:rPr lang="es-ES_tradnl" dirty="0" smtClean="0"/>
-              <a:t> archivo pero que aun no lo confirmas.</a:t>
-            </a:r>
-            <a:endParaRPr lang="es-ES_tradnl" b="1" dirty="0" smtClean="0"/>
-          </a:p>
-          <a:p>
-            <a:pPr marL="285750" indent="-285750" algn="just">
-              <a:buFont typeface="Arial" charset="0"/>
-              <a:buChar char="•"/>
-            </a:pPr>
-            <a:r>
-              <a:rPr lang="es-ES_tradnl" b="1" dirty="0"/>
-              <a:t>P</a:t>
-            </a:r>
-            <a:r>
-              <a:rPr lang="es-ES_tradnl" b="1" dirty="0" smtClean="0"/>
-              <a:t>reparado (</a:t>
-            </a:r>
-            <a:r>
-              <a:rPr lang="es-ES_tradnl" b="1" dirty="0" err="1" smtClean="0"/>
-              <a:t>stage</a:t>
-            </a:r>
-            <a:r>
-              <a:rPr lang="es-ES_tradnl" b="1" dirty="0" smtClean="0"/>
-              <a:t>): </a:t>
-            </a:r>
-            <a:r>
-              <a:rPr lang="es-ES_tradnl" dirty="0" smtClean="0"/>
-              <a:t>Significa que has marcado algún archivo modificado en su versión actual  para confirmarlo.</a:t>
-            </a:r>
-          </a:p>
-          <a:p>
-            <a:pPr marL="285750" indent="-285750" algn="just">
-              <a:buFont typeface="Arial" charset="0"/>
-              <a:buChar char="•"/>
-            </a:pPr>
-            <a:endParaRPr lang="es-ES_tradnl" b="1" dirty="0"/>
-          </a:p>
-        </p:txBody>
-      </p:sp>
-      <p:sp>
-        <p:nvSpPr>
-          <p:cNvPr id="7" name="CuadroTexto 6"/>
-          <p:cNvSpPr txBox="1"/>
-          <p:nvPr/>
-        </p:nvSpPr>
-        <p:spPr>
-          <a:xfrm>
-            <a:off x="6263758" y="4146052"/>
-            <a:ext cx="5536945" cy="1785104"/>
-          </a:xfrm>
-          <a:prstGeom prst="rect">
-            <a:avLst/>
-          </a:prstGeom>
-          <a:noFill/>
-        </p:spPr>
-        <p:txBody>
-          <a:bodyPr wrap="square" rtlCol="0">
-            <a:spAutoFit/>
-          </a:bodyPr>
-          <a:lstStyle/>
-          <a:p>
-            <a:r>
-              <a:rPr lang="es-ES_tradnl" b="1" dirty="0" smtClean="0"/>
-              <a:t>FLUJO DE TRABAJO</a:t>
-            </a:r>
-          </a:p>
-          <a:p>
-            <a:pPr marL="342900" indent="-342900">
-              <a:buFont typeface="+mj-lt"/>
-              <a:buAutoNum type="arabicPeriod"/>
-            </a:pPr>
-            <a:r>
-              <a:rPr lang="es-ES_tradnl" dirty="0" smtClean="0"/>
-              <a:t>Modificar archivos en directorio trabajo.</a:t>
-            </a:r>
-          </a:p>
-          <a:p>
-            <a:pPr marL="342900" indent="-342900">
-              <a:buFont typeface="+mj-lt"/>
-              <a:buAutoNum type="arabicPeriod"/>
-            </a:pPr>
-            <a:r>
-              <a:rPr lang="es-ES_tradnl" dirty="0" smtClean="0"/>
-              <a:t>Preparar los archivo, </a:t>
-            </a:r>
-            <a:r>
-              <a:rPr lang="es-ES_tradnl" dirty="0" err="1" smtClean="0"/>
-              <a:t>instantaneas</a:t>
-            </a:r>
-            <a:r>
-              <a:rPr lang="es-ES_tradnl" dirty="0" smtClean="0"/>
-              <a:t> en el área de preparación.</a:t>
-            </a:r>
-          </a:p>
-          <a:p>
-            <a:pPr marL="342900" indent="-342900">
-              <a:buFont typeface="+mj-lt"/>
-              <a:buAutoNum type="arabicPeriod"/>
-            </a:pPr>
-            <a:r>
-              <a:rPr lang="es-ES_tradnl" dirty="0" smtClean="0"/>
-              <a:t>Confirmar los cambios, almacenando sus instantáneas en el directorio GIT.</a:t>
-            </a:r>
-            <a:endParaRPr lang="es-ES_tradnl" dirty="0"/>
-          </a:p>
-        </p:txBody>
-      </p:sp>
-      <p:sp>
-        <p:nvSpPr>
-          <p:cNvPr id="9" name="CuadroTexto 8"/>
-          <p:cNvSpPr txBox="1"/>
-          <p:nvPr/>
-        </p:nvSpPr>
-        <p:spPr>
-          <a:xfrm>
-            <a:off x="56876" y="6340526"/>
-            <a:ext cx="2902205" cy="369332"/>
-          </a:xfrm>
-          <a:prstGeom prst="rect">
-            <a:avLst/>
-          </a:prstGeom>
-          <a:solidFill>
-            <a:schemeClr val="tx2">
-              <a:lumMod val="75000"/>
-              <a:lumOff val="25000"/>
-            </a:schemeClr>
-          </a:solidFill>
-        </p:spPr>
-        <p:txBody>
-          <a:bodyPr wrap="none" rtlCol="0">
-            <a:spAutoFit/>
-          </a:bodyPr>
-          <a:lstStyle/>
-          <a:p>
-            <a:r>
-              <a:rPr lang="es-ES_tradnl" dirty="0" smtClean="0">
-                <a:solidFill>
-                  <a:schemeClr val="bg1"/>
-                </a:solidFill>
-              </a:rPr>
-              <a:t>Fuente: https</a:t>
-            </a:r>
-            <a:r>
-              <a:rPr lang="es-ES_tradnl" dirty="0">
-                <a:solidFill>
-                  <a:schemeClr val="bg1"/>
-                </a:solidFill>
-              </a:rPr>
-              <a:t>://</a:t>
-            </a:r>
-            <a:r>
-              <a:rPr lang="es-ES_tradnl" dirty="0" err="1">
-                <a:solidFill>
-                  <a:schemeClr val="bg1"/>
-                </a:solidFill>
-              </a:rPr>
-              <a:t>git-scm.com</a:t>
-            </a:r>
-            <a:r>
-              <a:rPr lang="es-ES_tradnl" dirty="0">
-                <a:solidFill>
-                  <a:schemeClr val="bg1"/>
-                </a:solidFill>
-              </a:rPr>
-              <a:t>/</a:t>
-            </a:r>
-          </a:p>
-        </p:txBody>
-      </p:sp>
-    </p:spTree>
-    <p:extLst>
-      <p:ext uri="{BB962C8B-B14F-4D97-AF65-F5344CB8AC3E}">
-        <p14:creationId xmlns:p14="http://schemas.microsoft.com/office/powerpoint/2010/main" val="1646112634"/>
-      </p:ext>
-    </p:extLst>
-  </p:cSld>
-  <p:clrMapOvr>
-    <a:masterClrMapping/>
-  </p:clrMapOvr>
-</p:sld>
-</file>
-
-<file path=ppt/slides/slide6.xml><?xml version="1.0" encoding="utf-8"?>
-<p:sld xmlns:a="http://schemas.openxmlformats.org/drawingml/2006/main" xmlns:r="http://schemas.openxmlformats.org/officeDocument/2006/relationships" xmlns:p="http://schemas.openxmlformats.org/presentationml/2006/main">
-  <p:cSld>
-    <p:spTree>
-      <p:nvGrpSpPr>
-        <p:cNvPr id="1" name=""/>
-        <p:cNvGrpSpPr/>
-        <p:nvPr/>
-      </p:nvGrpSpPr>
-      <p:grpSpPr>
-        <a:xfrm>
-          <a:off x="0" y="0"/>
-          <a:ext cx="0" cy="0"/>
-          <a:chOff x="0" y="0"/>
-          <a:chExt cx="0" cy="0"/>
-        </a:xfrm>
-      </p:grpSpPr>
-      <p:sp>
-        <p:nvSpPr>
-          <p:cNvPr id="2" name="Título 1"/>
-          <p:cNvSpPr>
-            <a:spLocks noGrp="1"/>
-          </p:cNvSpPr>
-          <p:nvPr>
-            <p:ph type="title"/>
-          </p:nvPr>
-        </p:nvSpPr>
-        <p:spPr>
-          <a:xfrm>
-            <a:off x="1484310" y="117389"/>
-            <a:ext cx="10018713" cy="673443"/>
-          </a:xfrm>
-        </p:spPr>
-        <p:txBody>
-          <a:bodyPr>
-            <a:normAutofit fontScale="90000"/>
-          </a:bodyPr>
-          <a:lstStyle/>
-          <a:p>
-            <a:r>
-              <a:rPr lang="es-ES" dirty="0" smtClean="0"/>
-              <a:t>Ramas en </a:t>
-            </a:r>
-            <a:r>
-              <a:rPr lang="es-ES_tradnl" dirty="0" smtClean="0"/>
-              <a:t>GIT (</a:t>
-            </a:r>
-            <a:r>
-              <a:rPr lang="es-ES_tradnl" dirty="0" err="1" smtClean="0"/>
-              <a:t>branching</a:t>
-            </a:r>
-            <a:r>
-              <a:rPr lang="es-ES_tradnl" dirty="0" smtClean="0"/>
-              <a:t>)</a:t>
-            </a:r>
-            <a:endParaRPr lang="es-ES_tradnl" dirty="0"/>
-          </a:p>
-        </p:txBody>
-      </p:sp>
-      <p:sp>
-        <p:nvSpPr>
-          <p:cNvPr id="6" name="CuadroTexto 5"/>
-          <p:cNvSpPr txBox="1"/>
-          <p:nvPr/>
-        </p:nvSpPr>
-        <p:spPr>
-          <a:xfrm>
-            <a:off x="6263758" y="1283730"/>
-            <a:ext cx="5239265" cy="4247317"/>
-          </a:xfrm>
-          <a:prstGeom prst="rect">
-            <a:avLst/>
-          </a:prstGeom>
-          <a:noFill/>
-        </p:spPr>
-        <p:txBody>
-          <a:bodyPr wrap="square" rtlCol="0">
-            <a:spAutoFit/>
-          </a:bodyPr>
-          <a:lstStyle/>
-          <a:p>
-            <a:pPr marL="285750" indent="-285750" algn="just">
-              <a:buFont typeface="Arial" charset="0"/>
-              <a:buChar char="•"/>
-            </a:pPr>
-            <a:r>
-              <a:rPr lang="es-ES_tradnl" dirty="0" smtClean="0"/>
-              <a:t>Existe una rama principal (master), la cual es la inicial.</a:t>
-            </a:r>
-          </a:p>
-          <a:p>
-            <a:pPr marL="285750" indent="-285750" algn="just">
-              <a:buFont typeface="Arial" charset="0"/>
-              <a:buChar char="•"/>
-            </a:pPr>
-            <a:r>
-              <a:rPr lang="es-ES_tradnl" dirty="0" smtClean="0"/>
-              <a:t>Se pueden crear ramas en base a master o </a:t>
-            </a:r>
-            <a:r>
-              <a:rPr lang="es-ES_tradnl" dirty="0" err="1" smtClean="0"/>
-              <a:t>subramas</a:t>
-            </a:r>
-            <a:r>
-              <a:rPr lang="es-ES_tradnl" dirty="0" smtClean="0"/>
-              <a:t> (copia de archivos desde rama).</a:t>
-            </a:r>
-          </a:p>
-          <a:p>
-            <a:pPr marL="285750" indent="-285750" algn="just">
-              <a:buFont typeface="Arial" charset="0"/>
-              <a:buChar char="•"/>
-            </a:pPr>
-            <a:r>
-              <a:rPr lang="es-ES_tradnl" dirty="0"/>
-              <a:t>Cada </a:t>
-            </a:r>
-            <a:r>
-              <a:rPr lang="es-ES_tradnl" dirty="0" err="1"/>
-              <a:t>commit</a:t>
-            </a:r>
-            <a:r>
-              <a:rPr lang="es-ES_tradnl" dirty="0"/>
-              <a:t> almacena las instantáneas de los archivos en base a su </a:t>
-            </a:r>
-            <a:r>
-              <a:rPr lang="es-ES_tradnl" dirty="0" err="1" smtClean="0"/>
-              <a:t>checksum</a:t>
-            </a:r>
-            <a:r>
-              <a:rPr lang="es-ES_tradnl" dirty="0" smtClean="0"/>
-              <a:t> (nodo verde).</a:t>
-            </a:r>
-          </a:p>
-          <a:p>
-            <a:pPr marL="285750" indent="-285750" algn="just">
-              <a:buFont typeface="Arial" charset="0"/>
-              <a:buChar char="•"/>
-            </a:pPr>
-            <a:r>
-              <a:rPr lang="es-ES_tradnl" dirty="0" smtClean="0"/>
-              <a:t>Se avanza en paralelo en las diferentes ramas realizando cambios.</a:t>
-            </a:r>
-          </a:p>
-          <a:p>
-            <a:pPr marL="285750" indent="-285750" algn="just">
-              <a:buFont typeface="Arial" charset="0"/>
-              <a:buChar char="•"/>
-            </a:pPr>
-            <a:r>
-              <a:rPr lang="es-ES_tradnl" dirty="0" smtClean="0"/>
-              <a:t>HEAD es el apuntador que nos indica en la </a:t>
-            </a:r>
-            <a:r>
-              <a:rPr lang="es-ES_tradnl" dirty="0" err="1" smtClean="0"/>
-              <a:t>version</a:t>
-            </a:r>
-            <a:r>
-              <a:rPr lang="es-ES_tradnl" dirty="0" smtClean="0"/>
-              <a:t> y rama que nos encontramos, la cual se puede mover entre ramas (</a:t>
-            </a:r>
-            <a:r>
-              <a:rPr lang="es-ES_tradnl" dirty="0" err="1" smtClean="0"/>
-              <a:t>checkout</a:t>
-            </a:r>
-            <a:r>
-              <a:rPr lang="es-ES_tradnl" dirty="0" smtClean="0"/>
-              <a:t>).</a:t>
-            </a:r>
-          </a:p>
-          <a:p>
-            <a:pPr marL="285750" indent="-285750" algn="just">
-              <a:buFont typeface="Arial" charset="0"/>
-              <a:buChar char="•"/>
-            </a:pPr>
-            <a:r>
-              <a:rPr lang="es-ES_tradnl" dirty="0" smtClean="0"/>
-              <a:t>Al fusionar las ramas, se arrastran los cambios a la rama principal (fusión de cambios).</a:t>
-            </a:r>
-          </a:p>
-          <a:p>
-            <a:pPr marL="285750" indent="-285750" algn="just">
-              <a:buFont typeface="Arial" charset="0"/>
-              <a:buChar char="•"/>
-            </a:pPr>
-            <a:endParaRPr lang="es-ES_tradnl" dirty="0" smtClean="0"/>
-          </a:p>
-          <a:p>
-            <a:pPr marL="285750" indent="-285750" algn="just">
-              <a:buFont typeface="Arial" charset="0"/>
-              <a:buChar char="•"/>
-            </a:pPr>
-            <a:endParaRPr lang="es-ES_tradnl" b="1" dirty="0"/>
-          </a:p>
-        </p:txBody>
-      </p:sp>
-      <p:pic>
-        <p:nvPicPr>
-          <p:cNvPr id="8" name="Imagen 7"/>
-          <p:cNvPicPr>
-            <a:picLocks noChangeAspect="1"/>
-          </p:cNvPicPr>
-          <p:nvPr/>
-        </p:nvPicPr>
-        <p:blipFill>
-          <a:blip r:embed="rId2">
-            <a:extLst>
-              <a:ext uri="{28A0092B-C50C-407E-A947-70E740481C1C}">
-                <a14:useLocalDpi xmlns:a14="http://schemas.microsoft.com/office/drawing/2010/main" val="0"/>
-              </a:ext>
-            </a:extLst>
-          </a:blip>
-          <a:stretch>
-            <a:fillRect/>
-          </a:stretch>
-        </p:blipFill>
-        <p:spPr>
-          <a:xfrm>
-            <a:off x="1176638" y="1038998"/>
-            <a:ext cx="4965259" cy="5213522"/>
-          </a:xfrm>
-          <a:prstGeom prst="rect">
-            <a:avLst/>
-          </a:prstGeom>
-        </p:spPr>
-      </p:pic>
-      <p:sp>
-        <p:nvSpPr>
-          <p:cNvPr id="7" name="CuadroTexto 6"/>
-          <p:cNvSpPr txBox="1"/>
-          <p:nvPr/>
-        </p:nvSpPr>
-        <p:spPr>
-          <a:xfrm>
-            <a:off x="56876" y="6340526"/>
-            <a:ext cx="2902205" cy="369332"/>
-          </a:xfrm>
-          <a:prstGeom prst="rect">
-            <a:avLst/>
-          </a:prstGeom>
-          <a:solidFill>
-            <a:schemeClr val="tx2">
-              <a:lumMod val="75000"/>
-              <a:lumOff val="25000"/>
-            </a:schemeClr>
-          </a:solidFill>
-        </p:spPr>
-        <p:txBody>
-          <a:bodyPr wrap="none" rtlCol="0">
-            <a:spAutoFit/>
-          </a:bodyPr>
-          <a:lstStyle/>
-          <a:p>
-            <a:r>
-              <a:rPr lang="es-ES_tradnl" dirty="0" smtClean="0">
-                <a:solidFill>
-                  <a:schemeClr val="bg1"/>
-                </a:solidFill>
-              </a:rPr>
-              <a:t>Fuente: https</a:t>
-            </a:r>
-            <a:r>
-              <a:rPr lang="es-ES_tradnl" dirty="0">
-                <a:solidFill>
-                  <a:schemeClr val="bg1"/>
-                </a:solidFill>
-              </a:rPr>
-              <a:t>://</a:t>
-            </a:r>
-            <a:r>
-              <a:rPr lang="es-ES_tradnl" dirty="0" err="1">
-                <a:solidFill>
-                  <a:schemeClr val="bg1"/>
-                </a:solidFill>
-              </a:rPr>
-              <a:t>git-scm.com</a:t>
-            </a:r>
-            <a:r>
-              <a:rPr lang="es-ES_tradnl" dirty="0">
-                <a:solidFill>
-                  <a:schemeClr val="bg1"/>
-                </a:solidFill>
-              </a:rPr>
-              <a:t>/</a:t>
-            </a:r>
-          </a:p>
-        </p:txBody>
-      </p:sp>
-    </p:spTree>
-    <p:extLst>
-      <p:ext uri="{BB962C8B-B14F-4D97-AF65-F5344CB8AC3E}">
-        <p14:creationId xmlns:p14="http://schemas.microsoft.com/office/powerpoint/2010/main" val="1378200591"/>
-      </p:ext>
-    </p:extLst>
-  </p:cSld>
-  <p:clrMapOvr>
-    <a:masterClrMapping/>
-  </p:clrMapOvr>
-</p:sld>
-</file>
-
-<file path=ppt/slides/slide7.xml><?xml version="1.0" encoding="utf-8"?>
-<p:sld xmlns:a="http://schemas.openxmlformats.org/drawingml/2006/main" xmlns:r="http://schemas.openxmlformats.org/officeDocument/2006/relationships" xmlns:p="http://schemas.openxmlformats.org/presentationml/2006/main">
-  <p:cSld>
-    <p:spTree>
-      <p:nvGrpSpPr>
-        <p:cNvPr id="1" name=""/>
-        <p:cNvGrpSpPr/>
-        <p:nvPr/>
-      </p:nvGrpSpPr>
-      <p:grpSpPr>
-        <a:xfrm>
-          <a:off x="0" y="0"/>
-          <a:ext cx="0" cy="0"/>
-          <a:chOff x="0" y="0"/>
-          <a:chExt cx="0" cy="0"/>
-        </a:xfrm>
-      </p:grpSpPr>
-      <p:sp>
-        <p:nvSpPr>
-          <p:cNvPr id="2" name="Título 1"/>
-          <p:cNvSpPr>
-            <a:spLocks noGrp="1"/>
-          </p:cNvSpPr>
-          <p:nvPr>
-            <p:ph type="title"/>
-          </p:nvPr>
-        </p:nvSpPr>
-        <p:spPr>
-          <a:xfrm>
-            <a:off x="1484310" y="117389"/>
-            <a:ext cx="10018713" cy="673443"/>
-          </a:xfrm>
-        </p:spPr>
-        <p:txBody>
-          <a:bodyPr>
-            <a:normAutofit fontScale="90000"/>
-          </a:bodyPr>
-          <a:lstStyle/>
-          <a:p>
-            <a:r>
-              <a:rPr lang="es-ES" dirty="0" smtClean="0"/>
-              <a:t>Actividades con GIT</a:t>
-            </a:r>
-            <a:endParaRPr lang="es-ES_tradnl" dirty="0"/>
-          </a:p>
-        </p:txBody>
-      </p:sp>
-      <p:sp>
-        <p:nvSpPr>
-          <p:cNvPr id="6" name="CuadroTexto 5"/>
-          <p:cNvSpPr txBox="1"/>
-          <p:nvPr/>
-        </p:nvSpPr>
-        <p:spPr>
-          <a:xfrm>
-            <a:off x="1804086" y="1283730"/>
-            <a:ext cx="9698937" cy="3416320"/>
-          </a:xfrm>
-          <a:prstGeom prst="rect">
-            <a:avLst/>
-          </a:prstGeom>
-          <a:noFill/>
-        </p:spPr>
-        <p:txBody>
-          <a:bodyPr wrap="square" rtlCol="0">
-            <a:spAutoFit/>
-          </a:bodyPr>
-          <a:lstStyle/>
-          <a:p>
-            <a:pPr marL="342900" marR="0" lvl="0" indent="-342900" algn="just" defTabSz="914400" eaLnBrk="1" fontAlgn="auto" latinLnBrk="0" hangingPunct="1">
-              <a:lnSpc>
-                <a:spcPct val="100000"/>
-              </a:lnSpc>
-              <a:spcBef>
-                <a:spcPts val="0"/>
-              </a:spcBef>
-              <a:spcAft>
-                <a:spcPts val="0"/>
-              </a:spcAft>
-              <a:buClrTx/>
-              <a:buSzTx/>
-              <a:buFont typeface="+mj-lt"/>
-              <a:buAutoNum type="arabicPeriod"/>
-              <a:tabLst/>
-              <a:defRPr/>
-            </a:pPr>
-            <a:r>
-              <a:rPr lang="es-ES_tradnl" dirty="0" smtClean="0"/>
-              <a:t>Crear cuenta</a:t>
-            </a:r>
-          </a:p>
-          <a:p>
-            <a:pPr marL="800100" lvl="1" indent="-342900" algn="just" defTabSz="914400">
-              <a:buFont typeface="+mj-lt"/>
-              <a:buAutoNum type="alphaLcParenR"/>
-            </a:pPr>
-            <a:r>
-              <a:rPr lang="es-ES_tradnl" dirty="0" smtClean="0"/>
-              <a:t>Registro en </a:t>
-            </a:r>
-            <a:r>
-              <a:rPr lang="es-ES_tradnl" dirty="0" err="1" smtClean="0"/>
-              <a:t>github</a:t>
-            </a:r>
-            <a:r>
-              <a:rPr lang="es-ES_tradnl" dirty="0" smtClean="0"/>
-              <a:t>.</a:t>
-            </a:r>
-          </a:p>
-          <a:p>
-            <a:pPr marL="800100" lvl="1" indent="-342900" algn="just" defTabSz="914400">
-              <a:buFont typeface="+mj-lt"/>
-              <a:buAutoNum type="alphaLcParenR"/>
-            </a:pPr>
-            <a:r>
-              <a:rPr lang="es-ES_tradnl" dirty="0" smtClean="0"/>
-              <a:t>Crear un proyecto (repositorio) de prueba.</a:t>
-            </a:r>
-          </a:p>
-          <a:p>
-            <a:pPr marL="800100" lvl="1" indent="-342900" algn="just" defTabSz="914400">
-              <a:buFont typeface="+mj-lt"/>
-              <a:buAutoNum type="alphaLcParenR"/>
-            </a:pPr>
-            <a:r>
-              <a:rPr lang="es-ES_tradnl" dirty="0" smtClean="0"/>
-              <a:t>Crear un archivo y realizar cambios.</a:t>
-            </a:r>
-          </a:p>
-          <a:p>
-            <a:pPr marL="800100" lvl="1" indent="-342900" algn="just" defTabSz="914400">
-              <a:buFont typeface="+mj-lt"/>
-              <a:buAutoNum type="alphaLcParenR"/>
-            </a:pPr>
-            <a:r>
-              <a:rPr lang="es-ES_tradnl" dirty="0" smtClean="0"/>
-              <a:t>Confirmar los cambios y subir cambios.</a:t>
-            </a:r>
-          </a:p>
-          <a:p>
-            <a:pPr marL="800100" lvl="1" indent="-342900" algn="just" defTabSz="914400">
-              <a:buFont typeface="+mj-lt"/>
-              <a:buAutoNum type="alphaLcParenR"/>
-            </a:pPr>
-            <a:endParaRPr lang="es-ES_tradnl" dirty="0" smtClean="0"/>
-          </a:p>
-          <a:p>
-            <a:pPr marL="342900" indent="-342900" algn="just" defTabSz="914400">
-              <a:buFont typeface="+mj-lt"/>
-              <a:buAutoNum type="arabicPeriod"/>
-            </a:pPr>
-            <a:r>
-              <a:rPr lang="es-ES_tradnl" dirty="0" smtClean="0"/>
-              <a:t>Clonar un proyecto existente</a:t>
-            </a:r>
-          </a:p>
-          <a:p>
-            <a:pPr marL="800100" lvl="1" indent="-342900" algn="just" defTabSz="914400">
-              <a:buFont typeface="+mj-lt"/>
-              <a:buAutoNum type="alphaLcParenR"/>
-            </a:pPr>
-            <a:r>
-              <a:rPr lang="es-ES_tradnl" dirty="0" smtClean="0"/>
-              <a:t>Ubicarse en la rama correspondiente.</a:t>
-            </a:r>
-          </a:p>
-          <a:p>
-            <a:pPr marL="800100" lvl="1" indent="-342900" algn="just" defTabSz="914400">
-              <a:buFont typeface="+mj-lt"/>
-              <a:buAutoNum type="alphaLcParenR"/>
-            </a:pPr>
-            <a:r>
-              <a:rPr lang="es-ES_tradnl" dirty="0" smtClean="0"/>
-              <a:t>Realizar cambios a un determinado archivo.</a:t>
-            </a:r>
-          </a:p>
-          <a:p>
-            <a:pPr marL="800100" lvl="1" indent="-342900" algn="just" defTabSz="914400">
-              <a:buFont typeface="+mj-lt"/>
-              <a:buAutoNum type="alphaLcParenR"/>
-            </a:pPr>
-            <a:r>
-              <a:rPr lang="es-ES_tradnl" dirty="0" smtClean="0"/>
-              <a:t>Confirmar cambios y subirlos.</a:t>
-            </a:r>
-          </a:p>
-          <a:p>
-            <a:pPr marL="800100" lvl="1" indent="-342900" algn="just" defTabSz="914400">
-              <a:buFont typeface="+mj-lt"/>
-              <a:buAutoNum type="alphaLcParenR"/>
-            </a:pPr>
-            <a:r>
-              <a:rPr lang="es-ES_tradnl" dirty="0" smtClean="0"/>
-              <a:t>Fusionar las ramas (administrador).</a:t>
-            </a:r>
-          </a:p>
-          <a:p>
-            <a:pPr marL="800100" lvl="1" indent="-342900" algn="just" defTabSz="914400">
-              <a:buFont typeface="+mj-lt"/>
-              <a:buAutoNum type="alphaLcParenR"/>
-            </a:pPr>
-            <a:r>
-              <a:rPr lang="es-ES_tradnl" dirty="0" smtClean="0"/>
-              <a:t>Visualizar versión actualizada en master.</a:t>
-            </a:r>
-            <a:endParaRPr lang="es-ES_tradnl" dirty="0"/>
-          </a:p>
-        </p:txBody>
-      </p:sp>
-      <p:sp>
-        <p:nvSpPr>
-          <p:cNvPr id="4" name="CuadroTexto 3"/>
-          <p:cNvSpPr txBox="1"/>
-          <p:nvPr/>
-        </p:nvSpPr>
-        <p:spPr>
-          <a:xfrm>
-            <a:off x="56876" y="6340526"/>
-            <a:ext cx="2902205" cy="369332"/>
-          </a:xfrm>
-          <a:prstGeom prst="rect">
-            <a:avLst/>
-          </a:prstGeom>
-          <a:solidFill>
-            <a:schemeClr val="tx2">
-              <a:lumMod val="75000"/>
-              <a:lumOff val="25000"/>
-            </a:schemeClr>
-          </a:solidFill>
-        </p:spPr>
-        <p:txBody>
-          <a:bodyPr wrap="none" rtlCol="0">
-            <a:spAutoFit/>
-          </a:bodyPr>
-          <a:lstStyle/>
-          <a:p>
-            <a:r>
-              <a:rPr lang="es-ES_tradnl" dirty="0" smtClean="0">
-                <a:solidFill>
-                  <a:schemeClr val="bg1"/>
-                </a:solidFill>
-              </a:rPr>
-              <a:t>Fuente: https</a:t>
-            </a:r>
-            <a:r>
-              <a:rPr lang="es-ES_tradnl" dirty="0">
-                <a:solidFill>
-                  <a:schemeClr val="bg1"/>
-                </a:solidFill>
-              </a:rPr>
-              <a:t>://</a:t>
-            </a:r>
-            <a:r>
-              <a:rPr lang="es-ES_tradnl" dirty="0" err="1">
-                <a:solidFill>
-                  <a:schemeClr val="bg1"/>
-                </a:solidFill>
-              </a:rPr>
-              <a:t>git-scm.com</a:t>
-            </a:r>
-            <a:r>
-              <a:rPr lang="es-ES_tradnl" dirty="0">
-                <a:solidFill>
-                  <a:schemeClr val="bg1"/>
-                </a:solidFill>
-              </a:rPr>
-              <a:t>/</a:t>
-            </a:r>
-          </a:p>
-        </p:txBody>
-      </p:sp>
-      <p:pic>
-        <p:nvPicPr>
-          <p:cNvPr id="3" name="Imagen 2"/>
-          <p:cNvPicPr>
-            <a:picLocks noChangeAspect="1"/>
-          </p:cNvPicPr>
-          <p:nvPr/>
-        </p:nvPicPr>
-        <p:blipFill>
-          <a:blip r:embed="rId2">
-            <a:extLst>
-              <a:ext uri="{28A0092B-C50C-407E-A947-70E740481C1C}">
-                <a14:useLocalDpi xmlns:a14="http://schemas.microsoft.com/office/drawing/2010/main" val="0"/>
-              </a:ext>
-            </a:extLst>
-          </a:blip>
-          <a:stretch>
-            <a:fillRect/>
-          </a:stretch>
-        </p:blipFill>
-        <p:spPr>
-          <a:xfrm>
-            <a:off x="3606084" y="4826318"/>
-            <a:ext cx="7585656" cy="1683952"/>
-          </a:xfrm>
-          <a:prstGeom prst="rect">
-            <a:avLst/>
-          </a:prstGeom>
-        </p:spPr>
-      </p:pic>
-    </p:spTree>
-    <p:extLst>
-      <p:ext uri="{BB962C8B-B14F-4D97-AF65-F5344CB8AC3E}">
-        <p14:creationId xmlns:p14="http://schemas.microsoft.com/office/powerpoint/2010/main" val="116525941"/>
       </p:ext>
     </p:extLst>
   </p:cSld>

--- a/documentos/Presentación3.pptx
+++ b/documentos/Presentación3.pptx
@@ -4,20 +4,28 @@
   <p:sldMasterIdLst>
     <p:sldMasterId id="2147483648" r:id="rId1"/>
   </p:sldMasterIdLst>
+  <p:notesMasterIdLst>
+    <p:notesMasterId r:id="rId20"/>
+  </p:notesMasterIdLst>
   <p:sldIdLst>
     <p:sldId id="256" r:id="rId2"/>
-    <p:sldId id="265" r:id="rId3"/>
-    <p:sldId id="262" r:id="rId4"/>
-    <p:sldId id="258" r:id="rId5"/>
-    <p:sldId id="270" r:id="rId6"/>
-    <p:sldId id="266" r:id="rId7"/>
-    <p:sldId id="267" r:id="rId8"/>
-    <p:sldId id="268" r:id="rId9"/>
-    <p:sldId id="259" r:id="rId10"/>
-    <p:sldId id="260" r:id="rId11"/>
-    <p:sldId id="263" r:id="rId12"/>
-    <p:sldId id="269" r:id="rId13"/>
-    <p:sldId id="264" r:id="rId14"/>
+    <p:sldId id="273" r:id="rId3"/>
+    <p:sldId id="272" r:id="rId4"/>
+    <p:sldId id="262" r:id="rId5"/>
+    <p:sldId id="258" r:id="rId6"/>
+    <p:sldId id="270" r:id="rId7"/>
+    <p:sldId id="265" r:id="rId8"/>
+    <p:sldId id="266" r:id="rId9"/>
+    <p:sldId id="274" r:id="rId10"/>
+    <p:sldId id="267" r:id="rId11"/>
+    <p:sldId id="268" r:id="rId12"/>
+    <p:sldId id="275" r:id="rId13"/>
+    <p:sldId id="259" r:id="rId14"/>
+    <p:sldId id="260" r:id="rId15"/>
+    <p:sldId id="263" r:id="rId16"/>
+    <p:sldId id="269" r:id="rId17"/>
+    <p:sldId id="264" r:id="rId18"/>
+    <p:sldId id="271" r:id="rId19"/>
   </p:sldIdLst>
   <p:sldSz cx="12192000" cy="6858000"/>
   <p:notesSz cx="6858000" cy="9144000"/>
@@ -122,6 +130,440 @@
     </p:ext>
   </p:extLst>
 </p:presentation>
+</file>
+
+<file path=ppt/notesMasters/notesMaster1.xml><?xml version="1.0" encoding="utf-8"?>
+<p:notesMaster xmlns:a="http://schemas.openxmlformats.org/drawingml/2006/main" xmlns:r="http://schemas.openxmlformats.org/officeDocument/2006/relationships" xmlns:p="http://schemas.openxmlformats.org/presentationml/2006/main">
+  <p:cSld>
+    <p:bg>
+      <p:bgRef idx="1001">
+        <a:schemeClr val="bg1"/>
+      </p:bgRef>
+    </p:bg>
+    <p:spTree>
+      <p:nvGrpSpPr>
+        <p:cNvPr id="1" name=""/>
+        <p:cNvGrpSpPr/>
+        <p:nvPr/>
+      </p:nvGrpSpPr>
+      <p:grpSpPr>
+        <a:xfrm>
+          <a:off x="0" y="0"/>
+          <a:ext cx="0" cy="0"/>
+          <a:chOff x="0" y="0"/>
+          <a:chExt cx="0" cy="0"/>
+        </a:xfrm>
+      </p:grpSpPr>
+      <p:sp>
+        <p:nvSpPr>
+          <p:cNvPr id="2" name="Marcador de encabezado 1"/>
+          <p:cNvSpPr>
+            <a:spLocks noGrp="1"/>
+          </p:cNvSpPr>
+          <p:nvPr>
+            <p:ph type="hdr" sz="quarter"/>
+          </p:nvPr>
+        </p:nvSpPr>
+        <p:spPr>
+          <a:xfrm>
+            <a:off x="0" y="0"/>
+            <a:ext cx="2971800" cy="458788"/>
+          </a:xfrm>
+          <a:prstGeom prst="rect">
+            <a:avLst/>
+          </a:prstGeom>
+        </p:spPr>
+        <p:txBody>
+          <a:bodyPr vert="horz" lIns="91440" tIns="45720" rIns="91440" bIns="45720" rtlCol="0"/>
+          <a:lstStyle>
+            <a:lvl1pPr algn="l">
+              <a:defRPr sz="1200"/>
+            </a:lvl1pPr>
+          </a:lstStyle>
+          <a:p>
+            <a:endParaRPr lang="es-ES_tradnl"/>
+          </a:p>
+        </p:txBody>
+      </p:sp>
+      <p:sp>
+        <p:nvSpPr>
+          <p:cNvPr id="3" name="Marcador de fecha 2"/>
+          <p:cNvSpPr>
+            <a:spLocks noGrp="1"/>
+          </p:cNvSpPr>
+          <p:nvPr>
+            <p:ph type="dt" idx="1"/>
+          </p:nvPr>
+        </p:nvSpPr>
+        <p:spPr>
+          <a:xfrm>
+            <a:off x="3884613" y="0"/>
+            <a:ext cx="2971800" cy="458788"/>
+          </a:xfrm>
+          <a:prstGeom prst="rect">
+            <a:avLst/>
+          </a:prstGeom>
+        </p:spPr>
+        <p:txBody>
+          <a:bodyPr vert="horz" lIns="91440" tIns="45720" rIns="91440" bIns="45720" rtlCol="0"/>
+          <a:lstStyle>
+            <a:lvl1pPr algn="r">
+              <a:defRPr sz="1200"/>
+            </a:lvl1pPr>
+          </a:lstStyle>
+          <a:p>
+            <a:fld id="{79D26115-E747-264B-9DD5-2D03C9100AE7}" type="datetimeFigureOut">
+              <a:rPr lang="es-ES_tradnl" smtClean="0"/>
+              <a:t>22/9/17</a:t>
+            </a:fld>
+            <a:endParaRPr lang="es-ES_tradnl"/>
+          </a:p>
+        </p:txBody>
+      </p:sp>
+      <p:sp>
+        <p:nvSpPr>
+          <p:cNvPr id="4" name="Marcador de imagen de diapositiva 3"/>
+          <p:cNvSpPr>
+            <a:spLocks noGrp="1" noRot="1" noChangeAspect="1"/>
+          </p:cNvSpPr>
+          <p:nvPr>
+            <p:ph type="sldImg" idx="2"/>
+          </p:nvPr>
+        </p:nvSpPr>
+        <p:spPr>
+          <a:xfrm>
+            <a:off x="685800" y="1143000"/>
+            <a:ext cx="5486400" cy="3086100"/>
+          </a:xfrm>
+          <a:prstGeom prst="rect">
+            <a:avLst/>
+          </a:prstGeom>
+          <a:noFill/>
+          <a:ln w="12700">
+            <a:solidFill>
+              <a:prstClr val="black"/>
+            </a:solidFill>
+          </a:ln>
+        </p:spPr>
+        <p:txBody>
+          <a:bodyPr vert="horz" lIns="91440" tIns="45720" rIns="91440" bIns="45720" rtlCol="0" anchor="ctr"/>
+          <a:lstStyle/>
+          <a:p>
+            <a:endParaRPr lang="es-ES_tradnl"/>
+          </a:p>
+        </p:txBody>
+      </p:sp>
+      <p:sp>
+        <p:nvSpPr>
+          <p:cNvPr id="5" name="Marcador de notas 4"/>
+          <p:cNvSpPr>
+            <a:spLocks noGrp="1"/>
+          </p:cNvSpPr>
+          <p:nvPr>
+            <p:ph type="body" sz="quarter" idx="3"/>
+          </p:nvPr>
+        </p:nvSpPr>
+        <p:spPr>
+          <a:xfrm>
+            <a:off x="685800" y="4400550"/>
+            <a:ext cx="5486400" cy="3600450"/>
+          </a:xfrm>
+          <a:prstGeom prst="rect">
+            <a:avLst/>
+          </a:prstGeom>
+        </p:spPr>
+        <p:txBody>
+          <a:bodyPr vert="horz" lIns="91440" tIns="45720" rIns="91440" bIns="45720" rtlCol="0"/>
+          <a:lstStyle/>
+          <a:p>
+            <a:pPr lvl="0"/>
+            <a:r>
+              <a:rPr lang="es-ES" smtClean="0"/>
+              <a:t>Haga clic para modificar el estilo de texto del patrón</a:t>
+            </a:r>
+          </a:p>
+          <a:p>
+            <a:pPr lvl="1"/>
+            <a:r>
+              <a:rPr lang="es-ES" smtClean="0"/>
+              <a:t>Segundo nivel</a:t>
+            </a:r>
+          </a:p>
+          <a:p>
+            <a:pPr lvl="2"/>
+            <a:r>
+              <a:rPr lang="es-ES" smtClean="0"/>
+              <a:t>Tercer nivel</a:t>
+            </a:r>
+          </a:p>
+          <a:p>
+            <a:pPr lvl="3"/>
+            <a:r>
+              <a:rPr lang="es-ES" smtClean="0"/>
+              <a:t>Cuarto nivel</a:t>
+            </a:r>
+          </a:p>
+          <a:p>
+            <a:pPr lvl="4"/>
+            <a:r>
+              <a:rPr lang="es-ES" smtClean="0"/>
+              <a:t>Quinto nivel</a:t>
+            </a:r>
+            <a:endParaRPr lang="es-ES_tradnl"/>
+          </a:p>
+        </p:txBody>
+      </p:sp>
+      <p:sp>
+        <p:nvSpPr>
+          <p:cNvPr id="6" name="Marcador de pie de página 5"/>
+          <p:cNvSpPr>
+            <a:spLocks noGrp="1"/>
+          </p:cNvSpPr>
+          <p:nvPr>
+            <p:ph type="ftr" sz="quarter" idx="4"/>
+          </p:nvPr>
+        </p:nvSpPr>
+        <p:spPr>
+          <a:xfrm>
+            <a:off x="0" y="8685213"/>
+            <a:ext cx="2971800" cy="458787"/>
+          </a:xfrm>
+          <a:prstGeom prst="rect">
+            <a:avLst/>
+          </a:prstGeom>
+        </p:spPr>
+        <p:txBody>
+          <a:bodyPr vert="horz" lIns="91440" tIns="45720" rIns="91440" bIns="45720" rtlCol="0" anchor="b"/>
+          <a:lstStyle>
+            <a:lvl1pPr algn="l">
+              <a:defRPr sz="1200"/>
+            </a:lvl1pPr>
+          </a:lstStyle>
+          <a:p>
+            <a:endParaRPr lang="es-ES_tradnl"/>
+          </a:p>
+        </p:txBody>
+      </p:sp>
+      <p:sp>
+        <p:nvSpPr>
+          <p:cNvPr id="7" name="Marcador de número de diapositiva 6"/>
+          <p:cNvSpPr>
+            <a:spLocks noGrp="1"/>
+          </p:cNvSpPr>
+          <p:nvPr>
+            <p:ph type="sldNum" sz="quarter" idx="5"/>
+          </p:nvPr>
+        </p:nvSpPr>
+        <p:spPr>
+          <a:xfrm>
+            <a:off x="3884613" y="8685213"/>
+            <a:ext cx="2971800" cy="458787"/>
+          </a:xfrm>
+          <a:prstGeom prst="rect">
+            <a:avLst/>
+          </a:prstGeom>
+        </p:spPr>
+        <p:txBody>
+          <a:bodyPr vert="horz" lIns="91440" tIns="45720" rIns="91440" bIns="45720" rtlCol="0" anchor="b"/>
+          <a:lstStyle>
+            <a:lvl1pPr algn="r">
+              <a:defRPr sz="1200"/>
+            </a:lvl1pPr>
+          </a:lstStyle>
+          <a:p>
+            <a:fld id="{5B1C9C74-E19A-2542-9086-096D26971A94}" type="slidenum">
+              <a:rPr lang="es-ES_tradnl" smtClean="0"/>
+              <a:t>‹Nr.›</a:t>
+            </a:fld>
+            <a:endParaRPr lang="es-ES_tradnl"/>
+          </a:p>
+        </p:txBody>
+      </p:sp>
+    </p:spTree>
+    <p:extLst>
+      <p:ext uri="{BB962C8B-B14F-4D97-AF65-F5344CB8AC3E}">
+        <p14:creationId xmlns:p14="http://schemas.microsoft.com/office/powerpoint/2010/main" val="1196186737"/>
+      </p:ext>
+    </p:extLst>
+  </p:cSld>
+  <p:clrMap bg1="lt1" tx1="dk1" bg2="lt2" tx2="dk2" accent1="accent1" accent2="accent2" accent3="accent3" accent4="accent4" accent5="accent5" accent6="accent6" hlink="hlink" folHlink="folHlink"/>
+  <p:notesStyle>
+    <a:lvl1pPr marL="0" algn="l" defTabSz="914400" rtl="0" eaLnBrk="1" latinLnBrk="0" hangingPunct="1">
+      <a:defRPr sz="1200" kern="1200">
+        <a:solidFill>
+          <a:schemeClr val="tx1"/>
+        </a:solidFill>
+        <a:latin typeface="+mn-lt"/>
+        <a:ea typeface="+mn-ea"/>
+        <a:cs typeface="+mn-cs"/>
+      </a:defRPr>
+    </a:lvl1pPr>
+    <a:lvl2pPr marL="457200" algn="l" defTabSz="914400" rtl="0" eaLnBrk="1" latinLnBrk="0" hangingPunct="1">
+      <a:defRPr sz="1200" kern="1200">
+        <a:solidFill>
+          <a:schemeClr val="tx1"/>
+        </a:solidFill>
+        <a:latin typeface="+mn-lt"/>
+        <a:ea typeface="+mn-ea"/>
+        <a:cs typeface="+mn-cs"/>
+      </a:defRPr>
+    </a:lvl2pPr>
+    <a:lvl3pPr marL="914400" algn="l" defTabSz="914400" rtl="0" eaLnBrk="1" latinLnBrk="0" hangingPunct="1">
+      <a:defRPr sz="1200" kern="1200">
+        <a:solidFill>
+          <a:schemeClr val="tx1"/>
+        </a:solidFill>
+        <a:latin typeface="+mn-lt"/>
+        <a:ea typeface="+mn-ea"/>
+        <a:cs typeface="+mn-cs"/>
+      </a:defRPr>
+    </a:lvl3pPr>
+    <a:lvl4pPr marL="1371600" algn="l" defTabSz="914400" rtl="0" eaLnBrk="1" latinLnBrk="0" hangingPunct="1">
+      <a:defRPr sz="1200" kern="1200">
+        <a:solidFill>
+          <a:schemeClr val="tx1"/>
+        </a:solidFill>
+        <a:latin typeface="+mn-lt"/>
+        <a:ea typeface="+mn-ea"/>
+        <a:cs typeface="+mn-cs"/>
+      </a:defRPr>
+    </a:lvl4pPr>
+    <a:lvl5pPr marL="1828800" algn="l" defTabSz="914400" rtl="0" eaLnBrk="1" latinLnBrk="0" hangingPunct="1">
+      <a:defRPr sz="1200" kern="1200">
+        <a:solidFill>
+          <a:schemeClr val="tx1"/>
+        </a:solidFill>
+        <a:latin typeface="+mn-lt"/>
+        <a:ea typeface="+mn-ea"/>
+        <a:cs typeface="+mn-cs"/>
+      </a:defRPr>
+    </a:lvl5pPr>
+    <a:lvl6pPr marL="2286000" algn="l" defTabSz="914400" rtl="0" eaLnBrk="1" latinLnBrk="0" hangingPunct="1">
+      <a:defRPr sz="1200" kern="1200">
+        <a:solidFill>
+          <a:schemeClr val="tx1"/>
+        </a:solidFill>
+        <a:latin typeface="+mn-lt"/>
+        <a:ea typeface="+mn-ea"/>
+        <a:cs typeface="+mn-cs"/>
+      </a:defRPr>
+    </a:lvl6pPr>
+    <a:lvl7pPr marL="2743200" algn="l" defTabSz="914400" rtl="0" eaLnBrk="1" latinLnBrk="0" hangingPunct="1">
+      <a:defRPr sz="1200" kern="1200">
+        <a:solidFill>
+          <a:schemeClr val="tx1"/>
+        </a:solidFill>
+        <a:latin typeface="+mn-lt"/>
+        <a:ea typeface="+mn-ea"/>
+        <a:cs typeface="+mn-cs"/>
+      </a:defRPr>
+    </a:lvl7pPr>
+    <a:lvl8pPr marL="3200400" algn="l" defTabSz="914400" rtl="0" eaLnBrk="1" latinLnBrk="0" hangingPunct="1">
+      <a:defRPr sz="1200" kern="1200">
+        <a:solidFill>
+          <a:schemeClr val="tx1"/>
+        </a:solidFill>
+        <a:latin typeface="+mn-lt"/>
+        <a:ea typeface="+mn-ea"/>
+        <a:cs typeface="+mn-cs"/>
+      </a:defRPr>
+    </a:lvl8pPr>
+    <a:lvl9pPr marL="3657600" algn="l" defTabSz="914400" rtl="0" eaLnBrk="1" latinLnBrk="0" hangingPunct="1">
+      <a:defRPr sz="1200" kern="1200">
+        <a:solidFill>
+          <a:schemeClr val="tx1"/>
+        </a:solidFill>
+        <a:latin typeface="+mn-lt"/>
+        <a:ea typeface="+mn-ea"/>
+        <a:cs typeface="+mn-cs"/>
+      </a:defRPr>
+    </a:lvl9pPr>
+  </p:notesStyle>
+</p:notesMaster>
+</file>
+
+<file path=ppt/notesSlides/notesSlide1.xml><?xml version="1.0" encoding="utf-8"?>
+<p:notes xmlns:a="http://schemas.openxmlformats.org/drawingml/2006/main" xmlns:r="http://schemas.openxmlformats.org/officeDocument/2006/relationships" xmlns:p="http://schemas.openxmlformats.org/presentationml/2006/main">
+  <p:cSld>
+    <p:spTree>
+      <p:nvGrpSpPr>
+        <p:cNvPr id="1" name=""/>
+        <p:cNvGrpSpPr/>
+        <p:nvPr/>
+      </p:nvGrpSpPr>
+      <p:grpSpPr>
+        <a:xfrm>
+          <a:off x="0" y="0"/>
+          <a:ext cx="0" cy="0"/>
+          <a:chOff x="0" y="0"/>
+          <a:chExt cx="0" cy="0"/>
+        </a:xfrm>
+      </p:grpSpPr>
+      <p:sp>
+        <p:nvSpPr>
+          <p:cNvPr id="2" name="Marcador de imagen de diapositiva 1"/>
+          <p:cNvSpPr>
+            <a:spLocks noGrp="1" noRot="1" noChangeAspect="1"/>
+          </p:cNvSpPr>
+          <p:nvPr>
+            <p:ph type="sldImg"/>
+          </p:nvPr>
+        </p:nvSpPr>
+        <p:spPr/>
+      </p:sp>
+      <p:sp>
+        <p:nvSpPr>
+          <p:cNvPr id="3" name="Marcador de notas 2"/>
+          <p:cNvSpPr>
+            <a:spLocks noGrp="1"/>
+          </p:cNvSpPr>
+          <p:nvPr>
+            <p:ph type="body" idx="1"/>
+          </p:nvPr>
+        </p:nvSpPr>
+        <p:spPr/>
+        <p:txBody>
+          <a:bodyPr/>
+          <a:lstStyle/>
+          <a:p>
+            <a:endParaRPr lang="es-ES_tradnl" dirty="0"/>
+          </a:p>
+        </p:txBody>
+      </p:sp>
+      <p:sp>
+        <p:nvSpPr>
+          <p:cNvPr id="4" name="Marcador de número de diapositiva 3"/>
+          <p:cNvSpPr>
+            <a:spLocks noGrp="1"/>
+          </p:cNvSpPr>
+          <p:nvPr>
+            <p:ph type="sldNum" sz="quarter" idx="10"/>
+          </p:nvPr>
+        </p:nvSpPr>
+        <p:spPr/>
+        <p:txBody>
+          <a:bodyPr/>
+          <a:lstStyle/>
+          <a:p>
+            <a:fld id="{5B1C9C74-E19A-2542-9086-096D26971A94}" type="slidenum">
+              <a:rPr lang="es-ES_tradnl" smtClean="0"/>
+              <a:t>8</a:t>
+            </a:fld>
+            <a:endParaRPr lang="es-ES_tradnl"/>
+          </a:p>
+        </p:txBody>
+      </p:sp>
+    </p:spTree>
+    <p:extLst>
+      <p:ext uri="{BB962C8B-B14F-4D97-AF65-F5344CB8AC3E}">
+        <p14:creationId xmlns:p14="http://schemas.microsoft.com/office/powerpoint/2010/main" val="1716069192"/>
+      </p:ext>
+    </p:extLst>
+  </p:cSld>
+  <p:clrMapOvr>
+    <a:masterClrMapping/>
+  </p:clrMapOvr>
+</p:notes>
 </file>
 
 <file path=ppt/slideLayouts/slideLayout1.xml><?xml version="1.0" encoding="utf-8"?>
@@ -627,7 +1069,7 @@
             <a:fld id="{B61BEF0D-F0BB-DE4B-95CE-6DB70DBA9567}" type="datetimeFigureOut">
               <a:rPr lang="en-US" dirty="0"/>
               <a:pPr/>
-              <a:t>9/20/17</a:t>
+              <a:t>9/22/17</a:t>
             </a:fld>
             <a:endParaRPr lang="en-US" dirty="0"/>
           </a:p>
@@ -920,7 +1362,7 @@
             <a:fld id="{B61BEF0D-F0BB-DE4B-95CE-6DB70DBA9567}" type="datetimeFigureOut">
               <a:rPr lang="en-US" dirty="0"/>
               <a:pPr/>
-              <a:t>9/20/17</a:t>
+              <a:t>9/22/17</a:t>
             </a:fld>
             <a:endParaRPr lang="en-US" dirty="0"/>
           </a:p>
@@ -1165,7 +1607,7 @@
             <a:fld id="{B61BEF0D-F0BB-DE4B-95CE-6DB70DBA9567}" type="datetimeFigureOut">
               <a:rPr lang="en-US" dirty="0"/>
               <a:pPr/>
-              <a:t>9/20/17</a:t>
+              <a:t>9/22/17</a:t>
             </a:fld>
             <a:endParaRPr lang="en-US" dirty="0"/>
           </a:p>
@@ -1702,7 +2144,7 @@
             <a:fld id="{B61BEF0D-F0BB-DE4B-95CE-6DB70DBA9567}" type="datetimeFigureOut">
               <a:rPr lang="en-US" dirty="0"/>
               <a:pPr/>
-              <a:t>9/20/17</a:t>
+              <a:t>9/22/17</a:t>
             </a:fld>
             <a:endParaRPr lang="en-US" dirty="0"/>
           </a:p>
@@ -1947,7 +2389,7 @@
             <a:fld id="{B61BEF0D-F0BB-DE4B-95CE-6DB70DBA9567}" type="datetimeFigureOut">
               <a:rPr lang="en-US" dirty="0"/>
               <a:pPr/>
-              <a:t>9/20/17</a:t>
+              <a:t>9/22/17</a:t>
             </a:fld>
             <a:endParaRPr lang="en-US" dirty="0"/>
           </a:p>
@@ -2476,7 +2918,7 @@
             <a:fld id="{B61BEF0D-F0BB-DE4B-95CE-6DB70DBA9567}" type="datetimeFigureOut">
               <a:rPr lang="en-US" dirty="0"/>
               <a:pPr/>
-              <a:t>9/20/17</a:t>
+              <a:t>9/22/17</a:t>
             </a:fld>
             <a:endParaRPr lang="en-US" dirty="0"/>
           </a:p>
@@ -2770,7 +3212,7 @@
             <a:fld id="{B61BEF0D-F0BB-DE4B-95CE-6DB70DBA9567}" type="datetimeFigureOut">
               <a:rPr lang="en-US" dirty="0"/>
               <a:pPr/>
-              <a:t>9/20/17</a:t>
+              <a:t>9/22/17</a:t>
             </a:fld>
             <a:endParaRPr lang="en-US" dirty="0"/>
           </a:p>
@@ -2941,7 +3383,7 @@
             <a:fld id="{B61BEF0D-F0BB-DE4B-95CE-6DB70DBA9567}" type="datetimeFigureOut">
               <a:rPr lang="en-US" dirty="0"/>
               <a:pPr/>
-              <a:t>9/20/17</a:t>
+              <a:t>9/22/17</a:t>
             </a:fld>
             <a:endParaRPr lang="en-US" dirty="0"/>
           </a:p>
@@ -3118,7 +3560,7 @@
             <a:fld id="{B61BEF0D-F0BB-DE4B-95CE-6DB70DBA9567}" type="datetimeFigureOut">
               <a:rPr lang="en-US" dirty="0"/>
               <a:pPr/>
-              <a:t>9/20/17</a:t>
+              <a:t>9/22/17</a:t>
             </a:fld>
             <a:endParaRPr lang="en-US" dirty="0"/>
           </a:p>
@@ -3285,7 +3727,7 @@
             <a:fld id="{B61BEF0D-F0BB-DE4B-95CE-6DB70DBA9567}" type="datetimeFigureOut">
               <a:rPr lang="en-US" dirty="0"/>
               <a:pPr/>
-              <a:t>9/20/17</a:t>
+              <a:t>9/22/17</a:t>
             </a:fld>
             <a:endParaRPr lang="en-US" dirty="0"/>
           </a:p>
@@ -3533,7 +3975,7 @@
             <a:fld id="{B61BEF0D-F0BB-DE4B-95CE-6DB70DBA9567}" type="datetimeFigureOut">
               <a:rPr lang="en-US" dirty="0"/>
               <a:pPr/>
-              <a:t>9/20/17</a:t>
+              <a:t>9/22/17</a:t>
             </a:fld>
             <a:endParaRPr lang="en-US" dirty="0"/>
           </a:p>
@@ -3827,7 +4269,7 @@
             <a:fld id="{B61BEF0D-F0BB-DE4B-95CE-6DB70DBA9567}" type="datetimeFigureOut">
               <a:rPr lang="en-US" dirty="0"/>
               <a:pPr/>
-              <a:t>9/20/17</a:t>
+              <a:t>9/22/17</a:t>
             </a:fld>
             <a:endParaRPr lang="en-US" dirty="0"/>
           </a:p>
@@ -4266,7 +4708,7 @@
             <a:fld id="{B61BEF0D-F0BB-DE4B-95CE-6DB70DBA9567}" type="datetimeFigureOut">
               <a:rPr lang="en-US" dirty="0"/>
               <a:pPr/>
-              <a:t>9/20/17</a:t>
+              <a:t>9/22/17</a:t>
             </a:fld>
             <a:endParaRPr lang="en-US" dirty="0"/>
           </a:p>
@@ -4381,7 +4823,7 @@
             <a:fld id="{B61BEF0D-F0BB-DE4B-95CE-6DB70DBA9567}" type="datetimeFigureOut">
               <a:rPr lang="en-US" dirty="0"/>
               <a:pPr/>
-              <a:t>9/20/17</a:t>
+              <a:t>9/22/17</a:t>
             </a:fld>
             <a:endParaRPr lang="en-US" dirty="0"/>
           </a:p>
@@ -4473,7 +4915,7 @@
             <a:fld id="{B61BEF0D-F0BB-DE4B-95CE-6DB70DBA9567}" type="datetimeFigureOut">
               <a:rPr lang="en-US" dirty="0"/>
               <a:pPr/>
-              <a:t>9/20/17</a:t>
+              <a:t>9/22/17</a:t>
             </a:fld>
             <a:endParaRPr lang="en-US" dirty="0"/>
           </a:p>
@@ -4753,7 +5195,7 @@
             <a:fld id="{B61BEF0D-F0BB-DE4B-95CE-6DB70DBA9567}" type="datetimeFigureOut">
               <a:rPr lang="en-US" dirty="0"/>
               <a:pPr/>
-              <a:t>9/20/17</a:t>
+              <a:t>9/22/17</a:t>
             </a:fld>
             <a:endParaRPr lang="en-US" dirty="0"/>
           </a:p>
@@ -5041,7 +5483,7 @@
             <a:fld id="{B61BEF0D-F0BB-DE4B-95CE-6DB70DBA9567}" type="datetimeFigureOut">
               <a:rPr lang="en-US" dirty="0"/>
               <a:pPr/>
-              <a:t>9/20/17</a:t>
+              <a:t>9/22/17</a:t>
             </a:fld>
             <a:endParaRPr lang="en-US" dirty="0"/>
           </a:p>
@@ -5568,7 +6010,7 @@
             <a:fld id="{B61BEF0D-F0BB-DE4B-95CE-6DB70DBA9567}" type="datetimeFigureOut">
               <a:rPr lang="en-US" dirty="0"/>
               <a:pPr/>
-              <a:t>9/20/17</a:t>
+              <a:t>9/22/17</a:t>
             </a:fld>
             <a:endParaRPr lang="en-US" dirty="0"/>
           </a:p>
@@ -6133,7 +6575,15 @@
           <a:p>
             <a:r>
               <a:rPr lang="es-ES_tradnl" dirty="0" smtClean="0"/>
-              <a:t>Control de versiones con GIT</a:t>
+              <a:t>Control </a:t>
+            </a:r>
+            <a:r>
+              <a:rPr lang="es-ES_tradnl" dirty="0" smtClean="0"/>
+              <a:t>de </a:t>
+            </a:r>
+            <a:r>
+              <a:rPr lang="es-ES_tradnl" dirty="0" smtClean="0"/>
+              <a:t>versiones con GIT</a:t>
             </a:r>
             <a:endParaRPr lang="es-ES_tradnl" dirty="0"/>
           </a:p>
@@ -6238,6 +6688,1648 @@
             <p:ph type="title"/>
           </p:nvPr>
         </p:nvSpPr>
+        <p:spPr/>
+        <p:txBody>
+          <a:bodyPr/>
+          <a:lstStyle/>
+          <a:p>
+            <a:r>
+              <a:rPr lang="es-ES_tradnl" dirty="0" smtClean="0">
+                <a:solidFill>
+                  <a:srgbClr val="FF0000"/>
+                </a:solidFill>
+              </a:rPr>
+              <a:t>Herramientas </a:t>
+            </a:r>
+            <a:r>
+              <a:rPr lang="mr-IN" dirty="0" smtClean="0">
+                <a:solidFill>
+                  <a:srgbClr val="FF0000"/>
+                </a:solidFill>
+              </a:rPr>
+              <a:t>–</a:t>
+            </a:r>
+            <a:r>
+              <a:rPr lang="es-ES_tradnl" dirty="0" smtClean="0">
+                <a:solidFill>
+                  <a:srgbClr val="FF0000"/>
+                </a:solidFill>
+              </a:rPr>
+              <a:t> No ir</a:t>
+            </a:r>
+            <a:r>
+              <a:rPr lang="es-ES" dirty="0" err="1" smtClean="0">
+                <a:solidFill>
+                  <a:srgbClr val="FF0000"/>
+                </a:solidFill>
+              </a:rPr>
+              <a:t>ía</a:t>
+            </a:r>
+            <a:endParaRPr lang="es-ES_tradnl" dirty="0">
+              <a:solidFill>
+                <a:srgbClr val="FF0000"/>
+              </a:solidFill>
+            </a:endParaRPr>
+          </a:p>
+        </p:txBody>
+      </p:sp>
+      <p:sp>
+        <p:nvSpPr>
+          <p:cNvPr id="3" name="Marcador de contenido 2"/>
+          <p:cNvSpPr>
+            <a:spLocks noGrp="1"/>
+          </p:cNvSpPr>
+          <p:nvPr>
+            <p:ph idx="1"/>
+          </p:nvPr>
+        </p:nvSpPr>
+        <p:spPr>
+          <a:xfrm>
+            <a:off x="1484310" y="1967948"/>
+            <a:ext cx="10018713" cy="4671391"/>
+          </a:xfrm>
+        </p:spPr>
+        <p:txBody>
+          <a:bodyPr>
+            <a:noAutofit/>
+          </a:bodyPr>
+          <a:lstStyle/>
+          <a:p>
+            <a:r>
+              <a:rPr lang="es-ES_tradnl" sz="2000" dirty="0"/>
+              <a:t>Se recomienda </a:t>
+            </a:r>
+            <a:r>
+              <a:rPr lang="es-ES_tradnl" sz="2000" dirty="0" smtClean="0"/>
+              <a:t>utilizar repositorios remotos :</a:t>
+            </a:r>
+          </a:p>
+          <a:p>
+            <a:pPr lvl="1"/>
+            <a:r>
+              <a:rPr lang="es-ES_tradnl" dirty="0" smtClean="0">
+                <a:hlinkClick r:id="rId2"/>
+              </a:rPr>
+              <a:t>https</a:t>
+            </a:r>
+            <a:r>
+              <a:rPr lang="es-ES_tradnl" dirty="0">
+                <a:hlinkClick r:id="rId2"/>
+              </a:rPr>
+              <a:t>://</a:t>
+            </a:r>
+            <a:r>
+              <a:rPr lang="es-ES_tradnl" dirty="0" smtClean="0">
+                <a:hlinkClick r:id="rId2"/>
+              </a:rPr>
+              <a:t>github.com</a:t>
+            </a:r>
+            <a:endParaRPr lang="es-ES_tradnl" dirty="0">
+              <a:hlinkClick r:id="rId2"/>
+            </a:endParaRPr>
+          </a:p>
+          <a:p>
+            <a:pPr lvl="1"/>
+            <a:r>
+              <a:rPr lang="es-ES_tradnl" dirty="0" smtClean="0">
+                <a:hlinkClick r:id="rId3"/>
+              </a:rPr>
+              <a:t>https</a:t>
+            </a:r>
+            <a:r>
+              <a:rPr lang="es-ES_tradnl" dirty="0">
+                <a:hlinkClick r:id="rId3"/>
+              </a:rPr>
+              <a:t>://</a:t>
+            </a:r>
+            <a:r>
+              <a:rPr lang="es-ES_tradnl" dirty="0" smtClean="0">
+                <a:hlinkClick r:id="rId3"/>
+              </a:rPr>
+              <a:t>bitbucket.org</a:t>
+            </a:r>
+            <a:endParaRPr lang="es-ES_tradnl" dirty="0">
+              <a:hlinkClick r:id="rId3"/>
+            </a:endParaRPr>
+          </a:p>
+          <a:p>
+            <a:pPr lvl="1"/>
+            <a:r>
+              <a:rPr lang="es-ES_tradnl" dirty="0" smtClean="0">
+                <a:hlinkClick r:id="rId4"/>
+              </a:rPr>
+              <a:t>https</a:t>
+            </a:r>
+            <a:r>
+              <a:rPr lang="es-ES_tradnl" dirty="0">
+                <a:hlinkClick r:id="rId4"/>
+              </a:rPr>
+              <a:t>://about.gitlab.com</a:t>
+            </a:r>
+            <a:r>
+              <a:rPr lang="es-ES_tradnl" dirty="0" smtClean="0">
+                <a:hlinkClick r:id="rId4"/>
+              </a:rPr>
+              <a:t>/</a:t>
+            </a:r>
+            <a:endParaRPr lang="es-ES_tradnl" dirty="0">
+              <a:hlinkClick r:id="rId4"/>
+            </a:endParaRPr>
+          </a:p>
+          <a:p>
+            <a:pPr lvl="1"/>
+            <a:r>
+              <a:rPr lang="es-ES_tradnl" dirty="0" smtClean="0">
+                <a:hlinkClick r:id="rId5"/>
+              </a:rPr>
+              <a:t>https</a:t>
+            </a:r>
+            <a:r>
+              <a:rPr lang="es-ES_tradnl" dirty="0">
+                <a:hlinkClick r:id="rId5"/>
+              </a:rPr>
+              <a:t>://gogs.io</a:t>
+            </a:r>
+            <a:r>
+              <a:rPr lang="es-ES_tradnl" dirty="0" smtClean="0">
+                <a:hlinkClick r:id="rId5"/>
+              </a:rPr>
+              <a:t>/ </a:t>
+            </a:r>
+            <a:r>
+              <a:rPr lang="es-ES_tradnl" dirty="0">
+                <a:hlinkClick r:id="rId5"/>
+              </a:rPr>
+              <a:t>(A painless self-hosted Git service.)</a:t>
+            </a:r>
+          </a:p>
+          <a:p>
+            <a:endParaRPr lang="es-ES_tradnl" sz="2000" dirty="0" smtClean="0"/>
+          </a:p>
+          <a:p>
+            <a:r>
+              <a:rPr lang="es-ES_tradnl" sz="2000" dirty="0"/>
+              <a:t>GUI </a:t>
+            </a:r>
+            <a:r>
+              <a:rPr lang="es-ES_tradnl" sz="2000" dirty="0" err="1" smtClean="0"/>
+              <a:t>Clients</a:t>
+            </a:r>
+            <a:endParaRPr lang="es-ES_tradnl" sz="2000" dirty="0"/>
+          </a:p>
+          <a:p>
+            <a:pPr lvl="1"/>
+            <a:r>
+              <a:rPr lang="es-ES_tradnl" dirty="0" err="1" smtClean="0"/>
+              <a:t>SourceTree</a:t>
+            </a:r>
+            <a:r>
+              <a:rPr lang="es-ES_tradnl" dirty="0" smtClean="0"/>
+              <a:t> </a:t>
+            </a:r>
+            <a:r>
+              <a:rPr lang="es-ES_tradnl" dirty="0"/>
+              <a:t>(</a:t>
+            </a:r>
+            <a:r>
+              <a:rPr lang="es-ES_tradnl" dirty="0" err="1"/>
+              <a:t>SourceTree</a:t>
+            </a:r>
+            <a:r>
+              <a:rPr lang="es-ES_tradnl" dirty="0"/>
+              <a:t> </a:t>
+            </a:r>
+            <a:r>
+              <a:rPr lang="es-ES_tradnl" dirty="0" err="1"/>
+              <a:t>is</a:t>
+            </a:r>
+            <a:r>
+              <a:rPr lang="es-ES_tradnl" dirty="0"/>
+              <a:t> </a:t>
+            </a:r>
+            <a:r>
+              <a:rPr lang="es-ES_tradnl" dirty="0" err="1"/>
+              <a:t>Atlassian's</a:t>
+            </a:r>
+            <a:r>
+              <a:rPr lang="es-ES_tradnl" dirty="0"/>
+              <a:t> free desktop </a:t>
+            </a:r>
+            <a:r>
+              <a:rPr lang="es-ES_tradnl" dirty="0" err="1"/>
+              <a:t>client</a:t>
+            </a:r>
+            <a:r>
+              <a:rPr lang="es-ES_tradnl" dirty="0"/>
+              <a:t> </a:t>
+            </a:r>
+            <a:r>
+              <a:rPr lang="es-ES_tradnl" dirty="0" err="1"/>
+              <a:t>for</a:t>
+            </a:r>
+            <a:r>
+              <a:rPr lang="es-ES_tradnl" dirty="0"/>
+              <a:t> </a:t>
+            </a:r>
+            <a:r>
+              <a:rPr lang="es-ES_tradnl" dirty="0" err="1"/>
+              <a:t>Bitbucket</a:t>
+            </a:r>
+            <a:r>
+              <a:rPr lang="es-ES_tradnl" dirty="0"/>
+              <a:t>.)</a:t>
+            </a:r>
+          </a:p>
+          <a:p>
+            <a:pPr lvl="1"/>
+            <a:r>
+              <a:rPr lang="es-ES_tradnl" dirty="0" smtClean="0"/>
+              <a:t>GitHub </a:t>
+            </a:r>
+            <a:r>
+              <a:rPr lang="es-ES_tradnl" dirty="0"/>
+              <a:t>Desktop</a:t>
+            </a:r>
+          </a:p>
+          <a:p>
+            <a:pPr lvl="1"/>
+            <a:r>
+              <a:rPr lang="es-ES_tradnl" dirty="0" err="1" smtClean="0"/>
+              <a:t>TortoiseGit</a:t>
+            </a:r>
+            <a:endParaRPr lang="es-ES_tradnl" dirty="0" smtClean="0"/>
+          </a:p>
+        </p:txBody>
+      </p:sp>
+    </p:spTree>
+    <p:extLst>
+      <p:ext uri="{BB962C8B-B14F-4D97-AF65-F5344CB8AC3E}">
+        <p14:creationId xmlns:p14="http://schemas.microsoft.com/office/powerpoint/2010/main" val="1742130175"/>
+      </p:ext>
+    </p:extLst>
+  </p:cSld>
+  <p:clrMapOvr>
+    <a:masterClrMapping/>
+  </p:clrMapOvr>
+</p:sld>
+</file>
+
+<file path=ppt/slides/slide11.xml><?xml version="1.0" encoding="utf-8"?>
+<p:sld xmlns:a="http://schemas.openxmlformats.org/drawingml/2006/main" xmlns:r="http://schemas.openxmlformats.org/officeDocument/2006/relationships" xmlns:p="http://schemas.openxmlformats.org/presentationml/2006/main">
+  <p:cSld>
+    <p:spTree>
+      <p:nvGrpSpPr>
+        <p:cNvPr id="1" name=""/>
+        <p:cNvGrpSpPr/>
+        <p:nvPr/>
+      </p:nvGrpSpPr>
+      <p:grpSpPr>
+        <a:xfrm>
+          <a:off x="0" y="0"/>
+          <a:ext cx="0" cy="0"/>
+          <a:chOff x="0" y="0"/>
+          <a:chExt cx="0" cy="0"/>
+        </a:xfrm>
+      </p:grpSpPr>
+      <p:sp>
+        <p:nvSpPr>
+          <p:cNvPr id="2" name="Título 1"/>
+          <p:cNvSpPr>
+            <a:spLocks noGrp="1"/>
+          </p:cNvSpPr>
+          <p:nvPr>
+            <p:ph type="title"/>
+          </p:nvPr>
+        </p:nvSpPr>
+        <p:spPr/>
+        <p:txBody>
+          <a:bodyPr/>
+          <a:lstStyle/>
+          <a:p>
+            <a:r>
+              <a:rPr lang="es-ES_tradnl" dirty="0" smtClean="0"/>
+              <a:t>¿C</a:t>
+            </a:r>
+            <a:r>
+              <a:rPr lang="es-ES" dirty="0" err="1" smtClean="0"/>
+              <a:t>ómo</a:t>
+            </a:r>
+            <a:r>
+              <a:rPr lang="es-ES" dirty="0" smtClean="0"/>
+              <a:t> Funciona?</a:t>
+            </a:r>
+            <a:endParaRPr lang="es-ES_tradnl" dirty="0"/>
+          </a:p>
+        </p:txBody>
+      </p:sp>
+      <p:sp>
+        <p:nvSpPr>
+          <p:cNvPr id="3" name="Marcador de contenido 2"/>
+          <p:cNvSpPr>
+            <a:spLocks noGrp="1"/>
+          </p:cNvSpPr>
+          <p:nvPr>
+            <p:ph idx="1"/>
+          </p:nvPr>
+        </p:nvSpPr>
+        <p:spPr/>
+        <p:txBody>
+          <a:bodyPr/>
+          <a:lstStyle/>
+          <a:p>
+            <a:endParaRPr lang="es-ES_tradnl"/>
+          </a:p>
+        </p:txBody>
+      </p:sp>
+    </p:spTree>
+    <p:extLst>
+      <p:ext uri="{BB962C8B-B14F-4D97-AF65-F5344CB8AC3E}">
+        <p14:creationId xmlns:p14="http://schemas.microsoft.com/office/powerpoint/2010/main" val="1450622489"/>
+      </p:ext>
+    </p:extLst>
+  </p:cSld>
+  <p:clrMapOvr>
+    <a:masterClrMapping/>
+  </p:clrMapOvr>
+</p:sld>
+</file>
+
+<file path=ppt/slides/slide12.xml><?xml version="1.0" encoding="utf-8"?>
+<p:sld xmlns:a="http://schemas.openxmlformats.org/drawingml/2006/main" xmlns:r="http://schemas.openxmlformats.org/officeDocument/2006/relationships" xmlns:p="http://schemas.openxmlformats.org/presentationml/2006/main">
+  <p:cSld>
+    <p:spTree>
+      <p:nvGrpSpPr>
+        <p:cNvPr id="1" name=""/>
+        <p:cNvGrpSpPr/>
+        <p:nvPr/>
+      </p:nvGrpSpPr>
+      <p:grpSpPr>
+        <a:xfrm>
+          <a:off x="0" y="0"/>
+          <a:ext cx="0" cy="0"/>
+          <a:chOff x="0" y="0"/>
+          <a:chExt cx="0" cy="0"/>
+        </a:xfrm>
+      </p:grpSpPr>
+      <p:sp>
+        <p:nvSpPr>
+          <p:cNvPr id="2" name="Título 1"/>
+          <p:cNvSpPr>
+            <a:spLocks noGrp="1"/>
+          </p:cNvSpPr>
+          <p:nvPr>
+            <p:ph type="title"/>
+          </p:nvPr>
+        </p:nvSpPr>
+        <p:spPr/>
+        <p:txBody>
+          <a:bodyPr/>
+          <a:lstStyle/>
+          <a:p>
+            <a:r>
+              <a:rPr lang="es-ES_tradnl" dirty="0" smtClean="0"/>
+              <a:t>¿Cómo </a:t>
+            </a:r>
+            <a:r>
+              <a:rPr lang="es-ES_tradnl" dirty="0"/>
+              <a:t>Trabaja </a:t>
+            </a:r>
+            <a:r>
+              <a:rPr lang="es-ES_tradnl" dirty="0" err="1" smtClean="0"/>
+              <a:t>Git</a:t>
+            </a:r>
+            <a:r>
+              <a:rPr lang="es-ES_tradnl" dirty="0" smtClean="0"/>
+              <a:t>?</a:t>
+            </a:r>
+            <a:endParaRPr lang="es-ES_tradnl" dirty="0"/>
+          </a:p>
+        </p:txBody>
+      </p:sp>
+      <p:sp>
+        <p:nvSpPr>
+          <p:cNvPr id="3" name="Marcador de contenido 2"/>
+          <p:cNvSpPr>
+            <a:spLocks noGrp="1"/>
+          </p:cNvSpPr>
+          <p:nvPr>
+            <p:ph idx="1"/>
+          </p:nvPr>
+        </p:nvSpPr>
+        <p:spPr>
+          <a:xfrm>
+            <a:off x="1484311" y="2438399"/>
+            <a:ext cx="10018713" cy="4191001"/>
+          </a:xfrm>
+        </p:spPr>
+        <p:txBody>
+          <a:bodyPr>
+            <a:normAutofit fontScale="92500" lnSpcReduction="10000"/>
+          </a:bodyPr>
+          <a:lstStyle/>
+          <a:p>
+            <a:r>
+              <a:rPr lang="es-ES_tradnl" dirty="0" err="1"/>
+              <a:t>Like</a:t>
+            </a:r>
+            <a:r>
+              <a:rPr lang="es-ES_tradnl" dirty="0"/>
+              <a:t> </a:t>
+            </a:r>
+            <a:r>
+              <a:rPr lang="es-ES_tradnl" dirty="0" err="1"/>
+              <a:t>Subversion</a:t>
+            </a:r>
+            <a:r>
+              <a:rPr lang="es-ES_tradnl" dirty="0"/>
+              <a:t>, </a:t>
+            </a:r>
+            <a:r>
+              <a:rPr lang="es-ES_tradnl" dirty="0" err="1"/>
+              <a:t>the</a:t>
+            </a:r>
+            <a:r>
+              <a:rPr lang="es-ES_tradnl" dirty="0"/>
+              <a:t> </a:t>
+            </a:r>
+            <a:r>
+              <a:rPr lang="es-ES_tradnl" dirty="0" err="1"/>
+              <a:t>Centralized</a:t>
+            </a:r>
+            <a:r>
+              <a:rPr lang="es-ES_tradnl" dirty="0"/>
+              <a:t> </a:t>
+            </a:r>
+            <a:r>
+              <a:rPr lang="es-ES_tradnl" dirty="0" err="1"/>
+              <a:t>Workflow</a:t>
+            </a:r>
+            <a:r>
+              <a:rPr lang="es-ES_tradnl" dirty="0"/>
+              <a:t> uses a </a:t>
+            </a:r>
+            <a:r>
+              <a:rPr lang="es-ES_tradnl" b="1" dirty="0"/>
+              <a:t>central </a:t>
+            </a:r>
+            <a:r>
+              <a:rPr lang="es-ES_tradnl" b="1" dirty="0" err="1"/>
+              <a:t>repository</a:t>
+            </a:r>
+            <a:r>
+              <a:rPr lang="es-ES_tradnl" b="1" dirty="0"/>
+              <a:t> to </a:t>
+            </a:r>
+            <a:r>
+              <a:rPr lang="es-ES_tradnl" b="1" dirty="0" err="1"/>
+              <a:t>serve</a:t>
+            </a:r>
+            <a:r>
+              <a:rPr lang="es-ES_tradnl" b="1" dirty="0"/>
+              <a:t> </a:t>
+            </a:r>
+            <a:r>
+              <a:rPr lang="es-ES_tradnl" dirty="0"/>
+              <a:t>as </a:t>
+            </a:r>
+            <a:r>
+              <a:rPr lang="es-ES_tradnl" dirty="0" err="1"/>
+              <a:t>the</a:t>
+            </a:r>
+            <a:r>
+              <a:rPr lang="es-ES_tradnl" dirty="0"/>
+              <a:t> single </a:t>
+            </a:r>
+            <a:r>
+              <a:rPr lang="es-ES_tradnl" dirty="0" err="1"/>
+              <a:t>point</a:t>
+            </a:r>
+            <a:r>
+              <a:rPr lang="es-ES_tradnl" dirty="0"/>
+              <a:t>-of-</a:t>
+            </a:r>
+            <a:r>
+              <a:rPr lang="es-ES_tradnl" dirty="0" err="1"/>
+              <a:t>entry</a:t>
+            </a:r>
+            <a:r>
+              <a:rPr lang="es-ES_tradnl" dirty="0"/>
+              <a:t> </a:t>
+            </a:r>
+            <a:r>
+              <a:rPr lang="es-ES_tradnl" dirty="0" err="1"/>
+              <a:t>for</a:t>
+            </a:r>
+            <a:r>
+              <a:rPr lang="es-ES_tradnl" dirty="0"/>
+              <a:t> </a:t>
+            </a:r>
+            <a:r>
+              <a:rPr lang="es-ES_tradnl" dirty="0" err="1"/>
+              <a:t>all</a:t>
+            </a:r>
+            <a:r>
+              <a:rPr lang="es-ES_tradnl" dirty="0"/>
+              <a:t> </a:t>
+            </a:r>
+            <a:r>
+              <a:rPr lang="es-ES_tradnl" dirty="0" err="1"/>
+              <a:t>changes</a:t>
+            </a:r>
+            <a:r>
+              <a:rPr lang="es-ES_tradnl" dirty="0"/>
+              <a:t> to </a:t>
+            </a:r>
+            <a:r>
+              <a:rPr lang="es-ES_tradnl" dirty="0" err="1"/>
+              <a:t>the</a:t>
+            </a:r>
+            <a:r>
+              <a:rPr lang="es-ES_tradnl" dirty="0"/>
+              <a:t> </a:t>
+            </a:r>
+            <a:r>
+              <a:rPr lang="es-ES_tradnl" dirty="0" err="1"/>
+              <a:t>project</a:t>
+            </a:r>
+            <a:r>
+              <a:rPr lang="es-ES_tradnl" dirty="0"/>
+              <a:t>. </a:t>
+            </a:r>
+            <a:endParaRPr lang="es-ES_tradnl" dirty="0" smtClean="0"/>
+          </a:p>
+          <a:p>
+            <a:r>
+              <a:rPr lang="es-ES_tradnl" dirty="0"/>
+              <a:t> </a:t>
+            </a:r>
+            <a:r>
+              <a:rPr lang="es-ES_tradnl" dirty="0" err="1"/>
+              <a:t>Developers</a:t>
+            </a:r>
+            <a:r>
+              <a:rPr lang="es-ES_tradnl" dirty="0"/>
+              <a:t> </a:t>
+            </a:r>
+            <a:r>
+              <a:rPr lang="es-ES_tradnl" dirty="0" err="1"/>
+              <a:t>start</a:t>
+            </a:r>
+            <a:r>
+              <a:rPr lang="es-ES_tradnl" dirty="0"/>
+              <a:t> </a:t>
+            </a:r>
+            <a:r>
+              <a:rPr lang="es-ES_tradnl" dirty="0" err="1"/>
+              <a:t>by</a:t>
+            </a:r>
+            <a:r>
+              <a:rPr lang="es-ES_tradnl" dirty="0"/>
+              <a:t> </a:t>
+            </a:r>
+            <a:r>
+              <a:rPr lang="es-ES_tradnl" b="1" dirty="0" err="1"/>
+              <a:t>cloning</a:t>
+            </a:r>
+            <a:r>
+              <a:rPr lang="es-ES_tradnl" b="1" dirty="0"/>
+              <a:t> </a:t>
+            </a:r>
+            <a:r>
+              <a:rPr lang="es-ES_tradnl" b="1" dirty="0" err="1"/>
+              <a:t>the</a:t>
+            </a:r>
+            <a:r>
+              <a:rPr lang="es-ES_tradnl" b="1" dirty="0"/>
+              <a:t> central </a:t>
+            </a:r>
+            <a:r>
+              <a:rPr lang="es-ES_tradnl" b="1" dirty="0" err="1"/>
+              <a:t>repository</a:t>
+            </a:r>
+            <a:r>
+              <a:rPr lang="es-ES_tradnl" dirty="0"/>
+              <a:t>. </a:t>
+            </a:r>
+            <a:endParaRPr lang="es-ES_tradnl" dirty="0" smtClean="0"/>
+          </a:p>
+          <a:p>
+            <a:r>
+              <a:rPr lang="es-ES_tradnl" dirty="0" smtClean="0"/>
+              <a:t>In </a:t>
+            </a:r>
+            <a:r>
+              <a:rPr lang="es-ES_tradnl" dirty="0" err="1"/>
+              <a:t>their</a:t>
+            </a:r>
+            <a:r>
+              <a:rPr lang="es-ES_tradnl" dirty="0"/>
+              <a:t> </a:t>
+            </a:r>
+            <a:r>
+              <a:rPr lang="es-ES_tradnl" dirty="0" err="1"/>
+              <a:t>own</a:t>
+            </a:r>
+            <a:r>
+              <a:rPr lang="es-ES_tradnl" dirty="0"/>
+              <a:t> local copies of </a:t>
+            </a:r>
+            <a:r>
+              <a:rPr lang="es-ES_tradnl" dirty="0" err="1"/>
+              <a:t>the</a:t>
+            </a:r>
+            <a:r>
+              <a:rPr lang="es-ES_tradnl" dirty="0"/>
+              <a:t> </a:t>
+            </a:r>
+            <a:r>
+              <a:rPr lang="es-ES_tradnl" dirty="0" err="1"/>
+              <a:t>project</a:t>
+            </a:r>
+            <a:r>
+              <a:rPr lang="es-ES_tradnl" dirty="0"/>
+              <a:t>, </a:t>
+            </a:r>
+            <a:r>
+              <a:rPr lang="es-ES_tradnl" dirty="0" err="1"/>
+              <a:t>they</a:t>
+            </a:r>
+            <a:r>
+              <a:rPr lang="es-ES_tradnl" dirty="0"/>
+              <a:t> </a:t>
+            </a:r>
+            <a:r>
+              <a:rPr lang="es-ES_tradnl" dirty="0" err="1"/>
+              <a:t>edit</a:t>
+            </a:r>
+            <a:r>
+              <a:rPr lang="es-ES_tradnl" dirty="0"/>
+              <a:t> files and </a:t>
+            </a:r>
+            <a:r>
+              <a:rPr lang="es-ES_tradnl" dirty="0" err="1"/>
+              <a:t>commit</a:t>
+            </a:r>
+            <a:r>
+              <a:rPr lang="es-ES_tradnl" dirty="0"/>
+              <a:t> </a:t>
+            </a:r>
+            <a:r>
+              <a:rPr lang="es-ES_tradnl" dirty="0" err="1"/>
+              <a:t>changes</a:t>
+            </a:r>
+            <a:r>
+              <a:rPr lang="es-ES_tradnl" dirty="0"/>
+              <a:t> as </a:t>
+            </a:r>
+            <a:r>
+              <a:rPr lang="es-ES_tradnl" dirty="0" err="1"/>
+              <a:t>they</a:t>
+            </a:r>
+            <a:r>
+              <a:rPr lang="es-ES_tradnl" dirty="0"/>
+              <a:t> </a:t>
+            </a:r>
+            <a:r>
+              <a:rPr lang="es-ES_tradnl" dirty="0" err="1"/>
+              <a:t>would</a:t>
+            </a:r>
+            <a:r>
+              <a:rPr lang="es-ES_tradnl" dirty="0"/>
+              <a:t> </a:t>
+            </a:r>
+            <a:r>
+              <a:rPr lang="es-ES_tradnl" dirty="0" err="1"/>
+              <a:t>with</a:t>
+            </a:r>
+            <a:r>
+              <a:rPr lang="es-ES_tradnl" dirty="0"/>
+              <a:t> SVN; </a:t>
+            </a:r>
+            <a:r>
+              <a:rPr lang="es-ES_tradnl" dirty="0" err="1"/>
+              <a:t>however</a:t>
+            </a:r>
+            <a:r>
+              <a:rPr lang="es-ES_tradnl" dirty="0"/>
+              <a:t>, </a:t>
+            </a:r>
+            <a:r>
+              <a:rPr lang="es-ES_tradnl" dirty="0" err="1"/>
+              <a:t>these</a:t>
+            </a:r>
+            <a:r>
+              <a:rPr lang="es-ES_tradnl" dirty="0"/>
+              <a:t> </a:t>
+            </a:r>
+            <a:r>
+              <a:rPr lang="es-ES_tradnl" b="1" dirty="0"/>
+              <a:t>new </a:t>
+            </a:r>
+            <a:r>
+              <a:rPr lang="es-ES_tradnl" b="1" dirty="0" err="1"/>
+              <a:t>commits</a:t>
+            </a:r>
+            <a:r>
+              <a:rPr lang="es-ES_tradnl" b="1" dirty="0"/>
+              <a:t> are </a:t>
+            </a:r>
+            <a:r>
+              <a:rPr lang="es-ES_tradnl" b="1" dirty="0" err="1"/>
+              <a:t>stored</a:t>
+            </a:r>
+            <a:r>
+              <a:rPr lang="es-ES_tradnl" b="1" dirty="0"/>
+              <a:t> </a:t>
+            </a:r>
+            <a:r>
+              <a:rPr lang="es-ES_tradnl" b="1" dirty="0" err="1"/>
+              <a:t>locally</a:t>
+            </a:r>
+            <a:r>
+              <a:rPr lang="es-ES_tradnl" dirty="0"/>
+              <a:t>—</a:t>
+            </a:r>
+            <a:r>
+              <a:rPr lang="es-ES_tradnl" dirty="0" err="1"/>
+              <a:t>they’re</a:t>
+            </a:r>
+            <a:r>
+              <a:rPr lang="es-ES_tradnl" dirty="0"/>
+              <a:t> </a:t>
+            </a:r>
+            <a:r>
+              <a:rPr lang="es-ES_tradnl" dirty="0" err="1"/>
+              <a:t>completely</a:t>
+            </a:r>
+            <a:r>
+              <a:rPr lang="es-ES_tradnl" dirty="0"/>
+              <a:t> </a:t>
+            </a:r>
+            <a:r>
+              <a:rPr lang="es-ES_tradnl" dirty="0" err="1"/>
+              <a:t>isolated</a:t>
+            </a:r>
+            <a:r>
+              <a:rPr lang="es-ES_tradnl" dirty="0"/>
+              <a:t> </a:t>
+            </a:r>
+            <a:r>
+              <a:rPr lang="es-ES_tradnl" dirty="0" err="1"/>
+              <a:t>from</a:t>
+            </a:r>
+            <a:r>
+              <a:rPr lang="es-ES_tradnl" dirty="0"/>
+              <a:t> </a:t>
+            </a:r>
+            <a:r>
+              <a:rPr lang="es-ES_tradnl" dirty="0" err="1"/>
+              <a:t>the</a:t>
+            </a:r>
+            <a:r>
+              <a:rPr lang="es-ES_tradnl" dirty="0"/>
+              <a:t> central </a:t>
+            </a:r>
+            <a:r>
+              <a:rPr lang="es-ES_tradnl" dirty="0" err="1"/>
+              <a:t>repository</a:t>
+            </a:r>
+            <a:r>
+              <a:rPr lang="es-ES_tradnl" dirty="0"/>
+              <a:t>. </a:t>
+            </a:r>
+            <a:endParaRPr lang="es-ES_tradnl" dirty="0" smtClean="0"/>
+          </a:p>
+          <a:p>
+            <a:r>
+              <a:rPr lang="es-ES_tradnl" dirty="0" smtClean="0"/>
+              <a:t> </a:t>
+            </a:r>
+            <a:r>
+              <a:rPr lang="es-ES_tradnl" dirty="0"/>
+              <a:t>To </a:t>
+            </a:r>
+            <a:r>
+              <a:rPr lang="es-ES_tradnl" dirty="0" err="1"/>
+              <a:t>publish</a:t>
+            </a:r>
+            <a:r>
+              <a:rPr lang="es-ES_tradnl" dirty="0"/>
+              <a:t> </a:t>
+            </a:r>
+            <a:r>
+              <a:rPr lang="es-ES_tradnl" dirty="0" err="1"/>
+              <a:t>changes</a:t>
+            </a:r>
+            <a:r>
+              <a:rPr lang="es-ES_tradnl" dirty="0"/>
+              <a:t> to </a:t>
+            </a:r>
+            <a:r>
+              <a:rPr lang="es-ES_tradnl" dirty="0" err="1"/>
+              <a:t>the</a:t>
+            </a:r>
+            <a:r>
+              <a:rPr lang="es-ES_tradnl" dirty="0"/>
+              <a:t> </a:t>
+            </a:r>
+            <a:r>
+              <a:rPr lang="es-ES_tradnl" dirty="0" err="1"/>
+              <a:t>official</a:t>
+            </a:r>
+            <a:r>
+              <a:rPr lang="es-ES_tradnl" dirty="0"/>
+              <a:t> </a:t>
+            </a:r>
+            <a:r>
+              <a:rPr lang="es-ES_tradnl" dirty="0" err="1"/>
+              <a:t>project</a:t>
+            </a:r>
+            <a:r>
+              <a:rPr lang="es-ES_tradnl" dirty="0"/>
+              <a:t>, </a:t>
+            </a:r>
+            <a:r>
+              <a:rPr lang="es-ES_tradnl" dirty="0" err="1"/>
+              <a:t>developers</a:t>
+            </a:r>
+            <a:r>
+              <a:rPr lang="es-ES_tradnl" dirty="0"/>
+              <a:t> </a:t>
+            </a:r>
+            <a:r>
+              <a:rPr lang="es-ES_tradnl" b="1" dirty="0"/>
+              <a:t>“</a:t>
+            </a:r>
+            <a:r>
+              <a:rPr lang="es-ES_tradnl" b="1" dirty="0" err="1"/>
+              <a:t>push</a:t>
+            </a:r>
+            <a:r>
+              <a:rPr lang="es-ES_tradnl" b="1" dirty="0"/>
+              <a:t>” </a:t>
+            </a:r>
+            <a:r>
+              <a:rPr lang="es-ES_tradnl" dirty="0" err="1"/>
+              <a:t>their</a:t>
+            </a:r>
+            <a:r>
+              <a:rPr lang="es-ES_tradnl" dirty="0"/>
+              <a:t> local master </a:t>
+            </a:r>
+            <a:r>
+              <a:rPr lang="es-ES_tradnl" dirty="0" err="1"/>
+              <a:t>branch</a:t>
+            </a:r>
+            <a:r>
+              <a:rPr lang="es-ES_tradnl" dirty="0"/>
+              <a:t> to </a:t>
+            </a:r>
+            <a:r>
+              <a:rPr lang="es-ES_tradnl" dirty="0" err="1"/>
+              <a:t>the</a:t>
+            </a:r>
+            <a:r>
+              <a:rPr lang="es-ES_tradnl" dirty="0"/>
+              <a:t> central </a:t>
+            </a:r>
+            <a:r>
+              <a:rPr lang="es-ES_tradnl" dirty="0" err="1"/>
+              <a:t>repository</a:t>
+            </a:r>
+            <a:r>
+              <a:rPr lang="es-ES_tradnl" dirty="0"/>
+              <a:t>. </a:t>
+            </a:r>
+            <a:r>
+              <a:rPr lang="es-ES_tradnl" dirty="0" err="1"/>
+              <a:t>This</a:t>
+            </a:r>
+            <a:r>
+              <a:rPr lang="es-ES_tradnl" dirty="0"/>
+              <a:t> </a:t>
+            </a:r>
+            <a:r>
+              <a:rPr lang="es-ES_tradnl" dirty="0" err="1"/>
+              <a:t>is</a:t>
+            </a:r>
+            <a:r>
+              <a:rPr lang="es-ES_tradnl" dirty="0"/>
+              <a:t> </a:t>
+            </a:r>
+            <a:r>
+              <a:rPr lang="es-ES_tradnl" dirty="0" err="1"/>
+              <a:t>the</a:t>
+            </a:r>
+            <a:r>
+              <a:rPr lang="es-ES_tradnl" dirty="0"/>
+              <a:t> </a:t>
+            </a:r>
+            <a:r>
+              <a:rPr lang="es-ES_tradnl" dirty="0" err="1"/>
+              <a:t>equivalent</a:t>
+            </a:r>
+            <a:r>
+              <a:rPr lang="es-ES_tradnl" dirty="0"/>
+              <a:t> of </a:t>
+            </a:r>
+            <a:r>
+              <a:rPr lang="es-ES_tradnl" dirty="0" err="1"/>
+              <a:t>svn</a:t>
+            </a:r>
+            <a:r>
+              <a:rPr lang="es-ES_tradnl" dirty="0"/>
+              <a:t> </a:t>
+            </a:r>
+            <a:r>
+              <a:rPr lang="es-ES_tradnl" dirty="0" err="1"/>
+              <a:t>commit</a:t>
+            </a:r>
+            <a:r>
+              <a:rPr lang="es-ES_tradnl" dirty="0"/>
+              <a:t>, </a:t>
+            </a:r>
+            <a:r>
+              <a:rPr lang="es-ES_tradnl" dirty="0" err="1"/>
+              <a:t>except</a:t>
+            </a:r>
+            <a:r>
+              <a:rPr lang="es-ES_tradnl" dirty="0"/>
+              <a:t> </a:t>
+            </a:r>
+            <a:r>
+              <a:rPr lang="es-ES_tradnl" dirty="0" err="1"/>
+              <a:t>that</a:t>
+            </a:r>
+            <a:r>
+              <a:rPr lang="es-ES_tradnl" dirty="0"/>
+              <a:t> </a:t>
+            </a:r>
+            <a:r>
+              <a:rPr lang="es-ES_tradnl" dirty="0" err="1"/>
+              <a:t>it</a:t>
+            </a:r>
+            <a:r>
+              <a:rPr lang="es-ES_tradnl" dirty="0"/>
+              <a:t> </a:t>
+            </a:r>
+            <a:r>
+              <a:rPr lang="es-ES_tradnl" dirty="0" err="1"/>
+              <a:t>adds</a:t>
+            </a:r>
+            <a:r>
+              <a:rPr lang="es-ES_tradnl" dirty="0"/>
+              <a:t> </a:t>
+            </a:r>
+            <a:r>
+              <a:rPr lang="es-ES_tradnl" dirty="0" err="1"/>
+              <a:t>all</a:t>
+            </a:r>
+            <a:r>
+              <a:rPr lang="es-ES_tradnl" dirty="0"/>
+              <a:t> of </a:t>
+            </a:r>
+            <a:r>
+              <a:rPr lang="es-ES_tradnl" dirty="0" err="1"/>
+              <a:t>the</a:t>
+            </a:r>
+            <a:r>
+              <a:rPr lang="es-ES_tradnl" dirty="0"/>
+              <a:t> local </a:t>
+            </a:r>
+            <a:r>
+              <a:rPr lang="es-ES_tradnl" dirty="0" err="1"/>
+              <a:t>commits</a:t>
+            </a:r>
+            <a:r>
+              <a:rPr lang="es-ES_tradnl" dirty="0"/>
+              <a:t> </a:t>
+            </a:r>
+            <a:r>
+              <a:rPr lang="es-ES_tradnl" dirty="0" err="1"/>
+              <a:t>that</a:t>
+            </a:r>
+            <a:r>
+              <a:rPr lang="es-ES_tradnl" dirty="0"/>
+              <a:t> </a:t>
+            </a:r>
+            <a:r>
+              <a:rPr lang="es-ES_tradnl" dirty="0" err="1"/>
+              <a:t>aren’t</a:t>
+            </a:r>
+            <a:r>
+              <a:rPr lang="es-ES_tradnl" dirty="0"/>
+              <a:t> </a:t>
+            </a:r>
+            <a:r>
+              <a:rPr lang="es-ES_tradnl" dirty="0" err="1"/>
+              <a:t>already</a:t>
+            </a:r>
+            <a:r>
+              <a:rPr lang="es-ES_tradnl" dirty="0"/>
+              <a:t> in </a:t>
+            </a:r>
+            <a:r>
+              <a:rPr lang="es-ES_tradnl" dirty="0" err="1"/>
+              <a:t>the</a:t>
+            </a:r>
+            <a:r>
+              <a:rPr lang="es-ES_tradnl" dirty="0"/>
+              <a:t> central master </a:t>
+            </a:r>
+            <a:r>
+              <a:rPr lang="es-ES_tradnl" dirty="0" err="1"/>
+              <a:t>branch</a:t>
+            </a:r>
+            <a:r>
+              <a:rPr lang="es-ES_tradnl" dirty="0" smtClean="0"/>
+              <a:t>.</a:t>
+            </a:r>
+          </a:p>
+          <a:p>
+            <a:r>
+              <a:rPr lang="es-ES_tradnl" dirty="0" err="1" smtClean="0"/>
+              <a:t>Before</a:t>
+            </a:r>
+            <a:r>
+              <a:rPr lang="es-ES_tradnl" dirty="0" smtClean="0"/>
+              <a:t> </a:t>
+            </a:r>
+            <a:r>
+              <a:rPr lang="es-ES_tradnl" dirty="0" err="1"/>
+              <a:t>the</a:t>
+            </a:r>
+            <a:r>
+              <a:rPr lang="es-ES_tradnl" dirty="0"/>
+              <a:t> </a:t>
+            </a:r>
+            <a:r>
+              <a:rPr lang="es-ES_tradnl" dirty="0" err="1"/>
+              <a:t>developer</a:t>
+            </a:r>
+            <a:r>
+              <a:rPr lang="es-ES_tradnl" dirty="0"/>
+              <a:t> can </a:t>
+            </a:r>
+            <a:r>
+              <a:rPr lang="es-ES_tradnl" dirty="0" err="1"/>
+              <a:t>publish</a:t>
+            </a:r>
+            <a:r>
+              <a:rPr lang="es-ES_tradnl" dirty="0"/>
+              <a:t> </a:t>
+            </a:r>
+            <a:r>
+              <a:rPr lang="es-ES_tradnl" dirty="0" err="1"/>
+              <a:t>their</a:t>
+            </a:r>
+            <a:r>
+              <a:rPr lang="es-ES_tradnl" dirty="0"/>
+              <a:t> </a:t>
+            </a:r>
+            <a:r>
+              <a:rPr lang="es-ES_tradnl" dirty="0" err="1"/>
+              <a:t>feature</a:t>
+            </a:r>
+            <a:r>
+              <a:rPr lang="es-ES_tradnl" dirty="0"/>
+              <a:t>, </a:t>
+            </a:r>
+            <a:r>
+              <a:rPr lang="es-ES_tradnl" dirty="0" err="1"/>
+              <a:t>they</a:t>
+            </a:r>
+            <a:r>
+              <a:rPr lang="es-ES_tradnl" dirty="0"/>
+              <a:t> </a:t>
+            </a:r>
+            <a:r>
+              <a:rPr lang="es-ES_tradnl" dirty="0" err="1"/>
+              <a:t>need</a:t>
+            </a:r>
+            <a:r>
+              <a:rPr lang="es-ES_tradnl" dirty="0"/>
+              <a:t> to </a:t>
+            </a:r>
+            <a:r>
+              <a:rPr lang="es-ES_tradnl" b="1" dirty="0" err="1"/>
+              <a:t>fetch</a:t>
+            </a:r>
+            <a:r>
+              <a:rPr lang="es-ES_tradnl" b="1" dirty="0"/>
+              <a:t> </a:t>
+            </a:r>
+            <a:r>
+              <a:rPr lang="es-ES_tradnl" b="1" dirty="0" err="1"/>
+              <a:t>the</a:t>
+            </a:r>
+            <a:r>
+              <a:rPr lang="es-ES_tradnl" b="1" dirty="0"/>
+              <a:t> </a:t>
+            </a:r>
+            <a:r>
+              <a:rPr lang="es-ES_tradnl" b="1" dirty="0" err="1"/>
+              <a:t>updated</a:t>
+            </a:r>
+            <a:r>
+              <a:rPr lang="es-ES_tradnl" b="1" dirty="0"/>
+              <a:t> central </a:t>
+            </a:r>
+            <a:r>
+              <a:rPr lang="es-ES_tradnl" b="1" dirty="0" err="1"/>
+              <a:t>commits</a:t>
+            </a:r>
+            <a:r>
+              <a:rPr lang="es-ES_tradnl" b="1" dirty="0"/>
+              <a:t> </a:t>
+            </a:r>
+            <a:r>
+              <a:rPr lang="es-ES_tradnl" dirty="0"/>
+              <a:t>and rebase </a:t>
+            </a:r>
+            <a:r>
+              <a:rPr lang="es-ES_tradnl" dirty="0" err="1"/>
+              <a:t>their</a:t>
+            </a:r>
+            <a:r>
+              <a:rPr lang="es-ES_tradnl" dirty="0"/>
+              <a:t> </a:t>
+            </a:r>
+            <a:r>
+              <a:rPr lang="es-ES_tradnl" dirty="0" err="1"/>
+              <a:t>changes</a:t>
+            </a:r>
+            <a:r>
+              <a:rPr lang="es-ES_tradnl" dirty="0"/>
+              <a:t> </a:t>
+            </a:r>
+            <a:r>
+              <a:rPr lang="es-ES_tradnl" dirty="0" err="1"/>
+              <a:t>on</a:t>
+            </a:r>
+            <a:r>
+              <a:rPr lang="es-ES_tradnl" dirty="0"/>
+              <a:t> top of </a:t>
+            </a:r>
+            <a:r>
+              <a:rPr lang="es-ES_tradnl" dirty="0" err="1"/>
+              <a:t>them</a:t>
+            </a:r>
+            <a:r>
+              <a:rPr lang="es-ES_tradnl" dirty="0"/>
+              <a:t>.</a:t>
+            </a:r>
+          </a:p>
+        </p:txBody>
+      </p:sp>
+    </p:spTree>
+    <p:extLst>
+      <p:ext uri="{BB962C8B-B14F-4D97-AF65-F5344CB8AC3E}">
+        <p14:creationId xmlns:p14="http://schemas.microsoft.com/office/powerpoint/2010/main" val="116763005"/>
+      </p:ext>
+    </p:extLst>
+  </p:cSld>
+  <p:clrMapOvr>
+    <a:masterClrMapping/>
+  </p:clrMapOvr>
+</p:sld>
+</file>
+
+<file path=ppt/slides/slide13.xml><?xml version="1.0" encoding="utf-8"?>
+<p:sld xmlns:a="http://schemas.openxmlformats.org/drawingml/2006/main" xmlns:r="http://schemas.openxmlformats.org/officeDocument/2006/relationships" xmlns:p="http://schemas.openxmlformats.org/presentationml/2006/main">
+  <p:cSld>
+    <p:spTree>
+      <p:nvGrpSpPr>
+        <p:cNvPr id="1" name=""/>
+        <p:cNvGrpSpPr/>
+        <p:nvPr/>
+      </p:nvGrpSpPr>
+      <p:grpSpPr>
+        <a:xfrm>
+          <a:off x="0" y="0"/>
+          <a:ext cx="0" cy="0"/>
+          <a:chOff x="0" y="0"/>
+          <a:chExt cx="0" cy="0"/>
+        </a:xfrm>
+      </p:grpSpPr>
+      <p:sp>
+        <p:nvSpPr>
+          <p:cNvPr id="2" name="Título 1"/>
+          <p:cNvSpPr>
+            <a:spLocks noGrp="1"/>
+          </p:cNvSpPr>
+          <p:nvPr>
+            <p:ph type="title"/>
+          </p:nvPr>
+        </p:nvSpPr>
+        <p:spPr>
+          <a:xfrm>
+            <a:off x="1484310" y="117389"/>
+            <a:ext cx="10018713" cy="673443"/>
+          </a:xfrm>
+        </p:spPr>
+        <p:txBody>
+          <a:bodyPr>
+            <a:normAutofit fontScale="90000"/>
+          </a:bodyPr>
+          <a:lstStyle/>
+          <a:p>
+            <a:r>
+              <a:rPr lang="es-ES" dirty="0" smtClean="0"/>
+              <a:t>Fundamentos </a:t>
+            </a:r>
+            <a:r>
+              <a:rPr lang="es-ES_tradnl" dirty="0" smtClean="0"/>
+              <a:t>de </a:t>
+            </a:r>
+            <a:r>
+              <a:rPr lang="es-ES_tradnl" dirty="0" smtClean="0"/>
+              <a:t>GIT </a:t>
+            </a:r>
+            <a:r>
+              <a:rPr lang="es-ES_tradnl" dirty="0" smtClean="0">
+                <a:solidFill>
+                  <a:srgbClr val="FF0000"/>
+                </a:solidFill>
+              </a:rPr>
+              <a:t>(Sacar</a:t>
+            </a:r>
+            <a:r>
+              <a:rPr lang="es-ES" dirty="0" err="1" smtClean="0">
+                <a:solidFill>
+                  <a:srgbClr val="FF0000"/>
+                </a:solidFill>
+              </a:rPr>
+              <a:t>ía</a:t>
+            </a:r>
+            <a:r>
+              <a:rPr lang="es-ES" dirty="0" smtClean="0">
+                <a:solidFill>
+                  <a:srgbClr val="FF0000"/>
+                </a:solidFill>
+              </a:rPr>
+              <a:t> VCS)</a:t>
+            </a:r>
+            <a:endParaRPr lang="es-ES_tradnl" dirty="0">
+              <a:solidFill>
+                <a:srgbClr val="FF0000"/>
+              </a:solidFill>
+            </a:endParaRPr>
+          </a:p>
+        </p:txBody>
+      </p:sp>
+      <p:pic>
+        <p:nvPicPr>
+          <p:cNvPr id="5" name="Imagen 4"/>
+          <p:cNvPicPr>
+            <a:picLocks noChangeAspect="1"/>
+          </p:cNvPicPr>
+          <p:nvPr/>
+        </p:nvPicPr>
+        <p:blipFill>
+          <a:blip r:embed="rId2">
+            <a:extLst>
+              <a:ext uri="{28A0092B-C50C-407E-A947-70E740481C1C}">
+                <a14:useLocalDpi xmlns:a14="http://schemas.microsoft.com/office/drawing/2010/main" val="0"/>
+              </a:ext>
+            </a:extLst>
+          </a:blip>
+          <a:stretch>
+            <a:fillRect/>
+          </a:stretch>
+        </p:blipFill>
+        <p:spPr>
+          <a:xfrm>
+            <a:off x="1484310" y="1399402"/>
+            <a:ext cx="4818048" cy="2184057"/>
+          </a:xfrm>
+          <a:prstGeom prst="rect">
+            <a:avLst/>
+          </a:prstGeom>
+        </p:spPr>
+      </p:pic>
+      <p:pic>
+        <p:nvPicPr>
+          <p:cNvPr id="6" name="Imagen 5"/>
+          <p:cNvPicPr>
+            <a:picLocks noChangeAspect="1"/>
+          </p:cNvPicPr>
+          <p:nvPr/>
+        </p:nvPicPr>
+        <p:blipFill>
+          <a:blip r:embed="rId3">
+            <a:extLst>
+              <a:ext uri="{28A0092B-C50C-407E-A947-70E740481C1C}">
+                <a14:useLocalDpi xmlns:a14="http://schemas.microsoft.com/office/drawing/2010/main" val="0"/>
+              </a:ext>
+            </a:extLst>
+          </a:blip>
+          <a:stretch>
+            <a:fillRect/>
+          </a:stretch>
+        </p:blipFill>
+        <p:spPr>
+          <a:xfrm>
+            <a:off x="6855102" y="1378507"/>
+            <a:ext cx="4810089" cy="2225845"/>
+          </a:xfrm>
+          <a:prstGeom prst="rect">
+            <a:avLst/>
+          </a:prstGeom>
+        </p:spPr>
+      </p:pic>
+      <p:sp>
+        <p:nvSpPr>
+          <p:cNvPr id="7" name="CuadroTexto 6"/>
+          <p:cNvSpPr txBox="1"/>
+          <p:nvPr/>
+        </p:nvSpPr>
+        <p:spPr>
+          <a:xfrm>
+            <a:off x="1484310" y="939114"/>
+            <a:ext cx="4818047" cy="369332"/>
+          </a:xfrm>
+          <a:prstGeom prst="rect">
+            <a:avLst/>
+          </a:prstGeom>
+          <a:noFill/>
+        </p:spPr>
+        <p:txBody>
+          <a:bodyPr wrap="square" rtlCol="0">
+            <a:spAutoFit/>
+          </a:bodyPr>
+          <a:lstStyle/>
+          <a:p>
+            <a:r>
+              <a:rPr lang="es-ES_tradnl" dirty="0" smtClean="0"/>
+              <a:t>LISTA DE CAMBIOS (otros - VCS)</a:t>
+            </a:r>
+            <a:endParaRPr lang="es-ES_tradnl" dirty="0"/>
+          </a:p>
+        </p:txBody>
+      </p:sp>
+      <p:sp>
+        <p:nvSpPr>
+          <p:cNvPr id="8" name="CuadroTexto 7"/>
+          <p:cNvSpPr txBox="1"/>
+          <p:nvPr/>
+        </p:nvSpPr>
+        <p:spPr>
+          <a:xfrm>
+            <a:off x="6855102" y="936388"/>
+            <a:ext cx="4810089" cy="369332"/>
+          </a:xfrm>
+          <a:prstGeom prst="rect">
+            <a:avLst/>
+          </a:prstGeom>
+          <a:noFill/>
+        </p:spPr>
+        <p:txBody>
+          <a:bodyPr wrap="square" rtlCol="0">
+            <a:spAutoFit/>
+          </a:bodyPr>
+          <a:lstStyle/>
+          <a:p>
+            <a:r>
+              <a:rPr lang="es-ES_tradnl" dirty="0" err="1" smtClean="0"/>
+              <a:t>Snapshot</a:t>
+            </a:r>
+            <a:r>
+              <a:rPr lang="es-ES_tradnl" dirty="0"/>
+              <a:t> </a:t>
+            </a:r>
+            <a:r>
+              <a:rPr lang="es-ES_tradnl" dirty="0" smtClean="0"/>
+              <a:t> </a:t>
+            </a:r>
+            <a:r>
+              <a:rPr lang="es-ES_tradnl" dirty="0" smtClean="0"/>
+              <a:t>(GIT </a:t>
+            </a:r>
+            <a:r>
+              <a:rPr lang="es-ES_tradnl" dirty="0" smtClean="0"/>
+              <a:t>- DVCS)</a:t>
+            </a:r>
+            <a:endParaRPr lang="es-ES_tradnl" dirty="0"/>
+          </a:p>
+        </p:txBody>
+      </p:sp>
+      <p:sp>
+        <p:nvSpPr>
+          <p:cNvPr id="9" name="CuadroTexto 8"/>
+          <p:cNvSpPr txBox="1"/>
+          <p:nvPr/>
+        </p:nvSpPr>
+        <p:spPr>
+          <a:xfrm>
+            <a:off x="1484310" y="3966518"/>
+            <a:ext cx="4818047" cy="646331"/>
+          </a:xfrm>
+          <a:prstGeom prst="rect">
+            <a:avLst/>
+          </a:prstGeom>
+          <a:noFill/>
+        </p:spPr>
+        <p:txBody>
+          <a:bodyPr wrap="square" rtlCol="0">
+            <a:spAutoFit/>
+          </a:bodyPr>
+          <a:lstStyle/>
+          <a:p>
+            <a:pPr marL="285750" indent="-285750" algn="just">
+              <a:buFont typeface="Arial" charset="0"/>
+              <a:buChar char="•"/>
+            </a:pPr>
+            <a:r>
+              <a:rPr lang="es-ES_tradnl" dirty="0" smtClean="0"/>
+              <a:t>Lista de cambios de los archivos a lo largo del tiempo</a:t>
+            </a:r>
+            <a:endParaRPr lang="es-ES_tradnl" dirty="0"/>
+          </a:p>
+        </p:txBody>
+      </p:sp>
+      <p:sp>
+        <p:nvSpPr>
+          <p:cNvPr id="10" name="CuadroTexto 9"/>
+          <p:cNvSpPr txBox="1"/>
+          <p:nvPr/>
+        </p:nvSpPr>
+        <p:spPr>
+          <a:xfrm>
+            <a:off x="6855102" y="3966517"/>
+            <a:ext cx="5056812" cy="2308324"/>
+          </a:xfrm>
+          <a:prstGeom prst="rect">
+            <a:avLst/>
+          </a:prstGeom>
+          <a:noFill/>
+        </p:spPr>
+        <p:txBody>
+          <a:bodyPr wrap="square" rtlCol="0">
+            <a:spAutoFit/>
+          </a:bodyPr>
+          <a:lstStyle/>
+          <a:p>
+            <a:pPr marL="285750" indent="-285750" algn="just">
+              <a:buFont typeface="Arial" charset="0"/>
+              <a:buChar char="•"/>
+            </a:pPr>
+            <a:r>
+              <a:rPr lang="es-ES_tradnl" dirty="0" smtClean="0"/>
+              <a:t>GIT saca unas instantáneas (fotos) de los archivos en ese instante de tiempo. </a:t>
+            </a:r>
+          </a:p>
+          <a:p>
+            <a:pPr marL="285750" indent="-285750" algn="just">
+              <a:buFont typeface="Arial" charset="0"/>
+              <a:buChar char="•"/>
+            </a:pPr>
+            <a:r>
+              <a:rPr lang="es-ES_tradnl" dirty="0" smtClean="0"/>
+              <a:t>Si un archivo no es modificado, GIT no almacena el archivo nuevamente (enlace al archivo anterior).</a:t>
+            </a:r>
+          </a:p>
+          <a:p>
+            <a:pPr marL="285750" indent="-285750" algn="just">
+              <a:buFont typeface="Arial" charset="0"/>
+              <a:buChar char="•"/>
+            </a:pPr>
+            <a:r>
+              <a:rPr lang="es-ES_tradnl" dirty="0" smtClean="0"/>
+              <a:t>Opera sin necesidad de estar con internet (al estar con conexión se actualiza).</a:t>
+            </a:r>
+          </a:p>
+          <a:p>
+            <a:pPr marL="285750" indent="-285750" algn="just">
+              <a:buFont typeface="Arial" charset="0"/>
+              <a:buChar char="•"/>
+            </a:pPr>
+            <a:r>
+              <a:rPr lang="es-ES_tradnl" dirty="0" smtClean="0"/>
+              <a:t>Identifica archivos </a:t>
+            </a:r>
+            <a:r>
+              <a:rPr lang="es-ES_tradnl" dirty="0" err="1" smtClean="0"/>
+              <a:t>mdiante</a:t>
+            </a:r>
+            <a:r>
+              <a:rPr lang="es-ES_tradnl" dirty="0" smtClean="0"/>
+              <a:t> </a:t>
+            </a:r>
+            <a:r>
+              <a:rPr lang="es-ES_tradnl" dirty="0" err="1" smtClean="0"/>
+              <a:t>checksum</a:t>
+            </a:r>
+            <a:r>
+              <a:rPr lang="es-ES_tradnl" dirty="0" smtClean="0"/>
+              <a:t> (SHA-1).</a:t>
+            </a:r>
+            <a:endParaRPr lang="es-ES_tradnl" dirty="0"/>
+          </a:p>
+        </p:txBody>
+      </p:sp>
+      <p:sp>
+        <p:nvSpPr>
+          <p:cNvPr id="12" name="CuadroTexto 11"/>
+          <p:cNvSpPr txBox="1"/>
+          <p:nvPr/>
+        </p:nvSpPr>
+        <p:spPr>
+          <a:xfrm>
+            <a:off x="56876" y="6340526"/>
+            <a:ext cx="2902205" cy="369332"/>
+          </a:xfrm>
+          <a:prstGeom prst="rect">
+            <a:avLst/>
+          </a:prstGeom>
+          <a:solidFill>
+            <a:schemeClr val="tx2">
+              <a:lumMod val="75000"/>
+              <a:lumOff val="25000"/>
+            </a:schemeClr>
+          </a:solidFill>
+        </p:spPr>
+        <p:txBody>
+          <a:bodyPr wrap="none" rtlCol="0">
+            <a:spAutoFit/>
+          </a:bodyPr>
+          <a:lstStyle/>
+          <a:p>
+            <a:r>
+              <a:rPr lang="es-ES_tradnl" dirty="0" smtClean="0">
+                <a:solidFill>
+                  <a:schemeClr val="bg1"/>
+                </a:solidFill>
+              </a:rPr>
+              <a:t>Fuente: https</a:t>
+            </a:r>
+            <a:r>
+              <a:rPr lang="es-ES_tradnl" dirty="0">
+                <a:solidFill>
+                  <a:schemeClr val="bg1"/>
+                </a:solidFill>
+              </a:rPr>
+              <a:t>://</a:t>
+            </a:r>
+            <a:r>
+              <a:rPr lang="es-ES_tradnl" dirty="0" err="1">
+                <a:solidFill>
+                  <a:schemeClr val="bg1"/>
+                </a:solidFill>
+              </a:rPr>
+              <a:t>git-scm.com</a:t>
+            </a:r>
+            <a:r>
+              <a:rPr lang="es-ES_tradnl" dirty="0">
+                <a:solidFill>
+                  <a:schemeClr val="bg1"/>
+                </a:solidFill>
+              </a:rPr>
+              <a:t>/</a:t>
+            </a:r>
+          </a:p>
+        </p:txBody>
+      </p:sp>
+    </p:spTree>
+    <p:extLst>
+      <p:ext uri="{BB962C8B-B14F-4D97-AF65-F5344CB8AC3E}">
+        <p14:creationId xmlns:p14="http://schemas.microsoft.com/office/powerpoint/2010/main" val="1772697267"/>
+      </p:ext>
+    </p:extLst>
+  </p:cSld>
+  <p:clrMapOvr>
+    <a:masterClrMapping/>
+  </p:clrMapOvr>
+</p:sld>
+</file>
+
+<file path=ppt/slides/slide14.xml><?xml version="1.0" encoding="utf-8"?>
+<p:sld xmlns:a="http://schemas.openxmlformats.org/drawingml/2006/main" xmlns:r="http://schemas.openxmlformats.org/officeDocument/2006/relationships" xmlns:p="http://schemas.openxmlformats.org/presentationml/2006/main">
+  <p:cSld>
+    <p:spTree>
+      <p:nvGrpSpPr>
+        <p:cNvPr id="1" name=""/>
+        <p:cNvGrpSpPr/>
+        <p:nvPr/>
+      </p:nvGrpSpPr>
+      <p:grpSpPr>
+        <a:xfrm>
+          <a:off x="0" y="0"/>
+          <a:ext cx="0" cy="0"/>
+          <a:chOff x="0" y="0"/>
+          <a:chExt cx="0" cy="0"/>
+        </a:xfrm>
+      </p:grpSpPr>
+      <p:sp>
+        <p:nvSpPr>
+          <p:cNvPr id="2" name="Título 1"/>
+          <p:cNvSpPr>
+            <a:spLocks noGrp="1"/>
+          </p:cNvSpPr>
+          <p:nvPr>
+            <p:ph type="title"/>
+          </p:nvPr>
+        </p:nvSpPr>
         <p:spPr>
           <a:xfrm>
             <a:off x="1484310" y="117389"/>
@@ -6561,7 +8653,7 @@
 </p:sld>
 </file>
 
-<file path=ppt/slides/slide11.xml><?xml version="1.0" encoding="utf-8"?>
+<file path=ppt/slides/slide15.xml><?xml version="1.0" encoding="utf-8"?>
 <p:sld xmlns:a="http://schemas.openxmlformats.org/drawingml/2006/main" xmlns:r="http://schemas.openxmlformats.org/officeDocument/2006/relationships" xmlns:p="http://schemas.openxmlformats.org/presentationml/2006/main">
   <p:cSld>
     <p:spTree>
@@ -6614,9 +8706,37 @@
             </a:r>
             <a:r>
               <a:rPr lang="es-ES_tradnl" dirty="0" smtClean="0"/>
+              <a:t>) </a:t>
+            </a:r>
+            <a:r>
+              <a:rPr lang="es-ES_tradnl" dirty="0" smtClean="0">
+                <a:solidFill>
+                  <a:srgbClr val="FF0000"/>
+                </a:solidFill>
+              </a:rPr>
+              <a:t>(La sacar</a:t>
+            </a:r>
+            <a:r>
+              <a:rPr lang="es-ES" dirty="0" err="1" smtClean="0">
+                <a:solidFill>
+                  <a:srgbClr val="FF0000"/>
+                </a:solidFill>
+              </a:rPr>
+              <a:t>ía</a:t>
+            </a:r>
+            <a:r>
+              <a:rPr lang="es-ES" dirty="0" smtClean="0">
+                <a:solidFill>
+                  <a:srgbClr val="FF0000"/>
+                </a:solidFill>
+              </a:rPr>
               <a:t>)</a:t>
             </a:r>
-            <a:endParaRPr lang="es-ES_tradnl" dirty="0"/>
+            <a:endParaRPr lang="es-ES_tradnl" dirty="0">
+              <a:solidFill>
+                <a:srgbClr val="FF0000"/>
+              </a:solidFill>
+            </a:endParaRPr>
           </a:p>
         </p:txBody>
       </p:sp>
@@ -6862,7 +8982,7 @@
 </p:sld>
 </file>
 
-<file path=ppt/slides/slide12.xml><?xml version="1.0" encoding="utf-8"?>
+<file path=ppt/slides/slide16.xml><?xml version="1.0" encoding="utf-8"?>
 <p:sld xmlns:a="http://schemas.openxmlformats.org/drawingml/2006/main" xmlns:r="http://schemas.openxmlformats.org/officeDocument/2006/relationships" xmlns:p="http://schemas.openxmlformats.org/presentationml/2006/main">
   <p:cSld>
     <p:spTree>
@@ -6904,15 +9024,7 @@
             </a:r>
             <a:r>
               <a:rPr lang="es-ES" dirty="0" smtClean="0"/>
-              <a:t> </a:t>
-            </a:r>
-            <a:r>
-              <a:rPr lang="es-ES" dirty="0" smtClean="0"/>
-              <a:t>lo </a:t>
-            </a:r>
-            <a:r>
-              <a:rPr lang="es-ES" dirty="0" smtClean="0"/>
-              <a:t>utilizo?</a:t>
+              <a:t> lo utilizo?</a:t>
             </a:r>
             <a:endParaRPr lang="es-ES_tradnl" dirty="0"/>
           </a:p>
@@ -6950,7 +9062,7 @@
 </p:sld>
 </file>
 
-<file path=ppt/slides/slide13.xml><?xml version="1.0" encoding="utf-8"?>
+<file path=ppt/slides/slide17.xml><?xml version="1.0" encoding="utf-8"?>
 <p:sld xmlns:a="http://schemas.openxmlformats.org/drawingml/2006/main" xmlns:r="http://schemas.openxmlformats.org/officeDocument/2006/relationships" xmlns:p="http://schemas.openxmlformats.org/presentationml/2006/main">
   <p:cSld>
     <p:spTree>
@@ -7264,6 +9376,210 @@
 </p:sld>
 </file>
 
+<file path=ppt/slides/slide18.xml><?xml version="1.0" encoding="utf-8"?>
+<p:sld xmlns:a="http://schemas.openxmlformats.org/drawingml/2006/main" xmlns:r="http://schemas.openxmlformats.org/officeDocument/2006/relationships" xmlns:p="http://schemas.openxmlformats.org/presentationml/2006/main">
+  <p:cSld>
+    <p:spTree>
+      <p:nvGrpSpPr>
+        <p:cNvPr id="1" name=""/>
+        <p:cNvGrpSpPr/>
+        <p:nvPr/>
+      </p:nvGrpSpPr>
+      <p:grpSpPr>
+        <a:xfrm>
+          <a:off x="0" y="0"/>
+          <a:ext cx="0" cy="0"/>
+          <a:chOff x="0" y="0"/>
+          <a:chExt cx="0" cy="0"/>
+        </a:xfrm>
+      </p:grpSpPr>
+      <p:sp>
+        <p:nvSpPr>
+          <p:cNvPr id="2" name="Título 1"/>
+          <p:cNvSpPr>
+            <a:spLocks noGrp="1"/>
+          </p:cNvSpPr>
+          <p:nvPr>
+            <p:ph type="title"/>
+          </p:nvPr>
+        </p:nvSpPr>
+        <p:spPr/>
+        <p:txBody>
+          <a:bodyPr/>
+          <a:lstStyle/>
+          <a:p>
+            <a:r>
+              <a:rPr lang="es-ES" dirty="0" smtClean="0"/>
+              <a:t>Enlaces  útiles</a:t>
+            </a:r>
+            <a:endParaRPr lang="es-ES_tradnl" dirty="0"/>
+          </a:p>
+        </p:txBody>
+      </p:sp>
+      <p:sp>
+        <p:nvSpPr>
+          <p:cNvPr id="3" name="Marcador de contenido 2"/>
+          <p:cNvSpPr>
+            <a:spLocks noGrp="1"/>
+          </p:cNvSpPr>
+          <p:nvPr>
+            <p:ph idx="1"/>
+          </p:nvPr>
+        </p:nvSpPr>
+        <p:spPr/>
+        <p:txBody>
+          <a:bodyPr/>
+          <a:lstStyle/>
+          <a:p>
+            <a:r>
+              <a:rPr lang="es-ES_tradnl" dirty="0"/>
+              <a:t>Libro </a:t>
+            </a:r>
+            <a:r>
+              <a:rPr lang="es-ES_tradnl" dirty="0" smtClean="0"/>
+              <a:t>Oficial </a:t>
+            </a:r>
+            <a:r>
+              <a:rPr lang="es-ES_tradnl" dirty="0" smtClean="0">
+                <a:sym typeface="Wingdings"/>
+              </a:rPr>
+              <a:t> </a:t>
+            </a:r>
+            <a:r>
+              <a:rPr lang="es-ES_tradnl" dirty="0" smtClean="0">
+                <a:hlinkClick r:id="rId2"/>
+              </a:rPr>
+              <a:t>https</a:t>
+            </a:r>
+            <a:r>
+              <a:rPr lang="es-ES_tradnl" dirty="0">
+                <a:hlinkClick r:id="rId2"/>
+              </a:rPr>
+              <a:t>://</a:t>
+            </a:r>
+            <a:r>
+              <a:rPr lang="es-ES_tradnl" dirty="0" smtClean="0">
+                <a:hlinkClick r:id="rId2"/>
+              </a:rPr>
+              <a:t>git-scm.com/book/en/v2</a:t>
+            </a:r>
+            <a:r>
+              <a:rPr lang="es-ES_tradnl" dirty="0" smtClean="0"/>
+              <a:t>  </a:t>
+            </a:r>
+          </a:p>
+          <a:p>
+            <a:r>
+              <a:rPr lang="es-ES_tradnl" dirty="0" smtClean="0"/>
+              <a:t>Acerca de </a:t>
+            </a:r>
+            <a:r>
+              <a:rPr lang="es-ES_tradnl" dirty="0" err="1" smtClean="0"/>
+              <a:t>Git</a:t>
+            </a:r>
+            <a:r>
+              <a:rPr lang="es-ES_tradnl" dirty="0" smtClean="0"/>
+              <a:t> </a:t>
+            </a:r>
+            <a:r>
+              <a:rPr lang="es-ES_tradnl" dirty="0">
+                <a:sym typeface="Wingdings"/>
+              </a:rPr>
+              <a:t> </a:t>
+            </a:r>
+            <a:r>
+              <a:rPr lang="es-ES_tradnl" dirty="0">
+                <a:sym typeface="Wingdings"/>
+                <a:hlinkClick r:id="rId3"/>
+              </a:rPr>
+              <a:t>https://</a:t>
+            </a:r>
+            <a:r>
+              <a:rPr lang="es-ES_tradnl" dirty="0" smtClean="0">
+                <a:sym typeface="Wingdings"/>
+                <a:hlinkClick r:id="rId3"/>
+              </a:rPr>
+              <a:t>git-scm.com/about/branching-and-merging</a:t>
+            </a:r>
+            <a:r>
+              <a:rPr lang="es-ES_tradnl" dirty="0" smtClean="0">
+                <a:sym typeface="Wingdings"/>
+              </a:rPr>
+              <a:t> </a:t>
+            </a:r>
+            <a:endParaRPr lang="es-ES_tradnl" dirty="0" smtClean="0"/>
+          </a:p>
+          <a:p>
+            <a:r>
+              <a:rPr lang="es-ES_tradnl" dirty="0" smtClean="0"/>
+              <a:t>Descarga </a:t>
+            </a:r>
+            <a:r>
+              <a:rPr lang="es-ES_tradnl" dirty="0"/>
+              <a:t>en distintos S.O </a:t>
+            </a:r>
+            <a:r>
+              <a:rPr lang="es-ES_tradnl" dirty="0" smtClean="0">
+                <a:sym typeface="Wingdings"/>
+              </a:rPr>
+              <a:t> </a:t>
+            </a:r>
+            <a:r>
+              <a:rPr lang="es-ES_tradnl" dirty="0" smtClean="0">
+                <a:hlinkClick r:id="rId4"/>
+              </a:rPr>
+              <a:t>https://git-scm.com/downloads</a:t>
+            </a:r>
+            <a:endParaRPr lang="es-ES_tradnl" dirty="0"/>
+          </a:p>
+          <a:p>
+            <a:r>
+              <a:rPr lang="es-ES_tradnl" dirty="0" smtClean="0"/>
+              <a:t>Clientes GUI </a:t>
+            </a:r>
+            <a:r>
+              <a:rPr lang="es-ES_tradnl" dirty="0">
+                <a:sym typeface="Wingdings"/>
+              </a:rPr>
+              <a:t> </a:t>
+            </a:r>
+            <a:r>
+              <a:rPr lang="es-ES_tradnl" dirty="0">
+                <a:sym typeface="Wingdings"/>
+                <a:hlinkClick r:id="rId5"/>
+              </a:rPr>
+              <a:t>https://</a:t>
+            </a:r>
+            <a:r>
+              <a:rPr lang="es-ES_tradnl" dirty="0" smtClean="0">
+                <a:sym typeface="Wingdings"/>
+                <a:hlinkClick r:id="rId5"/>
+              </a:rPr>
+              <a:t>git-scm.com/downloads/guis</a:t>
+            </a:r>
+            <a:r>
+              <a:rPr lang="es-ES_tradnl" dirty="0" smtClean="0">
+                <a:sym typeface="Wingdings"/>
+              </a:rPr>
+              <a:t> </a:t>
+            </a:r>
+            <a:endParaRPr lang="es-ES_tradnl" dirty="0"/>
+          </a:p>
+        </p:txBody>
+      </p:sp>
+    </p:spTree>
+    <p:extLst>
+      <p:ext uri="{BB962C8B-B14F-4D97-AF65-F5344CB8AC3E}">
+        <p14:creationId xmlns:p14="http://schemas.microsoft.com/office/powerpoint/2010/main" val="1252257579"/>
+      </p:ext>
+    </p:extLst>
+  </p:cSld>
+  <p:clrMapOvr>
+    <a:masterClrMapping/>
+  </p:clrMapOvr>
+</p:sld>
+</file>
+
 <file path=ppt/slides/slide2.xml><?xml version="1.0" encoding="utf-8"?>
 <p:sld xmlns:a="http://schemas.openxmlformats.org/drawingml/2006/main" xmlns:r="http://schemas.openxmlformats.org/officeDocument/2006/relationships" xmlns:p="http://schemas.openxmlformats.org/presentationml/2006/main">
   <p:cSld>
@@ -7291,22 +9607,19 @@
             <p:ph type="title"/>
           </p:nvPr>
         </p:nvSpPr>
-        <p:spPr/>
+        <p:spPr>
+          <a:xfrm>
+            <a:off x="1484310" y="0"/>
+            <a:ext cx="10018713" cy="1752599"/>
+          </a:xfrm>
+        </p:spPr>
         <p:txBody>
           <a:bodyPr/>
           <a:lstStyle/>
           <a:p>
             <a:r>
               <a:rPr lang="es-ES_tradnl" dirty="0" smtClean="0"/>
-              <a:t>¿</a:t>
-            </a:r>
-            <a:r>
-              <a:rPr lang="es-ES_tradnl" dirty="0" err="1" smtClean="0"/>
-              <a:t>Qu</a:t>
-            </a:r>
-            <a:r>
-              <a:rPr lang="es-ES" dirty="0" smtClean="0"/>
-              <a:t>é es GIT?</a:t>
+              <a:t>Agenda</a:t>
             </a:r>
             <a:endParaRPr lang="es-ES_tradnl" dirty="0"/>
           </a:p>
@@ -7322,323 +9635,144 @@
             <p:ph idx="1"/>
           </p:nvPr>
         </p:nvSpPr>
-        <p:spPr/>
+        <p:spPr>
+          <a:xfrm>
+            <a:off x="1484310" y="1470991"/>
+            <a:ext cx="10018713" cy="5387009"/>
+          </a:xfrm>
+        </p:spPr>
         <p:txBody>
           <a:bodyPr>
-            <a:normAutofit fontScale="85000" lnSpcReduction="20000"/>
+            <a:normAutofit fontScale="92500" lnSpcReduction="20000"/>
           </a:bodyPr>
           <a:lstStyle/>
           <a:p>
             <a:r>
-              <a:rPr lang="es-ES_tradnl" dirty="0" err="1"/>
-              <a:t>Git</a:t>
-            </a:r>
-            <a:r>
-              <a:rPr lang="es-ES_tradnl" dirty="0"/>
+              <a:rPr lang="es-ES" dirty="0" smtClean="0"/>
               <a:t> </a:t>
             </a:r>
             <a:r>
               <a:rPr lang="es-ES_tradnl" dirty="0" smtClean="0"/>
-              <a:t> es un sistema de control de versiones distribuido free y open </a:t>
-            </a:r>
-            <a:r>
-              <a:rPr lang="es-ES_tradnl" dirty="0" err="1" smtClean="0"/>
-              <a:t>source</a:t>
-            </a:r>
+              <a:t>GIT</a:t>
+            </a:r>
+            <a:endParaRPr lang="es-ES_tradnl" dirty="0"/>
+          </a:p>
+          <a:p>
+            <a:pPr lvl="1"/>
             <a:r>
               <a:rPr lang="es-ES_tradnl" dirty="0" smtClean="0"/>
-              <a:t> diseñado para manejar desde proyectos pequeños a muy grandes con </a:t>
-            </a:r>
-            <a:r>
-              <a:rPr lang="es-ES_tradnl" dirty="0" err="1" smtClean="0"/>
-              <a:t>ra</a:t>
+              <a:t>Control de Versiones</a:t>
+            </a:r>
+          </a:p>
+          <a:p>
+            <a:pPr lvl="1"/>
+            <a:r>
+              <a:rPr lang="es-ES_tradnl" dirty="0" smtClean="0"/>
+              <a:t>Un poco de historia</a:t>
+            </a:r>
+          </a:p>
+          <a:p>
+            <a:pPr lvl="1"/>
+            <a:r>
+              <a:rPr lang="es-ES_tradnl" dirty="0" smtClean="0"/>
+              <a:t>¿Q</a:t>
             </a:r>
             <a:r>
               <a:rPr lang="es-ES" dirty="0" err="1" smtClean="0"/>
-              <a:t>pidez</a:t>
+              <a:t>ué</a:t>
+            </a:r>
+            <a:r>
+              <a:rPr lang="es-ES" dirty="0" smtClean="0"/>
+              <a:t> es </a:t>
             </a:r>
             <a:r>
               <a:rPr lang="es-ES_tradnl" dirty="0" smtClean="0"/>
-              <a:t> y eficiencia. </a:t>
-            </a:r>
-          </a:p>
-          <a:p>
+              <a:t>GIT?</a:t>
+            </a:r>
+          </a:p>
+          <a:p>
+            <a:pPr lvl="1"/>
             <a:r>
               <a:rPr lang="es-ES_tradnl" dirty="0" smtClean="0"/>
-              <a:t>Control de </a:t>
-            </a:r>
-            <a:r>
-              <a:rPr lang="es-ES_tradnl" dirty="0" err="1" smtClean="0"/>
-              <a:t>versi</a:t>
-            </a:r>
-            <a:r>
-              <a:rPr lang="es-ES" dirty="0" err="1"/>
-              <a:t>o</a:t>
+              <a:t>Características</a:t>
+            </a:r>
+          </a:p>
+          <a:p>
+            <a:pPr lvl="1"/>
+            <a:r>
+              <a:rPr lang="es-ES_tradnl" dirty="0" smtClean="0"/>
+              <a:t>T</a:t>
             </a:r>
             <a:r>
               <a:rPr lang="es-ES" dirty="0" err="1" smtClean="0"/>
-              <a:t>nes</a:t>
-            </a:r>
+              <a:t>érminos</a:t>
+            </a:r>
+            <a:endParaRPr lang="es-ES" dirty="0" smtClean="0"/>
+          </a:p>
+          <a:p>
             <a:r>
               <a:rPr lang="es-ES" dirty="0" smtClean="0"/>
-              <a:t>: Es un sistema que registra cambios en un archivo o conjunto de archivos a lo largo del tiempo para que más adelante se pueda recuperar versiones especificas.</a:t>
-            </a:r>
-          </a:p>
-          <a:p>
-            <a:endParaRPr lang="es-ES_tradnl" dirty="0"/>
-          </a:p>
-          <a:p>
-            <a:r>
-              <a:rPr lang="es-ES_tradnl" dirty="0" err="1" smtClean="0"/>
-              <a:t>is</a:t>
-            </a:r>
-            <a:r>
-              <a:rPr lang="es-ES_tradnl" dirty="0" smtClean="0"/>
-              <a:t> </a:t>
-            </a:r>
-            <a:r>
-              <a:rPr lang="es-ES_tradnl" dirty="0"/>
-              <a:t>a free and </a:t>
-            </a:r>
-            <a:r>
-              <a:rPr lang="es-ES_tradnl" dirty="0" smtClean="0"/>
-              <a:t>open </a:t>
-            </a:r>
-            <a:r>
-              <a:rPr lang="es-ES_tradnl" dirty="0" err="1"/>
-              <a:t>source</a:t>
-            </a:r>
-            <a:r>
-              <a:rPr lang="es-ES_tradnl" dirty="0"/>
-              <a:t> </a:t>
-            </a:r>
-            <a:r>
-              <a:rPr lang="es-ES_tradnl" dirty="0" err="1"/>
-              <a:t>distributed</a:t>
-            </a:r>
-            <a:r>
-              <a:rPr lang="es-ES_tradnl" dirty="0"/>
-              <a:t> </a:t>
-            </a:r>
-            <a:r>
-              <a:rPr lang="es-ES_tradnl" dirty="0" err="1"/>
-              <a:t>version</a:t>
-            </a:r>
-            <a:r>
-              <a:rPr lang="es-ES_tradnl" dirty="0"/>
-              <a:t> control </a:t>
-            </a:r>
-            <a:r>
-              <a:rPr lang="es-ES_tradnl" dirty="0" err="1" smtClean="0"/>
-              <a:t>system</a:t>
-            </a:r>
-            <a:r>
-              <a:rPr lang="es-ES_tradnl" dirty="0"/>
-              <a:t> </a:t>
-            </a:r>
-            <a:r>
-              <a:rPr lang="es-ES_tradnl" dirty="0" err="1" smtClean="0"/>
-              <a:t>designed</a:t>
-            </a:r>
-            <a:r>
-              <a:rPr lang="es-ES_tradnl" dirty="0" smtClean="0"/>
-              <a:t> </a:t>
-            </a:r>
-            <a:r>
-              <a:rPr lang="es-ES_tradnl" dirty="0"/>
-              <a:t>to </a:t>
-            </a:r>
-            <a:r>
-              <a:rPr lang="es-ES_tradnl" dirty="0" err="1"/>
-              <a:t>handle</a:t>
-            </a:r>
-            <a:r>
-              <a:rPr lang="es-ES_tradnl" dirty="0"/>
-              <a:t> </a:t>
-            </a:r>
-            <a:r>
-              <a:rPr lang="es-ES_tradnl" dirty="0" err="1"/>
-              <a:t>everything</a:t>
-            </a:r>
-            <a:r>
-              <a:rPr lang="es-ES_tradnl" dirty="0"/>
-              <a:t> </a:t>
-            </a:r>
-            <a:r>
-              <a:rPr lang="es-ES_tradnl" dirty="0" err="1"/>
-              <a:t>from</a:t>
-            </a:r>
-            <a:r>
-              <a:rPr lang="es-ES_tradnl" dirty="0"/>
-              <a:t> </a:t>
-            </a:r>
-            <a:r>
-              <a:rPr lang="es-ES_tradnl" dirty="0" err="1"/>
-              <a:t>small</a:t>
-            </a:r>
-            <a:r>
-              <a:rPr lang="es-ES_tradnl" dirty="0"/>
-              <a:t> to </a:t>
-            </a:r>
-            <a:r>
-              <a:rPr lang="es-ES_tradnl" dirty="0" err="1"/>
-              <a:t>very</a:t>
-            </a:r>
-            <a:r>
-              <a:rPr lang="es-ES_tradnl" dirty="0"/>
-              <a:t> </a:t>
-            </a:r>
-            <a:r>
-              <a:rPr lang="es-ES_tradnl" dirty="0" err="1"/>
-              <a:t>large</a:t>
-            </a:r>
-            <a:r>
-              <a:rPr lang="es-ES_tradnl" dirty="0"/>
-              <a:t> </a:t>
-            </a:r>
-            <a:r>
-              <a:rPr lang="es-ES_tradnl" dirty="0" err="1"/>
-              <a:t>projects</a:t>
-            </a:r>
-            <a:r>
-              <a:rPr lang="es-ES_tradnl" dirty="0"/>
-              <a:t> </a:t>
-            </a:r>
-            <a:r>
-              <a:rPr lang="es-ES_tradnl" dirty="0" err="1"/>
-              <a:t>with</a:t>
-            </a:r>
-            <a:r>
-              <a:rPr lang="es-ES_tradnl" dirty="0"/>
-              <a:t> </a:t>
-            </a:r>
-            <a:r>
-              <a:rPr lang="es-ES_tradnl" dirty="0" err="1"/>
-              <a:t>speed</a:t>
-            </a:r>
-            <a:r>
-              <a:rPr lang="es-ES_tradnl" dirty="0"/>
-              <a:t> and </a:t>
-            </a:r>
-            <a:r>
-              <a:rPr lang="es-ES_tradnl" dirty="0" err="1"/>
-              <a:t>efficiency</a:t>
-            </a:r>
-            <a:r>
-              <a:rPr lang="es-ES_tradnl" dirty="0" smtClean="0"/>
-              <a:t>.</a:t>
-            </a:r>
-            <a:endParaRPr lang="es-ES_tradnl" dirty="0"/>
-          </a:p>
-          <a:p>
-            <a:r>
-              <a:rPr lang="es-ES_tradnl" dirty="0" err="1" smtClean="0"/>
-              <a:t>Version</a:t>
-            </a:r>
-            <a:r>
-              <a:rPr lang="es-ES_tradnl" dirty="0" smtClean="0"/>
-              <a:t> control</a:t>
-            </a:r>
-            <a:r>
-              <a:rPr lang="es-ES_tradnl" dirty="0"/>
-              <a:t>:</a:t>
-            </a:r>
-            <a:r>
-              <a:rPr lang="es-ES_tradnl" dirty="0" smtClean="0"/>
-              <a:t> </a:t>
-            </a:r>
-            <a:r>
-              <a:rPr lang="es-ES_tradnl" dirty="0" err="1"/>
-              <a:t>is</a:t>
-            </a:r>
-            <a:r>
-              <a:rPr lang="es-ES_tradnl" dirty="0"/>
-              <a:t> a </a:t>
-            </a:r>
-            <a:r>
-              <a:rPr lang="es-ES_tradnl" dirty="0" err="1"/>
-              <a:t>system</a:t>
-            </a:r>
-            <a:r>
-              <a:rPr lang="es-ES_tradnl" dirty="0"/>
-              <a:t> </a:t>
-            </a:r>
-            <a:r>
-              <a:rPr lang="es-ES_tradnl" dirty="0" err="1"/>
-              <a:t>that</a:t>
-            </a:r>
-            <a:r>
-              <a:rPr lang="es-ES_tradnl" dirty="0"/>
-              <a:t> records </a:t>
-            </a:r>
-            <a:r>
-              <a:rPr lang="es-ES_tradnl" dirty="0" err="1"/>
-              <a:t>changes</a:t>
-            </a:r>
-            <a:r>
-              <a:rPr lang="es-ES_tradnl" dirty="0"/>
-              <a:t> to a file </a:t>
-            </a:r>
-            <a:r>
-              <a:rPr lang="es-ES_tradnl" dirty="0" err="1"/>
-              <a:t>or</a:t>
-            </a:r>
-            <a:r>
-              <a:rPr lang="es-ES_tradnl" dirty="0"/>
-              <a:t> set of files </a:t>
-            </a:r>
-            <a:r>
-              <a:rPr lang="es-ES_tradnl" dirty="0" err="1"/>
-              <a:t>over</a:t>
-            </a:r>
-            <a:r>
-              <a:rPr lang="es-ES_tradnl" dirty="0"/>
-              <a:t> time so </a:t>
-            </a:r>
-            <a:r>
-              <a:rPr lang="es-ES_tradnl" dirty="0" err="1"/>
-              <a:t>that</a:t>
-            </a:r>
-            <a:r>
-              <a:rPr lang="es-ES_tradnl" dirty="0"/>
-              <a:t> </a:t>
-            </a:r>
-            <a:r>
-              <a:rPr lang="es-ES_tradnl" dirty="0" err="1"/>
-              <a:t>you</a:t>
-            </a:r>
-            <a:r>
-              <a:rPr lang="es-ES_tradnl" dirty="0"/>
-              <a:t> can </a:t>
-            </a:r>
-            <a:r>
-              <a:rPr lang="es-ES_tradnl" dirty="0" err="1"/>
-              <a:t>recall</a:t>
-            </a:r>
-            <a:r>
-              <a:rPr lang="es-ES_tradnl" dirty="0"/>
-              <a:t> </a:t>
-            </a:r>
-            <a:r>
-              <a:rPr lang="es-ES_tradnl" dirty="0" err="1"/>
-              <a:t>specific</a:t>
-            </a:r>
-            <a:r>
-              <a:rPr lang="es-ES_tradnl" dirty="0"/>
-              <a:t> </a:t>
-            </a:r>
-            <a:r>
-              <a:rPr lang="es-ES_tradnl" dirty="0" err="1"/>
-              <a:t>versions</a:t>
-            </a:r>
-            <a:r>
-              <a:rPr lang="es-ES_tradnl" dirty="0"/>
-              <a:t> </a:t>
-            </a:r>
-            <a:r>
-              <a:rPr lang="es-ES_tradnl" dirty="0" err="1" smtClean="0"/>
-              <a:t>later</a:t>
-            </a:r>
+              <a:t>Cómo Funciona GIT</a:t>
+            </a:r>
+          </a:p>
+          <a:p>
+            <a:pPr lvl="1"/>
+            <a:r>
+              <a:rPr lang="es-ES" dirty="0"/>
+              <a:t>¿</a:t>
+            </a:r>
+            <a:r>
+              <a:rPr lang="es-ES" dirty="0" smtClean="0"/>
+              <a:t>Cómo trabaja GIT?</a:t>
+            </a:r>
+          </a:p>
+          <a:p>
+            <a:pPr lvl="1"/>
+            <a:r>
+              <a:rPr lang="es-ES" dirty="0" smtClean="0"/>
+              <a:t>Fundamentos de GIT</a:t>
+            </a:r>
+          </a:p>
+          <a:p>
+            <a:pPr lvl="1"/>
+            <a:r>
+              <a:rPr lang="es-ES" dirty="0" smtClean="0"/>
+              <a:t>Estados de GIT</a:t>
+            </a:r>
+          </a:p>
+          <a:p>
+            <a:pPr lvl="1"/>
+            <a:r>
+              <a:rPr lang="es-ES" dirty="0" smtClean="0"/>
+              <a:t>Ramas en GIT</a:t>
+            </a:r>
+            <a:endParaRPr lang="es-ES" dirty="0"/>
+          </a:p>
+          <a:p>
+            <a:r>
+              <a:rPr lang="es-ES" dirty="0" smtClean="0"/>
+              <a:t>¿Cómo utilizar GIT?</a:t>
+            </a:r>
+          </a:p>
+          <a:p>
+            <a:pPr lvl="1"/>
+            <a:r>
+              <a:rPr lang="es-ES" dirty="0" smtClean="0"/>
+              <a:t>Ejercicio Nº 1</a:t>
+            </a:r>
+          </a:p>
+          <a:p>
+            <a:pPr lvl="1"/>
+            <a:r>
+              <a:rPr lang="es-ES" dirty="0" smtClean="0"/>
+              <a:t>Ejercicio Nº 2</a:t>
+            </a:r>
+          </a:p>
+          <a:p>
+            <a:pPr lvl="1"/>
+            <a:endParaRPr lang="es-ES_tradnl" dirty="0" smtClean="0"/>
+          </a:p>
+          <a:p>
             <a:endParaRPr lang="es-ES_tradnl" dirty="0"/>
           </a:p>
         </p:txBody>
@@ -7646,7 +9780,7 @@
     </p:spTree>
     <p:extLst>
       <p:ext uri="{BB962C8B-B14F-4D97-AF65-F5344CB8AC3E}">
-        <p14:creationId xmlns:p14="http://schemas.microsoft.com/office/powerpoint/2010/main" val="422520315"/>
+        <p14:creationId xmlns:p14="http://schemas.microsoft.com/office/powerpoint/2010/main" val="1606828019"/>
       </p:ext>
     </p:extLst>
   </p:cSld>
@@ -7657,6 +9791,259 @@
 </file>
 
 <file path=ppt/slides/slide3.xml><?xml version="1.0" encoding="utf-8"?>
+<p:sld xmlns:a="http://schemas.openxmlformats.org/drawingml/2006/main" xmlns:r="http://schemas.openxmlformats.org/officeDocument/2006/relationships" xmlns:p="http://schemas.openxmlformats.org/presentationml/2006/main">
+  <p:cSld>
+    <p:spTree>
+      <p:nvGrpSpPr>
+        <p:cNvPr id="1" name=""/>
+        <p:cNvGrpSpPr/>
+        <p:nvPr/>
+      </p:nvGrpSpPr>
+      <p:grpSpPr>
+        <a:xfrm>
+          <a:off x="0" y="0"/>
+          <a:ext cx="0" cy="0"/>
+          <a:chOff x="0" y="0"/>
+          <a:chExt cx="0" cy="0"/>
+        </a:xfrm>
+      </p:grpSpPr>
+      <p:sp>
+        <p:nvSpPr>
+          <p:cNvPr id="2" name="Título 1"/>
+          <p:cNvSpPr>
+            <a:spLocks noGrp="1"/>
+          </p:cNvSpPr>
+          <p:nvPr>
+            <p:ph type="title"/>
+          </p:nvPr>
+        </p:nvSpPr>
+        <p:spPr/>
+        <p:txBody>
+          <a:bodyPr/>
+          <a:lstStyle/>
+          <a:p>
+            <a:r>
+              <a:rPr lang="es-ES_tradnl" dirty="0" smtClean="0">
+                <a:solidFill>
+                  <a:srgbClr val="FF0000"/>
+                </a:solidFill>
+              </a:rPr>
+              <a:t>Sistemas de Control de Versiones - NO IR</a:t>
+            </a:r>
+            <a:r>
+              <a:rPr lang="es-ES" dirty="0" smtClean="0">
+                <a:solidFill>
+                  <a:srgbClr val="FF0000"/>
+                </a:solidFill>
+              </a:rPr>
+              <a:t>ÍA</a:t>
+            </a:r>
+            <a:endParaRPr lang="es-ES_tradnl" dirty="0">
+              <a:solidFill>
+                <a:srgbClr val="FF0000"/>
+              </a:solidFill>
+            </a:endParaRPr>
+          </a:p>
+        </p:txBody>
+      </p:sp>
+      <p:sp>
+        <p:nvSpPr>
+          <p:cNvPr id="3" name="Marcador de contenido 2"/>
+          <p:cNvSpPr>
+            <a:spLocks noGrp="1"/>
+          </p:cNvSpPr>
+          <p:nvPr>
+            <p:ph idx="1"/>
+          </p:nvPr>
+        </p:nvSpPr>
+        <p:spPr>
+          <a:xfrm>
+            <a:off x="1484311" y="2438399"/>
+            <a:ext cx="10018712" cy="3863009"/>
+          </a:xfrm>
+        </p:spPr>
+        <p:txBody>
+          <a:bodyPr>
+            <a:normAutofit fontScale="92500" lnSpcReduction="20000"/>
+          </a:bodyPr>
+          <a:lstStyle/>
+          <a:p>
+            <a:r>
+              <a:rPr lang="es-ES_tradnl" dirty="0"/>
+              <a:t>Local </a:t>
+            </a:r>
+            <a:r>
+              <a:rPr lang="es-ES_tradnl" dirty="0" err="1"/>
+              <a:t>version</a:t>
+            </a:r>
+            <a:r>
+              <a:rPr lang="es-ES_tradnl" dirty="0"/>
+              <a:t> control </a:t>
+            </a:r>
+            <a:r>
+              <a:rPr lang="es-ES_tradnl" dirty="0" err="1"/>
+              <a:t>weaknesses</a:t>
+            </a:r>
+            <a:endParaRPr lang="es-ES_tradnl" dirty="0"/>
+          </a:p>
+          <a:p>
+            <a:r>
+              <a:rPr lang="es-ES_tradnl" dirty="0" err="1"/>
+              <a:t>Centralized</a:t>
+            </a:r>
+            <a:r>
+              <a:rPr lang="es-ES_tradnl" dirty="0"/>
+              <a:t> </a:t>
+            </a:r>
+            <a:r>
+              <a:rPr lang="es-ES_tradnl" dirty="0" err="1"/>
+              <a:t>version</a:t>
+            </a:r>
+            <a:r>
+              <a:rPr lang="es-ES_tradnl" dirty="0"/>
+              <a:t> control </a:t>
+            </a:r>
+            <a:r>
+              <a:rPr lang="es-ES_tradnl" dirty="0" err="1"/>
+              <a:t>diagram</a:t>
+            </a:r>
+            <a:endParaRPr lang="es-ES_tradnl" dirty="0"/>
+          </a:p>
+          <a:p>
+            <a:pPr lvl="1"/>
+            <a:r>
+              <a:rPr lang="es-ES" dirty="0" smtClean="0"/>
+              <a:t>Punto </a:t>
+            </a:r>
+            <a:r>
+              <a:rPr lang="es-ES" dirty="0"/>
+              <a:t>único de fallo </a:t>
+            </a:r>
+            <a:endParaRPr lang="es-ES" dirty="0" smtClean="0"/>
+          </a:p>
+          <a:p>
+            <a:pPr lvl="1"/>
+            <a:r>
+              <a:rPr lang="es-ES" dirty="0"/>
+              <a:t>L</a:t>
+            </a:r>
+            <a:r>
+              <a:rPr lang="es-ES" dirty="0" smtClean="0"/>
+              <a:t>as </a:t>
+            </a:r>
+            <a:r>
+              <a:rPr lang="es-ES" dirty="0"/>
+              <a:t>subidas son lentas </a:t>
+            </a:r>
+            <a:endParaRPr lang="es-ES" dirty="0" smtClean="0"/>
+          </a:p>
+          <a:p>
+            <a:pPr lvl="1"/>
+            <a:r>
+              <a:rPr lang="es-ES" dirty="0"/>
+              <a:t>C</a:t>
+            </a:r>
+            <a:r>
+              <a:rPr lang="es-ES" dirty="0" smtClean="0"/>
+              <a:t>ambios </a:t>
+            </a:r>
+            <a:r>
+              <a:rPr lang="es-ES" dirty="0"/>
+              <a:t>pueden romper todos </a:t>
+            </a:r>
+            <a:endParaRPr lang="es-ES" dirty="0" smtClean="0"/>
+          </a:p>
+          <a:p>
+            <a:pPr lvl="1"/>
+            <a:r>
+              <a:rPr lang="es-ES" dirty="0"/>
+              <a:t>L</a:t>
+            </a:r>
+            <a:r>
+              <a:rPr lang="es-ES" dirty="0" smtClean="0"/>
+              <a:t>a </a:t>
+            </a:r>
+            <a:r>
+              <a:rPr lang="es-ES" dirty="0"/>
+              <a:t>fusión es </a:t>
+            </a:r>
+            <a:r>
+              <a:rPr lang="es-ES" dirty="0" smtClean="0"/>
+              <a:t>dolorosa</a:t>
+            </a:r>
+          </a:p>
+          <a:p>
+            <a:r>
+              <a:rPr lang="es-ES_tradnl" dirty="0" err="1" smtClean="0"/>
+              <a:t>Distributed</a:t>
+            </a:r>
+            <a:r>
+              <a:rPr lang="es-ES_tradnl" dirty="0" smtClean="0"/>
+              <a:t> </a:t>
+            </a:r>
+            <a:r>
+              <a:rPr lang="es-ES_tradnl" dirty="0" err="1"/>
+              <a:t>version</a:t>
+            </a:r>
+            <a:r>
+              <a:rPr lang="es-ES_tradnl" dirty="0"/>
+              <a:t> control </a:t>
+            </a:r>
+            <a:r>
+              <a:rPr lang="es-ES_tradnl" dirty="0" err="1"/>
+              <a:t>diagram</a:t>
+            </a:r>
+            <a:endParaRPr lang="es-ES_tradnl" dirty="0"/>
+          </a:p>
+          <a:p>
+            <a:pPr lvl="1"/>
+            <a:r>
+              <a:rPr lang="es-ES_tradnl" dirty="0" smtClean="0"/>
+              <a:t>Distribuido</a:t>
+            </a:r>
+          </a:p>
+          <a:p>
+            <a:pPr lvl="1"/>
+            <a:r>
+              <a:rPr lang="es-ES_tradnl" dirty="0" smtClean="0"/>
+              <a:t>no necesidad red</a:t>
+            </a:r>
+          </a:p>
+          <a:p>
+            <a:pPr lvl="1"/>
+            <a:r>
+              <a:rPr lang="es-ES_tradnl" dirty="0" smtClean="0"/>
+              <a:t>R</a:t>
+            </a:r>
+            <a:r>
+              <a:rPr lang="es-ES" dirty="0" err="1" smtClean="0"/>
+              <a:t>ápido</a:t>
+            </a:r>
+            <a:r>
+              <a:rPr lang="es-ES_tradnl" dirty="0" smtClean="0"/>
+              <a:t> (local</a:t>
+            </a:r>
+            <a:r>
+              <a:rPr lang="es-ES_tradnl" dirty="0"/>
+              <a:t>)</a:t>
+            </a:r>
+          </a:p>
+        </p:txBody>
+      </p:sp>
+    </p:spTree>
+    <p:extLst>
+      <p:ext uri="{BB962C8B-B14F-4D97-AF65-F5344CB8AC3E}">
+        <p14:creationId xmlns:p14="http://schemas.microsoft.com/office/powerpoint/2010/main" val="647926659"/>
+      </p:ext>
+    </p:extLst>
+  </p:cSld>
+  <p:clrMapOvr>
+    <a:masterClrMapping/>
+  </p:clrMapOvr>
+</p:sld>
+</file>
+
+<file path=ppt/slides/slide4.xml><?xml version="1.0" encoding="utf-8"?>
 <p:sld xmlns:a="http://schemas.openxmlformats.org/drawingml/2006/main" xmlns:r="http://schemas.openxmlformats.org/officeDocument/2006/relationships" xmlns:p="http://schemas.openxmlformats.org/presentationml/2006/main">
   <p:cSld>
     <p:spTree>
@@ -8852,223 +11239,6 @@
 </p:sld>
 </file>
 
-<file path=ppt/slides/slide4.xml><?xml version="1.0" encoding="utf-8"?>
-<p:sld xmlns:a="http://schemas.openxmlformats.org/drawingml/2006/main" xmlns:r="http://schemas.openxmlformats.org/officeDocument/2006/relationships" xmlns:p="http://schemas.openxmlformats.org/presentationml/2006/main">
-  <p:cSld>
-    <p:spTree>
-      <p:nvGrpSpPr>
-        <p:cNvPr id="1" name=""/>
-        <p:cNvGrpSpPr/>
-        <p:nvPr/>
-      </p:nvGrpSpPr>
-      <p:grpSpPr>
-        <a:xfrm>
-          <a:off x="0" y="0"/>
-          <a:ext cx="0" cy="0"/>
-          <a:chOff x="0" y="0"/>
-          <a:chExt cx="0" cy="0"/>
-        </a:xfrm>
-      </p:grpSpPr>
-      <p:sp>
-        <p:nvSpPr>
-          <p:cNvPr id="2" name="Título 1"/>
-          <p:cNvSpPr>
-            <a:spLocks noGrp="1"/>
-          </p:cNvSpPr>
-          <p:nvPr>
-            <p:ph type="title"/>
-          </p:nvPr>
-        </p:nvSpPr>
-        <p:spPr>
-          <a:xfrm>
-            <a:off x="1484310" y="117389"/>
-            <a:ext cx="10018713" cy="673443"/>
-          </a:xfrm>
-        </p:spPr>
-        <p:txBody>
-          <a:bodyPr>
-            <a:normAutofit fontScale="90000"/>
-          </a:bodyPr>
-          <a:lstStyle/>
-          <a:p>
-            <a:r>
-              <a:rPr lang="es-ES_tradnl" dirty="0" smtClean="0"/>
-              <a:t>Un poco de historia (Esquema)</a:t>
-            </a:r>
-            <a:endParaRPr lang="es-ES_tradnl" dirty="0"/>
-          </a:p>
-        </p:txBody>
-      </p:sp>
-      <p:sp>
-        <p:nvSpPr>
-          <p:cNvPr id="3" name="Marcador de contenido 2"/>
-          <p:cNvSpPr>
-            <a:spLocks noGrp="1"/>
-          </p:cNvSpPr>
-          <p:nvPr>
-            <p:ph idx="1"/>
-          </p:nvPr>
-        </p:nvSpPr>
-        <p:spPr>
-          <a:xfrm>
-            <a:off x="1484310" y="889687"/>
-            <a:ext cx="10018713" cy="4901514"/>
-          </a:xfrm>
-        </p:spPr>
-        <p:txBody>
-          <a:bodyPr>
-            <a:normAutofit/>
-          </a:bodyPr>
-          <a:lstStyle/>
-          <a:p>
-            <a:pPr algn="just"/>
-            <a:r>
-              <a:rPr lang="es-ES_tradnl" dirty="0"/>
-              <a:t>Durante la mayor parte del mantenimiento del núcleo de Linux (1991-2002), los cambios en el software se pasaron en forma de parches y archivos. En 2002, el proyecto del núcleo de Linux empezó a usar un DVCS propietario llamado </a:t>
-            </a:r>
-            <a:r>
-              <a:rPr lang="es-ES_tradnl" dirty="0" err="1"/>
-              <a:t>BitKeeper</a:t>
-            </a:r>
-            <a:r>
-              <a:rPr lang="es-ES_tradnl" dirty="0" smtClean="0"/>
-              <a:t>.</a:t>
-            </a:r>
-          </a:p>
-          <a:p>
-            <a:pPr algn="just"/>
-            <a:r>
-              <a:rPr lang="es-ES_tradnl" dirty="0"/>
-              <a:t>En 2005, la relación entre la comunidad que desarrollaba el núcleo de Linux y la compañía que desarrollaba </a:t>
-            </a:r>
-            <a:r>
-              <a:rPr lang="es-ES_tradnl" dirty="0" err="1"/>
-              <a:t>BitKeeper</a:t>
-            </a:r>
-            <a:r>
-              <a:rPr lang="es-ES_tradnl" dirty="0"/>
-              <a:t> se vino abajo, y la herramienta dejó de ser gratuita.</a:t>
-            </a:r>
-          </a:p>
-          <a:p>
-            <a:pPr algn="just"/>
-            <a:r>
-              <a:rPr lang="es-ES_tradnl" dirty="0" smtClean="0"/>
-              <a:t>Esto </a:t>
-            </a:r>
-            <a:r>
-              <a:rPr lang="es-ES_tradnl" dirty="0"/>
-              <a:t>impulsó a la comunidad de desarrollo de Linux (y en particular a </a:t>
-            </a:r>
-            <a:r>
-              <a:rPr lang="es-ES_tradnl" dirty="0" err="1"/>
-              <a:t>Linus</a:t>
-            </a:r>
-            <a:r>
-              <a:rPr lang="es-ES_tradnl" dirty="0"/>
-              <a:t> </a:t>
-            </a:r>
-            <a:r>
-              <a:rPr lang="es-ES_tradnl" dirty="0" err="1"/>
-              <a:t>Torvalds</a:t>
-            </a:r>
-            <a:r>
-              <a:rPr lang="es-ES_tradnl" dirty="0"/>
-              <a:t>, el creador de Linux) </a:t>
-            </a:r>
-            <a:r>
-              <a:rPr lang="es-ES_tradnl" dirty="0" smtClean="0"/>
-              <a:t>a desarrollar GIT. </a:t>
-            </a:r>
-          </a:p>
-          <a:p>
-            <a:pPr algn="just"/>
-            <a:r>
-              <a:rPr lang="es-ES_tradnl" dirty="0" smtClean="0"/>
-              <a:t>Desde el 2005 GIT ha evolucionado y madurado.</a:t>
-            </a:r>
-            <a:endParaRPr lang="es-ES_tradnl" dirty="0"/>
-          </a:p>
-          <a:p>
-            <a:endParaRPr lang="es-ES_tradnl" dirty="0"/>
-          </a:p>
-        </p:txBody>
-      </p:sp>
-      <p:sp>
-        <p:nvSpPr>
-          <p:cNvPr id="5" name="CuadroTexto 4"/>
-          <p:cNvSpPr txBox="1"/>
-          <p:nvPr/>
-        </p:nvSpPr>
-        <p:spPr>
-          <a:xfrm>
-            <a:off x="56876" y="6340526"/>
-            <a:ext cx="2902205" cy="369332"/>
-          </a:xfrm>
-          <a:prstGeom prst="rect">
-            <a:avLst/>
-          </a:prstGeom>
-          <a:solidFill>
-            <a:schemeClr val="tx2">
-              <a:lumMod val="75000"/>
-              <a:lumOff val="25000"/>
-            </a:schemeClr>
-          </a:solidFill>
-        </p:spPr>
-        <p:txBody>
-          <a:bodyPr wrap="none" rtlCol="0">
-            <a:spAutoFit/>
-          </a:bodyPr>
-          <a:lstStyle/>
-          <a:p>
-            <a:r>
-              <a:rPr lang="es-ES_tradnl" dirty="0" smtClean="0">
-                <a:solidFill>
-                  <a:schemeClr val="bg1"/>
-                </a:solidFill>
-              </a:rPr>
-              <a:t>Fuente: https</a:t>
-            </a:r>
-            <a:r>
-              <a:rPr lang="es-ES_tradnl" dirty="0">
-                <a:solidFill>
-                  <a:schemeClr val="bg1"/>
-                </a:solidFill>
-              </a:rPr>
-              <a:t>://</a:t>
-            </a:r>
-            <a:r>
-              <a:rPr lang="es-ES_tradnl" dirty="0" err="1">
-                <a:solidFill>
-                  <a:schemeClr val="bg1"/>
-                </a:solidFill>
-              </a:rPr>
-              <a:t>git-scm.com</a:t>
-            </a:r>
-            <a:r>
-              <a:rPr lang="es-ES_tradnl" dirty="0">
-                <a:solidFill>
-                  <a:schemeClr val="bg1"/>
-                </a:solidFill>
-              </a:rPr>
-              <a:t>/</a:t>
-            </a:r>
-          </a:p>
-        </p:txBody>
-      </p:sp>
-    </p:spTree>
-    <p:extLst>
-      <p:ext uri="{BB962C8B-B14F-4D97-AF65-F5344CB8AC3E}">
-        <p14:creationId xmlns:p14="http://schemas.microsoft.com/office/powerpoint/2010/main" val="770103615"/>
-      </p:ext>
-    </p:extLst>
-  </p:cSld>
-  <p:clrMapOvr>
-    <a:masterClrMapping/>
-  </p:clrMapOvr>
-</p:sld>
-</file>
-
 <file path=ppt/slides/slide5.xml><?xml version="1.0" encoding="utf-8"?>
 <p:sld xmlns:a="http://schemas.openxmlformats.org/drawingml/2006/main" xmlns:r="http://schemas.openxmlformats.org/officeDocument/2006/relationships" xmlns:p="http://schemas.openxmlformats.org/presentationml/2006/main">
   <p:cSld>
@@ -9088,7 +11258,7 @@
       </p:grpSpPr>
       <p:sp>
         <p:nvSpPr>
-          <p:cNvPr id="4" name="Título 1"/>
+          <p:cNvPr id="2" name="Título 1"/>
           <p:cNvSpPr>
             <a:spLocks noGrp="1"/>
           </p:cNvSpPr>
@@ -9109,8 +11279,249 @@
           <a:lstStyle/>
           <a:p>
             <a:r>
+              <a:rPr lang="es-ES_tradnl" dirty="0" smtClean="0">
+                <a:solidFill>
+                  <a:srgbClr val="FF0000"/>
+                </a:solidFill>
+              </a:rPr>
+              <a:t>Un poco de historia (Esquema</a:t>
+            </a:r>
+            <a:r>
+              <a:rPr lang="es-ES_tradnl" dirty="0" smtClean="0">
+                <a:solidFill>
+                  <a:srgbClr val="FF0000"/>
+                </a:solidFill>
+              </a:rPr>
+              <a:t>) NO IR</a:t>
+            </a:r>
+            <a:r>
+              <a:rPr lang="es-ES" dirty="0" smtClean="0">
+                <a:solidFill>
+                  <a:srgbClr val="FF0000"/>
+                </a:solidFill>
+              </a:rPr>
+              <a:t>ÍA</a:t>
+            </a:r>
+            <a:endParaRPr lang="es-ES_tradnl" dirty="0">
+              <a:solidFill>
+                <a:srgbClr val="FF0000"/>
+              </a:solidFill>
+            </a:endParaRPr>
+          </a:p>
+        </p:txBody>
+      </p:sp>
+      <p:sp>
+        <p:nvSpPr>
+          <p:cNvPr id="3" name="Marcador de contenido 2"/>
+          <p:cNvSpPr>
+            <a:spLocks noGrp="1"/>
+          </p:cNvSpPr>
+          <p:nvPr>
+            <p:ph idx="1"/>
+          </p:nvPr>
+        </p:nvSpPr>
+        <p:spPr>
+          <a:xfrm>
+            <a:off x="1484310" y="889687"/>
+            <a:ext cx="10018713" cy="4901514"/>
+          </a:xfrm>
+        </p:spPr>
+        <p:txBody>
+          <a:bodyPr>
+            <a:normAutofit/>
+          </a:bodyPr>
+          <a:lstStyle/>
+          <a:p>
+            <a:pPr algn="just"/>
+            <a:r>
+              <a:rPr lang="es-ES_tradnl" dirty="0"/>
+              <a:t>Durante la mayor parte del mantenimiento del núcleo de Linux (1991-2002), los cambios en el software se pasaron en forma de parches y archivos. En 2002, el proyecto del núcleo de Linux empezó a usar un DVCS propietario llamado </a:t>
+            </a:r>
+            <a:r>
+              <a:rPr lang="es-ES_tradnl" dirty="0" err="1"/>
+              <a:t>BitKeeper</a:t>
+            </a:r>
+            <a:r>
               <a:rPr lang="es-ES_tradnl" dirty="0" smtClean="0"/>
-              <a:t>Un poco de historia (Esquema)</a:t>
+              <a:t>.</a:t>
+            </a:r>
+          </a:p>
+          <a:p>
+            <a:pPr algn="just"/>
+            <a:r>
+              <a:rPr lang="es-ES_tradnl" dirty="0"/>
+              <a:t>En 2005, la relación entre la comunidad que desarrollaba el núcleo de Linux y la compañía que desarrollaba </a:t>
+            </a:r>
+            <a:r>
+              <a:rPr lang="es-ES_tradnl" dirty="0" err="1"/>
+              <a:t>BitKeeper</a:t>
+            </a:r>
+            <a:r>
+              <a:rPr lang="es-ES_tradnl" dirty="0"/>
+              <a:t> se vino abajo, y la herramienta dejó de ser gratuita.</a:t>
+            </a:r>
+          </a:p>
+          <a:p>
+            <a:pPr algn="just"/>
+            <a:r>
+              <a:rPr lang="es-ES_tradnl" dirty="0" smtClean="0"/>
+              <a:t>Esto </a:t>
+            </a:r>
+            <a:r>
+              <a:rPr lang="es-ES_tradnl" dirty="0"/>
+              <a:t>impulsó a la comunidad de desarrollo de Linux (y en particular a </a:t>
+            </a:r>
+            <a:r>
+              <a:rPr lang="es-ES_tradnl" dirty="0" err="1"/>
+              <a:t>Linus</a:t>
+            </a:r>
+            <a:r>
+              <a:rPr lang="es-ES_tradnl" dirty="0"/>
+              <a:t> </a:t>
+            </a:r>
+            <a:r>
+              <a:rPr lang="es-ES_tradnl" dirty="0" err="1"/>
+              <a:t>Torvalds</a:t>
+            </a:r>
+            <a:r>
+              <a:rPr lang="es-ES_tradnl" dirty="0"/>
+              <a:t>, el creador de Linux) </a:t>
+            </a:r>
+            <a:r>
+              <a:rPr lang="es-ES_tradnl" dirty="0" smtClean="0"/>
+              <a:t>a desarrollar GIT. </a:t>
+            </a:r>
+          </a:p>
+          <a:p>
+            <a:pPr algn="just"/>
+            <a:r>
+              <a:rPr lang="es-ES_tradnl" dirty="0" smtClean="0"/>
+              <a:t>Desde el 2005 GIT ha evolucionado y madurado.</a:t>
+            </a:r>
+            <a:endParaRPr lang="es-ES_tradnl" dirty="0"/>
+          </a:p>
+          <a:p>
+            <a:endParaRPr lang="es-ES_tradnl" dirty="0"/>
+          </a:p>
+        </p:txBody>
+      </p:sp>
+      <p:sp>
+        <p:nvSpPr>
+          <p:cNvPr id="5" name="CuadroTexto 4"/>
+          <p:cNvSpPr txBox="1"/>
+          <p:nvPr/>
+        </p:nvSpPr>
+        <p:spPr>
+          <a:xfrm>
+            <a:off x="56876" y="6340526"/>
+            <a:ext cx="2902205" cy="369332"/>
+          </a:xfrm>
+          <a:prstGeom prst="rect">
+            <a:avLst/>
+          </a:prstGeom>
+          <a:solidFill>
+            <a:schemeClr val="tx2">
+              <a:lumMod val="75000"/>
+              <a:lumOff val="25000"/>
+            </a:schemeClr>
+          </a:solidFill>
+        </p:spPr>
+        <p:txBody>
+          <a:bodyPr wrap="none" rtlCol="0">
+            <a:spAutoFit/>
+          </a:bodyPr>
+          <a:lstStyle/>
+          <a:p>
+            <a:r>
+              <a:rPr lang="es-ES_tradnl" dirty="0" smtClean="0">
+                <a:solidFill>
+                  <a:schemeClr val="bg1"/>
+                </a:solidFill>
+              </a:rPr>
+              <a:t>Fuente: https</a:t>
+            </a:r>
+            <a:r>
+              <a:rPr lang="es-ES_tradnl" dirty="0">
+                <a:solidFill>
+                  <a:schemeClr val="bg1"/>
+                </a:solidFill>
+              </a:rPr>
+              <a:t>://</a:t>
+            </a:r>
+            <a:r>
+              <a:rPr lang="es-ES_tradnl" dirty="0" err="1">
+                <a:solidFill>
+                  <a:schemeClr val="bg1"/>
+                </a:solidFill>
+              </a:rPr>
+              <a:t>git-scm.com</a:t>
+            </a:r>
+            <a:r>
+              <a:rPr lang="es-ES_tradnl" dirty="0">
+                <a:solidFill>
+                  <a:schemeClr val="bg1"/>
+                </a:solidFill>
+              </a:rPr>
+              <a:t>/</a:t>
+            </a:r>
+          </a:p>
+        </p:txBody>
+      </p:sp>
+    </p:spTree>
+    <p:extLst>
+      <p:ext uri="{BB962C8B-B14F-4D97-AF65-F5344CB8AC3E}">
+        <p14:creationId xmlns:p14="http://schemas.microsoft.com/office/powerpoint/2010/main" val="770103615"/>
+      </p:ext>
+    </p:extLst>
+  </p:cSld>
+  <p:clrMapOvr>
+    <a:masterClrMapping/>
+  </p:clrMapOvr>
+</p:sld>
+</file>
+
+<file path=ppt/slides/slide6.xml><?xml version="1.0" encoding="utf-8"?>
+<p:sld xmlns:a="http://schemas.openxmlformats.org/drawingml/2006/main" xmlns:r="http://schemas.openxmlformats.org/officeDocument/2006/relationships" xmlns:p="http://schemas.openxmlformats.org/presentationml/2006/main">
+  <p:cSld>
+    <p:spTree>
+      <p:nvGrpSpPr>
+        <p:cNvPr id="1" name=""/>
+        <p:cNvGrpSpPr/>
+        <p:nvPr/>
+      </p:nvGrpSpPr>
+      <p:grpSpPr>
+        <a:xfrm>
+          <a:off x="0" y="0"/>
+          <a:ext cx="0" cy="0"/>
+          <a:chOff x="0" y="0"/>
+          <a:chExt cx="0" cy="0"/>
+        </a:xfrm>
+      </p:grpSpPr>
+      <p:sp>
+        <p:nvSpPr>
+          <p:cNvPr id="4" name="Título 1"/>
+          <p:cNvSpPr>
+            <a:spLocks noGrp="1"/>
+          </p:cNvSpPr>
+          <p:nvPr>
+            <p:ph type="title"/>
+          </p:nvPr>
+        </p:nvSpPr>
+        <p:spPr>
+          <a:xfrm>
+            <a:off x="1484310" y="117389"/>
+            <a:ext cx="10018713" cy="673443"/>
+          </a:xfrm>
+        </p:spPr>
+        <p:txBody>
+          <a:bodyPr>
+            <a:normAutofit fontScale="90000"/>
+          </a:bodyPr>
+          <a:lstStyle/>
+          <a:p>
+            <a:r>
+              <a:rPr lang="es-ES_tradnl" dirty="0" smtClean="0"/>
+              <a:t>Un poco de historia</a:t>
             </a:r>
             <a:endParaRPr lang="es-ES_tradnl" dirty="0"/>
           </a:p>
@@ -9138,8 +11549,8 @@
         </p:blipFill>
         <p:spPr>
           <a:xfrm>
-            <a:off x="1031946" y="454110"/>
-            <a:ext cx="2514600" cy="2883408"/>
+            <a:off x="4386336" y="2531914"/>
+            <a:ext cx="1860804" cy="2133722"/>
           </a:xfrm>
           <a:prstGeom prst="rect">
             <a:avLst/>
@@ -9168,7 +11579,7 @@
         </p:blipFill>
         <p:spPr>
           <a:xfrm>
-            <a:off x="1149418" y="4318510"/>
+            <a:off x="401484" y="4560258"/>
             <a:ext cx="2857500" cy="1276350"/>
           </a:xfrm>
           <a:prstGeom prst="rect">
@@ -9198,8 +11609,8 @@
         </p:blipFill>
         <p:spPr>
           <a:xfrm>
-            <a:off x="4143409" y="2870710"/>
-            <a:ext cx="3467100" cy="1447800"/>
+            <a:off x="8336034" y="3017551"/>
+            <a:ext cx="2889250" cy="1206500"/>
           </a:xfrm>
           <a:prstGeom prst="rect">
             <a:avLst/>
@@ -9208,7 +11619,7 @@
       </p:pic>
       <p:pic>
         <p:nvPicPr>
-          <p:cNvPr id="9" name="Imagen 8"/>
+          <p:cNvPr id="2" name="Imagen 1"/>
           <p:cNvPicPr>
             <a:picLocks noChangeAspect="1"/>
           </p:cNvPicPr>
@@ -9228,206 +11639,106 @@
         </p:blipFill>
         <p:spPr>
           <a:xfrm>
-            <a:off x="7747000" y="3151698"/>
-            <a:ext cx="4445000" cy="2333625"/>
+            <a:off x="444155" y="1326554"/>
+            <a:ext cx="1515618" cy="1930146"/>
           </a:xfrm>
           <a:prstGeom prst="rect">
             <a:avLst/>
           </a:prstGeom>
         </p:spPr>
       </p:pic>
-      <p:pic>
-        <p:nvPicPr>
-          <p:cNvPr id="11" name="Imagen 10"/>
-          <p:cNvPicPr>
-            <a:picLocks noChangeAspect="1"/>
-          </p:cNvPicPr>
+      <p:sp>
+        <p:nvSpPr>
+          <p:cNvPr id="14" name="Flecha derecha 13"/>
+          <p:cNvSpPr/>
           <p:nvPr/>
-        </p:nvPicPr>
-        <p:blipFill>
-          <a:blip r:embed="rId6">
-            <a:extLst>
-              <a:ext uri="{28A0092B-C50C-407E-A947-70E740481C1C}">
-                <a14:useLocalDpi xmlns:a14="http://schemas.microsoft.com/office/drawing/2010/main" val="0"/>
-              </a:ext>
-            </a:extLst>
-          </a:blip>
-          <a:stretch>
-            <a:fillRect/>
-          </a:stretch>
-        </p:blipFill>
+        </p:nvSpPr>
         <p:spPr>
           <a:xfrm>
-            <a:off x="8455023" y="1497669"/>
-            <a:ext cx="3048000" cy="796290"/>
+            <a:off x="6705178" y="3125519"/>
+            <a:ext cx="1172818" cy="946512"/>
           </a:xfrm>
-          <a:prstGeom prst="rect">
+          <a:prstGeom prst="rightArrow">
             <a:avLst/>
           </a:prstGeom>
         </p:spPr>
-      </p:pic>
+        <p:style>
+          <a:lnRef idx="2">
+            <a:schemeClr val="accent1">
+              <a:shade val="50000"/>
+            </a:schemeClr>
+          </a:lnRef>
+          <a:fillRef idx="1">
+            <a:schemeClr val="accent1"/>
+          </a:fillRef>
+          <a:effectRef idx="0">
+            <a:schemeClr val="accent1"/>
+          </a:effectRef>
+          <a:fontRef idx="minor">
+            <a:schemeClr val="lt1"/>
+          </a:fontRef>
+        </p:style>
+        <p:txBody>
+          <a:bodyPr rtlCol="0" anchor="ctr"/>
+          <a:lstStyle/>
+          <a:p>
+            <a:pPr algn="ctr"/>
+            <a:r>
+              <a:rPr lang="es-ES_tradnl" smtClean="0"/>
+              <a:t>2005</a:t>
+            </a:r>
+            <a:endParaRPr lang="es-ES_tradnl"/>
+          </a:p>
+        </p:txBody>
+      </p:sp>
+      <p:sp>
+        <p:nvSpPr>
+          <p:cNvPr id="15" name="Flecha derecha 14"/>
+          <p:cNvSpPr/>
+          <p:nvPr/>
+        </p:nvSpPr>
+        <p:spPr>
+          <a:xfrm>
+            <a:off x="2304959" y="3017551"/>
+            <a:ext cx="1762144" cy="1162448"/>
+          </a:xfrm>
+          <a:prstGeom prst="rightArrow">
+            <a:avLst/>
+          </a:prstGeom>
+        </p:spPr>
+        <p:style>
+          <a:lnRef idx="2">
+            <a:schemeClr val="accent1">
+              <a:shade val="50000"/>
+            </a:schemeClr>
+          </a:lnRef>
+          <a:fillRef idx="1">
+            <a:schemeClr val="accent1"/>
+          </a:fillRef>
+          <a:effectRef idx="0">
+            <a:schemeClr val="accent1"/>
+          </a:effectRef>
+          <a:fontRef idx="minor">
+            <a:schemeClr val="lt1"/>
+          </a:fontRef>
+        </p:style>
+        <p:txBody>
+          <a:bodyPr rtlCol="0" anchor="ctr"/>
+          <a:lstStyle/>
+          <a:p>
+            <a:pPr algn="ctr"/>
+            <a:r>
+              <a:rPr lang="es-ES_tradnl" dirty="0" smtClean="0"/>
+              <a:t>1991 - 2002</a:t>
+            </a:r>
+            <a:endParaRPr lang="es-ES_tradnl" dirty="0"/>
+          </a:p>
+        </p:txBody>
+      </p:sp>
     </p:spTree>
     <p:extLst>
       <p:ext uri="{BB962C8B-B14F-4D97-AF65-F5344CB8AC3E}">
         <p14:creationId xmlns:p14="http://schemas.microsoft.com/office/powerpoint/2010/main" val="1690099718"/>
-      </p:ext>
-    </p:extLst>
-  </p:cSld>
-  <p:clrMapOvr>
-    <a:masterClrMapping/>
-  </p:clrMapOvr>
-</p:sld>
-</file>
-
-<file path=ppt/slides/slide6.xml><?xml version="1.0" encoding="utf-8"?>
-<p:sld xmlns:a="http://schemas.openxmlformats.org/drawingml/2006/main" xmlns:r="http://schemas.openxmlformats.org/officeDocument/2006/relationships" xmlns:p="http://schemas.openxmlformats.org/presentationml/2006/main">
-  <p:cSld>
-    <p:spTree>
-      <p:nvGrpSpPr>
-        <p:cNvPr id="1" name=""/>
-        <p:cNvGrpSpPr/>
-        <p:nvPr/>
-      </p:nvGrpSpPr>
-      <p:grpSpPr>
-        <a:xfrm>
-          <a:off x="0" y="0"/>
-          <a:ext cx="0" cy="0"/>
-          <a:chOff x="0" y="0"/>
-          <a:chExt cx="0" cy="0"/>
-        </a:xfrm>
-      </p:grpSpPr>
-      <p:sp>
-        <p:nvSpPr>
-          <p:cNvPr id="2" name="Título 1"/>
-          <p:cNvSpPr>
-            <a:spLocks noGrp="1"/>
-          </p:cNvSpPr>
-          <p:nvPr>
-            <p:ph type="title"/>
-          </p:nvPr>
-        </p:nvSpPr>
-        <p:spPr/>
-        <p:txBody>
-          <a:bodyPr/>
-          <a:lstStyle/>
-          <a:p>
-            <a:r>
-              <a:rPr lang="es-ES_tradnl" dirty="0" smtClean="0"/>
-              <a:t>Carácter</a:t>
-            </a:r>
-            <a:r>
-              <a:rPr lang="es-ES" dirty="0" err="1" smtClean="0"/>
-              <a:t>ísticas</a:t>
-            </a:r>
-            <a:r>
-              <a:rPr lang="es-ES" dirty="0" smtClean="0"/>
-              <a:t> de </a:t>
-            </a:r>
-            <a:r>
-              <a:rPr lang="es-ES" dirty="0" err="1" smtClean="0"/>
-              <a:t>Git</a:t>
-            </a:r>
-            <a:endParaRPr lang="es-ES_tradnl" dirty="0"/>
-          </a:p>
-        </p:txBody>
-      </p:sp>
-      <p:sp>
-        <p:nvSpPr>
-          <p:cNvPr id="3" name="Marcador de contenido 2"/>
-          <p:cNvSpPr>
-            <a:spLocks noGrp="1"/>
-          </p:cNvSpPr>
-          <p:nvPr>
-            <p:ph idx="1"/>
-          </p:nvPr>
-        </p:nvSpPr>
-        <p:spPr/>
-        <p:txBody>
-          <a:bodyPr/>
-          <a:lstStyle/>
-          <a:p>
-            <a:pPr algn="just"/>
-            <a:r>
-              <a:rPr lang="es-ES_tradnl" dirty="0" smtClean="0"/>
-              <a:t>Rapidez</a:t>
-            </a:r>
-            <a:endParaRPr lang="es-ES_tradnl" dirty="0" smtClean="0"/>
-          </a:p>
-          <a:p>
-            <a:pPr algn="just"/>
-            <a:r>
-              <a:rPr lang="es-ES_tradnl" dirty="0"/>
-              <a:t>Completamente </a:t>
-            </a:r>
-            <a:r>
-              <a:rPr lang="es-ES_tradnl" dirty="0" smtClean="0"/>
-              <a:t>distribuido</a:t>
-            </a:r>
-            <a:endParaRPr lang="es-ES_tradnl" dirty="0"/>
-          </a:p>
-          <a:p>
-            <a:pPr algn="just"/>
-            <a:r>
-              <a:rPr lang="es-ES_tradnl" dirty="0"/>
-              <a:t>Diseño sencillo</a:t>
-            </a:r>
-          </a:p>
-          <a:p>
-            <a:pPr algn="just"/>
-            <a:r>
-              <a:rPr lang="es-ES_tradnl" dirty="0"/>
-              <a:t>Fuerte apoyo en el desarrollo no lineal </a:t>
-            </a:r>
-            <a:r>
-              <a:rPr lang="es-ES_tradnl" dirty="0" smtClean="0"/>
-              <a:t>(</a:t>
-            </a:r>
-            <a:r>
-              <a:rPr lang="es-ES_tradnl" dirty="0" err="1"/>
-              <a:t>thousands</a:t>
-            </a:r>
-            <a:r>
-              <a:rPr lang="es-ES_tradnl" dirty="0"/>
-              <a:t> of </a:t>
-            </a:r>
-            <a:r>
-              <a:rPr lang="es-ES_tradnl" dirty="0" err="1"/>
-              <a:t>parallel</a:t>
-            </a:r>
-            <a:r>
-              <a:rPr lang="es-ES_tradnl" dirty="0"/>
-              <a:t> </a:t>
-            </a:r>
-            <a:r>
-              <a:rPr lang="es-ES_tradnl" dirty="0" err="1"/>
-              <a:t>branches</a:t>
-            </a:r>
-            <a:r>
-              <a:rPr lang="es-ES_tradnl" dirty="0" smtClean="0"/>
-              <a:t>)</a:t>
-            </a:r>
-            <a:endParaRPr lang="es-ES_tradnl" dirty="0"/>
-          </a:p>
-          <a:p>
-            <a:pPr algn="just"/>
-            <a:r>
-              <a:rPr lang="es-ES_tradnl" dirty="0" smtClean="0"/>
-              <a:t>Capacidad </a:t>
-            </a:r>
-            <a:r>
-              <a:rPr lang="es-ES_tradnl" dirty="0"/>
-              <a:t>de manejar grandes proyectos (tamaño de datos)</a:t>
-            </a:r>
-          </a:p>
-          <a:p>
-            <a:endParaRPr lang="es-ES_tradnl" dirty="0"/>
-          </a:p>
-        </p:txBody>
-      </p:sp>
-    </p:spTree>
-    <p:extLst>
-      <p:ext uri="{BB962C8B-B14F-4D97-AF65-F5344CB8AC3E}">
-        <p14:creationId xmlns:p14="http://schemas.microsoft.com/office/powerpoint/2010/main" val="671350469"/>
       </p:ext>
     </p:extLst>
   </p:cSld>
@@ -9471,7 +11782,15 @@
           <a:p>
             <a:r>
               <a:rPr lang="es-ES_tradnl" dirty="0" smtClean="0"/>
-              <a:t>Herramientas</a:t>
+              <a:t>¿Qué</a:t>
+            </a:r>
+            <a:r>
+              <a:rPr lang="es-ES" dirty="0" smtClean="0"/>
+              <a:t> </a:t>
+            </a:r>
+            <a:r>
+              <a:rPr lang="es-ES" dirty="0" smtClean="0"/>
+              <a:t>es GIT?</a:t>
             </a:r>
             <a:endParaRPr lang="es-ES_tradnl" dirty="0"/>
           </a:p>
@@ -9490,388 +11809,111 @@
         <p:spPr/>
         <p:txBody>
           <a:bodyPr>
-            <a:normAutofit fontScale="55000" lnSpcReduction="20000"/>
+            <a:normAutofit/>
           </a:bodyPr>
           <a:lstStyle/>
           <a:p>
-            <a:r>
-              <a:rPr lang="es-ES_tradnl" dirty="0"/>
-              <a:t>Se recomienda </a:t>
+            <a:pPr algn="just"/>
+            <a:r>
+              <a:rPr lang="es-ES_tradnl" dirty="0" err="1"/>
+              <a:t>Git</a:t>
+            </a:r>
+            <a:r>
+              <a:rPr lang="es-ES_tradnl" dirty="0"/>
+              <a:t> </a:t>
             </a:r>
             <a:r>
               <a:rPr lang="es-ES_tradnl" dirty="0" smtClean="0"/>
-              <a:t>utilizar repositorios remotos :</a:t>
-            </a:r>
-            <a:endParaRPr lang="es-ES_tradnl" dirty="0" smtClean="0"/>
-          </a:p>
-          <a:p>
-            <a:pPr lvl="1"/>
-            <a:r>
-              <a:rPr lang="es-ES_tradnl" dirty="0" smtClean="0">
-                <a:hlinkClick r:id="rId2"/>
-              </a:rPr>
-              <a:t>https</a:t>
-            </a:r>
-            <a:r>
-              <a:rPr lang="es-ES_tradnl" dirty="0">
-                <a:hlinkClick r:id="rId2"/>
-              </a:rPr>
-              <a:t>://</a:t>
-            </a:r>
-            <a:r>
-              <a:rPr lang="es-ES_tradnl" dirty="0" smtClean="0">
-                <a:hlinkClick r:id="rId2"/>
-              </a:rPr>
-              <a:t>github.com</a:t>
-            </a:r>
-            <a:endParaRPr lang="es-ES_tradnl" dirty="0">
-              <a:hlinkClick r:id="rId2"/>
-            </a:endParaRPr>
-          </a:p>
-          <a:p>
-            <a:pPr lvl="1"/>
-            <a:r>
-              <a:rPr lang="es-ES_tradnl" dirty="0" smtClean="0">
-                <a:hlinkClick r:id="rId3"/>
-              </a:rPr>
-              <a:t>https</a:t>
-            </a:r>
-            <a:r>
-              <a:rPr lang="es-ES_tradnl" dirty="0">
-                <a:hlinkClick r:id="rId3"/>
-              </a:rPr>
-              <a:t>://</a:t>
-            </a:r>
-            <a:r>
-              <a:rPr lang="es-ES_tradnl" dirty="0" smtClean="0">
-                <a:hlinkClick r:id="rId3"/>
-              </a:rPr>
-              <a:t>bitbucket.org</a:t>
-            </a:r>
-            <a:endParaRPr lang="es-ES_tradnl" dirty="0">
-              <a:hlinkClick r:id="rId3"/>
-            </a:endParaRPr>
-          </a:p>
-          <a:p>
-            <a:pPr lvl="1"/>
-            <a:r>
-              <a:rPr lang="es-ES_tradnl" dirty="0" smtClean="0">
-                <a:hlinkClick r:id="rId4"/>
-              </a:rPr>
-              <a:t>https</a:t>
-            </a:r>
-            <a:r>
-              <a:rPr lang="es-ES_tradnl" dirty="0">
-                <a:hlinkClick r:id="rId4"/>
-              </a:rPr>
-              <a:t>://about.gitlab.com</a:t>
-            </a:r>
-            <a:r>
-              <a:rPr lang="es-ES_tradnl" dirty="0" smtClean="0">
-                <a:hlinkClick r:id="rId4"/>
-              </a:rPr>
-              <a:t>/</a:t>
-            </a:r>
-            <a:endParaRPr lang="es-ES_tradnl" dirty="0">
-              <a:hlinkClick r:id="rId4"/>
-            </a:endParaRPr>
-          </a:p>
-          <a:p>
-            <a:pPr lvl="1"/>
-            <a:r>
-              <a:rPr lang="es-ES_tradnl" dirty="0" smtClean="0">
-                <a:hlinkClick r:id="rId5"/>
-              </a:rPr>
-              <a:t>https</a:t>
-            </a:r>
-            <a:r>
-              <a:rPr lang="es-ES_tradnl" dirty="0">
-                <a:hlinkClick r:id="rId5"/>
-              </a:rPr>
-              <a:t>://gogs.io</a:t>
-            </a:r>
-            <a:r>
-              <a:rPr lang="es-ES_tradnl" dirty="0" smtClean="0">
-                <a:hlinkClick r:id="rId5"/>
-              </a:rPr>
-              <a:t>/ </a:t>
-            </a:r>
-            <a:r>
-              <a:rPr lang="es-ES_tradnl" dirty="0">
-                <a:hlinkClick r:id="rId5"/>
-              </a:rPr>
-              <a:t>(A painless self-hosted Git service.)</a:t>
-            </a:r>
-          </a:p>
-          <a:p>
-            <a:endParaRPr lang="es-ES_tradnl" dirty="0" smtClean="0"/>
-          </a:p>
-          <a:p>
-            <a:r>
-              <a:rPr lang="es-ES_tradnl" dirty="0"/>
-              <a:t>GUI </a:t>
-            </a:r>
-            <a:r>
-              <a:rPr lang="es-ES_tradnl" dirty="0" err="1" smtClean="0"/>
-              <a:t>Clients</a:t>
-            </a:r>
-            <a:endParaRPr lang="es-ES_tradnl" dirty="0"/>
-          </a:p>
-          <a:p>
-            <a:pPr lvl="1"/>
-            <a:r>
-              <a:rPr lang="es-ES_tradnl" dirty="0" err="1"/>
-              <a:t>Git</a:t>
-            </a:r>
-            <a:r>
-              <a:rPr lang="es-ES_tradnl" dirty="0"/>
-              <a:t> comes </a:t>
-            </a:r>
-            <a:r>
-              <a:rPr lang="es-ES_tradnl" dirty="0" err="1"/>
-              <a:t>with</a:t>
-            </a:r>
-            <a:r>
-              <a:rPr lang="es-ES_tradnl" dirty="0"/>
-              <a:t> </a:t>
-            </a:r>
-            <a:r>
-              <a:rPr lang="es-ES_tradnl" dirty="0" err="1"/>
-              <a:t>built</a:t>
-            </a:r>
-            <a:r>
-              <a:rPr lang="es-ES_tradnl" dirty="0"/>
-              <a:t>-in GUI </a:t>
-            </a:r>
-            <a:r>
-              <a:rPr lang="es-ES_tradnl" dirty="0" err="1"/>
-              <a:t>tools</a:t>
-            </a:r>
-            <a:r>
-              <a:rPr lang="es-ES_tradnl" dirty="0"/>
-              <a:t> </a:t>
-            </a:r>
-            <a:r>
-              <a:rPr lang="es-ES_tradnl" dirty="0" err="1"/>
-              <a:t>for</a:t>
-            </a:r>
-            <a:r>
-              <a:rPr lang="es-ES_tradnl" dirty="0"/>
-              <a:t> </a:t>
-            </a:r>
-            <a:r>
-              <a:rPr lang="es-ES_tradnl" dirty="0" err="1"/>
-              <a:t>committing</a:t>
-            </a:r>
-            <a:r>
-              <a:rPr lang="es-ES_tradnl" dirty="0"/>
-              <a:t> (</a:t>
-            </a:r>
-            <a:r>
-              <a:rPr lang="es-ES_tradnl" dirty="0" err="1"/>
-              <a:t>git-gui</a:t>
-            </a:r>
-            <a:r>
-              <a:rPr lang="es-ES_tradnl" dirty="0"/>
-              <a:t>) and </a:t>
-            </a:r>
-            <a:r>
-              <a:rPr lang="es-ES_tradnl" dirty="0" err="1"/>
-              <a:t>browsing</a:t>
-            </a:r>
-            <a:r>
-              <a:rPr lang="es-ES_tradnl" dirty="0"/>
-              <a:t> (</a:t>
-            </a:r>
-            <a:r>
-              <a:rPr lang="es-ES_tradnl" dirty="0" err="1"/>
-              <a:t>gitk</a:t>
-            </a:r>
-            <a:r>
-              <a:rPr lang="es-ES_tradnl" dirty="0"/>
-              <a:t>), </a:t>
-            </a:r>
-            <a:r>
-              <a:rPr lang="es-ES_tradnl" dirty="0" err="1"/>
-              <a:t>but</a:t>
-            </a:r>
-            <a:r>
-              <a:rPr lang="es-ES_tradnl" dirty="0"/>
-              <a:t> </a:t>
-            </a:r>
-            <a:r>
-              <a:rPr lang="es-ES_tradnl" dirty="0" err="1"/>
-              <a:t>there</a:t>
-            </a:r>
-            <a:r>
-              <a:rPr lang="es-ES_tradnl" dirty="0"/>
-              <a:t> are </a:t>
-            </a:r>
-            <a:r>
-              <a:rPr lang="es-ES_tradnl" dirty="0" err="1"/>
-              <a:t>several</a:t>
-            </a:r>
-            <a:r>
-              <a:rPr lang="es-ES_tradnl" dirty="0"/>
-              <a:t> </a:t>
-            </a:r>
-            <a:r>
-              <a:rPr lang="es-ES_tradnl" dirty="0" err="1"/>
-              <a:t>third-party</a:t>
-            </a:r>
-            <a:r>
-              <a:rPr lang="es-ES_tradnl" dirty="0"/>
-              <a:t> </a:t>
-            </a:r>
-            <a:r>
-              <a:rPr lang="es-ES_tradnl" dirty="0" err="1"/>
-              <a:t>tools</a:t>
-            </a:r>
-            <a:r>
-              <a:rPr lang="es-ES_tradnl" dirty="0"/>
-              <a:t> </a:t>
-            </a:r>
-            <a:r>
-              <a:rPr lang="es-ES_tradnl" dirty="0" err="1"/>
-              <a:t>for</a:t>
-            </a:r>
-            <a:r>
-              <a:rPr lang="es-ES_tradnl" dirty="0"/>
-              <a:t> </a:t>
-            </a:r>
-            <a:r>
-              <a:rPr lang="es-ES_tradnl" dirty="0" err="1"/>
-              <a:t>users</a:t>
-            </a:r>
-            <a:r>
-              <a:rPr lang="es-ES_tradnl" dirty="0"/>
-              <a:t> </a:t>
-            </a:r>
-            <a:r>
-              <a:rPr lang="es-ES_tradnl" dirty="0" err="1"/>
-              <a:t>looking</a:t>
-            </a:r>
-            <a:r>
-              <a:rPr lang="es-ES_tradnl" dirty="0"/>
-              <a:t> </a:t>
-            </a:r>
-            <a:r>
-              <a:rPr lang="es-ES_tradnl" dirty="0" err="1"/>
-              <a:t>for</a:t>
-            </a:r>
-            <a:r>
-              <a:rPr lang="es-ES_tradnl" dirty="0"/>
-              <a:t> </a:t>
-            </a:r>
-            <a:r>
-              <a:rPr lang="es-ES_tradnl" dirty="0" err="1"/>
-              <a:t>platform-specific</a:t>
-            </a:r>
-            <a:r>
-              <a:rPr lang="es-ES_tradnl" dirty="0"/>
-              <a:t> </a:t>
-            </a:r>
-            <a:r>
-              <a:rPr lang="es-ES_tradnl" dirty="0" err="1"/>
-              <a:t>experience</a:t>
-            </a:r>
-            <a:r>
-              <a:rPr lang="es-ES_tradnl" dirty="0"/>
-              <a:t>. </a:t>
-            </a:r>
-          </a:p>
-          <a:p>
-            <a:pPr lvl="1"/>
-            <a:r>
-              <a:rPr lang="es-ES_tradnl" dirty="0" err="1" smtClean="0"/>
-              <a:t>SourceTree</a:t>
+              <a:t> es un sistema de control de versiones </a:t>
+            </a:r>
+            <a:r>
+              <a:rPr lang="es-ES_tradnl" b="1" dirty="0" smtClean="0"/>
+              <a:t>distribuido</a:t>
             </a:r>
             <a:r>
               <a:rPr lang="es-ES_tradnl" dirty="0" smtClean="0"/>
               <a:t> </a:t>
             </a:r>
             <a:r>
-              <a:rPr lang="es-ES_tradnl" dirty="0"/>
-              <a:t>(</a:t>
-            </a:r>
-            <a:r>
-              <a:rPr lang="es-ES_tradnl" dirty="0" err="1"/>
-              <a:t>SourceTree</a:t>
-            </a:r>
-            <a:r>
-              <a:rPr lang="es-ES_tradnl" dirty="0"/>
+              <a:rPr lang="es-ES_tradnl" b="1" i="1" dirty="0" smtClean="0"/>
+              <a:t>free y open </a:t>
+            </a:r>
+            <a:r>
+              <a:rPr lang="es-ES_tradnl" b="1" i="1" dirty="0" err="1" smtClean="0"/>
+              <a:t>source</a:t>
+            </a:r>
+            <a:r>
+              <a:rPr lang="es-ES_tradnl" b="1" i="1" dirty="0" smtClean="0"/>
               <a:t> </a:t>
             </a:r>
             <a:r>
-              <a:rPr lang="es-ES_tradnl" dirty="0" err="1"/>
-              <a:t>is</a:t>
-            </a:r>
-            <a:r>
-              <a:rPr lang="es-ES_tradnl" dirty="0"/>
+              <a:rPr lang="es-ES_tradnl" dirty="0" smtClean="0"/>
+              <a:t>diseñado para manejar desde proyectos pequeños a </a:t>
+            </a:r>
+            <a:r>
+              <a:rPr lang="es-ES_tradnl" dirty="0" smtClean="0"/>
+              <a:t>muy grandes </a:t>
+            </a:r>
+            <a:r>
+              <a:rPr lang="es-ES_tradnl" dirty="0" smtClean="0"/>
+              <a:t>con </a:t>
+            </a:r>
+            <a:r>
+              <a:rPr lang="es-ES_tradnl" b="1" i="1" dirty="0" err="1" smtClean="0"/>
+              <a:t>ra</a:t>
+            </a:r>
+            <a:r>
+              <a:rPr lang="es-ES" b="1" i="1" dirty="0" err="1" smtClean="0"/>
+              <a:t>pidez</a:t>
+            </a:r>
+            <a:r>
+              <a:rPr lang="es-ES_tradnl" b="1" i="1" dirty="0" smtClean="0"/>
+              <a:t> y eficiencia</a:t>
+            </a:r>
+            <a:r>
+              <a:rPr lang="es-ES_tradnl" dirty="0" smtClean="0"/>
+              <a:t>. </a:t>
+            </a:r>
+            <a:endParaRPr lang="es-ES_tradnl" dirty="0"/>
+          </a:p>
+          <a:p>
+            <a:pPr algn="just"/>
+            <a:endParaRPr lang="es-ES_tradnl" dirty="0" smtClean="0"/>
+          </a:p>
+          <a:p>
+            <a:pPr algn="just"/>
+            <a:r>
+              <a:rPr lang="es-ES_tradnl" b="1" i="1" dirty="0" smtClean="0"/>
+              <a:t>Control </a:t>
+            </a:r>
+            <a:r>
+              <a:rPr lang="es-ES_tradnl" b="1" i="1" dirty="0" smtClean="0"/>
+              <a:t>de Versiones</a:t>
+            </a:r>
+            <a:r>
+              <a:rPr lang="es-ES" b="1" i="1" dirty="0" smtClean="0"/>
+              <a:t>:</a:t>
+            </a:r>
+            <a:r>
+              <a:rPr lang="es-ES" dirty="0" smtClean="0"/>
               <a:t> </a:t>
             </a:r>
             <a:r>
-              <a:rPr lang="es-ES_tradnl" dirty="0" err="1"/>
-              <a:t>Atlassian's</a:t>
-            </a:r>
-            <a:r>
-              <a:rPr lang="es-ES_tradnl" dirty="0"/>
-              <a:t> free desktop </a:t>
-            </a:r>
-            <a:r>
-              <a:rPr lang="es-ES_tradnl" dirty="0" err="1"/>
-              <a:t>client</a:t>
-            </a:r>
-            <a:r>
-              <a:rPr lang="es-ES_tradnl" dirty="0"/>
-              <a:t> </a:t>
-            </a:r>
-            <a:r>
-              <a:rPr lang="es-ES_tradnl" dirty="0" err="1"/>
-              <a:t>for</a:t>
-            </a:r>
-            <a:r>
-              <a:rPr lang="es-ES_tradnl" dirty="0"/>
-              <a:t> </a:t>
-            </a:r>
-            <a:r>
-              <a:rPr lang="es-ES_tradnl" dirty="0" err="1"/>
-              <a:t>Bitbucket</a:t>
-            </a:r>
-            <a:r>
-              <a:rPr lang="es-ES_tradnl" dirty="0"/>
-              <a:t>.)</a:t>
-            </a:r>
-          </a:p>
-          <a:p>
-            <a:pPr lvl="1"/>
-            <a:r>
-              <a:rPr lang="es-ES_tradnl" dirty="0" smtClean="0"/>
-              <a:t>GitHub </a:t>
-            </a:r>
-            <a:r>
-              <a:rPr lang="es-ES_tradnl" dirty="0"/>
-              <a:t>Desktop</a:t>
-            </a:r>
-          </a:p>
-          <a:p>
-            <a:pPr lvl="1"/>
-            <a:r>
-              <a:rPr lang="es-ES_tradnl" dirty="0" err="1" smtClean="0"/>
-              <a:t>TortoiseGit</a:t>
-            </a:r>
-            <a:r>
-              <a:rPr lang="mr-IN" dirty="0" smtClean="0"/>
-              <a:t> ...</a:t>
-            </a:r>
-            <a:endParaRPr lang="es-ES_tradnl" dirty="0" smtClean="0"/>
+              <a:rPr lang="es-ES" dirty="0" smtClean="0"/>
+              <a:t>es </a:t>
+            </a:r>
+            <a:r>
+              <a:rPr lang="es-ES" dirty="0"/>
+              <a:t>un sistema que registra los cambios realizados sobre un archivo o conjunto de archivos a lo largo del tiempo, de modo que puedas recuperar versiones específicas más adelante</a:t>
+            </a:r>
+            <a:endParaRPr lang="es-ES" dirty="0" smtClean="0"/>
           </a:p>
         </p:txBody>
       </p:sp>
     </p:spTree>
     <p:extLst>
       <p:ext uri="{BB962C8B-B14F-4D97-AF65-F5344CB8AC3E}">
-        <p14:creationId xmlns:p14="http://schemas.microsoft.com/office/powerpoint/2010/main" val="1742130175"/>
+        <p14:creationId xmlns:p14="http://schemas.microsoft.com/office/powerpoint/2010/main" val="422520315"/>
       </p:ext>
     </p:extLst>
   </p:cSld>
@@ -9915,15 +11957,7 @@
           <a:p>
             <a:r>
               <a:rPr lang="es-ES_tradnl" dirty="0" smtClean="0"/>
-              <a:t>C</a:t>
-            </a:r>
-            <a:r>
-              <a:rPr lang="es-ES" dirty="0" err="1" smtClean="0"/>
-              <a:t>ómo</a:t>
-            </a:r>
-            <a:r>
-              <a:rPr lang="es-ES" dirty="0" smtClean="0"/>
-              <a:t> Funciona?</a:t>
+              <a:t>Características</a:t>
             </a:r>
             <a:endParaRPr lang="es-ES_tradnl" dirty="0"/>
           </a:p>
@@ -9941,17 +11975,94 @@
         </p:nvSpPr>
         <p:spPr/>
         <p:txBody>
-          <a:bodyPr/>
+          <a:bodyPr>
+            <a:normAutofit fontScale="92500" lnSpcReduction="10000"/>
+          </a:bodyPr>
           <a:lstStyle/>
           <a:p>
-            <a:endParaRPr lang="es-ES_tradnl"/>
+            <a:pPr algn="just"/>
+            <a:r>
+              <a:rPr lang="es-ES_tradnl" dirty="0" smtClean="0"/>
+              <a:t>Rapidez</a:t>
+            </a:r>
+          </a:p>
+          <a:p>
+            <a:pPr algn="just"/>
+            <a:r>
+              <a:rPr lang="es-ES_tradnl" dirty="0" smtClean="0"/>
+              <a:t>Distribuido</a:t>
+            </a:r>
+            <a:endParaRPr lang="es-ES_tradnl" dirty="0"/>
+          </a:p>
+          <a:p>
+            <a:pPr algn="just"/>
+            <a:r>
+              <a:rPr lang="es-ES_tradnl" dirty="0" smtClean="0"/>
+              <a:t>Aseguramiento de Datos. (encriptados)</a:t>
+            </a:r>
+            <a:endParaRPr lang="es-ES_tradnl" dirty="0"/>
+          </a:p>
+          <a:p>
+            <a:pPr algn="just"/>
+            <a:r>
+              <a:rPr lang="es-ES_tradnl" dirty="0" smtClean="0"/>
+              <a:t>Modelo de </a:t>
+            </a:r>
+            <a:r>
+              <a:rPr lang="es-ES_tradnl" dirty="0" err="1" smtClean="0"/>
+              <a:t>branching</a:t>
+            </a:r>
+            <a:r>
+              <a:rPr lang="es-ES_tradnl" dirty="0" smtClean="0"/>
+              <a:t>. </a:t>
+            </a:r>
+            <a:r>
+              <a:rPr lang="es-ES_tradnl" dirty="0" smtClean="0"/>
+              <a:t>Fuerte </a:t>
+            </a:r>
+            <a:r>
+              <a:rPr lang="es-ES_tradnl" dirty="0"/>
+              <a:t>apoyo en el desarrollo no lineal </a:t>
+            </a:r>
+            <a:r>
+              <a:rPr lang="es-ES_tradnl" dirty="0" smtClean="0"/>
+              <a:t>(Miles de ramas paralelas)</a:t>
+            </a:r>
+            <a:endParaRPr lang="es-ES_tradnl" dirty="0"/>
+          </a:p>
+          <a:p>
+            <a:pPr algn="just"/>
+            <a:r>
+              <a:rPr lang="es-ES_tradnl" dirty="0" smtClean="0"/>
+              <a:t>Capacidad </a:t>
+            </a:r>
+            <a:r>
+              <a:rPr lang="es-ES_tradnl" dirty="0"/>
+              <a:t>de manejar grandes </a:t>
+            </a:r>
+            <a:r>
+              <a:rPr lang="es-ES_tradnl" dirty="0" smtClean="0"/>
+              <a:t>proyectos.</a:t>
+            </a:r>
+          </a:p>
+          <a:p>
+            <a:pPr algn="just"/>
+            <a:r>
+              <a:rPr lang="es-ES_tradnl" dirty="0" smtClean="0"/>
+              <a:t>Free y Open </a:t>
+            </a:r>
+            <a:r>
+              <a:rPr lang="es-ES_tradnl" dirty="0" err="1" smtClean="0"/>
+              <a:t>Source</a:t>
+            </a:r>
+            <a:endParaRPr lang="es-ES_tradnl" dirty="0"/>
           </a:p>
         </p:txBody>
       </p:sp>
     </p:spTree>
     <p:extLst>
       <p:ext uri="{BB962C8B-B14F-4D97-AF65-F5344CB8AC3E}">
-        <p14:creationId xmlns:p14="http://schemas.microsoft.com/office/powerpoint/2010/main" val="1450622489"/>
+        <p14:creationId xmlns:p14="http://schemas.microsoft.com/office/powerpoint/2010/main" val="671350469"/>
       </p:ext>
     </p:extLst>
   </p:cSld>
@@ -9988,330 +12099,694 @@
             <p:ph type="title"/>
           </p:nvPr>
         </p:nvSpPr>
+        <p:spPr/>
+        <p:txBody>
+          <a:bodyPr/>
+          <a:lstStyle/>
+          <a:p>
+            <a:r>
+              <a:rPr lang="es-ES_tradnl" dirty="0" err="1" smtClean="0"/>
+              <a:t>Terminolog</a:t>
+            </a:r>
+            <a:r>
+              <a:rPr lang="es-ES" dirty="0" err="1" smtClean="0"/>
+              <a:t>ía</a:t>
+            </a:r>
+            <a:endParaRPr lang="es-ES_tradnl" dirty="0"/>
+          </a:p>
+        </p:txBody>
+      </p:sp>
+      <p:sp>
+        <p:nvSpPr>
+          <p:cNvPr id="3" name="Marcador de contenido 2"/>
+          <p:cNvSpPr>
+            <a:spLocks noGrp="1"/>
+          </p:cNvSpPr>
+          <p:nvPr>
+            <p:ph idx="1"/>
+          </p:nvPr>
+        </p:nvSpPr>
         <p:spPr>
           <a:xfrm>
-            <a:off x="1484310" y="117389"/>
-            <a:ext cx="10018713" cy="673443"/>
+            <a:off x="1484310" y="2007704"/>
+            <a:ext cx="10018713" cy="4631635"/>
           </a:xfrm>
         </p:spPr>
         <p:txBody>
           <a:bodyPr>
-            <a:normAutofit fontScale="90000"/>
+            <a:normAutofit fontScale="92500" lnSpcReduction="10000"/>
           </a:bodyPr>
           <a:lstStyle/>
           <a:p>
             <a:r>
-              <a:rPr lang="es-ES" dirty="0" smtClean="0"/>
-              <a:t>Fundamentos </a:t>
-            </a:r>
-            <a:r>
-              <a:rPr lang="es-ES_tradnl" dirty="0" smtClean="0"/>
-              <a:t>de GIT</a:t>
-            </a:r>
-            <a:endParaRPr lang="es-ES_tradnl" dirty="0"/>
-          </a:p>
-        </p:txBody>
-      </p:sp>
-      <p:pic>
-        <p:nvPicPr>
-          <p:cNvPr id="5" name="Imagen 4"/>
-          <p:cNvPicPr>
-            <a:picLocks noChangeAspect="1"/>
-          </p:cNvPicPr>
-          <p:nvPr/>
-        </p:nvPicPr>
-        <p:blipFill>
-          <a:blip r:embed="rId2">
-            <a:extLst>
-              <a:ext uri="{28A0092B-C50C-407E-A947-70E740481C1C}">
-                <a14:useLocalDpi xmlns:a14="http://schemas.microsoft.com/office/drawing/2010/main" val="0"/>
-              </a:ext>
-            </a:extLst>
-          </a:blip>
-          <a:stretch>
-            <a:fillRect/>
-          </a:stretch>
-        </p:blipFill>
-        <p:spPr>
-          <a:xfrm>
-            <a:off x="1484310" y="1399402"/>
-            <a:ext cx="4818048" cy="2184057"/>
-          </a:xfrm>
-          <a:prstGeom prst="rect">
-            <a:avLst/>
-          </a:prstGeom>
-        </p:spPr>
-      </p:pic>
-      <p:pic>
-        <p:nvPicPr>
-          <p:cNvPr id="6" name="Imagen 5"/>
-          <p:cNvPicPr>
-            <a:picLocks noChangeAspect="1"/>
-          </p:cNvPicPr>
-          <p:nvPr/>
-        </p:nvPicPr>
-        <p:blipFill>
-          <a:blip r:embed="rId3">
-            <a:extLst>
-              <a:ext uri="{28A0092B-C50C-407E-A947-70E740481C1C}">
-                <a14:useLocalDpi xmlns:a14="http://schemas.microsoft.com/office/drawing/2010/main" val="0"/>
-              </a:ext>
-            </a:extLst>
-          </a:blip>
-          <a:stretch>
-            <a:fillRect/>
-          </a:stretch>
-        </p:blipFill>
-        <p:spPr>
-          <a:xfrm>
-            <a:off x="6855102" y="1378507"/>
-            <a:ext cx="4810089" cy="2225845"/>
-          </a:xfrm>
-          <a:prstGeom prst="rect">
-            <a:avLst/>
-          </a:prstGeom>
-        </p:spPr>
-      </p:pic>
-      <p:sp>
-        <p:nvSpPr>
-          <p:cNvPr id="7" name="CuadroTexto 6"/>
-          <p:cNvSpPr txBox="1"/>
-          <p:nvPr/>
-        </p:nvSpPr>
-        <p:spPr>
-          <a:xfrm>
-            <a:off x="1484310" y="939114"/>
-            <a:ext cx="4818047" cy="369332"/>
-          </a:xfrm>
-          <a:prstGeom prst="rect">
-            <a:avLst/>
-          </a:prstGeom>
-          <a:noFill/>
-        </p:spPr>
-        <p:txBody>
-          <a:bodyPr wrap="square" rtlCol="0">
-            <a:spAutoFit/>
-          </a:bodyPr>
-          <a:lstStyle/>
-          <a:p>
-            <a:r>
-              <a:rPr lang="es-ES_tradnl" dirty="0" smtClean="0"/>
-              <a:t>LISTA DE CAMBIOS (otros - VCS)</a:t>
-            </a:r>
-            <a:endParaRPr lang="es-ES_tradnl" dirty="0"/>
-          </a:p>
-        </p:txBody>
-      </p:sp>
-      <p:sp>
-        <p:nvSpPr>
-          <p:cNvPr id="8" name="CuadroTexto 7"/>
-          <p:cNvSpPr txBox="1"/>
-          <p:nvPr/>
-        </p:nvSpPr>
-        <p:spPr>
-          <a:xfrm>
-            <a:off x="6855102" y="936388"/>
-            <a:ext cx="4810089" cy="369332"/>
-          </a:xfrm>
-          <a:prstGeom prst="rect">
-            <a:avLst/>
-          </a:prstGeom>
-          <a:noFill/>
-        </p:spPr>
-        <p:txBody>
-          <a:bodyPr wrap="square" rtlCol="0">
-            <a:spAutoFit/>
-          </a:bodyPr>
-          <a:lstStyle/>
-          <a:p>
-            <a:r>
-              <a:rPr lang="es-ES_tradnl" dirty="0" smtClean="0"/>
-              <a:t>INSTANTANEAS (GIT - DVCS)</a:t>
-            </a:r>
-            <a:endParaRPr lang="es-ES_tradnl" dirty="0"/>
-          </a:p>
-        </p:txBody>
-      </p:sp>
-      <p:sp>
-        <p:nvSpPr>
-          <p:cNvPr id="9" name="CuadroTexto 8"/>
-          <p:cNvSpPr txBox="1"/>
-          <p:nvPr/>
-        </p:nvSpPr>
-        <p:spPr>
-          <a:xfrm>
-            <a:off x="1484310" y="3966518"/>
-            <a:ext cx="4818047" cy="646331"/>
-          </a:xfrm>
-          <a:prstGeom prst="rect">
-            <a:avLst/>
-          </a:prstGeom>
-          <a:noFill/>
-        </p:spPr>
-        <p:txBody>
-          <a:bodyPr wrap="square" rtlCol="0">
-            <a:spAutoFit/>
-          </a:bodyPr>
-          <a:lstStyle/>
-          <a:p>
-            <a:pPr marL="285750" indent="-285750" algn="just">
-              <a:buFont typeface="Arial" charset="0"/>
-              <a:buChar char="•"/>
-            </a:pPr>
-            <a:r>
-              <a:rPr lang="es-ES_tradnl" dirty="0" smtClean="0"/>
-              <a:t>Lista de cambios de los archivos a lo largo del tiempo</a:t>
-            </a:r>
-            <a:endParaRPr lang="es-ES_tradnl" dirty="0"/>
-          </a:p>
-        </p:txBody>
-      </p:sp>
-      <p:sp>
-        <p:nvSpPr>
-          <p:cNvPr id="10" name="CuadroTexto 9"/>
-          <p:cNvSpPr txBox="1"/>
-          <p:nvPr/>
-        </p:nvSpPr>
-        <p:spPr>
-          <a:xfrm>
-            <a:off x="6855102" y="3966517"/>
-            <a:ext cx="5056812" cy="2308324"/>
-          </a:xfrm>
-          <a:prstGeom prst="rect">
-            <a:avLst/>
-          </a:prstGeom>
-          <a:noFill/>
-        </p:spPr>
-        <p:txBody>
-          <a:bodyPr wrap="square" rtlCol="0">
-            <a:spAutoFit/>
-          </a:bodyPr>
-          <a:lstStyle/>
-          <a:p>
-            <a:pPr marL="285750" indent="-285750" algn="just">
-              <a:buFont typeface="Arial" charset="0"/>
-              <a:buChar char="•"/>
-            </a:pPr>
-            <a:r>
-              <a:rPr lang="es-ES_tradnl" dirty="0" smtClean="0"/>
-              <a:t>GIT saca unas instantáneas (fotos) de los archivos en ese instante de tiempo. </a:t>
-            </a:r>
-          </a:p>
-          <a:p>
-            <a:pPr marL="285750" indent="-285750" algn="just">
-              <a:buFont typeface="Arial" charset="0"/>
-              <a:buChar char="•"/>
-            </a:pPr>
-            <a:r>
-              <a:rPr lang="es-ES_tradnl" dirty="0" smtClean="0"/>
-              <a:t>Si un archivo no es modificado, GIT no almacena el archivo nuevamente (enlace al archivo anterior).</a:t>
-            </a:r>
-          </a:p>
-          <a:p>
-            <a:pPr marL="285750" indent="-285750" algn="just">
-              <a:buFont typeface="Arial" charset="0"/>
-              <a:buChar char="•"/>
-            </a:pPr>
-            <a:r>
-              <a:rPr lang="es-ES_tradnl" dirty="0" smtClean="0"/>
-              <a:t>Opera sin necesidad de estar con internet (al estar con conexión se actualiza).</a:t>
-            </a:r>
-          </a:p>
-          <a:p>
-            <a:pPr marL="285750" indent="-285750" algn="just">
-              <a:buFont typeface="Arial" charset="0"/>
-              <a:buChar char="•"/>
-            </a:pPr>
-            <a:r>
-              <a:rPr lang="es-ES_tradnl" dirty="0" smtClean="0"/>
-              <a:t>Identifica archivos </a:t>
-            </a:r>
-            <a:r>
-              <a:rPr lang="es-ES_tradnl" dirty="0" err="1" smtClean="0"/>
-              <a:t>mdiante</a:t>
+              <a:rPr lang="es-ES_tradnl" b="1" dirty="0" err="1" smtClean="0"/>
+              <a:t>Repository</a:t>
             </a:r>
             <a:r>
               <a:rPr lang="es-ES_tradnl" dirty="0" smtClean="0"/>
               <a:t> </a:t>
             </a:r>
             <a:r>
+              <a:rPr lang="es-ES_tradnl" dirty="0" smtClean="0">
+                <a:sym typeface="Wingdings"/>
+              </a:rPr>
+              <a:t></a:t>
+            </a:r>
+            <a:r>
+              <a:rPr lang="es-ES_tradnl" dirty="0">
+                <a:sym typeface="Wingdings"/>
+              </a:rPr>
+              <a:t> </a:t>
+            </a:r>
+            <a:r>
               <a:rPr lang="es-ES_tradnl" dirty="0" err="1" smtClean="0"/>
-              <a:t>checksum</a:t>
+              <a:t>is</a:t>
             </a:r>
             <a:r>
               <a:rPr lang="es-ES_tradnl" dirty="0" smtClean="0"/>
-              <a:t> (SHA-1).</a:t>
+              <a:t> </a:t>
+            </a:r>
+            <a:r>
+              <a:rPr lang="es-ES_tradnl" dirty="0"/>
+              <a:t>a </a:t>
+            </a:r>
+            <a:r>
+              <a:rPr lang="es-ES_tradnl" dirty="0" err="1"/>
+              <a:t>database</a:t>
+            </a:r>
+            <a:r>
+              <a:rPr lang="es-ES_tradnl" dirty="0"/>
+              <a:t> of </a:t>
+            </a:r>
+            <a:r>
+              <a:rPr lang="es-ES_tradnl" dirty="0" err="1"/>
+              <a:t>all</a:t>
+            </a:r>
+            <a:r>
+              <a:rPr lang="es-ES_tradnl" dirty="0"/>
+              <a:t> </a:t>
+            </a:r>
+            <a:r>
+              <a:rPr lang="es-ES_tradnl" dirty="0" err="1"/>
+              <a:t>the</a:t>
+            </a:r>
+            <a:r>
+              <a:rPr lang="es-ES_tradnl" dirty="0"/>
+              <a:t> </a:t>
+            </a:r>
+            <a:r>
+              <a:rPr lang="es-ES_tradnl" dirty="0" err="1"/>
+              <a:t>edits</a:t>
+            </a:r>
+            <a:r>
+              <a:rPr lang="es-ES_tradnl" dirty="0"/>
+              <a:t> to, and/</a:t>
+            </a:r>
+            <a:r>
+              <a:rPr lang="es-ES_tradnl" dirty="0" err="1"/>
+              <a:t>or</a:t>
+            </a:r>
+            <a:r>
+              <a:rPr lang="es-ES_tradnl" dirty="0"/>
+              <a:t> </a:t>
+            </a:r>
+            <a:r>
+              <a:rPr lang="es-ES_tradnl" dirty="0" err="1"/>
+              <a:t>historical</a:t>
+            </a:r>
+            <a:r>
+              <a:rPr lang="es-ES_tradnl" dirty="0"/>
+              <a:t> </a:t>
+            </a:r>
+            <a:r>
+              <a:rPr lang="es-ES_tradnl" dirty="0" err="1"/>
+              <a:t>versions</a:t>
+            </a:r>
+            <a:r>
+              <a:rPr lang="es-ES_tradnl" dirty="0"/>
+              <a:t> (</a:t>
+            </a:r>
+            <a:r>
+              <a:rPr lang="es-ES_tradnl" dirty="0" err="1"/>
+              <a:t>snapshots</a:t>
+            </a:r>
+            <a:r>
+              <a:rPr lang="es-ES_tradnl" dirty="0"/>
+              <a:t>) of </a:t>
+            </a:r>
+            <a:r>
+              <a:rPr lang="es-ES_tradnl" dirty="0" err="1"/>
+              <a:t>your</a:t>
+            </a:r>
+            <a:r>
+              <a:rPr lang="es-ES_tradnl" dirty="0"/>
+              <a:t> </a:t>
+            </a:r>
+            <a:r>
+              <a:rPr lang="es-ES_tradnl" dirty="0" err="1"/>
+              <a:t>project.local</a:t>
+            </a:r>
+            <a:r>
+              <a:rPr lang="es-ES_tradnl" dirty="0"/>
+              <a:t> </a:t>
+            </a:r>
+            <a:r>
+              <a:rPr lang="es-ES_tradnl" dirty="0" err="1"/>
+              <a:t>repository</a:t>
+            </a:r>
+            <a:r>
+              <a:rPr lang="es-ES_tradnl" dirty="0"/>
+              <a:t> and </a:t>
+            </a:r>
+            <a:r>
+              <a:rPr lang="es-ES_tradnl" dirty="0" err="1"/>
+              <a:t>the</a:t>
+            </a:r>
+            <a:r>
+              <a:rPr lang="es-ES_tradnl" dirty="0"/>
+              <a:t> central (</a:t>
+            </a:r>
+            <a:r>
+              <a:rPr lang="es-ES_tradnl" dirty="0" err="1"/>
+              <a:t>remote</a:t>
+            </a:r>
+            <a:r>
+              <a:rPr lang="es-ES_tradnl" dirty="0"/>
+              <a:t>) </a:t>
+            </a:r>
+            <a:r>
+              <a:rPr lang="es-ES_tradnl" dirty="0" err="1" smtClean="0"/>
+              <a:t>repository</a:t>
+            </a:r>
+            <a:endParaRPr lang="es-ES_tradnl" dirty="0" smtClean="0"/>
+          </a:p>
+          <a:p>
+            <a:r>
+              <a:rPr lang="es-ES_tradnl" b="1" dirty="0" err="1" smtClean="0"/>
+              <a:t>Working</a:t>
+            </a:r>
+            <a:r>
+              <a:rPr lang="es-ES_tradnl" b="1" dirty="0" smtClean="0"/>
+              <a:t> </a:t>
+            </a:r>
+            <a:r>
+              <a:rPr lang="es-ES_tradnl" b="1" dirty="0" err="1"/>
+              <a:t>copy</a:t>
+            </a:r>
+            <a:r>
+              <a:rPr lang="es-ES_tradnl" b="1" dirty="0"/>
+              <a:t> (</a:t>
+            </a:r>
+            <a:r>
+              <a:rPr lang="es-ES_tradnl" b="1" dirty="0" err="1" smtClean="0"/>
+              <a:t>checkout</a:t>
+            </a:r>
+            <a:r>
+              <a:rPr lang="es-ES_tradnl" b="1" dirty="0" smtClean="0"/>
+              <a:t>) </a:t>
+            </a:r>
+            <a:r>
+              <a:rPr lang="es-ES_tradnl" dirty="0" smtClean="0">
+                <a:sym typeface="Wingdings"/>
+              </a:rPr>
+              <a:t> </a:t>
+            </a:r>
+            <a:r>
+              <a:rPr lang="es-ES_tradnl" dirty="0" err="1" smtClean="0"/>
+              <a:t>your</a:t>
+            </a:r>
+            <a:r>
+              <a:rPr lang="es-ES_tradnl" dirty="0" smtClean="0"/>
+              <a:t> personal (local) </a:t>
+            </a:r>
+            <a:r>
+              <a:rPr lang="es-ES_tradnl" dirty="0" err="1" smtClean="0"/>
+              <a:t>copy</a:t>
+            </a:r>
+            <a:r>
+              <a:rPr lang="es-ES_tradnl" dirty="0" smtClean="0"/>
+              <a:t> of </a:t>
+            </a:r>
+            <a:r>
+              <a:rPr lang="es-ES_tradnl" dirty="0" err="1" smtClean="0"/>
+              <a:t>repository</a:t>
+            </a:r>
+            <a:endParaRPr lang="es-ES_tradnl" dirty="0" smtClean="0"/>
+          </a:p>
+          <a:p>
+            <a:r>
+              <a:rPr lang="es-ES_tradnl" b="1" dirty="0" smtClean="0"/>
+              <a:t>Clone</a:t>
+            </a:r>
+            <a:r>
+              <a:rPr lang="es-ES_tradnl" dirty="0" smtClean="0"/>
+              <a:t> </a:t>
+            </a:r>
+            <a:r>
+              <a:rPr lang="es-ES_tradnl" dirty="0" smtClean="0">
+                <a:sym typeface="Wingdings"/>
+              </a:rPr>
+              <a:t> </a:t>
+            </a:r>
+            <a:r>
+              <a:rPr lang="es-ES_tradnl" dirty="0" err="1" smtClean="0"/>
+              <a:t>action</a:t>
+            </a:r>
+            <a:r>
+              <a:rPr lang="es-ES_tradnl" dirty="0" smtClean="0"/>
+              <a:t> </a:t>
+            </a:r>
+            <a:r>
+              <a:rPr lang="es-ES_tradnl" dirty="0"/>
+              <a:t>to </a:t>
+            </a:r>
+            <a:r>
+              <a:rPr lang="es-ES_tradnl" dirty="0" err="1"/>
+              <a:t>copy</a:t>
+            </a:r>
+            <a:r>
+              <a:rPr lang="es-ES_tradnl" dirty="0"/>
+              <a:t> a </a:t>
+            </a:r>
+            <a:r>
+              <a:rPr lang="es-ES_tradnl" dirty="0" err="1"/>
+              <a:t>remote</a:t>
+            </a:r>
+            <a:r>
+              <a:rPr lang="es-ES_tradnl" dirty="0"/>
+              <a:t> </a:t>
+            </a:r>
+            <a:r>
+              <a:rPr lang="es-ES_tradnl" dirty="0" err="1"/>
+              <a:t>repository</a:t>
+            </a:r>
+            <a:r>
+              <a:rPr lang="es-ES_tradnl" dirty="0"/>
+              <a:t> to </a:t>
+            </a:r>
+            <a:r>
+              <a:rPr lang="es-ES_tradnl" dirty="0" err="1"/>
+              <a:t>your</a:t>
+            </a:r>
+            <a:r>
+              <a:rPr lang="es-ES_tradnl" dirty="0"/>
+              <a:t> </a:t>
+            </a:r>
+            <a:r>
+              <a:rPr lang="es-ES_tradnl" dirty="0" smtClean="0"/>
+              <a:t>local</a:t>
+            </a:r>
+          </a:p>
+          <a:p>
+            <a:r>
+              <a:rPr lang="es-ES_tradnl" b="1" dirty="0" err="1" smtClean="0"/>
+              <a:t>Commit</a:t>
+            </a:r>
+            <a:r>
+              <a:rPr lang="es-ES_tradnl" dirty="0" smtClean="0"/>
+              <a:t> </a:t>
+            </a:r>
+            <a:r>
+              <a:rPr lang="es-ES_tradnl" dirty="0" smtClean="0">
+                <a:sym typeface="Wingdings"/>
+              </a:rPr>
+              <a:t> </a:t>
+            </a:r>
+            <a:r>
+              <a:rPr lang="es-ES_tradnl" dirty="0" err="1" smtClean="0"/>
+              <a:t>action</a:t>
+            </a:r>
+            <a:r>
+              <a:rPr lang="es-ES_tradnl" dirty="0"/>
+              <a:t>, </a:t>
+            </a:r>
+            <a:r>
+              <a:rPr lang="es-ES_tradnl" dirty="0" err="1"/>
+              <a:t>that</a:t>
+            </a:r>
+            <a:r>
+              <a:rPr lang="es-ES_tradnl" dirty="0"/>
+              <a:t> </a:t>
+            </a:r>
+            <a:r>
+              <a:rPr lang="es-ES_tradnl" dirty="0" err="1"/>
+              <a:t>you</a:t>
+            </a:r>
+            <a:r>
+              <a:rPr lang="es-ES_tradnl" dirty="0"/>
+              <a:t> </a:t>
+            </a:r>
+            <a:r>
+              <a:rPr lang="es-ES_tradnl" dirty="0" err="1"/>
+              <a:t>made</a:t>
+            </a:r>
+            <a:r>
+              <a:rPr lang="es-ES_tradnl" dirty="0"/>
+              <a:t> to share </a:t>
+            </a:r>
+            <a:r>
+              <a:rPr lang="es-ES_tradnl" dirty="0" err="1"/>
+              <a:t>your</a:t>
+            </a:r>
+            <a:r>
+              <a:rPr lang="es-ES_tradnl" dirty="0"/>
+              <a:t> </a:t>
+            </a:r>
+            <a:r>
+              <a:rPr lang="es-ES_tradnl" dirty="0" err="1"/>
+              <a:t>changes</a:t>
+            </a:r>
+            <a:r>
+              <a:rPr lang="es-ES_tradnl" dirty="0"/>
+              <a:t> </a:t>
+            </a:r>
+            <a:r>
+              <a:rPr lang="es-ES_tradnl" dirty="0" err="1"/>
+              <a:t>with</a:t>
+            </a:r>
+            <a:r>
+              <a:rPr lang="es-ES_tradnl" dirty="0"/>
+              <a:t> </a:t>
+            </a:r>
+            <a:r>
+              <a:rPr lang="es-ES_tradnl" dirty="0" err="1"/>
+              <a:t>other</a:t>
+            </a:r>
+            <a:r>
+              <a:rPr lang="es-ES_tradnl" dirty="0"/>
+              <a:t> </a:t>
+            </a:r>
+            <a:r>
+              <a:rPr lang="es-ES_tradnl" dirty="0" err="1"/>
+              <a:t>teammates</a:t>
+            </a:r>
+            <a:r>
+              <a:rPr lang="es-ES_tradnl" dirty="0"/>
+              <a:t>. </a:t>
+            </a:r>
+            <a:r>
+              <a:rPr lang="es-ES_tradnl" dirty="0" err="1"/>
+              <a:t>uploading</a:t>
+            </a:r>
+            <a:r>
+              <a:rPr lang="es-ES_tradnl" dirty="0"/>
+              <a:t> </a:t>
+            </a:r>
+            <a:r>
+              <a:rPr lang="es-ES_tradnl" dirty="0" err="1"/>
+              <a:t>your</a:t>
+            </a:r>
+            <a:r>
+              <a:rPr lang="es-ES_tradnl" dirty="0"/>
+              <a:t> local </a:t>
+            </a:r>
+            <a:r>
+              <a:rPr lang="es-ES_tradnl" dirty="0" err="1"/>
+              <a:t>changes</a:t>
+            </a:r>
+            <a:r>
+              <a:rPr lang="es-ES_tradnl" dirty="0"/>
+              <a:t> to </a:t>
+            </a:r>
+            <a:r>
+              <a:rPr lang="es-ES_tradnl" dirty="0" err="1" smtClean="0"/>
+              <a:t>repository</a:t>
+            </a:r>
+            <a:endParaRPr lang="es-ES_tradnl" dirty="0" smtClean="0"/>
+          </a:p>
+          <a:p>
+            <a:r>
+              <a:rPr lang="es-ES_tradnl" b="1" dirty="0" err="1" smtClean="0"/>
+              <a:t>Update</a:t>
+            </a:r>
+            <a:r>
+              <a:rPr lang="es-ES_tradnl" b="1" dirty="0" smtClean="0"/>
+              <a:t> </a:t>
+            </a:r>
+            <a:r>
+              <a:rPr lang="es-ES_tradnl" b="1" dirty="0"/>
+              <a:t>(</a:t>
+            </a:r>
+            <a:r>
+              <a:rPr lang="es-ES_tradnl" b="1" dirty="0" err="1"/>
+              <a:t>git</a:t>
+            </a:r>
+            <a:r>
+              <a:rPr lang="es-ES_tradnl" b="1" dirty="0"/>
+              <a:t> </a:t>
+            </a:r>
+            <a:r>
+              <a:rPr lang="es-ES_tradnl" b="1" dirty="0" err="1"/>
+              <a:t>pull</a:t>
+            </a:r>
+            <a:r>
+              <a:rPr lang="es-ES_tradnl" b="1" dirty="0" smtClean="0"/>
+              <a:t>) </a:t>
+            </a:r>
+            <a:r>
+              <a:rPr lang="es-ES_tradnl" dirty="0" smtClean="0">
+                <a:sym typeface="Wingdings"/>
+              </a:rPr>
+              <a:t> </a:t>
+            </a:r>
+            <a:r>
+              <a:rPr lang="es-ES_tradnl" dirty="0" err="1" smtClean="0"/>
+              <a:t>action</a:t>
+            </a:r>
+            <a:r>
+              <a:rPr lang="es-ES_tradnl" dirty="0"/>
+              <a:t>, </a:t>
+            </a:r>
+            <a:r>
+              <a:rPr lang="es-ES_tradnl" dirty="0" err="1"/>
+              <a:t>that</a:t>
+            </a:r>
+            <a:r>
+              <a:rPr lang="es-ES_tradnl" dirty="0"/>
+              <a:t> </a:t>
+            </a:r>
+            <a:r>
+              <a:rPr lang="es-ES_tradnl" dirty="0" err="1"/>
+              <a:t>you</a:t>
+            </a:r>
+            <a:r>
+              <a:rPr lang="es-ES_tradnl" dirty="0"/>
+              <a:t> </a:t>
+            </a:r>
+            <a:r>
+              <a:rPr lang="es-ES_tradnl" dirty="0" err="1"/>
+              <a:t>made</a:t>
+            </a:r>
+            <a:r>
+              <a:rPr lang="es-ES_tradnl" dirty="0"/>
+              <a:t> to </a:t>
+            </a:r>
+            <a:r>
+              <a:rPr lang="es-ES_tradnl" dirty="0" err="1"/>
+              <a:t>make</a:t>
+            </a:r>
+            <a:r>
+              <a:rPr lang="es-ES_tradnl" dirty="0"/>
+              <a:t> </a:t>
+            </a:r>
+            <a:r>
+              <a:rPr lang="es-ES_tradnl" dirty="0" err="1"/>
+              <a:t>your</a:t>
+            </a:r>
+            <a:r>
+              <a:rPr lang="es-ES_tradnl" dirty="0"/>
+              <a:t> </a:t>
+            </a:r>
+            <a:r>
+              <a:rPr lang="es-ES_tradnl" dirty="0" err="1"/>
+              <a:t>working</a:t>
+            </a:r>
+            <a:r>
+              <a:rPr lang="es-ES_tradnl" dirty="0"/>
+              <a:t> </a:t>
+            </a:r>
+            <a:r>
+              <a:rPr lang="es-ES_tradnl" dirty="0" err="1"/>
+              <a:t>copy</a:t>
+            </a:r>
+            <a:r>
+              <a:rPr lang="es-ES_tradnl" dirty="0"/>
+              <a:t> up-to-date </a:t>
+            </a:r>
+            <a:r>
+              <a:rPr lang="es-ES_tradnl" dirty="0" err="1"/>
+              <a:t>with</a:t>
+            </a:r>
+            <a:r>
+              <a:rPr lang="es-ES_tradnl" dirty="0"/>
+              <a:t> </a:t>
+            </a:r>
+            <a:r>
+              <a:rPr lang="es-ES_tradnl" dirty="0" err="1"/>
+              <a:t>remote</a:t>
+            </a:r>
+            <a:r>
+              <a:rPr lang="es-ES_tradnl" dirty="0"/>
+              <a:t> </a:t>
+            </a:r>
+            <a:r>
+              <a:rPr lang="es-ES_tradnl" dirty="0" err="1" smtClean="0"/>
+              <a:t>repository</a:t>
+            </a:r>
+            <a:r>
+              <a:rPr lang="es-ES_tradnl" dirty="0" smtClean="0"/>
+              <a:t>.</a:t>
+            </a:r>
+          </a:p>
+          <a:p>
+            <a:r>
+              <a:rPr lang="es-ES_tradnl" b="1" dirty="0" err="1" smtClean="0"/>
+              <a:t>Branch</a:t>
+            </a:r>
+            <a:r>
+              <a:rPr lang="es-ES_tradnl" dirty="0" smtClean="0"/>
+              <a:t> </a:t>
+            </a:r>
+            <a:r>
+              <a:rPr lang="es-ES_tradnl" dirty="0" smtClean="0">
+                <a:sym typeface="Wingdings"/>
+              </a:rPr>
+              <a:t> </a:t>
+            </a:r>
+            <a:r>
+              <a:rPr lang="es-ES_tradnl" dirty="0" smtClean="0"/>
+              <a:t>a </a:t>
+            </a:r>
+            <a:r>
+              <a:rPr lang="es-ES_tradnl" dirty="0" err="1"/>
+              <a:t>copy</a:t>
+            </a:r>
+            <a:r>
+              <a:rPr lang="es-ES_tradnl" dirty="0"/>
+              <a:t> of </a:t>
+            </a:r>
+            <a:r>
+              <a:rPr lang="es-ES_tradnl" dirty="0" err="1" smtClean="0"/>
+              <a:t>repository</a:t>
+            </a:r>
+            <a:endParaRPr lang="es-ES_tradnl" dirty="0" smtClean="0"/>
+          </a:p>
+          <a:p>
+            <a:r>
+              <a:rPr lang="es-ES_tradnl" b="1" dirty="0" smtClean="0"/>
+              <a:t>Master</a:t>
+            </a:r>
+            <a:r>
+              <a:rPr lang="es-ES_tradnl" dirty="0" smtClean="0"/>
+              <a:t> </a:t>
+            </a:r>
+            <a:r>
+              <a:rPr lang="es-ES_tradnl" dirty="0" smtClean="0">
+                <a:sym typeface="Wingdings"/>
+              </a:rPr>
+              <a:t> </a:t>
+            </a:r>
+            <a:r>
+              <a:rPr lang="es-ES_tradnl" dirty="0" smtClean="0"/>
+              <a:t>a </a:t>
+            </a:r>
+            <a:r>
+              <a:rPr lang="es-ES_tradnl" dirty="0" err="1"/>
+              <a:t>main</a:t>
+            </a:r>
+            <a:r>
+              <a:rPr lang="es-ES_tradnl" dirty="0"/>
+              <a:t> </a:t>
+            </a:r>
+            <a:r>
+              <a:rPr lang="es-ES_tradnl" dirty="0" err="1"/>
+              <a:t>branch</a:t>
+            </a:r>
+            <a:r>
+              <a:rPr lang="es-ES_tradnl" dirty="0"/>
+              <a:t> </a:t>
+            </a:r>
+            <a:r>
+              <a:rPr lang="es-ES_tradnl" dirty="0" err="1"/>
+              <a:t>for</a:t>
+            </a:r>
+            <a:r>
+              <a:rPr lang="es-ES_tradnl" dirty="0"/>
+              <a:t> </a:t>
+            </a:r>
+            <a:r>
+              <a:rPr lang="es-ES_tradnl" dirty="0" err="1" smtClean="0"/>
+              <a:t>work</a:t>
+            </a:r>
+            <a:endParaRPr lang="es-ES_tradnl" dirty="0" smtClean="0"/>
+          </a:p>
+          <a:p>
+            <a:r>
+              <a:rPr lang="es-ES_tradnl" b="1" dirty="0" err="1" smtClean="0"/>
+              <a:t>Merge</a:t>
+            </a:r>
+            <a:r>
+              <a:rPr lang="es-ES_tradnl" dirty="0" smtClean="0"/>
+              <a:t> </a:t>
+            </a:r>
+            <a:r>
+              <a:rPr lang="es-ES_tradnl" dirty="0" smtClean="0">
+                <a:sym typeface="Wingdings"/>
+              </a:rPr>
+              <a:t> </a:t>
+            </a:r>
+            <a:r>
+              <a:rPr lang="es-ES_tradnl" dirty="0" err="1" smtClean="0"/>
+              <a:t>an</a:t>
+            </a:r>
+            <a:r>
+              <a:rPr lang="es-ES_tradnl" dirty="0" smtClean="0"/>
+              <a:t> </a:t>
+            </a:r>
+            <a:r>
+              <a:rPr lang="es-ES_tradnl" dirty="0" err="1"/>
+              <a:t>action</a:t>
+            </a:r>
+            <a:r>
+              <a:rPr lang="es-ES_tradnl" dirty="0"/>
+              <a:t> to combine </a:t>
+            </a:r>
+            <a:r>
+              <a:rPr lang="es-ES_tradnl" dirty="0" err="1"/>
+              <a:t>independent</a:t>
+            </a:r>
+            <a:r>
+              <a:rPr lang="es-ES_tradnl" dirty="0"/>
+              <a:t> </a:t>
+            </a:r>
+            <a:r>
+              <a:rPr lang="es-ES_tradnl" dirty="0" err="1"/>
+              <a:t>changes</a:t>
+            </a:r>
+            <a:r>
+              <a:rPr lang="es-ES_tradnl" dirty="0"/>
+              <a:t> to </a:t>
+            </a:r>
+            <a:r>
+              <a:rPr lang="es-ES_tradnl" dirty="0" err="1"/>
+              <a:t>one</a:t>
+            </a:r>
+            <a:r>
+              <a:rPr lang="es-ES_tradnl" dirty="0"/>
+              <a:t> </a:t>
+            </a:r>
+            <a:r>
+              <a:rPr lang="es-ES_tradnl" dirty="0" err="1"/>
+              <a:t>version</a:t>
             </a:r>
             <a:endParaRPr lang="es-ES_tradnl" dirty="0"/>
-          </a:p>
-        </p:txBody>
-      </p:sp>
-      <p:sp>
-        <p:nvSpPr>
-          <p:cNvPr id="12" name="CuadroTexto 11"/>
-          <p:cNvSpPr txBox="1"/>
-          <p:nvPr/>
-        </p:nvSpPr>
-        <p:spPr>
-          <a:xfrm>
-            <a:off x="56876" y="6340526"/>
-            <a:ext cx="2902205" cy="369332"/>
-          </a:xfrm>
-          <a:prstGeom prst="rect">
-            <a:avLst/>
-          </a:prstGeom>
-          <a:solidFill>
-            <a:schemeClr val="tx2">
-              <a:lumMod val="75000"/>
-              <a:lumOff val="25000"/>
-            </a:schemeClr>
-          </a:solidFill>
-        </p:spPr>
-        <p:txBody>
-          <a:bodyPr wrap="none" rtlCol="0">
-            <a:spAutoFit/>
-          </a:bodyPr>
-          <a:lstStyle/>
-          <a:p>
-            <a:r>
-              <a:rPr lang="es-ES_tradnl" dirty="0" smtClean="0">
-                <a:solidFill>
-                  <a:schemeClr val="bg1"/>
-                </a:solidFill>
-              </a:rPr>
-              <a:t>Fuente: https</a:t>
-            </a:r>
-            <a:r>
-              <a:rPr lang="es-ES_tradnl" dirty="0">
-                <a:solidFill>
-                  <a:schemeClr val="bg1"/>
-                </a:solidFill>
-              </a:rPr>
-              <a:t>://</a:t>
-            </a:r>
-            <a:r>
-              <a:rPr lang="es-ES_tradnl" dirty="0" err="1">
-                <a:solidFill>
-                  <a:schemeClr val="bg1"/>
-                </a:solidFill>
-              </a:rPr>
-              <a:t>git-scm.com</a:t>
-            </a:r>
-            <a:r>
-              <a:rPr lang="es-ES_tradnl" dirty="0">
-                <a:solidFill>
-                  <a:schemeClr val="bg1"/>
-                </a:solidFill>
-              </a:rPr>
-              <a:t>/</a:t>
-            </a:r>
           </a:p>
         </p:txBody>
       </p:sp>
     </p:spTree>
     <p:extLst>
       <p:ext uri="{BB962C8B-B14F-4D97-AF65-F5344CB8AC3E}">
-        <p14:creationId xmlns:p14="http://schemas.microsoft.com/office/powerpoint/2010/main" val="1772697267"/>
+        <p14:creationId xmlns:p14="http://schemas.microsoft.com/office/powerpoint/2010/main" val="1520523497"/>
       </p:ext>
     </p:extLst>
   </p:cSld>
@@ -10575,4 +13050,265 @@
     </a:ext>
   </a:extLst>
 </a:theme>
+</file>
+
+<file path=ppt/theme/theme2.xml><?xml version="1.0" encoding="utf-8"?>
+<a:theme xmlns:a="http://schemas.openxmlformats.org/drawingml/2006/main" name="Tema de Office">
+  <a:themeElements>
+    <a:clrScheme name="Office">
+      <a:dk1>
+        <a:sysClr val="windowText" lastClr="000000"/>
+      </a:dk1>
+      <a:lt1>
+        <a:sysClr val="window" lastClr="FFFFFF"/>
+      </a:lt1>
+      <a:dk2>
+        <a:srgbClr val="44546A"/>
+      </a:dk2>
+      <a:lt2>
+        <a:srgbClr val="E7E6E6"/>
+      </a:lt2>
+      <a:accent1>
+        <a:srgbClr val="5B9BD5"/>
+      </a:accent1>
+      <a:accent2>
+        <a:srgbClr val="ED7D31"/>
+      </a:accent2>
+      <a:accent3>
+        <a:srgbClr val="A5A5A5"/>
+      </a:accent3>
+      <a:accent4>
+        <a:srgbClr val="FFC000"/>
+      </a:accent4>
+      <a:accent5>
+        <a:srgbClr val="4472C4"/>
+      </a:accent5>
+      <a:accent6>
+        <a:srgbClr val="70AD47"/>
+      </a:accent6>
+      <a:hlink>
+        <a:srgbClr val="0563C1"/>
+      </a:hlink>
+      <a:folHlink>
+        <a:srgbClr val="954F72"/>
+      </a:folHlink>
+    </a:clrScheme>
+    <a:fontScheme name="Office">
+      <a:majorFont>
+        <a:latin typeface="Calibri Light" panose="020F0302020204030204"/>
+        <a:ea typeface=""/>
+        <a:cs typeface=""/>
+        <a:font script="Jpan" typeface="Yu Gothic Light"/>
+        <a:font script="Hang" typeface="맑은 고딕"/>
+        <a:font script="Hans" typeface="DengXian Light"/>
+        <a:font script="Hant" typeface="新細明體"/>
+        <a:font script="Arab" typeface="Times New Roman"/>
+        <a:font script="Hebr" typeface="Times New Roman"/>
+        <a:font script="Thai" typeface="Angsana New"/>
+        <a:font script="Ethi" typeface="Nyala"/>
+        <a:font script="Beng" typeface="Vrinda"/>
+        <a:font script="Gujr" typeface="Shruti"/>
+        <a:font script="Khmr" typeface="MoolBoran"/>
+        <a:font script="Knda" typeface="Tunga"/>
+        <a:font script="Guru" typeface="Raavi"/>
+        <a:font script="Cans" typeface="Euphemia"/>
+        <a:font script="Cher" typeface="Plantagenet Cherokee"/>
+        <a:font script="Yiii" typeface="Microsoft Yi Baiti"/>
+        <a:font script="Tibt" typeface="Microsoft Himalaya"/>
+        <a:font script="Thaa" typeface="MV Boli"/>
+        <a:font script="Deva" typeface="Mangal"/>
+        <a:font script="Telu" typeface="Gautami"/>
+        <a:font script="Taml" typeface="Latha"/>
+        <a:font script="Syrc" typeface="Estrangelo Edessa"/>
+        <a:font script="Orya" typeface="Kalinga"/>
+        <a:font script="Mlym" typeface="Kartika"/>
+        <a:font script="Laoo" typeface="DokChampa"/>
+        <a:font script="Sinh" typeface="Iskoola Pota"/>
+        <a:font script="Mong" typeface="Mongolian Baiti"/>
+        <a:font script="Viet" typeface="Times New Roman"/>
+        <a:font script="Uigh" typeface="Microsoft Uighur"/>
+        <a:font script="Geor" typeface="Sylfaen"/>
+      </a:majorFont>
+      <a:minorFont>
+        <a:latin typeface="Calibri" panose="020F0502020204030204"/>
+        <a:ea typeface=""/>
+        <a:cs typeface=""/>
+        <a:font script="Jpan" typeface="Yu Gothic"/>
+        <a:font script="Hang" typeface="맑은 고딕"/>
+        <a:font script="Hans" typeface="DengXian"/>
+        <a:font script="Hant" typeface="新細明體"/>
+        <a:font script="Arab" typeface="Arial"/>
+        <a:font script="Hebr" typeface="Arial"/>
+        <a:font script="Thai" typeface="Cordia New"/>
+        <a:font script="Ethi" typeface="Nyala"/>
+        <a:font script="Beng" typeface="Vrinda"/>
+        <a:font script="Gujr" typeface="Shruti"/>
+        <a:font script="Khmr" typeface="DaunPenh"/>
+        <a:font script="Knda" typeface="Tunga"/>
+        <a:font script="Guru" typeface="Raavi"/>
+        <a:font script="Cans" typeface="Euphemia"/>
+        <a:font script="Cher" typeface="Plantagenet Cherokee"/>
+        <a:font script="Yiii" typeface="Microsoft Yi Baiti"/>
+        <a:font script="Tibt" typeface="Microsoft Himalaya"/>
+        <a:font script="Thaa" typeface="MV Boli"/>
+        <a:font script="Deva" typeface="Mangal"/>
+        <a:font script="Telu" typeface="Gautami"/>
+        <a:font script="Taml" typeface="Latha"/>
+        <a:font script="Syrc" typeface="Estrangelo Edessa"/>
+        <a:font script="Orya" typeface="Kalinga"/>
+        <a:font script="Mlym" typeface="Kartika"/>
+        <a:font script="Laoo" typeface="DokChampa"/>
+        <a:font script="Sinh" typeface="Iskoola Pota"/>
+        <a:font script="Mong" typeface="Mongolian Baiti"/>
+        <a:font script="Viet" typeface="Arial"/>
+        <a:font script="Uigh" typeface="Microsoft Uighur"/>
+        <a:font script="Geor" typeface="Sylfaen"/>
+      </a:minorFont>
+    </a:fontScheme>
+    <a:fmtScheme name="Office">
+      <a:fillStyleLst>
+        <a:solidFill>
+          <a:schemeClr val="phClr"/>
+        </a:solidFill>
+        <a:gradFill rotWithShape="1">
+          <a:gsLst>
+            <a:gs pos="0">
+              <a:schemeClr val="phClr">
+                <a:lumMod val="110000"/>
+                <a:satMod val="105000"/>
+                <a:tint val="67000"/>
+              </a:schemeClr>
+            </a:gs>
+            <a:gs pos="50000">
+              <a:schemeClr val="phClr">
+                <a:lumMod val="105000"/>
+                <a:satMod val="103000"/>
+                <a:tint val="73000"/>
+              </a:schemeClr>
+            </a:gs>
+            <a:gs pos="100000">
+              <a:schemeClr val="phClr">
+                <a:lumMod val="105000"/>
+                <a:satMod val="109000"/>
+                <a:tint val="81000"/>
+              </a:schemeClr>
+            </a:gs>
+          </a:gsLst>
+          <a:lin ang="5400000" scaled="0"/>
+        </a:gradFill>
+        <a:gradFill rotWithShape="1">
+          <a:gsLst>
+            <a:gs pos="0">
+              <a:schemeClr val="phClr">
+                <a:satMod val="103000"/>
+                <a:lumMod val="102000"/>
+                <a:tint val="94000"/>
+              </a:schemeClr>
+            </a:gs>
+            <a:gs pos="50000">
+              <a:schemeClr val="phClr">
+                <a:satMod val="110000"/>
+                <a:lumMod val="100000"/>
+                <a:shade val="100000"/>
+              </a:schemeClr>
+            </a:gs>
+            <a:gs pos="100000">
+              <a:schemeClr val="phClr">
+                <a:lumMod val="99000"/>
+                <a:satMod val="120000"/>
+                <a:shade val="78000"/>
+              </a:schemeClr>
+            </a:gs>
+          </a:gsLst>
+          <a:lin ang="5400000" scaled="0"/>
+        </a:gradFill>
+      </a:fillStyleLst>
+      <a:lnStyleLst>
+        <a:ln w="6350" cap="flat" cmpd="sng" algn="ctr">
+          <a:solidFill>
+            <a:schemeClr val="phClr"/>
+          </a:solidFill>
+          <a:prstDash val="solid"/>
+          <a:miter lim="800000"/>
+        </a:ln>
+        <a:ln w="12700" cap="flat" cmpd="sng" algn="ctr">
+          <a:solidFill>
+            <a:schemeClr val="phClr"/>
+          </a:solidFill>
+          <a:prstDash val="solid"/>
+          <a:miter lim="800000"/>
+        </a:ln>
+        <a:ln w="19050" cap="flat" cmpd="sng" algn="ctr">
+          <a:solidFill>
+            <a:schemeClr val="phClr"/>
+          </a:solidFill>
+          <a:prstDash val="solid"/>
+          <a:miter lim="800000"/>
+        </a:ln>
+      </a:lnStyleLst>
+      <a:effectStyleLst>
+        <a:effectStyle>
+          <a:effectLst/>
+        </a:effectStyle>
+        <a:effectStyle>
+          <a:effectLst/>
+        </a:effectStyle>
+        <a:effectStyle>
+          <a:effectLst>
+            <a:outerShdw blurRad="57150" dist="19050" dir="5400000" algn="ctr" rotWithShape="0">
+              <a:srgbClr val="000000">
+                <a:alpha val="63000"/>
+              </a:srgbClr>
+            </a:outerShdw>
+          </a:effectLst>
+        </a:effectStyle>
+      </a:effectStyleLst>
+      <a:bgFillStyleLst>
+        <a:solidFill>
+          <a:schemeClr val="phClr"/>
+        </a:solidFill>
+        <a:solidFill>
+          <a:schemeClr val="phClr">
+            <a:tint val="95000"/>
+            <a:satMod val="170000"/>
+          </a:schemeClr>
+        </a:solidFill>
+        <a:gradFill rotWithShape="1">
+          <a:gsLst>
+            <a:gs pos="0">
+              <a:schemeClr val="phClr">
+                <a:tint val="93000"/>
+                <a:satMod val="150000"/>
+                <a:shade val="98000"/>
+                <a:lumMod val="102000"/>
+              </a:schemeClr>
+            </a:gs>
+            <a:gs pos="50000">
+              <a:schemeClr val="phClr">
+                <a:tint val="98000"/>
+                <a:satMod val="130000"/>
+                <a:shade val="90000"/>
+                <a:lumMod val="103000"/>
+              </a:schemeClr>
+            </a:gs>
+            <a:gs pos="100000">
+              <a:schemeClr val="phClr">
+                <a:shade val="63000"/>
+                <a:satMod val="120000"/>
+              </a:schemeClr>
+            </a:gs>
+          </a:gsLst>
+          <a:lin ang="5400000" scaled="0"/>
+        </a:gradFill>
+      </a:bgFillStyleLst>
+    </a:fmtScheme>
+  </a:themeElements>
+  <a:objectDefaults/>
+  <a:extraClrSchemeLst/>
+  <a:extLst>
+    <a:ext uri="{05A4C25C-085E-4340-85A3-A5531E510DB2}">
+      <thm15:themeFamily xmlns:thm15="http://schemas.microsoft.com/office/thememl/2012/main" name="Office Theme" id="{62F939B6-93AF-4DB8-9C6B-D6C7DFDC589F}" vid="{4A3C46E8-61CC-4603-A589-7422A47A8E4A}"/>
+    </a:ext>
+  </a:extLst>
+</a:theme>
 </file>
--- a/documentos/Presentación3.pptx
+++ b/documentos/Presentación3.pptx
@@ -5,27 +5,28 @@
     <p:sldMasterId id="2147483648" r:id="rId1"/>
   </p:sldMasterIdLst>
   <p:notesMasterIdLst>
-    <p:notesMasterId r:id="rId20"/>
+    <p:notesMasterId r:id="rId21"/>
   </p:notesMasterIdLst>
   <p:sldIdLst>
     <p:sldId id="256" r:id="rId2"/>
     <p:sldId id="273" r:id="rId3"/>
-    <p:sldId id="272" r:id="rId4"/>
+    <p:sldId id="265" r:id="rId4"/>
     <p:sldId id="262" r:id="rId5"/>
-    <p:sldId id="258" r:id="rId6"/>
+    <p:sldId id="276" r:id="rId6"/>
     <p:sldId id="270" r:id="rId7"/>
-    <p:sldId id="265" r:id="rId8"/>
-    <p:sldId id="266" r:id="rId9"/>
-    <p:sldId id="274" r:id="rId10"/>
-    <p:sldId id="267" r:id="rId11"/>
-    <p:sldId id="268" r:id="rId12"/>
+    <p:sldId id="266" r:id="rId8"/>
+    <p:sldId id="274" r:id="rId9"/>
+    <p:sldId id="268" r:id="rId10"/>
+    <p:sldId id="264" r:id="rId11"/>
+    <p:sldId id="271" r:id="rId12"/>
     <p:sldId id="275" r:id="rId13"/>
-    <p:sldId id="259" r:id="rId14"/>
-    <p:sldId id="260" r:id="rId15"/>
-    <p:sldId id="263" r:id="rId16"/>
-    <p:sldId id="269" r:id="rId17"/>
-    <p:sldId id="264" r:id="rId18"/>
-    <p:sldId id="271" r:id="rId19"/>
+    <p:sldId id="260" r:id="rId14"/>
+    <p:sldId id="272" r:id="rId15"/>
+    <p:sldId id="258" r:id="rId16"/>
+    <p:sldId id="267" r:id="rId17"/>
+    <p:sldId id="259" r:id="rId18"/>
+    <p:sldId id="263" r:id="rId19"/>
+    <p:sldId id="269" r:id="rId20"/>
   </p:sldIdLst>
   <p:sldSz cx="12192000" cy="6858000"/>
   <p:notesSz cx="6858000" cy="9144000"/>
@@ -214,7 +215,7 @@
           <a:p>
             <a:fld id="{79D26115-E747-264B-9DD5-2D03C9100AE7}" type="datetimeFigureOut">
               <a:rPr lang="es-ES_tradnl" smtClean="0"/>
-              <a:t>22/9/17</a:t>
+              <a:t>23/9/17</a:t>
             </a:fld>
             <a:endParaRPr lang="es-ES_tradnl"/>
           </a:p>
@@ -547,7 +548,7 @@
           <a:p>
             <a:fld id="{5B1C9C74-E19A-2542-9086-096D26971A94}" type="slidenum">
               <a:rPr lang="es-ES_tradnl" smtClean="0"/>
-              <a:t>8</a:t>
+              <a:t>7</a:t>
             </a:fld>
             <a:endParaRPr lang="es-ES_tradnl"/>
           </a:p>
@@ -1069,7 +1070,7 @@
             <a:fld id="{B61BEF0D-F0BB-DE4B-95CE-6DB70DBA9567}" type="datetimeFigureOut">
               <a:rPr lang="en-US" dirty="0"/>
               <a:pPr/>
-              <a:t>9/22/17</a:t>
+              <a:t>9/23/17</a:t>
             </a:fld>
             <a:endParaRPr lang="en-US" dirty="0"/>
           </a:p>
@@ -1362,7 +1363,7 @@
             <a:fld id="{B61BEF0D-F0BB-DE4B-95CE-6DB70DBA9567}" type="datetimeFigureOut">
               <a:rPr lang="en-US" dirty="0"/>
               <a:pPr/>
-              <a:t>9/22/17</a:t>
+              <a:t>9/23/17</a:t>
             </a:fld>
             <a:endParaRPr lang="en-US" dirty="0"/>
           </a:p>
@@ -1607,7 +1608,7 @@
             <a:fld id="{B61BEF0D-F0BB-DE4B-95CE-6DB70DBA9567}" type="datetimeFigureOut">
               <a:rPr lang="en-US" dirty="0"/>
               <a:pPr/>
-              <a:t>9/22/17</a:t>
+              <a:t>9/23/17</a:t>
             </a:fld>
             <a:endParaRPr lang="en-US" dirty="0"/>
           </a:p>
@@ -2144,7 +2145,7 @@
             <a:fld id="{B61BEF0D-F0BB-DE4B-95CE-6DB70DBA9567}" type="datetimeFigureOut">
               <a:rPr lang="en-US" dirty="0"/>
               <a:pPr/>
-              <a:t>9/22/17</a:t>
+              <a:t>9/23/17</a:t>
             </a:fld>
             <a:endParaRPr lang="en-US" dirty="0"/>
           </a:p>
@@ -2389,7 +2390,7 @@
             <a:fld id="{B61BEF0D-F0BB-DE4B-95CE-6DB70DBA9567}" type="datetimeFigureOut">
               <a:rPr lang="en-US" dirty="0"/>
               <a:pPr/>
-              <a:t>9/22/17</a:t>
+              <a:t>9/23/17</a:t>
             </a:fld>
             <a:endParaRPr lang="en-US" dirty="0"/>
           </a:p>
@@ -2918,7 +2919,7 @@
             <a:fld id="{B61BEF0D-F0BB-DE4B-95CE-6DB70DBA9567}" type="datetimeFigureOut">
               <a:rPr lang="en-US" dirty="0"/>
               <a:pPr/>
-              <a:t>9/22/17</a:t>
+              <a:t>9/23/17</a:t>
             </a:fld>
             <a:endParaRPr lang="en-US" dirty="0"/>
           </a:p>
@@ -3212,7 +3213,7 @@
             <a:fld id="{B61BEF0D-F0BB-DE4B-95CE-6DB70DBA9567}" type="datetimeFigureOut">
               <a:rPr lang="en-US" dirty="0"/>
               <a:pPr/>
-              <a:t>9/22/17</a:t>
+              <a:t>9/23/17</a:t>
             </a:fld>
             <a:endParaRPr lang="en-US" dirty="0"/>
           </a:p>
@@ -3383,7 +3384,7 @@
             <a:fld id="{B61BEF0D-F0BB-DE4B-95CE-6DB70DBA9567}" type="datetimeFigureOut">
               <a:rPr lang="en-US" dirty="0"/>
               <a:pPr/>
-              <a:t>9/22/17</a:t>
+              <a:t>9/23/17</a:t>
             </a:fld>
             <a:endParaRPr lang="en-US" dirty="0"/>
           </a:p>
@@ -3560,7 +3561,7 @@
             <a:fld id="{B61BEF0D-F0BB-DE4B-95CE-6DB70DBA9567}" type="datetimeFigureOut">
               <a:rPr lang="en-US" dirty="0"/>
               <a:pPr/>
-              <a:t>9/22/17</a:t>
+              <a:t>9/23/17</a:t>
             </a:fld>
             <a:endParaRPr lang="en-US" dirty="0"/>
           </a:p>
@@ -3727,7 +3728,7 @@
             <a:fld id="{B61BEF0D-F0BB-DE4B-95CE-6DB70DBA9567}" type="datetimeFigureOut">
               <a:rPr lang="en-US" dirty="0"/>
               <a:pPr/>
-              <a:t>9/22/17</a:t>
+              <a:t>9/23/17</a:t>
             </a:fld>
             <a:endParaRPr lang="en-US" dirty="0"/>
           </a:p>
@@ -3975,7 +3976,7 @@
             <a:fld id="{B61BEF0D-F0BB-DE4B-95CE-6DB70DBA9567}" type="datetimeFigureOut">
               <a:rPr lang="en-US" dirty="0"/>
               <a:pPr/>
-              <a:t>9/22/17</a:t>
+              <a:t>9/23/17</a:t>
             </a:fld>
             <a:endParaRPr lang="en-US" dirty="0"/>
           </a:p>
@@ -4269,7 +4270,7 @@
             <a:fld id="{B61BEF0D-F0BB-DE4B-95CE-6DB70DBA9567}" type="datetimeFigureOut">
               <a:rPr lang="en-US" dirty="0"/>
               <a:pPr/>
-              <a:t>9/22/17</a:t>
+              <a:t>9/23/17</a:t>
             </a:fld>
             <a:endParaRPr lang="en-US" dirty="0"/>
           </a:p>
@@ -4708,7 +4709,7 @@
             <a:fld id="{B61BEF0D-F0BB-DE4B-95CE-6DB70DBA9567}" type="datetimeFigureOut">
               <a:rPr lang="en-US" dirty="0"/>
               <a:pPr/>
-              <a:t>9/22/17</a:t>
+              <a:t>9/23/17</a:t>
             </a:fld>
             <a:endParaRPr lang="en-US" dirty="0"/>
           </a:p>
@@ -4823,7 +4824,7 @@
             <a:fld id="{B61BEF0D-F0BB-DE4B-95CE-6DB70DBA9567}" type="datetimeFigureOut">
               <a:rPr lang="en-US" dirty="0"/>
               <a:pPr/>
-              <a:t>9/22/17</a:t>
+              <a:t>9/23/17</a:t>
             </a:fld>
             <a:endParaRPr lang="en-US" dirty="0"/>
           </a:p>
@@ -4915,7 +4916,7 @@
             <a:fld id="{B61BEF0D-F0BB-DE4B-95CE-6DB70DBA9567}" type="datetimeFigureOut">
               <a:rPr lang="en-US" dirty="0"/>
               <a:pPr/>
-              <a:t>9/22/17</a:t>
+              <a:t>9/23/17</a:t>
             </a:fld>
             <a:endParaRPr lang="en-US" dirty="0"/>
           </a:p>
@@ -5195,7 +5196,7 @@
             <a:fld id="{B61BEF0D-F0BB-DE4B-95CE-6DB70DBA9567}" type="datetimeFigureOut">
               <a:rPr lang="en-US" dirty="0"/>
               <a:pPr/>
-              <a:t>9/22/17</a:t>
+              <a:t>9/23/17</a:t>
             </a:fld>
             <a:endParaRPr lang="en-US" dirty="0"/>
           </a:p>
@@ -5483,7 +5484,7 @@
             <a:fld id="{B61BEF0D-F0BB-DE4B-95CE-6DB70DBA9567}" type="datetimeFigureOut">
               <a:rPr lang="en-US" dirty="0"/>
               <a:pPr/>
-              <a:t>9/22/17</a:t>
+              <a:t>9/23/17</a:t>
             </a:fld>
             <a:endParaRPr lang="en-US" dirty="0"/>
           </a:p>
@@ -6010,7 +6011,7 @@
             <a:fld id="{B61BEF0D-F0BB-DE4B-95CE-6DB70DBA9567}" type="datetimeFigureOut">
               <a:rPr lang="en-US" dirty="0"/>
               <a:pPr/>
-              <a:t>9/22/17</a:t>
+              <a:t>9/23/17</a:t>
             </a:fld>
             <a:endParaRPr lang="en-US" dirty="0"/>
           </a:p>
@@ -6575,15 +6576,7 @@
           <a:p>
             <a:r>
               <a:rPr lang="es-ES_tradnl" dirty="0" smtClean="0"/>
-              <a:t>Control </a:t>
-            </a:r>
-            <a:r>
-              <a:rPr lang="es-ES_tradnl" dirty="0" smtClean="0"/>
-              <a:t>de </a:t>
-            </a:r>
-            <a:r>
-              <a:rPr lang="es-ES_tradnl" dirty="0" smtClean="0"/>
-              <a:t>versiones con GIT</a:t>
+              <a:t>Control de versiones con GIT</a:t>
             </a:r>
             <a:endParaRPr lang="es-ES_tradnl" dirty="0"/>
           </a:p>
@@ -6658,6 +6651,13 @@
   <p:clrMapOvr>
     <a:masterClrMapping/>
   </p:clrMapOvr>
+  <p:timing>
+    <p:tnLst>
+      <p:par>
+        <p:cTn id="1" dur="indefinite" restart="never" nodeType="tmRoot"/>
+      </p:par>
+    </p:tnLst>
+  </p:timing>
 </p:sld>
 </file>
 
@@ -6688,289 +6688,297 @@
             <p:ph type="title"/>
           </p:nvPr>
         </p:nvSpPr>
-        <p:spPr/>
-        <p:txBody>
-          <a:bodyPr/>
-          <a:lstStyle/>
-          <a:p>
-            <a:r>
-              <a:rPr lang="es-ES_tradnl" dirty="0" smtClean="0">
-                <a:solidFill>
-                  <a:srgbClr val="FF0000"/>
-                </a:solidFill>
-              </a:rPr>
-              <a:t>Herramientas </a:t>
-            </a:r>
-            <a:r>
-              <a:rPr lang="mr-IN" dirty="0" smtClean="0">
-                <a:solidFill>
-                  <a:srgbClr val="FF0000"/>
-                </a:solidFill>
-              </a:rPr>
-              <a:t>–</a:t>
-            </a:r>
-            <a:r>
-              <a:rPr lang="es-ES_tradnl" dirty="0" smtClean="0">
-                <a:solidFill>
-                  <a:srgbClr val="FF0000"/>
-                </a:solidFill>
-              </a:rPr>
-              <a:t> No ir</a:t>
-            </a:r>
-            <a:r>
-              <a:rPr lang="es-ES" dirty="0" err="1" smtClean="0">
-                <a:solidFill>
-                  <a:srgbClr val="FF0000"/>
-                </a:solidFill>
-              </a:rPr>
-              <a:t>ía</a:t>
-            </a:r>
-            <a:endParaRPr lang="es-ES_tradnl" dirty="0">
-              <a:solidFill>
-                <a:srgbClr val="FF0000"/>
-              </a:solidFill>
-            </a:endParaRPr>
-          </a:p>
-        </p:txBody>
-      </p:sp>
-      <p:sp>
-        <p:nvSpPr>
-          <p:cNvPr id="3" name="Marcador de contenido 2"/>
-          <p:cNvSpPr>
-            <a:spLocks noGrp="1"/>
-          </p:cNvSpPr>
-          <p:nvPr>
-            <p:ph idx="1"/>
-          </p:nvPr>
-        </p:nvSpPr>
         <p:spPr>
           <a:xfrm>
-            <a:off x="1484310" y="1967948"/>
-            <a:ext cx="10018713" cy="4671391"/>
+            <a:off x="1484310" y="117389"/>
+            <a:ext cx="10018713" cy="673443"/>
           </a:xfrm>
         </p:spPr>
         <p:txBody>
           <a:bodyPr>
-            <a:noAutofit/>
+            <a:normAutofit fontScale="90000"/>
           </a:bodyPr>
           <a:lstStyle/>
           <a:p>
             <a:r>
-              <a:rPr lang="es-ES_tradnl" sz="2000" dirty="0"/>
-              <a:t>Se recomienda </a:t>
-            </a:r>
-            <a:r>
-              <a:rPr lang="es-ES_tradnl" sz="2000" dirty="0" smtClean="0"/>
-              <a:t>utilizar repositorios remotos :</a:t>
-            </a:r>
-          </a:p>
-          <a:p>
-            <a:pPr lvl="1"/>
+              <a:rPr lang="es-ES" dirty="0" smtClean="0"/>
+              <a:t>Actividades con GIT</a:t>
+            </a:r>
+            <a:endParaRPr lang="es-ES_tradnl" dirty="0"/>
+          </a:p>
+        </p:txBody>
+      </p:sp>
+      <p:sp>
+        <p:nvSpPr>
+          <p:cNvPr id="6" name="CuadroTexto 5"/>
+          <p:cNvSpPr txBox="1"/>
+          <p:nvPr/>
+        </p:nvSpPr>
+        <p:spPr>
+          <a:xfrm>
+            <a:off x="1804086" y="1283730"/>
+            <a:ext cx="9698937" cy="3416320"/>
+          </a:xfrm>
+          <a:prstGeom prst="rect">
+            <a:avLst/>
+          </a:prstGeom>
+          <a:noFill/>
+        </p:spPr>
+        <p:txBody>
+          <a:bodyPr wrap="square" rtlCol="0">
+            <a:spAutoFit/>
+          </a:bodyPr>
+          <a:lstStyle/>
+          <a:p>
+            <a:pPr marL="342900" marR="0" lvl="0" indent="-342900" algn="just" defTabSz="914400" eaLnBrk="1" fontAlgn="auto" latinLnBrk="0" hangingPunct="1">
+              <a:lnSpc>
+                <a:spcPct val="100000"/>
+              </a:lnSpc>
+              <a:spcBef>
+                <a:spcPts val="0"/>
+              </a:spcBef>
+              <a:spcAft>
+                <a:spcPts val="0"/>
+              </a:spcAft>
+              <a:buClrTx/>
+              <a:buSzTx/>
+              <a:buFont typeface="+mj-lt"/>
+              <a:buAutoNum type="arabicPeriod"/>
+              <a:tabLst/>
+              <a:defRPr/>
+            </a:pPr>
+            <a:r>
+              <a:rPr lang="es-ES_tradnl" dirty="0" smtClean="0"/>
+              <a:t>Crear cuenta</a:t>
+            </a:r>
+          </a:p>
+          <a:p>
+            <a:pPr marL="800100" lvl="1" indent="-342900" algn="just" defTabSz="914400">
+              <a:buFont typeface="+mj-lt"/>
+              <a:buAutoNum type="alphaLcParenR"/>
+            </a:pPr>
+            <a:r>
+              <a:rPr lang="es-ES_tradnl" dirty="0" smtClean="0"/>
+              <a:t>Registro en </a:t>
+            </a:r>
+            <a:r>
+              <a:rPr lang="es-ES_tradnl" dirty="0" err="1" smtClean="0"/>
+              <a:t>github</a:t>
+            </a:r>
+            <a:r>
+              <a:rPr lang="es-ES_tradnl" dirty="0" smtClean="0"/>
+              <a:t>.</a:t>
+            </a:r>
+          </a:p>
+          <a:p>
+            <a:pPr marL="800100" lvl="1" indent="-342900" algn="just" defTabSz="914400">
+              <a:buFont typeface="+mj-lt"/>
+              <a:buAutoNum type="alphaLcParenR"/>
+            </a:pPr>
+            <a:r>
+              <a:rPr lang="es-ES_tradnl" dirty="0" smtClean="0"/>
+              <a:t>Crear un proyecto (repositorio) de prueba.</a:t>
+            </a:r>
+          </a:p>
+          <a:p>
+            <a:pPr marL="800100" lvl="1" indent="-342900" algn="just" defTabSz="914400">
+              <a:buFont typeface="+mj-lt"/>
+              <a:buAutoNum type="alphaLcParenR"/>
+            </a:pPr>
+            <a:r>
+              <a:rPr lang="es-ES_tradnl" dirty="0" smtClean="0"/>
+              <a:t>Crear un archivo y realizar cambios.</a:t>
+            </a:r>
+          </a:p>
+          <a:p>
+            <a:pPr marL="800100" lvl="1" indent="-342900" algn="just" defTabSz="914400">
+              <a:buFont typeface="+mj-lt"/>
+              <a:buAutoNum type="alphaLcParenR"/>
+            </a:pPr>
+            <a:r>
+              <a:rPr lang="es-ES_tradnl" dirty="0" smtClean="0"/>
+              <a:t>Confirmar los cambios y subir cambios.</a:t>
+            </a:r>
+          </a:p>
+          <a:p>
+            <a:pPr marL="800100" lvl="1" indent="-342900" algn="just" defTabSz="914400">
+              <a:buFont typeface="+mj-lt"/>
+              <a:buAutoNum type="alphaLcParenR"/>
+            </a:pPr>
+            <a:endParaRPr lang="es-ES_tradnl" dirty="0" smtClean="0"/>
+          </a:p>
+          <a:p>
+            <a:pPr marL="342900" indent="-342900" algn="just" defTabSz="914400">
+              <a:buFont typeface="+mj-lt"/>
+              <a:buAutoNum type="arabicPeriod"/>
+            </a:pPr>
+            <a:r>
+              <a:rPr lang="es-ES_tradnl" dirty="0" smtClean="0"/>
+              <a:t>Clonar un proyecto existente</a:t>
+            </a:r>
+          </a:p>
+          <a:p>
+            <a:pPr marL="800100" lvl="1" indent="-342900" algn="just" defTabSz="914400">
+              <a:buFont typeface="+mj-lt"/>
+              <a:buAutoNum type="alphaLcParenR"/>
+            </a:pPr>
+            <a:r>
+              <a:rPr lang="es-ES_tradnl" dirty="0" smtClean="0"/>
+              <a:t>Ubicarse en la rama correspondiente.</a:t>
+            </a:r>
+          </a:p>
+          <a:p>
+            <a:pPr marL="800100" lvl="1" indent="-342900" algn="just" defTabSz="914400">
+              <a:buFont typeface="+mj-lt"/>
+              <a:buAutoNum type="alphaLcParenR"/>
+            </a:pPr>
+            <a:r>
+              <a:rPr lang="es-ES_tradnl" dirty="0" smtClean="0"/>
+              <a:t>Realizar cambios a un determinado archivo.</a:t>
+            </a:r>
+          </a:p>
+          <a:p>
+            <a:pPr marL="800100" lvl="1" indent="-342900" algn="just" defTabSz="914400">
+              <a:buFont typeface="+mj-lt"/>
+              <a:buAutoNum type="alphaLcParenR"/>
+            </a:pPr>
+            <a:r>
+              <a:rPr lang="es-ES_tradnl" dirty="0" smtClean="0"/>
+              <a:t>Confirmar cambios y subirlos.</a:t>
+            </a:r>
+          </a:p>
+          <a:p>
+            <a:pPr marL="800100" lvl="1" indent="-342900" algn="just" defTabSz="914400">
+              <a:buFont typeface="+mj-lt"/>
+              <a:buAutoNum type="alphaLcParenR"/>
+            </a:pPr>
+            <a:r>
+              <a:rPr lang="es-ES_tradnl" dirty="0" smtClean="0"/>
+              <a:t>Fusionar las ramas (administrador).</a:t>
+            </a:r>
+          </a:p>
+          <a:p>
+            <a:pPr marL="800100" lvl="1" indent="-342900" algn="just" defTabSz="914400">
+              <a:buFont typeface="+mj-lt"/>
+              <a:buAutoNum type="alphaLcParenR"/>
+            </a:pPr>
+            <a:r>
+              <a:rPr lang="es-ES_tradnl" dirty="0" smtClean="0"/>
+              <a:t>Visualizar versión actualizada en master.</a:t>
+            </a:r>
+            <a:endParaRPr lang="es-ES_tradnl" dirty="0"/>
+          </a:p>
+        </p:txBody>
+      </p:sp>
+      <p:sp>
+        <p:nvSpPr>
+          <p:cNvPr id="4" name="CuadroTexto 3"/>
+          <p:cNvSpPr txBox="1"/>
+          <p:nvPr/>
+        </p:nvSpPr>
+        <p:spPr>
+          <a:xfrm>
+            <a:off x="56876" y="6340526"/>
+            <a:ext cx="2902205" cy="369332"/>
+          </a:xfrm>
+          <a:prstGeom prst="rect">
+            <a:avLst/>
+          </a:prstGeom>
+          <a:solidFill>
+            <a:schemeClr val="tx2">
+              <a:lumMod val="75000"/>
+              <a:lumOff val="25000"/>
+            </a:schemeClr>
+          </a:solidFill>
+        </p:spPr>
+        <p:txBody>
+          <a:bodyPr wrap="none" rtlCol="0">
+            <a:spAutoFit/>
+          </a:bodyPr>
+          <a:lstStyle/>
+          <a:p>
             <a:r>
               <a:rPr lang="es-ES_tradnl" dirty="0" smtClean="0">
-                <a:hlinkClick r:id="rId2"/>
+                <a:solidFill>
+                  <a:schemeClr val="bg1"/>
+                </a:solidFill>
               </a:rPr>
-              <a:t>https</a:t>
+              <a:t>Fuente: https</a:t>
             </a:r>
             <a:r>
               <a:rPr lang="es-ES_tradnl" dirty="0">
-                <a:hlinkClick r:id="rId2"/>
+                <a:solidFill>
+                  <a:schemeClr val="bg1"/>
+                </a:solidFill>
               </a:rPr>
               <a:t>://</a:t>
             </a:r>
             <a:r>
-              <a:rPr lang="es-ES_tradnl" dirty="0" smtClean="0">
-                <a:hlinkClick r:id="rId2"/>
+              <a:rPr lang="es-ES_tradnl" dirty="0" err="1">
+                <a:solidFill>
+                  <a:schemeClr val="bg1"/>
+                </a:solidFill>
               </a:rPr>
-              <a:t>github.com</a:t>
-            </a:r>
-            <a:endParaRPr lang="es-ES_tradnl" dirty="0">
-              <a:hlinkClick r:id="rId2"/>
-            </a:endParaRPr>
-          </a:p>
-          <a:p>
-            <a:pPr lvl="1"/>
-            <a:r>
-              <a:rPr lang="es-ES_tradnl" dirty="0" smtClean="0">
-                <a:hlinkClick r:id="rId3"/>
-              </a:rPr>
-              <a:t>https</a:t>
+              <a:t>git-scm.com</a:t>
             </a:r>
             <a:r>
               <a:rPr lang="es-ES_tradnl" dirty="0">
-                <a:hlinkClick r:id="rId3"/>
-              </a:rPr>
-              <a:t>://</a:t>
-            </a:r>
-            <a:r>
-              <a:rPr lang="es-ES_tradnl" dirty="0" smtClean="0">
-                <a:hlinkClick r:id="rId3"/>
-              </a:rPr>
-              <a:t>bitbucket.org</a:t>
-            </a:r>
-            <a:endParaRPr lang="es-ES_tradnl" dirty="0">
-              <a:hlinkClick r:id="rId3"/>
-            </a:endParaRPr>
-          </a:p>
-          <a:p>
-            <a:pPr lvl="1"/>
-            <a:r>
-              <a:rPr lang="es-ES_tradnl" dirty="0" smtClean="0">
-                <a:hlinkClick r:id="rId4"/>
-              </a:rPr>
-              <a:t>https</a:t>
-            </a:r>
-            <a:r>
-              <a:rPr lang="es-ES_tradnl" dirty="0">
-                <a:hlinkClick r:id="rId4"/>
-              </a:rPr>
-              <a:t>://about.gitlab.com</a:t>
-            </a:r>
-            <a:r>
-              <a:rPr lang="es-ES_tradnl" dirty="0" smtClean="0">
-                <a:hlinkClick r:id="rId4"/>
+                <a:solidFill>
+                  <a:schemeClr val="bg1"/>
+                </a:solidFill>
               </a:rPr>
               <a:t>/</a:t>
             </a:r>
-            <a:endParaRPr lang="es-ES_tradnl" dirty="0">
-              <a:hlinkClick r:id="rId4"/>
-            </a:endParaRPr>
-          </a:p>
-          <a:p>
-            <a:pPr lvl="1"/>
-            <a:r>
-              <a:rPr lang="es-ES_tradnl" dirty="0" smtClean="0">
-                <a:hlinkClick r:id="rId5"/>
-              </a:rPr>
-              <a:t>https</a:t>
-            </a:r>
-            <a:r>
-              <a:rPr lang="es-ES_tradnl" dirty="0">
-                <a:hlinkClick r:id="rId5"/>
-              </a:rPr>
-              <a:t>://gogs.io</a:t>
-            </a:r>
-            <a:r>
-              <a:rPr lang="es-ES_tradnl" dirty="0" smtClean="0">
-                <a:hlinkClick r:id="rId5"/>
-              </a:rPr>
-              <a:t>/ </a:t>
-            </a:r>
-            <a:r>
-              <a:rPr lang="es-ES_tradnl" dirty="0">
-                <a:hlinkClick r:id="rId5"/>
-              </a:rPr>
-              <a:t>(A painless self-hosted Git service.)</a:t>
-            </a:r>
-          </a:p>
-          <a:p>
-            <a:endParaRPr lang="es-ES_tradnl" sz="2000" dirty="0" smtClean="0"/>
-          </a:p>
-          <a:p>
-            <a:r>
-              <a:rPr lang="es-ES_tradnl" sz="2000" dirty="0"/>
-              <a:t>GUI </a:t>
-            </a:r>
-            <a:r>
-              <a:rPr lang="es-ES_tradnl" sz="2000" dirty="0" err="1" smtClean="0"/>
-              <a:t>Clients</a:t>
-            </a:r>
-            <a:endParaRPr lang="es-ES_tradnl" sz="2000" dirty="0"/>
-          </a:p>
-          <a:p>
-            <a:pPr lvl="1"/>
-            <a:r>
-              <a:rPr lang="es-ES_tradnl" dirty="0" err="1" smtClean="0"/>
-              <a:t>SourceTree</a:t>
-            </a:r>
-            <a:r>
-              <a:rPr lang="es-ES_tradnl" dirty="0" smtClean="0"/>
-              <a:t> </a:t>
-            </a:r>
-            <a:r>
-              <a:rPr lang="es-ES_tradnl" dirty="0"/>
-              <a:t>(</a:t>
-            </a:r>
-            <a:r>
-              <a:rPr lang="es-ES_tradnl" dirty="0" err="1"/>
-              <a:t>SourceTree</a:t>
-            </a:r>
-            <a:r>
-              <a:rPr lang="es-ES_tradnl" dirty="0"/>
-              <a:t> </a:t>
-            </a:r>
-            <a:r>
-              <a:rPr lang="es-ES_tradnl" dirty="0" err="1"/>
-              <a:t>is</a:t>
-            </a:r>
-            <a:r>
-              <a:rPr lang="es-ES_tradnl" dirty="0"/>
-              <a:t> </a:t>
-            </a:r>
-            <a:r>
-              <a:rPr lang="es-ES_tradnl" dirty="0" err="1"/>
-              <a:t>Atlassian's</a:t>
-            </a:r>
-            <a:r>
-              <a:rPr lang="es-ES_tradnl" dirty="0"/>
-              <a:t> free desktop </a:t>
-            </a:r>
-            <a:r>
-              <a:rPr lang="es-ES_tradnl" dirty="0" err="1"/>
-              <a:t>client</a:t>
-            </a:r>
-            <a:r>
-              <a:rPr lang="es-ES_tradnl" dirty="0"/>
-              <a:t> </a:t>
-            </a:r>
-            <a:r>
-              <a:rPr lang="es-ES_tradnl" dirty="0" err="1"/>
-              <a:t>for</a:t>
-            </a:r>
-            <a:r>
-              <a:rPr lang="es-ES_tradnl" dirty="0"/>
-              <a:t> </a:t>
-            </a:r>
-            <a:r>
-              <a:rPr lang="es-ES_tradnl" dirty="0" err="1"/>
-              <a:t>Bitbucket</a:t>
-            </a:r>
-            <a:r>
-              <a:rPr lang="es-ES_tradnl" dirty="0"/>
-              <a:t>.)</a:t>
-            </a:r>
-          </a:p>
-          <a:p>
-            <a:pPr lvl="1"/>
-            <a:r>
-              <a:rPr lang="es-ES_tradnl" dirty="0" smtClean="0"/>
-              <a:t>GitHub </a:t>
-            </a:r>
-            <a:r>
-              <a:rPr lang="es-ES_tradnl" dirty="0"/>
-              <a:t>Desktop</a:t>
-            </a:r>
-          </a:p>
-          <a:p>
-            <a:pPr lvl="1"/>
-            <a:r>
-              <a:rPr lang="es-ES_tradnl" dirty="0" err="1" smtClean="0"/>
-              <a:t>TortoiseGit</a:t>
-            </a:r>
-            <a:endParaRPr lang="es-ES_tradnl" dirty="0" smtClean="0"/>
-          </a:p>
-        </p:txBody>
-      </p:sp>
+          </a:p>
+        </p:txBody>
+      </p:sp>
+      <p:pic>
+        <p:nvPicPr>
+          <p:cNvPr id="3" name="Imagen 2"/>
+          <p:cNvPicPr>
+            <a:picLocks noChangeAspect="1"/>
+          </p:cNvPicPr>
+          <p:nvPr/>
+        </p:nvPicPr>
+        <p:blipFill>
+          <a:blip r:embed="rId2">
+            <a:extLst>
+              <a:ext uri="{28A0092B-C50C-407E-A947-70E740481C1C}">
+                <a14:useLocalDpi xmlns:a14="http://schemas.microsoft.com/office/drawing/2010/main" val="0"/>
+              </a:ext>
+            </a:extLst>
+          </a:blip>
+          <a:stretch>
+            <a:fillRect/>
+          </a:stretch>
+        </p:blipFill>
+        <p:spPr>
+          <a:xfrm>
+            <a:off x="3606084" y="4826318"/>
+            <a:ext cx="7585656" cy="1683952"/>
+          </a:xfrm>
+          <a:prstGeom prst="rect">
+            <a:avLst/>
+          </a:prstGeom>
+        </p:spPr>
+      </p:pic>
     </p:spTree>
     <p:extLst>
       <p:ext uri="{BB962C8B-B14F-4D97-AF65-F5344CB8AC3E}">
-        <p14:creationId xmlns:p14="http://schemas.microsoft.com/office/powerpoint/2010/main" val="1742130175"/>
+        <p14:creationId xmlns:p14="http://schemas.microsoft.com/office/powerpoint/2010/main" val="116525941"/>
       </p:ext>
     </p:extLst>
   </p:cSld>
   <p:clrMapOvr>
     <a:masterClrMapping/>
   </p:clrMapOvr>
+  <p:timing>
+    <p:tnLst>
+      <p:par>
+        <p:cTn id="1" dur="indefinite" restart="never" nodeType="tmRoot"/>
+      </p:par>
+    </p:tnLst>
+  </p:timing>
 </p:sld>
 </file>
 
@@ -7007,16 +7015,8 @@
           <a:lstStyle/>
           <a:p>
             <a:r>
-              <a:rPr lang="es-ES_tradnl" dirty="0" smtClean="0"/>
-              <a:t>¿C</a:t>
-            </a:r>
-            <a:r>
-              <a:rPr lang="es-ES" dirty="0" err="1" smtClean="0"/>
-              <a:t>ómo</a:t>
-            </a:r>
-            <a:r>
               <a:rPr lang="es-ES" dirty="0" smtClean="0"/>
-              <a:t> Funciona?</a:t>
+              <a:t>Enlaces  útiles</a:t>
             </a:r>
             <a:endParaRPr lang="es-ES_tradnl" dirty="0"/>
           </a:p>
@@ -7037,20 +7037,159 @@
           <a:bodyPr/>
           <a:lstStyle/>
           <a:p>
-            <a:endParaRPr lang="es-ES_tradnl"/>
+            <a:r>
+              <a:rPr lang="es-ES_tradnl" dirty="0"/>
+              <a:t>Libro </a:t>
+            </a:r>
+            <a:r>
+              <a:rPr lang="es-ES_tradnl" dirty="0" smtClean="0"/>
+              <a:t>Oficial </a:t>
+            </a:r>
+            <a:r>
+              <a:rPr lang="es-ES_tradnl" dirty="0" smtClean="0">
+                <a:sym typeface="Wingdings"/>
+              </a:rPr>
+              <a:t> </a:t>
+            </a:r>
+            <a:r>
+              <a:rPr lang="es-ES_tradnl" dirty="0" smtClean="0">
+                <a:hlinkClick r:id="rId2"/>
+              </a:rPr>
+              <a:t>https</a:t>
+            </a:r>
+            <a:r>
+              <a:rPr lang="es-ES_tradnl" dirty="0">
+                <a:hlinkClick r:id="rId2"/>
+              </a:rPr>
+              <a:t>://</a:t>
+            </a:r>
+            <a:r>
+              <a:rPr lang="es-ES_tradnl" dirty="0" smtClean="0">
+                <a:hlinkClick r:id="rId2"/>
+              </a:rPr>
+              <a:t>git-scm.com/book/en/v2</a:t>
+            </a:r>
+            <a:r>
+              <a:rPr lang="es-ES_tradnl" dirty="0" smtClean="0"/>
+              <a:t>  </a:t>
+            </a:r>
+          </a:p>
+          <a:p>
+            <a:r>
+              <a:rPr lang="es-ES_tradnl" dirty="0" smtClean="0"/>
+              <a:t>Acerca de </a:t>
+            </a:r>
+            <a:r>
+              <a:rPr lang="es-ES_tradnl" dirty="0" err="1" smtClean="0"/>
+              <a:t>Git</a:t>
+            </a:r>
+            <a:r>
+              <a:rPr lang="es-ES_tradnl" dirty="0" smtClean="0"/>
+              <a:t> </a:t>
+            </a:r>
+            <a:r>
+              <a:rPr lang="es-ES_tradnl" dirty="0">
+                <a:sym typeface="Wingdings"/>
+              </a:rPr>
+              <a:t> </a:t>
+            </a:r>
+            <a:r>
+              <a:rPr lang="es-ES_tradnl" dirty="0">
+                <a:sym typeface="Wingdings"/>
+                <a:hlinkClick r:id="rId3"/>
+              </a:rPr>
+              <a:t>https://</a:t>
+            </a:r>
+            <a:r>
+              <a:rPr lang="es-ES_tradnl" dirty="0" smtClean="0">
+                <a:sym typeface="Wingdings"/>
+                <a:hlinkClick r:id="rId3"/>
+              </a:rPr>
+              <a:t>git-scm.com/about/branching-and-merging</a:t>
+            </a:r>
+            <a:r>
+              <a:rPr lang="es-ES_tradnl" dirty="0" smtClean="0">
+                <a:sym typeface="Wingdings"/>
+              </a:rPr>
+              <a:t> </a:t>
+            </a:r>
+            <a:endParaRPr lang="es-ES_tradnl" dirty="0" smtClean="0"/>
+          </a:p>
+          <a:p>
+            <a:r>
+              <a:rPr lang="es-ES_tradnl" dirty="0" smtClean="0"/>
+              <a:t>Descarga </a:t>
+            </a:r>
+            <a:r>
+              <a:rPr lang="es-ES_tradnl" dirty="0"/>
+              <a:t>en distintos S.O </a:t>
+            </a:r>
+            <a:r>
+              <a:rPr lang="es-ES_tradnl" dirty="0" smtClean="0">
+                <a:sym typeface="Wingdings"/>
+              </a:rPr>
+              <a:t> </a:t>
+            </a:r>
+            <a:r>
+              <a:rPr lang="es-ES_tradnl" dirty="0" smtClean="0">
+                <a:hlinkClick r:id="rId4"/>
+              </a:rPr>
+              <a:t>https://git-scm.com/downloads</a:t>
+            </a:r>
+            <a:endParaRPr lang="es-ES_tradnl" dirty="0"/>
+          </a:p>
+          <a:p>
+            <a:r>
+              <a:rPr lang="es-ES_tradnl" dirty="0" smtClean="0"/>
+              <a:t>Clientes GUI </a:t>
+            </a:r>
+            <a:r>
+              <a:rPr lang="es-ES_tradnl" dirty="0">
+                <a:sym typeface="Wingdings"/>
+              </a:rPr>
+              <a:t> </a:t>
+            </a:r>
+            <a:r>
+              <a:rPr lang="es-ES_tradnl" dirty="0">
+                <a:sym typeface="Wingdings"/>
+                <a:hlinkClick r:id="rId5"/>
+              </a:rPr>
+              <a:t>https://</a:t>
+            </a:r>
+            <a:r>
+              <a:rPr lang="es-ES_tradnl" dirty="0" smtClean="0">
+                <a:sym typeface="Wingdings"/>
+                <a:hlinkClick r:id="rId5"/>
+              </a:rPr>
+              <a:t>git-scm.com/downloads/guis</a:t>
+            </a:r>
+            <a:r>
+              <a:rPr lang="es-ES_tradnl" dirty="0" smtClean="0">
+                <a:sym typeface="Wingdings"/>
+              </a:rPr>
+              <a:t> </a:t>
+            </a:r>
+            <a:endParaRPr lang="es-ES_tradnl" dirty="0"/>
           </a:p>
         </p:txBody>
       </p:sp>
     </p:spTree>
     <p:extLst>
       <p:ext uri="{BB962C8B-B14F-4D97-AF65-F5344CB8AC3E}">
-        <p14:creationId xmlns:p14="http://schemas.microsoft.com/office/powerpoint/2010/main" val="1450622489"/>
+        <p14:creationId xmlns:p14="http://schemas.microsoft.com/office/powerpoint/2010/main" val="1252257579"/>
       </p:ext>
     </p:extLst>
   </p:cSld>
   <p:clrMapOvr>
     <a:masterClrMapping/>
   </p:clrMapOvr>
+  <p:timing>
+    <p:tnLst>
+      <p:par>
+        <p:cTn id="1" dur="indefinite" restart="never" nodeType="tmRoot"/>
+      </p:par>
+    </p:tnLst>
+  </p:timing>
 </p:sld>
 </file>
 
@@ -7892,6 +8031,13 @@
   <p:clrMapOvr>
     <a:masterClrMapping/>
   </p:clrMapOvr>
+  <p:timing>
+    <p:tnLst>
+      <p:par>
+        <p:cTn id="1" dur="indefinite" restart="never" nodeType="tmRoot"/>
+      </p:par>
+    </p:tnLst>
+  </p:timing>
 </p:sld>
 </file>
 
@@ -7936,15 +8082,1188 @@
           <a:p>
             <a:r>
               <a:rPr lang="es-ES" dirty="0" smtClean="0"/>
+              <a:t>Estados de </a:t>
+            </a:r>
+            <a:r>
+              <a:rPr lang="es-ES_tradnl" dirty="0" smtClean="0"/>
+              <a:t>GIT</a:t>
+            </a:r>
+            <a:endParaRPr lang="es-ES_tradnl" dirty="0"/>
+          </a:p>
+        </p:txBody>
+      </p:sp>
+      <p:pic>
+        <p:nvPicPr>
+          <p:cNvPr id="5" name="Imagen 4"/>
+          <p:cNvPicPr>
+            <a:picLocks noChangeAspect="1"/>
+          </p:cNvPicPr>
+          <p:nvPr/>
+        </p:nvPicPr>
+        <p:blipFill>
+          <a:blip r:embed="rId2">
+            <a:extLst>
+              <a:ext uri="{28A0092B-C50C-407E-A947-70E740481C1C}">
+                <a14:useLocalDpi xmlns:a14="http://schemas.microsoft.com/office/drawing/2010/main" val="0"/>
+              </a:ext>
+            </a:extLst>
+          </a:blip>
+          <a:stretch>
+            <a:fillRect/>
+          </a:stretch>
+        </p:blipFill>
+        <p:spPr>
+          <a:xfrm>
+            <a:off x="1484310" y="1283730"/>
+            <a:ext cx="4270512" cy="4017319"/>
+          </a:xfrm>
+          <a:prstGeom prst="rect">
+            <a:avLst/>
+          </a:prstGeom>
+        </p:spPr>
+      </p:pic>
+      <p:sp>
+        <p:nvSpPr>
+          <p:cNvPr id="6" name="CuadroTexto 5"/>
+          <p:cNvSpPr txBox="1"/>
+          <p:nvPr/>
+        </p:nvSpPr>
+        <p:spPr>
+          <a:xfrm>
+            <a:off x="6263758" y="1283730"/>
+            <a:ext cx="5239265" cy="2862322"/>
+          </a:xfrm>
+          <a:prstGeom prst="rect">
+            <a:avLst/>
+          </a:prstGeom>
+          <a:noFill/>
+        </p:spPr>
+        <p:txBody>
+          <a:bodyPr wrap="square" rtlCol="0">
+            <a:spAutoFit/>
+          </a:bodyPr>
+          <a:lstStyle/>
+          <a:p>
+            <a:pPr marL="285750" indent="-285750" algn="just">
+              <a:buFont typeface="Arial" charset="0"/>
+              <a:buChar char="•"/>
+            </a:pPr>
+            <a:r>
+              <a:rPr lang="es-ES_tradnl" b="1" dirty="0"/>
+              <a:t>C</a:t>
+            </a:r>
+            <a:r>
+              <a:rPr lang="es-ES_tradnl" b="1" dirty="0" smtClean="0"/>
+              <a:t>onfirmado (</a:t>
+            </a:r>
+            <a:r>
+              <a:rPr lang="es-ES_tradnl" b="1" dirty="0" err="1" smtClean="0"/>
+              <a:t>committed</a:t>
+            </a:r>
+            <a:r>
+              <a:rPr lang="es-ES_tradnl" b="1" dirty="0" smtClean="0"/>
+              <a:t>): </a:t>
+            </a:r>
+            <a:r>
+              <a:rPr lang="es-ES_tradnl" dirty="0" smtClean="0"/>
+              <a:t>Los datos </a:t>
+            </a:r>
+            <a:r>
+              <a:rPr lang="es-ES_tradnl" dirty="0" err="1" smtClean="0"/>
+              <a:t>estan</a:t>
+            </a:r>
+            <a:r>
+              <a:rPr lang="es-ES_tradnl" dirty="0" smtClean="0"/>
+              <a:t> almacenados de manera segura en tu base de datos local.</a:t>
+            </a:r>
+            <a:endParaRPr lang="es-ES_tradnl" b="1" dirty="0" smtClean="0"/>
+          </a:p>
+          <a:p>
+            <a:pPr marL="285750" indent="-285750" algn="just">
+              <a:buFont typeface="Arial" charset="0"/>
+              <a:buChar char="•"/>
+            </a:pPr>
+            <a:r>
+              <a:rPr lang="es-ES_tradnl" b="1" dirty="0"/>
+              <a:t>M</a:t>
+            </a:r>
+            <a:r>
+              <a:rPr lang="es-ES_tradnl" b="1" dirty="0" smtClean="0"/>
+              <a:t>odificado (</a:t>
+            </a:r>
+            <a:r>
+              <a:rPr lang="es-ES_tradnl" b="1" dirty="0" err="1" smtClean="0"/>
+              <a:t>modified</a:t>
+            </a:r>
+            <a:r>
+              <a:rPr lang="es-ES_tradnl" b="1" dirty="0" smtClean="0"/>
+              <a:t>): </a:t>
+            </a:r>
+            <a:r>
+              <a:rPr lang="es-ES_tradnl" dirty="0" smtClean="0"/>
+              <a:t>Significa que has modificado </a:t>
+            </a:r>
+            <a:r>
+              <a:rPr lang="es-ES_tradnl" dirty="0" err="1" smtClean="0"/>
+              <a:t>algun</a:t>
+            </a:r>
+            <a:r>
+              <a:rPr lang="es-ES_tradnl" dirty="0" smtClean="0"/>
+              <a:t> archivo pero que aun no lo confirmas.</a:t>
+            </a:r>
+            <a:endParaRPr lang="es-ES_tradnl" b="1" dirty="0" smtClean="0"/>
+          </a:p>
+          <a:p>
+            <a:pPr marL="285750" indent="-285750" algn="just">
+              <a:buFont typeface="Arial" charset="0"/>
+              <a:buChar char="•"/>
+            </a:pPr>
+            <a:r>
+              <a:rPr lang="es-ES_tradnl" b="1" dirty="0"/>
+              <a:t>P</a:t>
+            </a:r>
+            <a:r>
+              <a:rPr lang="es-ES_tradnl" b="1" dirty="0" smtClean="0"/>
+              <a:t>reparado (</a:t>
+            </a:r>
+            <a:r>
+              <a:rPr lang="es-ES_tradnl" b="1" dirty="0" err="1" smtClean="0"/>
+              <a:t>stage</a:t>
+            </a:r>
+            <a:r>
+              <a:rPr lang="es-ES_tradnl" b="1" dirty="0" smtClean="0"/>
+              <a:t>): </a:t>
+            </a:r>
+            <a:r>
+              <a:rPr lang="es-ES_tradnl" dirty="0" smtClean="0"/>
+              <a:t>Significa que has marcado algún archivo modificado en su versión actual  para confirmarlo.</a:t>
+            </a:r>
+          </a:p>
+          <a:p>
+            <a:pPr marL="285750" indent="-285750" algn="just">
+              <a:buFont typeface="Arial" charset="0"/>
+              <a:buChar char="•"/>
+            </a:pPr>
+            <a:endParaRPr lang="es-ES_tradnl" b="1" dirty="0"/>
+          </a:p>
+        </p:txBody>
+      </p:sp>
+      <p:sp>
+        <p:nvSpPr>
+          <p:cNvPr id="7" name="CuadroTexto 6"/>
+          <p:cNvSpPr txBox="1"/>
+          <p:nvPr/>
+        </p:nvSpPr>
+        <p:spPr>
+          <a:xfrm>
+            <a:off x="6263758" y="4146052"/>
+            <a:ext cx="5536945" cy="1785104"/>
+          </a:xfrm>
+          <a:prstGeom prst="rect">
+            <a:avLst/>
+          </a:prstGeom>
+          <a:noFill/>
+        </p:spPr>
+        <p:txBody>
+          <a:bodyPr wrap="square" rtlCol="0">
+            <a:spAutoFit/>
+          </a:bodyPr>
+          <a:lstStyle/>
+          <a:p>
+            <a:r>
+              <a:rPr lang="es-ES_tradnl" b="1" dirty="0" smtClean="0"/>
+              <a:t>FLUJO DE TRABAJO</a:t>
+            </a:r>
+          </a:p>
+          <a:p>
+            <a:pPr marL="342900" indent="-342900">
+              <a:buFont typeface="+mj-lt"/>
+              <a:buAutoNum type="arabicPeriod"/>
+            </a:pPr>
+            <a:r>
+              <a:rPr lang="es-ES_tradnl" dirty="0" smtClean="0"/>
+              <a:t>Modificar archivos en directorio trabajo.</a:t>
+            </a:r>
+          </a:p>
+          <a:p>
+            <a:pPr marL="342900" indent="-342900">
+              <a:buFont typeface="+mj-lt"/>
+              <a:buAutoNum type="arabicPeriod"/>
+            </a:pPr>
+            <a:r>
+              <a:rPr lang="es-ES_tradnl" dirty="0" smtClean="0"/>
+              <a:t>Preparar los archivo, </a:t>
+            </a:r>
+            <a:r>
+              <a:rPr lang="es-ES_tradnl" dirty="0" err="1" smtClean="0"/>
+              <a:t>instantaneas</a:t>
+            </a:r>
+            <a:r>
+              <a:rPr lang="es-ES_tradnl" dirty="0" smtClean="0"/>
+              <a:t> en el área de preparación.</a:t>
+            </a:r>
+          </a:p>
+          <a:p>
+            <a:pPr marL="342900" indent="-342900">
+              <a:buFont typeface="+mj-lt"/>
+              <a:buAutoNum type="arabicPeriod"/>
+            </a:pPr>
+            <a:r>
+              <a:rPr lang="es-ES_tradnl" dirty="0" smtClean="0"/>
+              <a:t>Confirmar los cambios, almacenando sus instantáneas en el directorio GIT.</a:t>
+            </a:r>
+            <a:endParaRPr lang="es-ES_tradnl" dirty="0"/>
+          </a:p>
+        </p:txBody>
+      </p:sp>
+      <p:sp>
+        <p:nvSpPr>
+          <p:cNvPr id="9" name="CuadroTexto 8"/>
+          <p:cNvSpPr txBox="1"/>
+          <p:nvPr/>
+        </p:nvSpPr>
+        <p:spPr>
+          <a:xfrm>
+            <a:off x="56876" y="6340526"/>
+            <a:ext cx="2902205" cy="369332"/>
+          </a:xfrm>
+          <a:prstGeom prst="rect">
+            <a:avLst/>
+          </a:prstGeom>
+          <a:solidFill>
+            <a:schemeClr val="tx2">
+              <a:lumMod val="75000"/>
+              <a:lumOff val="25000"/>
+            </a:schemeClr>
+          </a:solidFill>
+        </p:spPr>
+        <p:txBody>
+          <a:bodyPr wrap="none" rtlCol="0">
+            <a:spAutoFit/>
+          </a:bodyPr>
+          <a:lstStyle/>
+          <a:p>
+            <a:r>
+              <a:rPr lang="es-ES_tradnl" dirty="0" smtClean="0">
+                <a:solidFill>
+                  <a:schemeClr val="bg1"/>
+                </a:solidFill>
+              </a:rPr>
+              <a:t>Fuente: https</a:t>
+            </a:r>
+            <a:r>
+              <a:rPr lang="es-ES_tradnl" dirty="0">
+                <a:solidFill>
+                  <a:schemeClr val="bg1"/>
+                </a:solidFill>
+              </a:rPr>
+              <a:t>://</a:t>
+            </a:r>
+            <a:r>
+              <a:rPr lang="es-ES_tradnl" dirty="0" err="1">
+                <a:solidFill>
+                  <a:schemeClr val="bg1"/>
+                </a:solidFill>
+              </a:rPr>
+              <a:t>git-scm.com</a:t>
+            </a:r>
+            <a:r>
+              <a:rPr lang="es-ES_tradnl" dirty="0">
+                <a:solidFill>
+                  <a:schemeClr val="bg1"/>
+                </a:solidFill>
+              </a:rPr>
+              <a:t>/</a:t>
+            </a:r>
+          </a:p>
+        </p:txBody>
+      </p:sp>
+    </p:spTree>
+    <p:extLst>
+      <p:ext uri="{BB962C8B-B14F-4D97-AF65-F5344CB8AC3E}">
+        <p14:creationId xmlns:p14="http://schemas.microsoft.com/office/powerpoint/2010/main" val="1646112634"/>
+      </p:ext>
+    </p:extLst>
+  </p:cSld>
+  <p:clrMapOvr>
+    <a:masterClrMapping/>
+  </p:clrMapOvr>
+  <p:timing>
+    <p:tnLst>
+      <p:par>
+        <p:cTn id="1" dur="indefinite" restart="never" nodeType="tmRoot"/>
+      </p:par>
+    </p:tnLst>
+  </p:timing>
+</p:sld>
+</file>
+
+<file path=ppt/slides/slide14.xml><?xml version="1.0" encoding="utf-8"?>
+<p:sld xmlns:a="http://schemas.openxmlformats.org/drawingml/2006/main" xmlns:r="http://schemas.openxmlformats.org/officeDocument/2006/relationships" xmlns:p="http://schemas.openxmlformats.org/presentationml/2006/main">
+  <p:cSld>
+    <p:spTree>
+      <p:nvGrpSpPr>
+        <p:cNvPr id="1" name=""/>
+        <p:cNvGrpSpPr/>
+        <p:nvPr/>
+      </p:nvGrpSpPr>
+      <p:grpSpPr>
+        <a:xfrm>
+          <a:off x="0" y="0"/>
+          <a:ext cx="0" cy="0"/>
+          <a:chOff x="0" y="0"/>
+          <a:chExt cx="0" cy="0"/>
+        </a:xfrm>
+      </p:grpSpPr>
+      <p:sp>
+        <p:nvSpPr>
+          <p:cNvPr id="2" name="Título 1"/>
+          <p:cNvSpPr>
+            <a:spLocks noGrp="1"/>
+          </p:cNvSpPr>
+          <p:nvPr>
+            <p:ph type="title"/>
+          </p:nvPr>
+        </p:nvSpPr>
+        <p:spPr/>
+        <p:txBody>
+          <a:bodyPr/>
+          <a:lstStyle/>
+          <a:p>
+            <a:r>
+              <a:rPr lang="es-ES_tradnl" dirty="0" smtClean="0">
+                <a:solidFill>
+                  <a:srgbClr val="FF0000"/>
+                </a:solidFill>
+              </a:rPr>
+              <a:t>Sistemas de Control de Versiones - NO IR</a:t>
+            </a:r>
+            <a:r>
+              <a:rPr lang="es-ES" dirty="0" smtClean="0">
+                <a:solidFill>
+                  <a:srgbClr val="FF0000"/>
+                </a:solidFill>
+              </a:rPr>
+              <a:t>ÍA</a:t>
+            </a:r>
+            <a:endParaRPr lang="es-ES_tradnl" dirty="0">
+              <a:solidFill>
+                <a:srgbClr val="FF0000"/>
+              </a:solidFill>
+            </a:endParaRPr>
+          </a:p>
+        </p:txBody>
+      </p:sp>
+      <p:sp>
+        <p:nvSpPr>
+          <p:cNvPr id="3" name="Marcador de contenido 2"/>
+          <p:cNvSpPr>
+            <a:spLocks noGrp="1"/>
+          </p:cNvSpPr>
+          <p:nvPr>
+            <p:ph idx="1"/>
+          </p:nvPr>
+        </p:nvSpPr>
+        <p:spPr>
+          <a:xfrm>
+            <a:off x="1484311" y="2438399"/>
+            <a:ext cx="10018712" cy="3863009"/>
+          </a:xfrm>
+        </p:spPr>
+        <p:txBody>
+          <a:bodyPr>
+            <a:normAutofit fontScale="92500" lnSpcReduction="20000"/>
+          </a:bodyPr>
+          <a:lstStyle/>
+          <a:p>
+            <a:r>
+              <a:rPr lang="es-ES_tradnl" dirty="0"/>
+              <a:t>Local </a:t>
+            </a:r>
+            <a:r>
+              <a:rPr lang="es-ES_tradnl" dirty="0" err="1"/>
+              <a:t>version</a:t>
+            </a:r>
+            <a:r>
+              <a:rPr lang="es-ES_tradnl" dirty="0"/>
+              <a:t> control </a:t>
+            </a:r>
+            <a:r>
+              <a:rPr lang="es-ES_tradnl" dirty="0" err="1"/>
+              <a:t>weaknesses</a:t>
+            </a:r>
+            <a:endParaRPr lang="es-ES_tradnl" dirty="0"/>
+          </a:p>
+          <a:p>
+            <a:r>
+              <a:rPr lang="es-ES_tradnl" dirty="0" err="1"/>
+              <a:t>Centralized</a:t>
+            </a:r>
+            <a:r>
+              <a:rPr lang="es-ES_tradnl" dirty="0"/>
+              <a:t> </a:t>
+            </a:r>
+            <a:r>
+              <a:rPr lang="es-ES_tradnl" dirty="0" err="1"/>
+              <a:t>version</a:t>
+            </a:r>
+            <a:r>
+              <a:rPr lang="es-ES_tradnl" dirty="0"/>
+              <a:t> control </a:t>
+            </a:r>
+            <a:r>
+              <a:rPr lang="es-ES_tradnl" dirty="0" err="1"/>
+              <a:t>diagram</a:t>
+            </a:r>
+            <a:endParaRPr lang="es-ES_tradnl" dirty="0"/>
+          </a:p>
+          <a:p>
+            <a:pPr lvl="1"/>
+            <a:r>
+              <a:rPr lang="es-ES" dirty="0" smtClean="0"/>
+              <a:t>Punto </a:t>
+            </a:r>
+            <a:r>
+              <a:rPr lang="es-ES" dirty="0"/>
+              <a:t>único de fallo </a:t>
+            </a:r>
+            <a:endParaRPr lang="es-ES" dirty="0" smtClean="0"/>
+          </a:p>
+          <a:p>
+            <a:pPr lvl="1"/>
+            <a:r>
+              <a:rPr lang="es-ES" dirty="0"/>
+              <a:t>L</a:t>
+            </a:r>
+            <a:r>
+              <a:rPr lang="es-ES" dirty="0" smtClean="0"/>
+              <a:t>as </a:t>
+            </a:r>
+            <a:r>
+              <a:rPr lang="es-ES" dirty="0"/>
+              <a:t>subidas son lentas </a:t>
+            </a:r>
+            <a:endParaRPr lang="es-ES" dirty="0" smtClean="0"/>
+          </a:p>
+          <a:p>
+            <a:pPr lvl="1"/>
+            <a:r>
+              <a:rPr lang="es-ES" dirty="0"/>
+              <a:t>C</a:t>
+            </a:r>
+            <a:r>
+              <a:rPr lang="es-ES" dirty="0" smtClean="0"/>
+              <a:t>ambios </a:t>
+            </a:r>
+            <a:r>
+              <a:rPr lang="es-ES" dirty="0"/>
+              <a:t>pueden romper todos </a:t>
+            </a:r>
+            <a:endParaRPr lang="es-ES" dirty="0" smtClean="0"/>
+          </a:p>
+          <a:p>
+            <a:pPr lvl="1"/>
+            <a:r>
+              <a:rPr lang="es-ES" dirty="0"/>
+              <a:t>L</a:t>
+            </a:r>
+            <a:r>
+              <a:rPr lang="es-ES" dirty="0" smtClean="0"/>
+              <a:t>a </a:t>
+            </a:r>
+            <a:r>
+              <a:rPr lang="es-ES" dirty="0"/>
+              <a:t>fusión es </a:t>
+            </a:r>
+            <a:r>
+              <a:rPr lang="es-ES" dirty="0" smtClean="0"/>
+              <a:t>dolorosa</a:t>
+            </a:r>
+          </a:p>
+          <a:p>
+            <a:r>
+              <a:rPr lang="es-ES_tradnl" dirty="0" err="1" smtClean="0"/>
+              <a:t>Distributed</a:t>
+            </a:r>
+            <a:r>
+              <a:rPr lang="es-ES_tradnl" dirty="0" smtClean="0"/>
+              <a:t> </a:t>
+            </a:r>
+            <a:r>
+              <a:rPr lang="es-ES_tradnl" dirty="0" err="1"/>
+              <a:t>version</a:t>
+            </a:r>
+            <a:r>
+              <a:rPr lang="es-ES_tradnl" dirty="0"/>
+              <a:t> control </a:t>
+            </a:r>
+            <a:r>
+              <a:rPr lang="es-ES_tradnl" dirty="0" err="1"/>
+              <a:t>diagram</a:t>
+            </a:r>
+            <a:endParaRPr lang="es-ES_tradnl" dirty="0"/>
+          </a:p>
+          <a:p>
+            <a:pPr lvl="1"/>
+            <a:r>
+              <a:rPr lang="es-ES_tradnl" dirty="0" smtClean="0"/>
+              <a:t>Distribuido</a:t>
+            </a:r>
+          </a:p>
+          <a:p>
+            <a:pPr lvl="1"/>
+            <a:r>
+              <a:rPr lang="es-ES_tradnl" dirty="0" smtClean="0"/>
+              <a:t>no necesidad red</a:t>
+            </a:r>
+          </a:p>
+          <a:p>
+            <a:pPr lvl="1"/>
+            <a:r>
+              <a:rPr lang="es-ES_tradnl" dirty="0" smtClean="0"/>
+              <a:t>R</a:t>
+            </a:r>
+            <a:r>
+              <a:rPr lang="es-ES" dirty="0" err="1" smtClean="0"/>
+              <a:t>ápido</a:t>
+            </a:r>
+            <a:r>
+              <a:rPr lang="es-ES_tradnl" dirty="0" smtClean="0"/>
+              <a:t> (local</a:t>
+            </a:r>
+            <a:r>
+              <a:rPr lang="es-ES_tradnl" dirty="0"/>
+              <a:t>)</a:t>
+            </a:r>
+          </a:p>
+        </p:txBody>
+      </p:sp>
+    </p:spTree>
+    <p:extLst>
+      <p:ext uri="{BB962C8B-B14F-4D97-AF65-F5344CB8AC3E}">
+        <p14:creationId xmlns:p14="http://schemas.microsoft.com/office/powerpoint/2010/main" val="647926659"/>
+      </p:ext>
+    </p:extLst>
+  </p:cSld>
+  <p:clrMapOvr>
+    <a:masterClrMapping/>
+  </p:clrMapOvr>
+  <p:timing>
+    <p:tnLst>
+      <p:par>
+        <p:cTn id="1" dur="indefinite" restart="never" nodeType="tmRoot"/>
+      </p:par>
+    </p:tnLst>
+  </p:timing>
+</p:sld>
+</file>
+
+<file path=ppt/slides/slide15.xml><?xml version="1.0" encoding="utf-8"?>
+<p:sld xmlns:a="http://schemas.openxmlformats.org/drawingml/2006/main" xmlns:r="http://schemas.openxmlformats.org/officeDocument/2006/relationships" xmlns:p="http://schemas.openxmlformats.org/presentationml/2006/main">
+  <p:cSld>
+    <p:spTree>
+      <p:nvGrpSpPr>
+        <p:cNvPr id="1" name=""/>
+        <p:cNvGrpSpPr/>
+        <p:nvPr/>
+      </p:nvGrpSpPr>
+      <p:grpSpPr>
+        <a:xfrm>
+          <a:off x="0" y="0"/>
+          <a:ext cx="0" cy="0"/>
+          <a:chOff x="0" y="0"/>
+          <a:chExt cx="0" cy="0"/>
+        </a:xfrm>
+      </p:grpSpPr>
+      <p:sp>
+        <p:nvSpPr>
+          <p:cNvPr id="2" name="Título 1"/>
+          <p:cNvSpPr>
+            <a:spLocks noGrp="1"/>
+          </p:cNvSpPr>
+          <p:nvPr>
+            <p:ph type="title"/>
+          </p:nvPr>
+        </p:nvSpPr>
+        <p:spPr>
+          <a:xfrm>
+            <a:off x="1484310" y="117389"/>
+            <a:ext cx="10018713" cy="673443"/>
+          </a:xfrm>
+        </p:spPr>
+        <p:txBody>
+          <a:bodyPr>
+            <a:normAutofit fontScale="90000"/>
+          </a:bodyPr>
+          <a:lstStyle/>
+          <a:p>
+            <a:r>
+              <a:rPr lang="es-ES_tradnl" dirty="0" smtClean="0">
+                <a:solidFill>
+                  <a:srgbClr val="FF0000"/>
+                </a:solidFill>
+              </a:rPr>
+              <a:t>Un poco de historia (Esquema) NO IR</a:t>
+            </a:r>
+            <a:r>
+              <a:rPr lang="es-ES" dirty="0" smtClean="0">
+                <a:solidFill>
+                  <a:srgbClr val="FF0000"/>
+                </a:solidFill>
+              </a:rPr>
+              <a:t>ÍA</a:t>
+            </a:r>
+            <a:endParaRPr lang="es-ES_tradnl" dirty="0">
+              <a:solidFill>
+                <a:srgbClr val="FF0000"/>
+              </a:solidFill>
+            </a:endParaRPr>
+          </a:p>
+        </p:txBody>
+      </p:sp>
+      <p:sp>
+        <p:nvSpPr>
+          <p:cNvPr id="3" name="Marcador de contenido 2"/>
+          <p:cNvSpPr>
+            <a:spLocks noGrp="1"/>
+          </p:cNvSpPr>
+          <p:nvPr>
+            <p:ph idx="1"/>
+          </p:nvPr>
+        </p:nvSpPr>
+        <p:spPr>
+          <a:xfrm>
+            <a:off x="1484310" y="889687"/>
+            <a:ext cx="10018713" cy="4901514"/>
+          </a:xfrm>
+        </p:spPr>
+        <p:txBody>
+          <a:bodyPr>
+            <a:normAutofit/>
+          </a:bodyPr>
+          <a:lstStyle/>
+          <a:p>
+            <a:pPr algn="just"/>
+            <a:r>
+              <a:rPr lang="es-ES_tradnl" dirty="0"/>
+              <a:t>Durante la mayor parte del mantenimiento del núcleo de Linux (1991-2002), los cambios en el software se pasaron en forma de parches y archivos. En 2002, el proyecto del núcleo de Linux empezó a usar un DVCS propietario llamado </a:t>
+            </a:r>
+            <a:r>
+              <a:rPr lang="es-ES_tradnl" dirty="0" err="1"/>
+              <a:t>BitKeeper</a:t>
+            </a:r>
+            <a:r>
+              <a:rPr lang="es-ES_tradnl" dirty="0" smtClean="0"/>
+              <a:t>.</a:t>
+            </a:r>
+          </a:p>
+          <a:p>
+            <a:pPr algn="just"/>
+            <a:r>
+              <a:rPr lang="es-ES_tradnl" dirty="0"/>
+              <a:t>En 2005, la relación entre la comunidad que desarrollaba el núcleo de Linux y la compañía que desarrollaba </a:t>
+            </a:r>
+            <a:r>
+              <a:rPr lang="es-ES_tradnl" dirty="0" err="1"/>
+              <a:t>BitKeeper</a:t>
+            </a:r>
+            <a:r>
+              <a:rPr lang="es-ES_tradnl" dirty="0"/>
+              <a:t> se vino abajo, y la herramienta dejó de ser gratuita.</a:t>
+            </a:r>
+          </a:p>
+          <a:p>
+            <a:pPr algn="just"/>
+            <a:r>
+              <a:rPr lang="es-ES_tradnl" dirty="0" smtClean="0"/>
+              <a:t>Esto </a:t>
+            </a:r>
+            <a:r>
+              <a:rPr lang="es-ES_tradnl" dirty="0"/>
+              <a:t>impulsó a la comunidad de desarrollo de Linux (y en particular a </a:t>
+            </a:r>
+            <a:r>
+              <a:rPr lang="es-ES_tradnl" dirty="0" err="1"/>
+              <a:t>Linus</a:t>
+            </a:r>
+            <a:r>
+              <a:rPr lang="es-ES_tradnl" dirty="0"/>
+              <a:t> </a:t>
+            </a:r>
+            <a:r>
+              <a:rPr lang="es-ES_tradnl" dirty="0" err="1"/>
+              <a:t>Torvalds</a:t>
+            </a:r>
+            <a:r>
+              <a:rPr lang="es-ES_tradnl" dirty="0"/>
+              <a:t>, el creador de Linux) </a:t>
+            </a:r>
+            <a:r>
+              <a:rPr lang="es-ES_tradnl" dirty="0" smtClean="0"/>
+              <a:t>a desarrollar GIT. </a:t>
+            </a:r>
+          </a:p>
+          <a:p>
+            <a:pPr algn="just"/>
+            <a:r>
+              <a:rPr lang="es-ES_tradnl" dirty="0" smtClean="0"/>
+              <a:t>Desde el 2005 GIT ha evolucionado y madurado.</a:t>
+            </a:r>
+            <a:endParaRPr lang="es-ES_tradnl" dirty="0"/>
+          </a:p>
+          <a:p>
+            <a:endParaRPr lang="es-ES_tradnl" dirty="0"/>
+          </a:p>
+        </p:txBody>
+      </p:sp>
+      <p:sp>
+        <p:nvSpPr>
+          <p:cNvPr id="5" name="CuadroTexto 4"/>
+          <p:cNvSpPr txBox="1"/>
+          <p:nvPr/>
+        </p:nvSpPr>
+        <p:spPr>
+          <a:xfrm>
+            <a:off x="56876" y="6340526"/>
+            <a:ext cx="2902205" cy="369332"/>
+          </a:xfrm>
+          <a:prstGeom prst="rect">
+            <a:avLst/>
+          </a:prstGeom>
+          <a:solidFill>
+            <a:schemeClr val="tx2">
+              <a:lumMod val="75000"/>
+              <a:lumOff val="25000"/>
+            </a:schemeClr>
+          </a:solidFill>
+        </p:spPr>
+        <p:txBody>
+          <a:bodyPr wrap="none" rtlCol="0">
+            <a:spAutoFit/>
+          </a:bodyPr>
+          <a:lstStyle/>
+          <a:p>
+            <a:r>
+              <a:rPr lang="es-ES_tradnl" dirty="0" smtClean="0">
+                <a:solidFill>
+                  <a:schemeClr val="bg1"/>
+                </a:solidFill>
+              </a:rPr>
+              <a:t>Fuente: https</a:t>
+            </a:r>
+            <a:r>
+              <a:rPr lang="es-ES_tradnl" dirty="0">
+                <a:solidFill>
+                  <a:schemeClr val="bg1"/>
+                </a:solidFill>
+              </a:rPr>
+              <a:t>://</a:t>
+            </a:r>
+            <a:r>
+              <a:rPr lang="es-ES_tradnl" dirty="0" err="1">
+                <a:solidFill>
+                  <a:schemeClr val="bg1"/>
+                </a:solidFill>
+              </a:rPr>
+              <a:t>git-scm.com</a:t>
+            </a:r>
+            <a:r>
+              <a:rPr lang="es-ES_tradnl" dirty="0">
+                <a:solidFill>
+                  <a:schemeClr val="bg1"/>
+                </a:solidFill>
+              </a:rPr>
+              <a:t>/</a:t>
+            </a:r>
+          </a:p>
+        </p:txBody>
+      </p:sp>
+    </p:spTree>
+    <p:extLst>
+      <p:ext uri="{BB962C8B-B14F-4D97-AF65-F5344CB8AC3E}">
+        <p14:creationId xmlns:p14="http://schemas.microsoft.com/office/powerpoint/2010/main" val="770103615"/>
+      </p:ext>
+    </p:extLst>
+  </p:cSld>
+  <p:clrMapOvr>
+    <a:masterClrMapping/>
+  </p:clrMapOvr>
+  <p:timing>
+    <p:tnLst>
+      <p:par>
+        <p:cTn id="1" dur="indefinite" restart="never" nodeType="tmRoot"/>
+      </p:par>
+    </p:tnLst>
+  </p:timing>
+</p:sld>
+</file>
+
+<file path=ppt/slides/slide16.xml><?xml version="1.0" encoding="utf-8"?>
+<p:sld xmlns:a="http://schemas.openxmlformats.org/drawingml/2006/main" xmlns:r="http://schemas.openxmlformats.org/officeDocument/2006/relationships" xmlns:p="http://schemas.openxmlformats.org/presentationml/2006/main">
+  <p:cSld>
+    <p:spTree>
+      <p:nvGrpSpPr>
+        <p:cNvPr id="1" name=""/>
+        <p:cNvGrpSpPr/>
+        <p:nvPr/>
+      </p:nvGrpSpPr>
+      <p:grpSpPr>
+        <a:xfrm>
+          <a:off x="0" y="0"/>
+          <a:ext cx="0" cy="0"/>
+          <a:chOff x="0" y="0"/>
+          <a:chExt cx="0" cy="0"/>
+        </a:xfrm>
+      </p:grpSpPr>
+      <p:sp>
+        <p:nvSpPr>
+          <p:cNvPr id="2" name="Título 1"/>
+          <p:cNvSpPr>
+            <a:spLocks noGrp="1"/>
+          </p:cNvSpPr>
+          <p:nvPr>
+            <p:ph type="title"/>
+          </p:nvPr>
+        </p:nvSpPr>
+        <p:spPr/>
+        <p:txBody>
+          <a:bodyPr/>
+          <a:lstStyle/>
+          <a:p>
+            <a:r>
+              <a:rPr lang="es-ES_tradnl" dirty="0" smtClean="0">
+                <a:solidFill>
+                  <a:srgbClr val="FF0000"/>
+                </a:solidFill>
+              </a:rPr>
+              <a:t>Herramientas </a:t>
+            </a:r>
+            <a:r>
+              <a:rPr lang="mr-IN" dirty="0" smtClean="0">
+                <a:solidFill>
+                  <a:srgbClr val="FF0000"/>
+                </a:solidFill>
+              </a:rPr>
+              <a:t>–</a:t>
+            </a:r>
+            <a:r>
+              <a:rPr lang="es-ES_tradnl" dirty="0" smtClean="0">
+                <a:solidFill>
+                  <a:srgbClr val="FF0000"/>
+                </a:solidFill>
+              </a:rPr>
+              <a:t> No ir</a:t>
+            </a:r>
+            <a:r>
+              <a:rPr lang="es-ES" dirty="0" err="1" smtClean="0">
+                <a:solidFill>
+                  <a:srgbClr val="FF0000"/>
+                </a:solidFill>
+              </a:rPr>
+              <a:t>ía</a:t>
+            </a:r>
+            <a:endParaRPr lang="es-ES_tradnl" dirty="0">
+              <a:solidFill>
+                <a:srgbClr val="FF0000"/>
+              </a:solidFill>
+            </a:endParaRPr>
+          </a:p>
+        </p:txBody>
+      </p:sp>
+      <p:sp>
+        <p:nvSpPr>
+          <p:cNvPr id="3" name="Marcador de contenido 2"/>
+          <p:cNvSpPr>
+            <a:spLocks noGrp="1"/>
+          </p:cNvSpPr>
+          <p:nvPr>
+            <p:ph idx="1"/>
+          </p:nvPr>
+        </p:nvSpPr>
+        <p:spPr>
+          <a:xfrm>
+            <a:off x="1484310" y="1967948"/>
+            <a:ext cx="10018713" cy="4671391"/>
+          </a:xfrm>
+        </p:spPr>
+        <p:txBody>
+          <a:bodyPr>
+            <a:noAutofit/>
+          </a:bodyPr>
+          <a:lstStyle/>
+          <a:p>
+            <a:r>
+              <a:rPr lang="es-ES_tradnl" sz="2000" dirty="0"/>
+              <a:t>Se recomienda </a:t>
+            </a:r>
+            <a:r>
+              <a:rPr lang="es-ES_tradnl" sz="2000" dirty="0" smtClean="0"/>
+              <a:t>utilizar repositorios remotos :</a:t>
+            </a:r>
+          </a:p>
+          <a:p>
+            <a:pPr lvl="1"/>
+            <a:r>
+              <a:rPr lang="es-ES_tradnl" dirty="0" smtClean="0">
+                <a:hlinkClick r:id="rId2"/>
+              </a:rPr>
+              <a:t>https</a:t>
+            </a:r>
+            <a:r>
+              <a:rPr lang="es-ES_tradnl" dirty="0">
+                <a:hlinkClick r:id="rId2"/>
+              </a:rPr>
+              <a:t>://</a:t>
+            </a:r>
+            <a:r>
+              <a:rPr lang="es-ES_tradnl" dirty="0" smtClean="0">
+                <a:hlinkClick r:id="rId2"/>
+              </a:rPr>
+              <a:t>github.com</a:t>
+            </a:r>
+            <a:endParaRPr lang="es-ES_tradnl" dirty="0">
+              <a:hlinkClick r:id="rId2"/>
+            </a:endParaRPr>
+          </a:p>
+          <a:p>
+            <a:pPr lvl="1"/>
+            <a:r>
+              <a:rPr lang="es-ES_tradnl" dirty="0" smtClean="0">
+                <a:hlinkClick r:id="rId3"/>
+              </a:rPr>
+              <a:t>https</a:t>
+            </a:r>
+            <a:r>
+              <a:rPr lang="es-ES_tradnl" dirty="0">
+                <a:hlinkClick r:id="rId3"/>
+              </a:rPr>
+              <a:t>://</a:t>
+            </a:r>
+            <a:r>
+              <a:rPr lang="es-ES_tradnl" dirty="0" smtClean="0">
+                <a:hlinkClick r:id="rId3"/>
+              </a:rPr>
+              <a:t>bitbucket.org</a:t>
+            </a:r>
+            <a:endParaRPr lang="es-ES_tradnl" dirty="0">
+              <a:hlinkClick r:id="rId3"/>
+            </a:endParaRPr>
+          </a:p>
+          <a:p>
+            <a:pPr lvl="1"/>
+            <a:r>
+              <a:rPr lang="es-ES_tradnl" dirty="0" smtClean="0">
+                <a:hlinkClick r:id="rId4"/>
+              </a:rPr>
+              <a:t>https</a:t>
+            </a:r>
+            <a:r>
+              <a:rPr lang="es-ES_tradnl" dirty="0">
+                <a:hlinkClick r:id="rId4"/>
+              </a:rPr>
+              <a:t>://about.gitlab.com</a:t>
+            </a:r>
+            <a:r>
+              <a:rPr lang="es-ES_tradnl" dirty="0" smtClean="0">
+                <a:hlinkClick r:id="rId4"/>
+              </a:rPr>
+              <a:t>/</a:t>
+            </a:r>
+            <a:endParaRPr lang="es-ES_tradnl" dirty="0">
+              <a:hlinkClick r:id="rId4"/>
+            </a:endParaRPr>
+          </a:p>
+          <a:p>
+            <a:pPr lvl="1"/>
+            <a:r>
+              <a:rPr lang="es-ES_tradnl" dirty="0" smtClean="0">
+                <a:hlinkClick r:id="rId5"/>
+              </a:rPr>
+              <a:t>https</a:t>
+            </a:r>
+            <a:r>
+              <a:rPr lang="es-ES_tradnl" dirty="0">
+                <a:hlinkClick r:id="rId5"/>
+              </a:rPr>
+              <a:t>://gogs.io</a:t>
+            </a:r>
+            <a:r>
+              <a:rPr lang="es-ES_tradnl" dirty="0" smtClean="0">
+                <a:hlinkClick r:id="rId5"/>
+              </a:rPr>
+              <a:t>/ </a:t>
+            </a:r>
+            <a:r>
+              <a:rPr lang="es-ES_tradnl" dirty="0">
+                <a:hlinkClick r:id="rId5"/>
+              </a:rPr>
+              <a:t>(A painless self-hosted Git service.)</a:t>
+            </a:r>
+          </a:p>
+          <a:p>
+            <a:endParaRPr lang="es-ES_tradnl" sz="2000" dirty="0" smtClean="0"/>
+          </a:p>
+          <a:p>
+            <a:r>
+              <a:rPr lang="es-ES_tradnl" sz="2000" dirty="0"/>
+              <a:t>GUI </a:t>
+            </a:r>
+            <a:r>
+              <a:rPr lang="es-ES_tradnl" sz="2000" dirty="0" err="1" smtClean="0"/>
+              <a:t>Clients</a:t>
+            </a:r>
+            <a:endParaRPr lang="es-ES_tradnl" sz="2000" dirty="0"/>
+          </a:p>
+          <a:p>
+            <a:pPr lvl="1"/>
+            <a:r>
+              <a:rPr lang="es-ES_tradnl" dirty="0" err="1" smtClean="0"/>
+              <a:t>SourceTree</a:t>
+            </a:r>
+            <a:r>
+              <a:rPr lang="es-ES_tradnl" dirty="0" smtClean="0"/>
+              <a:t> </a:t>
+            </a:r>
+            <a:r>
+              <a:rPr lang="es-ES_tradnl" dirty="0"/>
+              <a:t>(</a:t>
+            </a:r>
+            <a:r>
+              <a:rPr lang="es-ES_tradnl" dirty="0" err="1"/>
+              <a:t>SourceTree</a:t>
+            </a:r>
+            <a:r>
+              <a:rPr lang="es-ES_tradnl" dirty="0"/>
+              <a:t> </a:t>
+            </a:r>
+            <a:r>
+              <a:rPr lang="es-ES_tradnl" dirty="0" err="1"/>
+              <a:t>is</a:t>
+            </a:r>
+            <a:r>
+              <a:rPr lang="es-ES_tradnl" dirty="0"/>
+              <a:t> </a:t>
+            </a:r>
+            <a:r>
+              <a:rPr lang="es-ES_tradnl" dirty="0" err="1"/>
+              <a:t>Atlassian's</a:t>
+            </a:r>
+            <a:r>
+              <a:rPr lang="es-ES_tradnl" dirty="0"/>
+              <a:t> free desktop </a:t>
+            </a:r>
+            <a:r>
+              <a:rPr lang="es-ES_tradnl" dirty="0" err="1"/>
+              <a:t>client</a:t>
+            </a:r>
+            <a:r>
+              <a:rPr lang="es-ES_tradnl" dirty="0"/>
+              <a:t> </a:t>
+            </a:r>
+            <a:r>
+              <a:rPr lang="es-ES_tradnl" dirty="0" err="1"/>
+              <a:t>for</a:t>
+            </a:r>
+            <a:r>
+              <a:rPr lang="es-ES_tradnl" dirty="0"/>
+              <a:t> </a:t>
+            </a:r>
+            <a:r>
+              <a:rPr lang="es-ES_tradnl" dirty="0" err="1"/>
+              <a:t>Bitbucket</a:t>
+            </a:r>
+            <a:r>
+              <a:rPr lang="es-ES_tradnl" dirty="0"/>
+              <a:t>.)</a:t>
+            </a:r>
+          </a:p>
+          <a:p>
+            <a:pPr lvl="1"/>
+            <a:r>
+              <a:rPr lang="es-ES_tradnl" dirty="0" smtClean="0"/>
+              <a:t>GitHub </a:t>
+            </a:r>
+            <a:r>
+              <a:rPr lang="es-ES_tradnl" dirty="0"/>
+              <a:t>Desktop</a:t>
+            </a:r>
+          </a:p>
+          <a:p>
+            <a:pPr lvl="1"/>
+            <a:r>
+              <a:rPr lang="es-ES_tradnl" dirty="0" err="1" smtClean="0"/>
+              <a:t>TortoiseGit</a:t>
+            </a:r>
+            <a:endParaRPr lang="es-ES_tradnl" dirty="0" smtClean="0"/>
+          </a:p>
+        </p:txBody>
+      </p:sp>
+    </p:spTree>
+    <p:extLst>
+      <p:ext uri="{BB962C8B-B14F-4D97-AF65-F5344CB8AC3E}">
+        <p14:creationId xmlns:p14="http://schemas.microsoft.com/office/powerpoint/2010/main" val="1742130175"/>
+      </p:ext>
+    </p:extLst>
+  </p:cSld>
+  <p:clrMapOvr>
+    <a:masterClrMapping/>
+  </p:clrMapOvr>
+  <p:timing>
+    <p:tnLst>
+      <p:par>
+        <p:cTn id="1" dur="indefinite" restart="never" nodeType="tmRoot"/>
+      </p:par>
+    </p:tnLst>
+  </p:timing>
+</p:sld>
+</file>
+
+<file path=ppt/slides/slide17.xml><?xml version="1.0" encoding="utf-8"?>
+<p:sld xmlns:a="http://schemas.openxmlformats.org/drawingml/2006/main" xmlns:r="http://schemas.openxmlformats.org/officeDocument/2006/relationships" xmlns:p="http://schemas.openxmlformats.org/presentationml/2006/main">
+  <p:cSld>
+    <p:spTree>
+      <p:nvGrpSpPr>
+        <p:cNvPr id="1" name=""/>
+        <p:cNvGrpSpPr/>
+        <p:nvPr/>
+      </p:nvGrpSpPr>
+      <p:grpSpPr>
+        <a:xfrm>
+          <a:off x="0" y="0"/>
+          <a:ext cx="0" cy="0"/>
+          <a:chOff x="0" y="0"/>
+          <a:chExt cx="0" cy="0"/>
+        </a:xfrm>
+      </p:grpSpPr>
+      <p:sp>
+        <p:nvSpPr>
+          <p:cNvPr id="2" name="Título 1"/>
+          <p:cNvSpPr>
+            <a:spLocks noGrp="1"/>
+          </p:cNvSpPr>
+          <p:nvPr>
+            <p:ph type="title"/>
+          </p:nvPr>
+        </p:nvSpPr>
+        <p:spPr>
+          <a:xfrm>
+            <a:off x="1484310" y="117389"/>
+            <a:ext cx="10018713" cy="673443"/>
+          </a:xfrm>
+        </p:spPr>
+        <p:txBody>
+          <a:bodyPr>
+            <a:normAutofit fontScale="90000"/>
+          </a:bodyPr>
+          <a:lstStyle/>
+          <a:p>
+            <a:r>
+              <a:rPr lang="es-ES" dirty="0" smtClean="0"/>
               <a:t>Fundamentos </a:t>
             </a:r>
             <a:r>
               <a:rPr lang="es-ES_tradnl" dirty="0" smtClean="0"/>
-              <a:t>de </a:t>
-            </a:r>
-            <a:r>
-              <a:rPr lang="es-ES_tradnl" dirty="0" smtClean="0"/>
-              <a:t>GIT </a:t>
+              <a:t>de GIT </a:t>
             </a:r>
             <a:r>
               <a:rPr lang="es-ES_tradnl" dirty="0" smtClean="0">
@@ -8100,15 +9419,7 @@
             </a:r>
             <a:r>
               <a:rPr lang="es-ES_tradnl" dirty="0" smtClean="0"/>
-              <a:t> </a:t>
-            </a:r>
-            <a:r>
-              <a:rPr lang="es-ES_tradnl" dirty="0" smtClean="0"/>
-              <a:t>(GIT </a:t>
-            </a:r>
-            <a:r>
-              <a:rPr lang="es-ES_tradnl" dirty="0" smtClean="0"/>
-              <a:t>- DVCS)</a:t>
+              <a:t> (GIT - DVCS)</a:t>
             </a:r>
             <a:endParaRPr lang="es-ES_tradnl" dirty="0"/>
           </a:p>
@@ -8300,360 +9611,17 @@
   <p:clrMapOvr>
     <a:masterClrMapping/>
   </p:clrMapOvr>
+  <p:timing>
+    <p:tnLst>
+      <p:par>
+        <p:cTn id="1" dur="indefinite" restart="never" nodeType="tmRoot"/>
+      </p:par>
+    </p:tnLst>
+  </p:timing>
 </p:sld>
 </file>
 
-<file path=ppt/slides/slide14.xml><?xml version="1.0" encoding="utf-8"?>
-<p:sld xmlns:a="http://schemas.openxmlformats.org/drawingml/2006/main" xmlns:r="http://schemas.openxmlformats.org/officeDocument/2006/relationships" xmlns:p="http://schemas.openxmlformats.org/presentationml/2006/main">
-  <p:cSld>
-    <p:spTree>
-      <p:nvGrpSpPr>
-        <p:cNvPr id="1" name=""/>
-        <p:cNvGrpSpPr/>
-        <p:nvPr/>
-      </p:nvGrpSpPr>
-      <p:grpSpPr>
-        <a:xfrm>
-          <a:off x="0" y="0"/>
-          <a:ext cx="0" cy="0"/>
-          <a:chOff x="0" y="0"/>
-          <a:chExt cx="0" cy="0"/>
-        </a:xfrm>
-      </p:grpSpPr>
-      <p:sp>
-        <p:nvSpPr>
-          <p:cNvPr id="2" name="Título 1"/>
-          <p:cNvSpPr>
-            <a:spLocks noGrp="1"/>
-          </p:cNvSpPr>
-          <p:nvPr>
-            <p:ph type="title"/>
-          </p:nvPr>
-        </p:nvSpPr>
-        <p:spPr>
-          <a:xfrm>
-            <a:off x="1484310" y="117389"/>
-            <a:ext cx="10018713" cy="673443"/>
-          </a:xfrm>
-        </p:spPr>
-        <p:txBody>
-          <a:bodyPr>
-            <a:normAutofit fontScale="90000"/>
-          </a:bodyPr>
-          <a:lstStyle/>
-          <a:p>
-            <a:r>
-              <a:rPr lang="es-ES" dirty="0" smtClean="0"/>
-              <a:t>Estados de </a:t>
-            </a:r>
-            <a:r>
-              <a:rPr lang="es-ES_tradnl" dirty="0" smtClean="0"/>
-              <a:t>GIT</a:t>
-            </a:r>
-            <a:endParaRPr lang="es-ES_tradnl" dirty="0"/>
-          </a:p>
-        </p:txBody>
-      </p:sp>
-      <p:pic>
-        <p:nvPicPr>
-          <p:cNvPr id="5" name="Imagen 4"/>
-          <p:cNvPicPr>
-            <a:picLocks noChangeAspect="1"/>
-          </p:cNvPicPr>
-          <p:nvPr/>
-        </p:nvPicPr>
-        <p:blipFill>
-          <a:blip r:embed="rId2">
-            <a:extLst>
-              <a:ext uri="{28A0092B-C50C-407E-A947-70E740481C1C}">
-                <a14:useLocalDpi xmlns:a14="http://schemas.microsoft.com/office/drawing/2010/main" val="0"/>
-              </a:ext>
-            </a:extLst>
-          </a:blip>
-          <a:stretch>
-            <a:fillRect/>
-          </a:stretch>
-        </p:blipFill>
-        <p:spPr>
-          <a:xfrm>
-            <a:off x="1484310" y="1283730"/>
-            <a:ext cx="4270512" cy="4017319"/>
-          </a:xfrm>
-          <a:prstGeom prst="rect">
-            <a:avLst/>
-          </a:prstGeom>
-        </p:spPr>
-      </p:pic>
-      <p:sp>
-        <p:nvSpPr>
-          <p:cNvPr id="6" name="CuadroTexto 5"/>
-          <p:cNvSpPr txBox="1"/>
-          <p:nvPr/>
-        </p:nvSpPr>
-        <p:spPr>
-          <a:xfrm>
-            <a:off x="6263758" y="1283730"/>
-            <a:ext cx="5239265" cy="2862322"/>
-          </a:xfrm>
-          <a:prstGeom prst="rect">
-            <a:avLst/>
-          </a:prstGeom>
-          <a:noFill/>
-        </p:spPr>
-        <p:txBody>
-          <a:bodyPr wrap="square" rtlCol="0">
-            <a:spAutoFit/>
-          </a:bodyPr>
-          <a:lstStyle/>
-          <a:p>
-            <a:pPr marL="285750" indent="-285750" algn="just">
-              <a:buFont typeface="Arial" charset="0"/>
-              <a:buChar char="•"/>
-            </a:pPr>
-            <a:r>
-              <a:rPr lang="es-ES_tradnl" b="1" dirty="0"/>
-              <a:t>C</a:t>
-            </a:r>
-            <a:r>
-              <a:rPr lang="es-ES_tradnl" b="1" dirty="0" smtClean="0"/>
-              <a:t>onfirmado (</a:t>
-            </a:r>
-            <a:r>
-              <a:rPr lang="es-ES_tradnl" b="1" dirty="0" err="1" smtClean="0"/>
-              <a:t>committed</a:t>
-            </a:r>
-            <a:r>
-              <a:rPr lang="es-ES_tradnl" b="1" dirty="0" smtClean="0"/>
-              <a:t>): </a:t>
-            </a:r>
-            <a:r>
-              <a:rPr lang="es-ES_tradnl" dirty="0" smtClean="0"/>
-              <a:t>Los datos </a:t>
-            </a:r>
-            <a:r>
-              <a:rPr lang="es-ES_tradnl" dirty="0" err="1" smtClean="0"/>
-              <a:t>estan</a:t>
-            </a:r>
-            <a:r>
-              <a:rPr lang="es-ES_tradnl" dirty="0" smtClean="0"/>
-              <a:t> almacenados de manera segura en tu base de datos local.</a:t>
-            </a:r>
-            <a:endParaRPr lang="es-ES_tradnl" b="1" dirty="0" smtClean="0"/>
-          </a:p>
-          <a:p>
-            <a:pPr marL="285750" indent="-285750" algn="just">
-              <a:buFont typeface="Arial" charset="0"/>
-              <a:buChar char="•"/>
-            </a:pPr>
-            <a:r>
-              <a:rPr lang="es-ES_tradnl" b="1" dirty="0"/>
-              <a:t>M</a:t>
-            </a:r>
-            <a:r>
-              <a:rPr lang="es-ES_tradnl" b="1" dirty="0" smtClean="0"/>
-              <a:t>odificado (</a:t>
-            </a:r>
-            <a:r>
-              <a:rPr lang="es-ES_tradnl" b="1" dirty="0" err="1" smtClean="0"/>
-              <a:t>modified</a:t>
-            </a:r>
-            <a:r>
-              <a:rPr lang="es-ES_tradnl" b="1" dirty="0" smtClean="0"/>
-              <a:t>): </a:t>
-            </a:r>
-            <a:r>
-              <a:rPr lang="es-ES_tradnl" dirty="0" smtClean="0"/>
-              <a:t>Significa que has modificado </a:t>
-            </a:r>
-            <a:r>
-              <a:rPr lang="es-ES_tradnl" dirty="0" err="1" smtClean="0"/>
-              <a:t>algun</a:t>
-            </a:r>
-            <a:r>
-              <a:rPr lang="es-ES_tradnl" dirty="0" smtClean="0"/>
-              <a:t> archivo pero que aun no lo confirmas.</a:t>
-            </a:r>
-            <a:endParaRPr lang="es-ES_tradnl" b="1" dirty="0" smtClean="0"/>
-          </a:p>
-          <a:p>
-            <a:pPr marL="285750" indent="-285750" algn="just">
-              <a:buFont typeface="Arial" charset="0"/>
-              <a:buChar char="•"/>
-            </a:pPr>
-            <a:r>
-              <a:rPr lang="es-ES_tradnl" b="1" dirty="0"/>
-              <a:t>P</a:t>
-            </a:r>
-            <a:r>
-              <a:rPr lang="es-ES_tradnl" b="1" dirty="0" smtClean="0"/>
-              <a:t>reparado (</a:t>
-            </a:r>
-            <a:r>
-              <a:rPr lang="es-ES_tradnl" b="1" dirty="0" err="1" smtClean="0"/>
-              <a:t>stage</a:t>
-            </a:r>
-            <a:r>
-              <a:rPr lang="es-ES_tradnl" b="1" dirty="0" smtClean="0"/>
-              <a:t>): </a:t>
-            </a:r>
-            <a:r>
-              <a:rPr lang="es-ES_tradnl" dirty="0" smtClean="0"/>
-              <a:t>Significa que has marcado algún archivo modificado en su versión actual  para confirmarlo.</a:t>
-            </a:r>
-          </a:p>
-          <a:p>
-            <a:pPr marL="285750" indent="-285750" algn="just">
-              <a:buFont typeface="Arial" charset="0"/>
-              <a:buChar char="•"/>
-            </a:pPr>
-            <a:endParaRPr lang="es-ES_tradnl" b="1" dirty="0"/>
-          </a:p>
-        </p:txBody>
-      </p:sp>
-      <p:sp>
-        <p:nvSpPr>
-          <p:cNvPr id="7" name="CuadroTexto 6"/>
-          <p:cNvSpPr txBox="1"/>
-          <p:nvPr/>
-        </p:nvSpPr>
-        <p:spPr>
-          <a:xfrm>
-            <a:off x="6263758" y="4146052"/>
-            <a:ext cx="5536945" cy="1785104"/>
-          </a:xfrm>
-          <a:prstGeom prst="rect">
-            <a:avLst/>
-          </a:prstGeom>
-          <a:noFill/>
-        </p:spPr>
-        <p:txBody>
-          <a:bodyPr wrap="square" rtlCol="0">
-            <a:spAutoFit/>
-          </a:bodyPr>
-          <a:lstStyle/>
-          <a:p>
-            <a:r>
-              <a:rPr lang="es-ES_tradnl" b="1" dirty="0" smtClean="0"/>
-              <a:t>FLUJO DE TRABAJO</a:t>
-            </a:r>
-          </a:p>
-          <a:p>
-            <a:pPr marL="342900" indent="-342900">
-              <a:buFont typeface="+mj-lt"/>
-              <a:buAutoNum type="arabicPeriod"/>
-            </a:pPr>
-            <a:r>
-              <a:rPr lang="es-ES_tradnl" dirty="0" smtClean="0"/>
-              <a:t>Modificar archivos en directorio trabajo.</a:t>
-            </a:r>
-          </a:p>
-          <a:p>
-            <a:pPr marL="342900" indent="-342900">
-              <a:buFont typeface="+mj-lt"/>
-              <a:buAutoNum type="arabicPeriod"/>
-            </a:pPr>
-            <a:r>
-              <a:rPr lang="es-ES_tradnl" dirty="0" smtClean="0"/>
-              <a:t>Preparar los archivo, </a:t>
-            </a:r>
-            <a:r>
-              <a:rPr lang="es-ES_tradnl" dirty="0" err="1" smtClean="0"/>
-              <a:t>instantaneas</a:t>
-            </a:r>
-            <a:r>
-              <a:rPr lang="es-ES_tradnl" dirty="0" smtClean="0"/>
-              <a:t> en el área de preparación.</a:t>
-            </a:r>
-          </a:p>
-          <a:p>
-            <a:pPr marL="342900" indent="-342900">
-              <a:buFont typeface="+mj-lt"/>
-              <a:buAutoNum type="arabicPeriod"/>
-            </a:pPr>
-            <a:r>
-              <a:rPr lang="es-ES_tradnl" dirty="0" smtClean="0"/>
-              <a:t>Confirmar los cambios, almacenando sus instantáneas en el directorio GIT.</a:t>
-            </a:r>
-            <a:endParaRPr lang="es-ES_tradnl" dirty="0"/>
-          </a:p>
-        </p:txBody>
-      </p:sp>
-      <p:sp>
-        <p:nvSpPr>
-          <p:cNvPr id="9" name="CuadroTexto 8"/>
-          <p:cNvSpPr txBox="1"/>
-          <p:nvPr/>
-        </p:nvSpPr>
-        <p:spPr>
-          <a:xfrm>
-            <a:off x="56876" y="6340526"/>
-            <a:ext cx="2902205" cy="369332"/>
-          </a:xfrm>
-          <a:prstGeom prst="rect">
-            <a:avLst/>
-          </a:prstGeom>
-          <a:solidFill>
-            <a:schemeClr val="tx2">
-              <a:lumMod val="75000"/>
-              <a:lumOff val="25000"/>
-            </a:schemeClr>
-          </a:solidFill>
-        </p:spPr>
-        <p:txBody>
-          <a:bodyPr wrap="none" rtlCol="0">
-            <a:spAutoFit/>
-          </a:bodyPr>
-          <a:lstStyle/>
-          <a:p>
-            <a:r>
-              <a:rPr lang="es-ES_tradnl" dirty="0" smtClean="0">
-                <a:solidFill>
-                  <a:schemeClr val="bg1"/>
-                </a:solidFill>
-              </a:rPr>
-              <a:t>Fuente: https</a:t>
-            </a:r>
-            <a:r>
-              <a:rPr lang="es-ES_tradnl" dirty="0">
-                <a:solidFill>
-                  <a:schemeClr val="bg1"/>
-                </a:solidFill>
-              </a:rPr>
-              <a:t>://</a:t>
-            </a:r>
-            <a:r>
-              <a:rPr lang="es-ES_tradnl" dirty="0" err="1">
-                <a:solidFill>
-                  <a:schemeClr val="bg1"/>
-                </a:solidFill>
-              </a:rPr>
-              <a:t>git-scm.com</a:t>
-            </a:r>
-            <a:r>
-              <a:rPr lang="es-ES_tradnl" dirty="0">
-                <a:solidFill>
-                  <a:schemeClr val="bg1"/>
-                </a:solidFill>
-              </a:rPr>
-              <a:t>/</a:t>
-            </a:r>
-          </a:p>
-        </p:txBody>
-      </p:sp>
-    </p:spTree>
-    <p:extLst>
-      <p:ext uri="{BB962C8B-B14F-4D97-AF65-F5344CB8AC3E}">
-        <p14:creationId xmlns:p14="http://schemas.microsoft.com/office/powerpoint/2010/main" val="1646112634"/>
-      </p:ext>
-    </p:extLst>
-  </p:cSld>
-  <p:clrMapOvr>
-    <a:masterClrMapping/>
-  </p:clrMapOvr>
-</p:sld>
-</file>
-
-<file path=ppt/slides/slide15.xml><?xml version="1.0" encoding="utf-8"?>
+<file path=ppt/slides/slide18.xml><?xml version="1.0" encoding="utf-8"?>
 <p:sld xmlns:a="http://schemas.openxmlformats.org/drawingml/2006/main" xmlns:r="http://schemas.openxmlformats.org/officeDocument/2006/relationships" xmlns:p="http://schemas.openxmlformats.org/presentationml/2006/main">
   <p:cSld>
     <p:spTree>
@@ -8979,10 +9947,17 @@
   <p:clrMapOvr>
     <a:masterClrMapping/>
   </p:clrMapOvr>
+  <p:timing>
+    <p:tnLst>
+      <p:par>
+        <p:cTn id="1" dur="indefinite" restart="never" nodeType="tmRoot"/>
+      </p:par>
+    </p:tnLst>
+  </p:timing>
 </p:sld>
 </file>
 
-<file path=ppt/slides/slide16.xml><?xml version="1.0" encoding="utf-8"?>
+<file path=ppt/slides/slide19.xml><?xml version="1.0" encoding="utf-8"?>
 <p:sld xmlns:a="http://schemas.openxmlformats.org/drawingml/2006/main" xmlns:r="http://schemas.openxmlformats.org/officeDocument/2006/relationships" xmlns:p="http://schemas.openxmlformats.org/presentationml/2006/main">
   <p:cSld>
     <p:spTree>
@@ -9059,524 +10034,13 @@
   <p:clrMapOvr>
     <a:masterClrMapping/>
   </p:clrMapOvr>
-</p:sld>
-</file>
-
-<file path=ppt/slides/slide17.xml><?xml version="1.0" encoding="utf-8"?>
-<p:sld xmlns:a="http://schemas.openxmlformats.org/drawingml/2006/main" xmlns:r="http://schemas.openxmlformats.org/officeDocument/2006/relationships" xmlns:p="http://schemas.openxmlformats.org/presentationml/2006/main">
-  <p:cSld>
-    <p:spTree>
-      <p:nvGrpSpPr>
-        <p:cNvPr id="1" name=""/>
-        <p:cNvGrpSpPr/>
-        <p:nvPr/>
-      </p:nvGrpSpPr>
-      <p:grpSpPr>
-        <a:xfrm>
-          <a:off x="0" y="0"/>
-          <a:ext cx="0" cy="0"/>
-          <a:chOff x="0" y="0"/>
-          <a:chExt cx="0" cy="0"/>
-        </a:xfrm>
-      </p:grpSpPr>
-      <p:sp>
-        <p:nvSpPr>
-          <p:cNvPr id="2" name="Título 1"/>
-          <p:cNvSpPr>
-            <a:spLocks noGrp="1"/>
-          </p:cNvSpPr>
-          <p:nvPr>
-            <p:ph type="title"/>
-          </p:nvPr>
-        </p:nvSpPr>
-        <p:spPr>
-          <a:xfrm>
-            <a:off x="1484310" y="117389"/>
-            <a:ext cx="10018713" cy="673443"/>
-          </a:xfrm>
-        </p:spPr>
-        <p:txBody>
-          <a:bodyPr>
-            <a:normAutofit fontScale="90000"/>
-          </a:bodyPr>
-          <a:lstStyle/>
-          <a:p>
-            <a:r>
-              <a:rPr lang="es-ES" dirty="0" smtClean="0"/>
-              <a:t>Actividades con GIT</a:t>
-            </a:r>
-            <a:endParaRPr lang="es-ES_tradnl" dirty="0"/>
-          </a:p>
-        </p:txBody>
-      </p:sp>
-      <p:sp>
-        <p:nvSpPr>
-          <p:cNvPr id="6" name="CuadroTexto 5"/>
-          <p:cNvSpPr txBox="1"/>
-          <p:nvPr/>
-        </p:nvSpPr>
-        <p:spPr>
-          <a:xfrm>
-            <a:off x="1804086" y="1283730"/>
-            <a:ext cx="9698937" cy="3416320"/>
-          </a:xfrm>
-          <a:prstGeom prst="rect">
-            <a:avLst/>
-          </a:prstGeom>
-          <a:noFill/>
-        </p:spPr>
-        <p:txBody>
-          <a:bodyPr wrap="square" rtlCol="0">
-            <a:spAutoFit/>
-          </a:bodyPr>
-          <a:lstStyle/>
-          <a:p>
-            <a:pPr marL="342900" marR="0" lvl="0" indent="-342900" algn="just" defTabSz="914400" eaLnBrk="1" fontAlgn="auto" latinLnBrk="0" hangingPunct="1">
-              <a:lnSpc>
-                <a:spcPct val="100000"/>
-              </a:lnSpc>
-              <a:spcBef>
-                <a:spcPts val="0"/>
-              </a:spcBef>
-              <a:spcAft>
-                <a:spcPts val="0"/>
-              </a:spcAft>
-              <a:buClrTx/>
-              <a:buSzTx/>
-              <a:buFont typeface="+mj-lt"/>
-              <a:buAutoNum type="arabicPeriod"/>
-              <a:tabLst/>
-              <a:defRPr/>
-            </a:pPr>
-            <a:r>
-              <a:rPr lang="es-ES_tradnl" dirty="0" smtClean="0"/>
-              <a:t>Crear cuenta</a:t>
-            </a:r>
-          </a:p>
-          <a:p>
-            <a:pPr marL="800100" lvl="1" indent="-342900" algn="just" defTabSz="914400">
-              <a:buFont typeface="+mj-lt"/>
-              <a:buAutoNum type="alphaLcParenR"/>
-            </a:pPr>
-            <a:r>
-              <a:rPr lang="es-ES_tradnl" dirty="0" smtClean="0"/>
-              <a:t>Registro en </a:t>
-            </a:r>
-            <a:r>
-              <a:rPr lang="es-ES_tradnl" dirty="0" err="1" smtClean="0"/>
-              <a:t>github</a:t>
-            </a:r>
-            <a:r>
-              <a:rPr lang="es-ES_tradnl" dirty="0" smtClean="0"/>
-              <a:t>.</a:t>
-            </a:r>
-          </a:p>
-          <a:p>
-            <a:pPr marL="800100" lvl="1" indent="-342900" algn="just" defTabSz="914400">
-              <a:buFont typeface="+mj-lt"/>
-              <a:buAutoNum type="alphaLcParenR"/>
-            </a:pPr>
-            <a:r>
-              <a:rPr lang="es-ES_tradnl" dirty="0" smtClean="0"/>
-              <a:t>Crear un proyecto (repositorio) de prueba.</a:t>
-            </a:r>
-          </a:p>
-          <a:p>
-            <a:pPr marL="800100" lvl="1" indent="-342900" algn="just" defTabSz="914400">
-              <a:buFont typeface="+mj-lt"/>
-              <a:buAutoNum type="alphaLcParenR"/>
-            </a:pPr>
-            <a:r>
-              <a:rPr lang="es-ES_tradnl" dirty="0" smtClean="0"/>
-              <a:t>Crear un archivo y realizar cambios.</a:t>
-            </a:r>
-          </a:p>
-          <a:p>
-            <a:pPr marL="800100" lvl="1" indent="-342900" algn="just" defTabSz="914400">
-              <a:buFont typeface="+mj-lt"/>
-              <a:buAutoNum type="alphaLcParenR"/>
-            </a:pPr>
-            <a:r>
-              <a:rPr lang="es-ES_tradnl" dirty="0" smtClean="0"/>
-              <a:t>Confirmar los cambios y subir cambios.</a:t>
-            </a:r>
-          </a:p>
-          <a:p>
-            <a:pPr marL="800100" lvl="1" indent="-342900" algn="just" defTabSz="914400">
-              <a:buFont typeface="+mj-lt"/>
-              <a:buAutoNum type="alphaLcParenR"/>
-            </a:pPr>
-            <a:endParaRPr lang="es-ES_tradnl" dirty="0" smtClean="0"/>
-          </a:p>
-          <a:p>
-            <a:pPr marL="342900" indent="-342900" algn="just" defTabSz="914400">
-              <a:buFont typeface="+mj-lt"/>
-              <a:buAutoNum type="arabicPeriod"/>
-            </a:pPr>
-            <a:r>
-              <a:rPr lang="es-ES_tradnl" dirty="0" smtClean="0"/>
-              <a:t>Clonar un proyecto existente</a:t>
-            </a:r>
-          </a:p>
-          <a:p>
-            <a:pPr marL="800100" lvl="1" indent="-342900" algn="just" defTabSz="914400">
-              <a:buFont typeface="+mj-lt"/>
-              <a:buAutoNum type="alphaLcParenR"/>
-            </a:pPr>
-            <a:r>
-              <a:rPr lang="es-ES_tradnl" dirty="0" smtClean="0"/>
-              <a:t>Ubicarse en la rama correspondiente.</a:t>
-            </a:r>
-          </a:p>
-          <a:p>
-            <a:pPr marL="800100" lvl="1" indent="-342900" algn="just" defTabSz="914400">
-              <a:buFont typeface="+mj-lt"/>
-              <a:buAutoNum type="alphaLcParenR"/>
-            </a:pPr>
-            <a:r>
-              <a:rPr lang="es-ES_tradnl" dirty="0" smtClean="0"/>
-              <a:t>Realizar cambios a un determinado archivo.</a:t>
-            </a:r>
-          </a:p>
-          <a:p>
-            <a:pPr marL="800100" lvl="1" indent="-342900" algn="just" defTabSz="914400">
-              <a:buFont typeface="+mj-lt"/>
-              <a:buAutoNum type="alphaLcParenR"/>
-            </a:pPr>
-            <a:r>
-              <a:rPr lang="es-ES_tradnl" dirty="0" smtClean="0"/>
-              <a:t>Confirmar cambios y subirlos.</a:t>
-            </a:r>
-          </a:p>
-          <a:p>
-            <a:pPr marL="800100" lvl="1" indent="-342900" algn="just" defTabSz="914400">
-              <a:buFont typeface="+mj-lt"/>
-              <a:buAutoNum type="alphaLcParenR"/>
-            </a:pPr>
-            <a:r>
-              <a:rPr lang="es-ES_tradnl" dirty="0" smtClean="0"/>
-              <a:t>Fusionar las ramas (administrador).</a:t>
-            </a:r>
-          </a:p>
-          <a:p>
-            <a:pPr marL="800100" lvl="1" indent="-342900" algn="just" defTabSz="914400">
-              <a:buFont typeface="+mj-lt"/>
-              <a:buAutoNum type="alphaLcParenR"/>
-            </a:pPr>
-            <a:r>
-              <a:rPr lang="es-ES_tradnl" dirty="0" smtClean="0"/>
-              <a:t>Visualizar versión actualizada en master.</a:t>
-            </a:r>
-            <a:endParaRPr lang="es-ES_tradnl" dirty="0"/>
-          </a:p>
-        </p:txBody>
-      </p:sp>
-      <p:sp>
-        <p:nvSpPr>
-          <p:cNvPr id="4" name="CuadroTexto 3"/>
-          <p:cNvSpPr txBox="1"/>
-          <p:nvPr/>
-        </p:nvSpPr>
-        <p:spPr>
-          <a:xfrm>
-            <a:off x="56876" y="6340526"/>
-            <a:ext cx="2902205" cy="369332"/>
-          </a:xfrm>
-          <a:prstGeom prst="rect">
-            <a:avLst/>
-          </a:prstGeom>
-          <a:solidFill>
-            <a:schemeClr val="tx2">
-              <a:lumMod val="75000"/>
-              <a:lumOff val="25000"/>
-            </a:schemeClr>
-          </a:solidFill>
-        </p:spPr>
-        <p:txBody>
-          <a:bodyPr wrap="none" rtlCol="0">
-            <a:spAutoFit/>
-          </a:bodyPr>
-          <a:lstStyle/>
-          <a:p>
-            <a:r>
-              <a:rPr lang="es-ES_tradnl" dirty="0" smtClean="0">
-                <a:solidFill>
-                  <a:schemeClr val="bg1"/>
-                </a:solidFill>
-              </a:rPr>
-              <a:t>Fuente: https</a:t>
-            </a:r>
-            <a:r>
-              <a:rPr lang="es-ES_tradnl" dirty="0">
-                <a:solidFill>
-                  <a:schemeClr val="bg1"/>
-                </a:solidFill>
-              </a:rPr>
-              <a:t>://</a:t>
-            </a:r>
-            <a:r>
-              <a:rPr lang="es-ES_tradnl" dirty="0" err="1">
-                <a:solidFill>
-                  <a:schemeClr val="bg1"/>
-                </a:solidFill>
-              </a:rPr>
-              <a:t>git-scm.com</a:t>
-            </a:r>
-            <a:r>
-              <a:rPr lang="es-ES_tradnl" dirty="0">
-                <a:solidFill>
-                  <a:schemeClr val="bg1"/>
-                </a:solidFill>
-              </a:rPr>
-              <a:t>/</a:t>
-            </a:r>
-          </a:p>
-        </p:txBody>
-      </p:sp>
-      <p:pic>
-        <p:nvPicPr>
-          <p:cNvPr id="3" name="Imagen 2"/>
-          <p:cNvPicPr>
-            <a:picLocks noChangeAspect="1"/>
-          </p:cNvPicPr>
-          <p:nvPr/>
-        </p:nvPicPr>
-        <p:blipFill>
-          <a:blip r:embed="rId2">
-            <a:extLst>
-              <a:ext uri="{28A0092B-C50C-407E-A947-70E740481C1C}">
-                <a14:useLocalDpi xmlns:a14="http://schemas.microsoft.com/office/drawing/2010/main" val="0"/>
-              </a:ext>
-            </a:extLst>
-          </a:blip>
-          <a:stretch>
-            <a:fillRect/>
-          </a:stretch>
-        </p:blipFill>
-        <p:spPr>
-          <a:xfrm>
-            <a:off x="3606084" y="4826318"/>
-            <a:ext cx="7585656" cy="1683952"/>
-          </a:xfrm>
-          <a:prstGeom prst="rect">
-            <a:avLst/>
-          </a:prstGeom>
-        </p:spPr>
-      </p:pic>
-    </p:spTree>
-    <p:extLst>
-      <p:ext uri="{BB962C8B-B14F-4D97-AF65-F5344CB8AC3E}">
-        <p14:creationId xmlns:p14="http://schemas.microsoft.com/office/powerpoint/2010/main" val="116525941"/>
-      </p:ext>
-    </p:extLst>
-  </p:cSld>
-  <p:clrMapOvr>
-    <a:masterClrMapping/>
-  </p:clrMapOvr>
-</p:sld>
-</file>
-
-<file path=ppt/slides/slide18.xml><?xml version="1.0" encoding="utf-8"?>
-<p:sld xmlns:a="http://schemas.openxmlformats.org/drawingml/2006/main" xmlns:r="http://schemas.openxmlformats.org/officeDocument/2006/relationships" xmlns:p="http://schemas.openxmlformats.org/presentationml/2006/main">
-  <p:cSld>
-    <p:spTree>
-      <p:nvGrpSpPr>
-        <p:cNvPr id="1" name=""/>
-        <p:cNvGrpSpPr/>
-        <p:nvPr/>
-      </p:nvGrpSpPr>
-      <p:grpSpPr>
-        <a:xfrm>
-          <a:off x="0" y="0"/>
-          <a:ext cx="0" cy="0"/>
-          <a:chOff x="0" y="0"/>
-          <a:chExt cx="0" cy="0"/>
-        </a:xfrm>
-      </p:grpSpPr>
-      <p:sp>
-        <p:nvSpPr>
-          <p:cNvPr id="2" name="Título 1"/>
-          <p:cNvSpPr>
-            <a:spLocks noGrp="1"/>
-          </p:cNvSpPr>
-          <p:nvPr>
-            <p:ph type="title"/>
-          </p:nvPr>
-        </p:nvSpPr>
-        <p:spPr/>
-        <p:txBody>
-          <a:bodyPr/>
-          <a:lstStyle/>
-          <a:p>
-            <a:r>
-              <a:rPr lang="es-ES" dirty="0" smtClean="0"/>
-              <a:t>Enlaces  útiles</a:t>
-            </a:r>
-            <a:endParaRPr lang="es-ES_tradnl" dirty="0"/>
-          </a:p>
-        </p:txBody>
-      </p:sp>
-      <p:sp>
-        <p:nvSpPr>
-          <p:cNvPr id="3" name="Marcador de contenido 2"/>
-          <p:cNvSpPr>
-            <a:spLocks noGrp="1"/>
-          </p:cNvSpPr>
-          <p:nvPr>
-            <p:ph idx="1"/>
-          </p:nvPr>
-        </p:nvSpPr>
-        <p:spPr/>
-        <p:txBody>
-          <a:bodyPr/>
-          <a:lstStyle/>
-          <a:p>
-            <a:r>
-              <a:rPr lang="es-ES_tradnl" dirty="0"/>
-              <a:t>Libro </a:t>
-            </a:r>
-            <a:r>
-              <a:rPr lang="es-ES_tradnl" dirty="0" smtClean="0"/>
-              <a:t>Oficial </a:t>
-            </a:r>
-            <a:r>
-              <a:rPr lang="es-ES_tradnl" dirty="0" smtClean="0">
-                <a:sym typeface="Wingdings"/>
-              </a:rPr>
-              <a:t> </a:t>
-            </a:r>
-            <a:r>
-              <a:rPr lang="es-ES_tradnl" dirty="0" smtClean="0">
-                <a:hlinkClick r:id="rId2"/>
-              </a:rPr>
-              <a:t>https</a:t>
-            </a:r>
-            <a:r>
-              <a:rPr lang="es-ES_tradnl" dirty="0">
-                <a:hlinkClick r:id="rId2"/>
-              </a:rPr>
-              <a:t>://</a:t>
-            </a:r>
-            <a:r>
-              <a:rPr lang="es-ES_tradnl" dirty="0" smtClean="0">
-                <a:hlinkClick r:id="rId2"/>
-              </a:rPr>
-              <a:t>git-scm.com/book/en/v2</a:t>
-            </a:r>
-            <a:r>
-              <a:rPr lang="es-ES_tradnl" dirty="0" smtClean="0"/>
-              <a:t>  </a:t>
-            </a:r>
-          </a:p>
-          <a:p>
-            <a:r>
-              <a:rPr lang="es-ES_tradnl" dirty="0" smtClean="0"/>
-              <a:t>Acerca de </a:t>
-            </a:r>
-            <a:r>
-              <a:rPr lang="es-ES_tradnl" dirty="0" err="1" smtClean="0"/>
-              <a:t>Git</a:t>
-            </a:r>
-            <a:r>
-              <a:rPr lang="es-ES_tradnl" dirty="0" smtClean="0"/>
-              <a:t> </a:t>
-            </a:r>
-            <a:r>
-              <a:rPr lang="es-ES_tradnl" dirty="0">
-                <a:sym typeface="Wingdings"/>
-              </a:rPr>
-              <a:t> </a:t>
-            </a:r>
-            <a:r>
-              <a:rPr lang="es-ES_tradnl" dirty="0">
-                <a:sym typeface="Wingdings"/>
-                <a:hlinkClick r:id="rId3"/>
-              </a:rPr>
-              <a:t>https://</a:t>
-            </a:r>
-            <a:r>
-              <a:rPr lang="es-ES_tradnl" dirty="0" smtClean="0">
-                <a:sym typeface="Wingdings"/>
-                <a:hlinkClick r:id="rId3"/>
-              </a:rPr>
-              <a:t>git-scm.com/about/branching-and-merging</a:t>
-            </a:r>
-            <a:r>
-              <a:rPr lang="es-ES_tradnl" dirty="0" smtClean="0">
-                <a:sym typeface="Wingdings"/>
-              </a:rPr>
-              <a:t> </a:t>
-            </a:r>
-            <a:endParaRPr lang="es-ES_tradnl" dirty="0" smtClean="0"/>
-          </a:p>
-          <a:p>
-            <a:r>
-              <a:rPr lang="es-ES_tradnl" dirty="0" smtClean="0"/>
-              <a:t>Descarga </a:t>
-            </a:r>
-            <a:r>
-              <a:rPr lang="es-ES_tradnl" dirty="0"/>
-              <a:t>en distintos S.O </a:t>
-            </a:r>
-            <a:r>
-              <a:rPr lang="es-ES_tradnl" dirty="0" smtClean="0">
-                <a:sym typeface="Wingdings"/>
-              </a:rPr>
-              <a:t> </a:t>
-            </a:r>
-            <a:r>
-              <a:rPr lang="es-ES_tradnl" dirty="0" smtClean="0">
-                <a:hlinkClick r:id="rId4"/>
-              </a:rPr>
-              <a:t>https://git-scm.com/downloads</a:t>
-            </a:r>
-            <a:endParaRPr lang="es-ES_tradnl" dirty="0"/>
-          </a:p>
-          <a:p>
-            <a:r>
-              <a:rPr lang="es-ES_tradnl" dirty="0" smtClean="0"/>
-              <a:t>Clientes GUI </a:t>
-            </a:r>
-            <a:r>
-              <a:rPr lang="es-ES_tradnl" dirty="0">
-                <a:sym typeface="Wingdings"/>
-              </a:rPr>
-              <a:t> </a:t>
-            </a:r>
-            <a:r>
-              <a:rPr lang="es-ES_tradnl" dirty="0">
-                <a:sym typeface="Wingdings"/>
-                <a:hlinkClick r:id="rId5"/>
-              </a:rPr>
-              <a:t>https://</a:t>
-            </a:r>
-            <a:r>
-              <a:rPr lang="es-ES_tradnl" dirty="0" smtClean="0">
-                <a:sym typeface="Wingdings"/>
-                <a:hlinkClick r:id="rId5"/>
-              </a:rPr>
-              <a:t>git-scm.com/downloads/guis</a:t>
-            </a:r>
-            <a:r>
-              <a:rPr lang="es-ES_tradnl" dirty="0" smtClean="0">
-                <a:sym typeface="Wingdings"/>
-              </a:rPr>
-              <a:t> </a:t>
-            </a:r>
-            <a:endParaRPr lang="es-ES_tradnl" dirty="0"/>
-          </a:p>
-        </p:txBody>
-      </p:sp>
-    </p:spTree>
-    <p:extLst>
-      <p:ext uri="{BB962C8B-B14F-4D97-AF65-F5344CB8AC3E}">
-        <p14:creationId xmlns:p14="http://schemas.microsoft.com/office/powerpoint/2010/main" val="1252257579"/>
-      </p:ext>
-    </p:extLst>
-  </p:cSld>
-  <p:clrMapOvr>
-    <a:masterClrMapping/>
-  </p:clrMapOvr>
+  <p:timing>
+    <p:tnLst>
+      <p:par>
+        <p:cTn id="1" dur="indefinite" restart="never" nodeType="tmRoot"/>
+      </p:par>
+    </p:tnLst>
+  </p:timing>
 </p:sld>
 </file>
 
@@ -9653,7 +10117,7 @@
             </a:r>
             <a:r>
               <a:rPr lang="es-ES_tradnl" dirty="0" smtClean="0"/>
-              <a:t>GIT</a:t>
+              <a:t>Introducción</a:t>
             </a:r>
             <a:endParaRPr lang="es-ES_tradnl" dirty="0"/>
           </a:p>
@@ -9787,6 +10251,13 @@
   <p:clrMapOvr>
     <a:masterClrMapping/>
   </p:clrMapOvr>
+  <p:timing>
+    <p:tnLst>
+      <p:par>
+        <p:cTn id="1" dur="indefinite" restart="never" nodeType="tmRoot"/>
+      </p:par>
+    </p:tnLst>
+  </p:timing>
 </p:sld>
 </file>
 
@@ -9822,27 +10293,7 @@
           <a:bodyPr/>
           <a:lstStyle/>
           <a:p>
-            <a:r>
-              <a:rPr lang="es-ES_tradnl" dirty="0" smtClean="0">
-                <a:solidFill>
-                  <a:srgbClr val="FF0000"/>
-                </a:solidFill>
-              </a:rPr>
-              <a:t>Sistemas de Control de Versiones - NO IR</a:t>
-            </a:r>
-            <a:r>
-              <a:rPr lang="es-ES" dirty="0" smtClean="0">
-                <a:solidFill>
-                  <a:srgbClr val="FF0000"/>
-                </a:solidFill>
-              </a:rPr>
-              <a:t>ÍA</a:t>
-            </a:r>
-            <a:endParaRPr lang="es-ES_tradnl" dirty="0">
-              <a:solidFill>
-                <a:srgbClr val="FF0000"/>
-              </a:solidFill>
-            </a:endParaRPr>
+            <a:endParaRPr lang="es-ES_tradnl" dirty="0"/>
           </a:p>
         </p:txBody>
       </p:sp>
@@ -9856,190 +10307,55 @@
             <p:ph idx="1"/>
           </p:nvPr>
         </p:nvSpPr>
-        <p:spPr>
-          <a:xfrm>
-            <a:off x="1484311" y="2438399"/>
-            <a:ext cx="10018712" cy="3863009"/>
-          </a:xfrm>
-        </p:spPr>
+        <p:spPr/>
         <p:txBody>
           <a:bodyPr>
-            <a:normAutofit fontScale="92500" lnSpcReduction="20000"/>
+            <a:normAutofit/>
           </a:bodyPr>
           <a:lstStyle/>
           <a:p>
-            <a:r>
-              <a:rPr lang="es-ES_tradnl" dirty="0"/>
-              <a:t>Local </a:t>
-            </a:r>
-            <a:r>
-              <a:rPr lang="es-ES_tradnl" dirty="0" err="1"/>
-              <a:t>version</a:t>
-            </a:r>
-            <a:r>
-              <a:rPr lang="es-ES_tradnl" dirty="0"/>
-              <a:t> control </a:t>
-            </a:r>
-            <a:r>
-              <a:rPr lang="es-ES_tradnl" dirty="0" err="1"/>
-              <a:t>weaknesses</a:t>
-            </a:r>
-            <a:endParaRPr lang="es-ES_tradnl" dirty="0"/>
-          </a:p>
-          <a:p>
-            <a:r>
-              <a:rPr lang="es-ES_tradnl" dirty="0" err="1"/>
-              <a:t>Centralized</a:t>
-            </a:r>
-            <a:r>
-              <a:rPr lang="es-ES_tradnl" dirty="0"/>
-              <a:t> </a:t>
-            </a:r>
-            <a:r>
-              <a:rPr lang="es-ES_tradnl" dirty="0" err="1"/>
-              <a:t>version</a:t>
-            </a:r>
-            <a:r>
-              <a:rPr lang="es-ES_tradnl" dirty="0"/>
-              <a:t> control </a:t>
-            </a:r>
-            <a:r>
-              <a:rPr lang="es-ES_tradnl" dirty="0" err="1"/>
-              <a:t>diagram</a:t>
-            </a:r>
-            <a:endParaRPr lang="es-ES_tradnl" dirty="0"/>
-          </a:p>
-          <a:p>
-            <a:pPr lvl="1"/>
+            <a:pPr algn="just"/>
+            <a:r>
+              <a:rPr lang="es-ES_tradnl" b="1" i="1" dirty="0" smtClean="0"/>
+              <a:t>Control </a:t>
+            </a:r>
+            <a:r>
+              <a:rPr lang="es-ES_tradnl" b="1" i="1" dirty="0" smtClean="0"/>
+              <a:t>de Versiones</a:t>
+            </a:r>
+            <a:r>
+              <a:rPr lang="es-ES" b="1" i="1" dirty="0" smtClean="0"/>
+              <a:t>:</a:t>
+            </a:r>
             <a:r>
               <a:rPr lang="es-ES" dirty="0" smtClean="0"/>
-              <a:t>Punto </a:t>
+              <a:t> es </a:t>
             </a:r>
             <a:r>
               <a:rPr lang="es-ES" dirty="0"/>
-              <a:t>único de fallo </a:t>
+              <a:t>un sistema que registra los cambios realizados sobre un archivo o conjunto de archivos a lo largo del tiempo, de modo que puedas recuperar versiones específicas más adelante</a:t>
             </a:r>
             <a:endParaRPr lang="es-ES" dirty="0" smtClean="0"/>
-          </a:p>
-          <a:p>
-            <a:pPr lvl="1"/>
-            <a:r>
-              <a:rPr lang="es-ES" dirty="0"/>
-              <a:t>L</a:t>
-            </a:r>
-            <a:r>
-              <a:rPr lang="es-ES" dirty="0" smtClean="0"/>
-              <a:t>as </a:t>
-            </a:r>
-            <a:r>
-              <a:rPr lang="es-ES" dirty="0"/>
-              <a:t>subidas son lentas </a:t>
-            </a:r>
-            <a:endParaRPr lang="es-ES" dirty="0" smtClean="0"/>
-          </a:p>
-          <a:p>
-            <a:pPr lvl="1"/>
-            <a:r>
-              <a:rPr lang="es-ES" dirty="0"/>
-              <a:t>C</a:t>
-            </a:r>
-            <a:r>
-              <a:rPr lang="es-ES" dirty="0" smtClean="0"/>
-              <a:t>ambios </a:t>
-            </a:r>
-            <a:r>
-              <a:rPr lang="es-ES" dirty="0"/>
-              <a:t>pueden romper todos </a:t>
-            </a:r>
-            <a:endParaRPr lang="es-ES" dirty="0" smtClean="0"/>
-          </a:p>
-          <a:p>
-            <a:pPr lvl="1"/>
-            <a:r>
-              <a:rPr lang="es-ES" dirty="0"/>
-              <a:t>L</a:t>
-            </a:r>
-            <a:r>
-              <a:rPr lang="es-ES" dirty="0" smtClean="0"/>
-              <a:t>a </a:t>
-            </a:r>
-            <a:r>
-              <a:rPr lang="es-ES" dirty="0"/>
-              <a:t>fusión es </a:t>
-            </a:r>
-            <a:r>
-              <a:rPr lang="es-ES" dirty="0" smtClean="0"/>
-              <a:t>dolorosa</a:t>
-            </a:r>
-          </a:p>
-          <a:p>
-            <a:r>
-              <a:rPr lang="es-ES_tradnl" dirty="0" err="1" smtClean="0"/>
-              <a:t>Distributed</a:t>
-            </a:r>
-            <a:r>
-              <a:rPr lang="es-ES_tradnl" dirty="0" smtClean="0"/>
-              <a:t> </a:t>
-            </a:r>
-            <a:r>
-              <a:rPr lang="es-ES_tradnl" dirty="0" err="1"/>
-              <a:t>version</a:t>
-            </a:r>
-            <a:r>
-              <a:rPr lang="es-ES_tradnl" dirty="0"/>
-              <a:t> control </a:t>
-            </a:r>
-            <a:r>
-              <a:rPr lang="es-ES_tradnl" dirty="0" err="1"/>
-              <a:t>diagram</a:t>
-            </a:r>
-            <a:endParaRPr lang="es-ES_tradnl" dirty="0"/>
-          </a:p>
-          <a:p>
-            <a:pPr lvl="1"/>
-            <a:r>
-              <a:rPr lang="es-ES_tradnl" dirty="0" smtClean="0"/>
-              <a:t>Distribuido</a:t>
-            </a:r>
-          </a:p>
-          <a:p>
-            <a:pPr lvl="1"/>
-            <a:r>
-              <a:rPr lang="es-ES_tradnl" dirty="0" smtClean="0"/>
-              <a:t>no necesidad red</a:t>
-            </a:r>
-          </a:p>
-          <a:p>
-            <a:pPr lvl="1"/>
-            <a:r>
-              <a:rPr lang="es-ES_tradnl" dirty="0" smtClean="0"/>
-              <a:t>R</a:t>
-            </a:r>
-            <a:r>
-              <a:rPr lang="es-ES" dirty="0" err="1" smtClean="0"/>
-              <a:t>ápido</a:t>
-            </a:r>
-            <a:r>
-              <a:rPr lang="es-ES_tradnl" dirty="0" smtClean="0"/>
-              <a:t> (local</a:t>
-            </a:r>
-            <a:r>
-              <a:rPr lang="es-ES_tradnl" dirty="0"/>
-              <a:t>)</a:t>
-            </a:r>
           </a:p>
         </p:txBody>
       </p:sp>
     </p:spTree>
     <p:extLst>
       <p:ext uri="{BB962C8B-B14F-4D97-AF65-F5344CB8AC3E}">
-        <p14:creationId xmlns:p14="http://schemas.microsoft.com/office/powerpoint/2010/main" val="647926659"/>
+        <p14:creationId xmlns:p14="http://schemas.microsoft.com/office/powerpoint/2010/main" val="422520315"/>
       </p:ext>
     </p:extLst>
   </p:cSld>
   <p:clrMapOvr>
     <a:masterClrMapping/>
   </p:clrMapOvr>
+  <p:timing>
+    <p:tnLst>
+      <p:par>
+        <p:cTn id="1" dur="indefinite" restart="never" nodeType="tmRoot"/>
+      </p:par>
+    </p:tnLst>
+  </p:timing>
 </p:sld>
 </file>
 
@@ -11236,6 +11552,13 @@
   <p:clrMapOvr>
     <a:masterClrMapping/>
   </p:clrMapOvr>
+  <p:timing>
+    <p:tnLst>
+      <p:par>
+        <p:cTn id="1" dur="indefinite" restart="never" nodeType="tmRoot"/>
+      </p:par>
+    </p:tnLst>
+  </p:timing>
 </p:sld>
 </file>
 
@@ -11266,47 +11589,20 @@
             <p:ph type="title"/>
           </p:nvPr>
         </p:nvSpPr>
-        <p:spPr>
-          <a:xfrm>
-            <a:off x="1484310" y="117389"/>
-            <a:ext cx="10018713" cy="673443"/>
-          </a:xfrm>
-        </p:spPr>
-        <p:txBody>
-          <a:bodyPr>
-            <a:normAutofit fontScale="90000"/>
-          </a:bodyPr>
+        <p:spPr/>
+        <p:txBody>
+          <a:bodyPr/>
           <a:lstStyle/>
           <a:p>
             <a:r>
-              <a:rPr lang="es-ES_tradnl" dirty="0" smtClean="0">
-                <a:solidFill>
-                  <a:srgbClr val="FF0000"/>
-                </a:solidFill>
-              </a:rPr>
-              <a:t>Un poco de historia (Esquema</a:t>
-            </a:r>
-            <a:r>
-              <a:rPr lang="es-ES_tradnl" dirty="0" smtClean="0">
-                <a:solidFill>
-                  <a:srgbClr val="FF0000"/>
-                </a:solidFill>
-              </a:rPr>
-              <a:t>) NO IR</a:t>
-            </a:r>
-            <a:r>
-              <a:rPr lang="es-ES" dirty="0" smtClean="0">
-                <a:solidFill>
-                  <a:srgbClr val="FF0000"/>
-                </a:solidFill>
-              </a:rPr>
-              <a:t>ÍA</a:t>
-            </a:r>
-            <a:endParaRPr lang="es-ES_tradnl" dirty="0">
-              <a:solidFill>
-                <a:srgbClr val="FF0000"/>
-              </a:solidFill>
-            </a:endParaRPr>
+              <a:rPr lang="es-ES_tradnl" dirty="0" smtClean="0"/>
+              <a:t>¿Qué</a:t>
+            </a:r>
+            <a:r>
+              <a:rPr lang="es-ES" dirty="0" smtClean="0"/>
+              <a:t> es GIT?</a:t>
+            </a:r>
+            <a:endParaRPr lang="es-ES_tradnl" dirty="0"/>
           </a:p>
         </p:txBody>
       </p:sp>
@@ -11320,12 +11616,7 @@
             <p:ph idx="1"/>
           </p:nvPr>
         </p:nvSpPr>
-        <p:spPr>
-          <a:xfrm>
-            <a:off x="1484310" y="889687"/>
-            <a:ext cx="10018713" cy="4901514"/>
-          </a:xfrm>
-        </p:spPr>
+        <p:spPr/>
         <p:txBody>
           <a:bodyPr>
             <a:normAutofit/>
@@ -11334,149 +11625,82 @@
           <a:p>
             <a:pPr algn="just"/>
             <a:r>
-              <a:rPr lang="es-ES_tradnl" dirty="0"/>
-              <a:t>Durante la mayor parte del mantenimiento del núcleo de Linux (1991-2002), los cambios en el software se pasaron en forma de parches y archivos. En 2002, el proyecto del núcleo de Linux empezó a usar un DVCS propietario llamado </a:t>
-            </a:r>
-            <a:r>
-              <a:rPr lang="es-ES_tradnl" dirty="0" err="1"/>
-              <a:t>BitKeeper</a:t>
+              <a:rPr lang="es-ES_tradnl" dirty="0" err="1"/>
+              <a:t>Git</a:t>
+            </a:r>
+            <a:r>
+              <a:rPr lang="es-ES_tradnl" dirty="0"/>
+              <a:t> </a:t>
             </a:r>
             <a:r>
               <a:rPr lang="es-ES_tradnl" dirty="0" smtClean="0"/>
-              <a:t>.</a:t>
-            </a:r>
+              <a:t> es un sistema de control de versiones </a:t>
+            </a:r>
+            <a:r>
+              <a:rPr lang="es-ES_tradnl" b="1" dirty="0" smtClean="0"/>
+              <a:t>distribuido</a:t>
+            </a:r>
+            <a:r>
+              <a:rPr lang="es-ES_tradnl" dirty="0" smtClean="0"/>
+              <a:t> </a:t>
+            </a:r>
+            <a:r>
+              <a:rPr lang="es-ES_tradnl" b="1" i="1" dirty="0" smtClean="0"/>
+              <a:t>free y open </a:t>
+            </a:r>
+            <a:r>
+              <a:rPr lang="es-ES_tradnl" b="1" i="1" dirty="0" err="1" smtClean="0"/>
+              <a:t>source</a:t>
+            </a:r>
+            <a:r>
+              <a:rPr lang="es-ES_tradnl" b="1" i="1" dirty="0" smtClean="0"/>
+              <a:t> </a:t>
+            </a:r>
+            <a:r>
+              <a:rPr lang="es-ES_tradnl" dirty="0" smtClean="0"/>
+              <a:t>diseñado para manejar desde proyectos pequeños a muy grandes con </a:t>
+            </a:r>
+            <a:r>
+              <a:rPr lang="es-ES_tradnl" b="1" i="1" dirty="0" err="1" smtClean="0"/>
+              <a:t>ra</a:t>
+            </a:r>
+            <a:r>
+              <a:rPr lang="es-ES" b="1" i="1" dirty="0" err="1" smtClean="0"/>
+              <a:t>pidez</a:t>
+            </a:r>
+            <a:r>
+              <a:rPr lang="es-ES_tradnl" b="1" i="1" dirty="0" smtClean="0"/>
+              <a:t> y eficiencia</a:t>
+            </a:r>
+            <a:r>
+              <a:rPr lang="es-ES_tradnl" dirty="0" smtClean="0"/>
+              <a:t>. </a:t>
+            </a:r>
+            <a:endParaRPr lang="es-ES_tradnl" dirty="0"/>
           </a:p>
           <a:p>
             <a:pPr algn="just"/>
-            <a:r>
-              <a:rPr lang="es-ES_tradnl" dirty="0"/>
-              <a:t>En 2005, la relación entre la comunidad que desarrollaba el núcleo de Linux y la compañía que desarrollaba </a:t>
-            </a:r>
-            <a:r>
-              <a:rPr lang="es-ES_tradnl" dirty="0" err="1"/>
-              <a:t>BitKeeper</a:t>
-            </a:r>
-            <a:r>
-              <a:rPr lang="es-ES_tradnl" dirty="0"/>
-              <a:t> se vino abajo, y la herramienta dejó de ser gratuita.</a:t>
-            </a:r>
-          </a:p>
-          <a:p>
-            <a:pPr algn="just"/>
-            <a:r>
-              <a:rPr lang="es-ES_tradnl" dirty="0" smtClean="0"/>
-              <a:t>Esto </a:t>
-            </a:r>
-            <a:r>
-              <a:rPr lang="es-ES_tradnl" dirty="0"/>
-              <a:t>impulsó a la comunidad de desarrollo de Linux (y en particular a </a:t>
-            </a:r>
-            <a:r>
-              <a:rPr lang="es-ES_tradnl" dirty="0" err="1"/>
-              <a:t>Linus</a:t>
-            </a:r>
-            <a:r>
-              <a:rPr lang="es-ES_tradnl" dirty="0"/>
-              <a:t> </a:t>
-            </a:r>
-            <a:r>
-              <a:rPr lang="es-ES_tradnl" dirty="0" err="1"/>
-              <a:t>Torvalds</a:t>
-            </a:r>
-            <a:r>
-              <a:rPr lang="es-ES_tradnl" dirty="0"/>
-              <a:t>, el creador de Linux) </a:t>
-            </a:r>
-            <a:r>
-              <a:rPr lang="es-ES_tradnl" dirty="0" smtClean="0"/>
-              <a:t>a desarrollar GIT. </a:t>
-            </a:r>
-          </a:p>
-          <a:p>
-            <a:pPr algn="just"/>
-            <a:r>
-              <a:rPr lang="es-ES_tradnl" dirty="0" smtClean="0"/>
-              <a:t>Desde el 2005 GIT ha evolucionado y madurado.</a:t>
-            </a:r>
-            <a:endParaRPr lang="es-ES_tradnl" dirty="0"/>
-          </a:p>
-          <a:p>
-            <a:endParaRPr lang="es-ES_tradnl" dirty="0"/>
-          </a:p>
-        </p:txBody>
-      </p:sp>
-      <p:sp>
-        <p:nvSpPr>
-          <p:cNvPr id="5" name="CuadroTexto 4"/>
-          <p:cNvSpPr txBox="1"/>
-          <p:nvPr/>
-        </p:nvSpPr>
-        <p:spPr>
-          <a:xfrm>
-            <a:off x="56876" y="6340526"/>
-            <a:ext cx="2902205" cy="369332"/>
-          </a:xfrm>
-          <a:prstGeom prst="rect">
-            <a:avLst/>
-          </a:prstGeom>
-          <a:solidFill>
-            <a:schemeClr val="tx2">
-              <a:lumMod val="75000"/>
-              <a:lumOff val="25000"/>
-            </a:schemeClr>
-          </a:solidFill>
-        </p:spPr>
-        <p:txBody>
-          <a:bodyPr wrap="none" rtlCol="0">
-            <a:spAutoFit/>
-          </a:bodyPr>
-          <a:lstStyle/>
-          <a:p>
-            <a:r>
-              <a:rPr lang="es-ES_tradnl" dirty="0" smtClean="0">
-                <a:solidFill>
-                  <a:schemeClr val="bg1"/>
-                </a:solidFill>
-              </a:rPr>
-              <a:t>Fuente: https</a:t>
-            </a:r>
-            <a:r>
-              <a:rPr lang="es-ES_tradnl" dirty="0">
-                <a:solidFill>
-                  <a:schemeClr val="bg1"/>
-                </a:solidFill>
-              </a:rPr>
-              <a:t>://</a:t>
-            </a:r>
-            <a:r>
-              <a:rPr lang="es-ES_tradnl" dirty="0" err="1">
-                <a:solidFill>
-                  <a:schemeClr val="bg1"/>
-                </a:solidFill>
-              </a:rPr>
-              <a:t>git-scm.com</a:t>
-            </a:r>
-            <a:r>
-              <a:rPr lang="es-ES_tradnl" dirty="0">
-                <a:solidFill>
-                  <a:schemeClr val="bg1"/>
-                </a:solidFill>
-              </a:rPr>
-              <a:t>/</a:t>
-            </a:r>
+            <a:endParaRPr lang="es-ES_tradnl" dirty="0" smtClean="0"/>
           </a:p>
         </p:txBody>
       </p:sp>
     </p:spTree>
     <p:extLst>
       <p:ext uri="{BB962C8B-B14F-4D97-AF65-F5344CB8AC3E}">
-        <p14:creationId xmlns:p14="http://schemas.microsoft.com/office/powerpoint/2010/main" val="770103615"/>
+        <p14:creationId xmlns:p14="http://schemas.microsoft.com/office/powerpoint/2010/main" val="999027129"/>
       </p:ext>
     </p:extLst>
   </p:cSld>
   <p:clrMapOvr>
     <a:masterClrMapping/>
   </p:clrMapOvr>
+  <p:timing>
+    <p:tnLst>
+      <p:par>
+        <p:cTn id="1" dur="indefinite" restart="never" nodeType="tmRoot"/>
+      </p:par>
+    </p:tnLst>
+  </p:timing>
 </p:sld>
 </file>
 
@@ -11745,6 +11969,13 @@
   <p:clrMapOvr>
     <a:masterClrMapping/>
   </p:clrMapOvr>
+  <p:timing>
+    <p:tnLst>
+      <p:par>
+        <p:cTn id="1" dur="indefinite" restart="never" nodeType="tmRoot"/>
+      </p:par>
+    </p:tnLst>
+  </p:timing>
 </p:sld>
 </file>
 
@@ -11782,15 +12013,7 @@
           <a:p>
             <a:r>
               <a:rPr lang="es-ES_tradnl" dirty="0" smtClean="0"/>
-              <a:t>¿Qué</a:t>
-            </a:r>
-            <a:r>
-              <a:rPr lang="es-ES" dirty="0" smtClean="0"/>
-              <a:t> </a:t>
-            </a:r>
-            <a:r>
-              <a:rPr lang="es-ES" dirty="0" smtClean="0"/>
-              <a:t>es GIT?</a:t>
+              <a:t>Características</a:t>
             </a:r>
             <a:endParaRPr lang="es-ES_tradnl" dirty="0"/>
           </a:p>
@@ -11809,117 +12032,102 @@
         <p:spPr/>
         <p:txBody>
           <a:bodyPr>
-            <a:normAutofit/>
+            <a:normAutofit fontScale="92500" lnSpcReduction="10000"/>
           </a:bodyPr>
           <a:lstStyle/>
           <a:p>
             <a:pPr algn="just"/>
             <a:r>
-              <a:rPr lang="es-ES_tradnl" dirty="0" err="1"/>
-              <a:t>Git</a:t>
-            </a:r>
-            <a:r>
-              <a:rPr lang="es-ES_tradnl" dirty="0"/>
-              <a:t> </a:t>
-            </a:r>
-            <a:r>
               <a:rPr lang="es-ES_tradnl" dirty="0" smtClean="0"/>
-              <a:t> es un sistema de control de versiones </a:t>
-            </a:r>
-            <a:r>
-              <a:rPr lang="es-ES_tradnl" b="1" dirty="0" smtClean="0"/>
-              <a:t>distribuido</a:t>
-            </a:r>
+              <a:t>Rapidez</a:t>
+            </a:r>
+          </a:p>
+          <a:p>
+            <a:pPr algn="just"/>
             <a:r>
               <a:rPr lang="es-ES_tradnl" dirty="0" smtClean="0"/>
-              <a:t> </a:t>
-            </a:r>
-            <a:r>
-              <a:rPr lang="es-ES_tradnl" b="1" i="1" dirty="0" smtClean="0"/>
-              <a:t>free y open </a:t>
-            </a:r>
-            <a:r>
-              <a:rPr lang="es-ES_tradnl" b="1" i="1" dirty="0" err="1" smtClean="0"/>
-              <a:t>source</a:t>
-            </a:r>
-            <a:r>
-              <a:rPr lang="es-ES_tradnl" b="1" i="1" dirty="0" smtClean="0"/>
-              <a:t> </a:t>
-            </a:r>
+              <a:t>Distribuido</a:t>
+            </a:r>
+            <a:endParaRPr lang="es-ES_tradnl" dirty="0"/>
+          </a:p>
+          <a:p>
+            <a:pPr algn="just"/>
             <a:r>
               <a:rPr lang="es-ES_tradnl" dirty="0" smtClean="0"/>
-              <a:t>diseñado para manejar desde proyectos pequeños a </a:t>
-            </a:r>
+              <a:t>Aseguramiento de Datos. (encriptados)</a:t>
+            </a:r>
+            <a:endParaRPr lang="es-ES_tradnl" dirty="0"/>
+          </a:p>
+          <a:p>
+            <a:pPr algn="just"/>
             <a:r>
               <a:rPr lang="es-ES_tradnl" dirty="0" smtClean="0"/>
-              <a:t>muy grandes </a:t>
+              <a:t>Modelo de </a:t>
+            </a:r>
+            <a:r>
+              <a:rPr lang="es-ES_tradnl" dirty="0" err="1" smtClean="0"/>
+              <a:t>branching</a:t>
             </a:r>
             <a:r>
               <a:rPr lang="es-ES_tradnl" dirty="0" smtClean="0"/>
-              <a:t>con </a:t>
-            </a:r>
-            <a:r>
-              <a:rPr lang="es-ES_tradnl" b="1" i="1" dirty="0" err="1" smtClean="0"/>
-              <a:t>ra</a:t>
-            </a:r>
-            <a:r>
-              <a:rPr lang="es-ES" b="1" i="1" dirty="0" err="1" smtClean="0"/>
-              <a:t>pidez</a:t>
-            </a:r>
-            <a:r>
-              <a:rPr lang="es-ES_tradnl" b="1" i="1" dirty="0" smtClean="0"/>
-              <a:t> y eficiencia</a:t>
+              <a:t>. Fuerte </a:t>
+            </a:r>
+            <a:r>
+              <a:rPr lang="es-ES_tradnl" dirty="0"/>
+              <a:t>apoyo en el desarrollo no lineal </a:t>
             </a:r>
             <a:r>
               <a:rPr lang="es-ES_tradnl" dirty="0" smtClean="0"/>
-              <a:t>. </a:t>
+              <a:t>(Miles de ramas paralelas)</a:t>
             </a:r>
             <a:endParaRPr lang="es-ES_tradnl" dirty="0"/>
           </a:p>
           <a:p>
             <a:pPr algn="just"/>
-            <a:endParaRPr lang="es-ES_tradnl" dirty="0" smtClean="0"/>
+            <a:r>
+              <a:rPr lang="es-ES_tradnl" dirty="0" smtClean="0"/>
+              <a:t>Capacidad </a:t>
+            </a:r>
+            <a:r>
+              <a:rPr lang="es-ES_tradnl" dirty="0"/>
+              <a:t>de manejar grandes </a:t>
+            </a:r>
+            <a:r>
+              <a:rPr lang="es-ES_tradnl" dirty="0" smtClean="0"/>
+              <a:t>proyectos.</a:t>
+            </a:r>
           </a:p>
           <a:p>
             <a:pPr algn="just"/>
             <a:r>
-              <a:rPr lang="es-ES_tradnl" b="1" i="1" dirty="0" smtClean="0"/>
-              <a:t>Control </a:t>
-            </a:r>
-            <a:r>
-              <a:rPr lang="es-ES_tradnl" b="1" i="1" dirty="0" smtClean="0"/>
-              <a:t>de Versiones</a:t>
-            </a:r>
-            <a:r>
-              <a:rPr lang="es-ES" b="1" i="1" dirty="0" smtClean="0"/>
-              <a:t>:</a:t>
-            </a:r>
-            <a:r>
-              <a:rPr lang="es-ES" dirty="0" smtClean="0"/>
-              <a:t> </a:t>
-            </a:r>
-            <a:r>
-              <a:rPr lang="es-ES" dirty="0" smtClean="0"/>
-              <a:t>es </a:t>
-            </a:r>
-            <a:r>
-              <a:rPr lang="es-ES" dirty="0"/>
-              <a:t>un sistema que registra los cambios realizados sobre un archivo o conjunto de archivos a lo largo del tiempo, de modo que puedas recuperar versiones específicas más adelante</a:t>
-            </a:r>
-            <a:endParaRPr lang="es-ES" dirty="0" smtClean="0"/>
+              <a:rPr lang="es-ES_tradnl" dirty="0" smtClean="0"/>
+              <a:t>Free y Open </a:t>
+            </a:r>
+            <a:r>
+              <a:rPr lang="es-ES_tradnl" dirty="0" err="1" smtClean="0"/>
+              <a:t>Source</a:t>
+            </a:r>
+            <a:endParaRPr lang="es-ES_tradnl" dirty="0"/>
           </a:p>
         </p:txBody>
       </p:sp>
     </p:spTree>
     <p:extLst>
       <p:ext uri="{BB962C8B-B14F-4D97-AF65-F5344CB8AC3E}">
-        <p14:creationId xmlns:p14="http://schemas.microsoft.com/office/powerpoint/2010/main" val="422520315"/>
+        <p14:creationId xmlns:p14="http://schemas.microsoft.com/office/powerpoint/2010/main" val="671350469"/>
       </p:ext>
     </p:extLst>
   </p:cSld>
   <p:clrMapOvr>
     <a:masterClrMapping/>
   </p:clrMapOvr>
+  <p:timing>
+    <p:tnLst>
+      <p:par>
+        <p:cTn id="1" dur="indefinite" restart="never" nodeType="tmRoot"/>
+      </p:par>
+    </p:tnLst>
+  </p:timing>
 </p:sld>
 </file>
 
@@ -11956,8 +12164,12 @@
           <a:lstStyle/>
           <a:p>
             <a:r>
-              <a:rPr lang="es-ES_tradnl" dirty="0" smtClean="0"/>
-              <a:t>Características</a:t>
+              <a:rPr lang="es-ES_tradnl" dirty="0" err="1" smtClean="0"/>
+              <a:t>Terminolog</a:t>
+            </a:r>
+            <a:r>
+              <a:rPr lang="es-ES" dirty="0" err="1" smtClean="0"/>
+              <a:t>ía</a:t>
             </a:r>
             <a:endParaRPr lang="es-ES_tradnl" dirty="0"/>
           </a:p>
@@ -11973,87 +12185,689 @@
             <p:ph idx="1"/>
           </p:nvPr>
         </p:nvSpPr>
-        <p:spPr/>
+        <p:spPr>
+          <a:xfrm>
+            <a:off x="1484310" y="2007704"/>
+            <a:ext cx="10018713" cy="4631635"/>
+          </a:xfrm>
+        </p:spPr>
         <p:txBody>
           <a:bodyPr>
-            <a:normAutofit fontScale="92500" lnSpcReduction="10000"/>
+            <a:normAutofit fontScale="70000" lnSpcReduction="20000"/>
           </a:bodyPr>
           <a:lstStyle/>
           <a:p>
-            <a:pPr algn="just"/>
+            <a:r>
+              <a:rPr lang="es-ES_tradnl" b="1" dirty="0" err="1" smtClean="0"/>
+              <a:t>Repository</a:t>
+            </a:r>
             <a:r>
               <a:rPr lang="es-ES_tradnl" dirty="0" smtClean="0"/>
-              <a:t>Rapidez</a:t>
-            </a:r>
-          </a:p>
-          <a:p>
-            <a:pPr algn="just"/>
+              <a:t> </a:t>
+            </a:r>
+            <a:r>
+              <a:rPr lang="es-ES_tradnl" dirty="0" smtClean="0">
+                <a:sym typeface="Wingdings"/>
+              </a:rPr>
+              <a:t></a:t>
+            </a:r>
+            <a:r>
+              <a:rPr lang="es-ES_tradnl" dirty="0">
+                <a:sym typeface="Wingdings"/>
+              </a:rPr>
+              <a:t> </a:t>
+            </a:r>
+            <a:r>
+              <a:rPr lang="es-ES_tradnl" dirty="0" err="1" smtClean="0"/>
+              <a:t>is</a:t>
+            </a:r>
             <a:r>
               <a:rPr lang="es-ES_tradnl" dirty="0" smtClean="0"/>
-              <a:t>Distribuido</a:t>
-            </a:r>
-            <a:endParaRPr lang="es-ES_tradnl" dirty="0"/>
-          </a:p>
-          <a:p>
-            <a:pPr algn="just"/>
+              <a:t> </a:t>
+            </a:r>
+            <a:r>
+              <a:rPr lang="es-ES_tradnl" dirty="0"/>
+              <a:t>a </a:t>
+            </a:r>
+            <a:r>
+              <a:rPr lang="es-ES_tradnl" dirty="0" err="1"/>
+              <a:t>database</a:t>
+            </a:r>
+            <a:r>
+              <a:rPr lang="es-ES_tradnl" dirty="0"/>
+              <a:t> of </a:t>
+            </a:r>
+            <a:r>
+              <a:rPr lang="es-ES_tradnl" dirty="0" err="1"/>
+              <a:t>all</a:t>
+            </a:r>
+            <a:r>
+              <a:rPr lang="es-ES_tradnl" dirty="0"/>
+              <a:t> </a:t>
+            </a:r>
+            <a:r>
+              <a:rPr lang="es-ES_tradnl" dirty="0" err="1"/>
+              <a:t>the</a:t>
+            </a:r>
+            <a:r>
+              <a:rPr lang="es-ES_tradnl" dirty="0"/>
+              <a:t> </a:t>
+            </a:r>
+            <a:r>
+              <a:rPr lang="es-ES_tradnl" dirty="0" err="1"/>
+              <a:t>edits</a:t>
+            </a:r>
+            <a:r>
+              <a:rPr lang="es-ES_tradnl" dirty="0"/>
+              <a:t> to, and/</a:t>
+            </a:r>
+            <a:r>
+              <a:rPr lang="es-ES_tradnl" dirty="0" err="1"/>
+              <a:t>or</a:t>
+            </a:r>
+            <a:r>
+              <a:rPr lang="es-ES_tradnl" dirty="0"/>
+              <a:t> </a:t>
+            </a:r>
+            <a:r>
+              <a:rPr lang="es-ES_tradnl" dirty="0" err="1"/>
+              <a:t>historical</a:t>
+            </a:r>
+            <a:r>
+              <a:rPr lang="es-ES_tradnl" dirty="0"/>
+              <a:t> </a:t>
+            </a:r>
+            <a:r>
+              <a:rPr lang="es-ES_tradnl" dirty="0" err="1"/>
+              <a:t>versions</a:t>
+            </a:r>
+            <a:r>
+              <a:rPr lang="es-ES_tradnl" dirty="0"/>
+              <a:t> (</a:t>
+            </a:r>
+            <a:r>
+              <a:rPr lang="es-ES_tradnl" dirty="0" err="1"/>
+              <a:t>snapshots</a:t>
+            </a:r>
+            <a:r>
+              <a:rPr lang="es-ES_tradnl" dirty="0"/>
+              <a:t>) of </a:t>
+            </a:r>
+            <a:r>
+              <a:rPr lang="es-ES_tradnl" dirty="0" err="1"/>
+              <a:t>your</a:t>
+            </a:r>
+            <a:r>
+              <a:rPr lang="es-ES_tradnl" dirty="0"/>
+              <a:t> </a:t>
+            </a:r>
+            <a:r>
+              <a:rPr lang="es-ES_tradnl" dirty="0" err="1"/>
+              <a:t>project.local</a:t>
+            </a:r>
+            <a:r>
+              <a:rPr lang="es-ES_tradnl" dirty="0"/>
+              <a:t> </a:t>
+            </a:r>
+            <a:r>
+              <a:rPr lang="es-ES_tradnl" dirty="0" err="1"/>
+              <a:t>repository</a:t>
+            </a:r>
+            <a:r>
+              <a:rPr lang="es-ES_tradnl" dirty="0"/>
+              <a:t> and </a:t>
+            </a:r>
+            <a:r>
+              <a:rPr lang="es-ES_tradnl" dirty="0" err="1"/>
+              <a:t>the</a:t>
+            </a:r>
+            <a:r>
+              <a:rPr lang="es-ES_tradnl" dirty="0"/>
+              <a:t> central (</a:t>
+            </a:r>
+            <a:r>
+              <a:rPr lang="es-ES_tradnl" dirty="0" err="1"/>
+              <a:t>remote</a:t>
+            </a:r>
+            <a:r>
+              <a:rPr lang="es-ES_tradnl" dirty="0"/>
+              <a:t>) </a:t>
+            </a:r>
+            <a:r>
+              <a:rPr lang="es-ES_tradnl" dirty="0" err="1" smtClean="0"/>
+              <a:t>repository</a:t>
+            </a:r>
+            <a:endParaRPr lang="es-ES_tradnl" dirty="0" smtClean="0"/>
+          </a:p>
+          <a:p>
+            <a:r>
+              <a:rPr lang="es-ES_tradnl" b="1" dirty="0" err="1" smtClean="0"/>
+              <a:t>Working</a:t>
+            </a:r>
+            <a:r>
+              <a:rPr lang="es-ES_tradnl" b="1" dirty="0" smtClean="0"/>
+              <a:t> </a:t>
+            </a:r>
+            <a:r>
+              <a:rPr lang="es-ES_tradnl" b="1" dirty="0" err="1" smtClean="0"/>
+              <a:t>copy</a:t>
+            </a:r>
+            <a:r>
+              <a:rPr lang="es-ES_tradnl" b="1" dirty="0" smtClean="0"/>
+              <a:t> </a:t>
+            </a:r>
+            <a:r>
+              <a:rPr lang="es-ES_tradnl" dirty="0" smtClean="0">
+                <a:sym typeface="Wingdings"/>
+              </a:rPr>
+              <a:t> </a:t>
+            </a:r>
+            <a:r>
+              <a:rPr lang="es-ES_tradnl" dirty="0" err="1" smtClean="0"/>
+              <a:t>your</a:t>
+            </a:r>
             <a:r>
               <a:rPr lang="es-ES_tradnl" dirty="0" smtClean="0"/>
-              <a:t>Aseguramiento de Datos. (encriptados)</a:t>
-            </a:r>
-            <a:endParaRPr lang="es-ES_tradnl" dirty="0"/>
-          </a:p>
-          <a:p>
-            <a:pPr algn="just"/>
+              <a:t> personal (local) </a:t>
+            </a:r>
+            <a:r>
+              <a:rPr lang="es-ES_tradnl" dirty="0" err="1" smtClean="0"/>
+              <a:t>copy</a:t>
+            </a:r>
             <a:r>
               <a:rPr lang="es-ES_tradnl" dirty="0" smtClean="0"/>
-              <a:t>Modelo de </a:t>
+              <a:t> of </a:t>
             </a:r>
             <a:r>
               <a:rPr lang="es-ES_tradnl" dirty="0" err="1" smtClean="0"/>
-              <a:t>branching</a:t>
+              <a:t>repository</a:t>
+            </a:r>
+            <a:endParaRPr lang="es-ES_tradnl" dirty="0" smtClean="0"/>
+          </a:p>
+          <a:p>
+            <a:r>
+              <a:rPr lang="es-ES_tradnl" b="1" dirty="0" smtClean="0"/>
+              <a:t>Clone</a:t>
             </a:r>
             <a:r>
               <a:rPr lang="es-ES_tradnl" dirty="0" smtClean="0"/>
+              <a:t> </a:t>
+            </a:r>
+            <a:r>
+              <a:rPr lang="es-ES_tradnl" dirty="0" smtClean="0">
+                <a:sym typeface="Wingdings"/>
+              </a:rPr>
+              <a:t> </a:t>
+            </a:r>
+            <a:r>
+              <a:rPr lang="es-ES_tradnl" dirty="0" err="1" smtClean="0"/>
+              <a:t>action</a:t>
+            </a:r>
+            <a:r>
+              <a:rPr lang="es-ES_tradnl" dirty="0" smtClean="0"/>
+              <a:t> </a:t>
+            </a:r>
+            <a:r>
+              <a:rPr lang="es-ES_tradnl" dirty="0"/>
+              <a:t>to </a:t>
+            </a:r>
+            <a:r>
+              <a:rPr lang="es-ES_tradnl" dirty="0" err="1"/>
+              <a:t>copy</a:t>
+            </a:r>
+            <a:r>
+              <a:rPr lang="es-ES_tradnl" dirty="0"/>
+              <a:t> a </a:t>
+            </a:r>
+            <a:r>
+              <a:rPr lang="es-ES_tradnl" dirty="0" err="1"/>
+              <a:t>remote</a:t>
+            </a:r>
+            <a:r>
+              <a:rPr lang="es-ES_tradnl" dirty="0"/>
+              <a:t> </a:t>
+            </a:r>
+            <a:r>
+              <a:rPr lang="es-ES_tradnl" dirty="0" err="1"/>
+              <a:t>repository</a:t>
+            </a:r>
+            <a:r>
+              <a:rPr lang="es-ES_tradnl" dirty="0"/>
+              <a:t> to </a:t>
+            </a:r>
+            <a:r>
+              <a:rPr lang="es-ES_tradnl" dirty="0" err="1"/>
+              <a:t>your</a:t>
+            </a:r>
+            <a:r>
+              <a:rPr lang="es-ES_tradnl" dirty="0"/>
+              <a:t> </a:t>
+            </a:r>
+            <a:r>
+              <a:rPr lang="es-ES_tradnl" dirty="0" smtClean="0"/>
+              <a:t>local</a:t>
+            </a:r>
+          </a:p>
+          <a:p>
+            <a:r>
+              <a:rPr lang="es-ES_tradnl" b="1" dirty="0" err="1" smtClean="0"/>
+              <a:t>Commit</a:t>
+            </a:r>
+            <a:r>
+              <a:rPr lang="es-ES_tradnl" dirty="0" smtClean="0"/>
+              <a:t> </a:t>
+            </a:r>
+            <a:r>
+              <a:rPr lang="es-ES_tradnl" dirty="0" smtClean="0">
+                <a:sym typeface="Wingdings"/>
+              </a:rPr>
+              <a:t> </a:t>
+            </a:r>
+            <a:r>
+              <a:rPr lang="es-ES_tradnl" dirty="0" err="1" smtClean="0"/>
+              <a:t>action</a:t>
+            </a:r>
+            <a:r>
+              <a:rPr lang="es-ES_tradnl" dirty="0"/>
+              <a:t>, </a:t>
+            </a:r>
+            <a:r>
+              <a:rPr lang="es-ES_tradnl" dirty="0" err="1"/>
+              <a:t>that</a:t>
+            </a:r>
+            <a:r>
+              <a:rPr lang="es-ES_tradnl" dirty="0"/>
+              <a:t> </a:t>
+            </a:r>
+            <a:r>
+              <a:rPr lang="es-ES_tradnl" dirty="0" err="1"/>
+              <a:t>you</a:t>
+            </a:r>
+            <a:r>
+              <a:rPr lang="es-ES_tradnl" dirty="0"/>
+              <a:t> </a:t>
+            </a:r>
+            <a:r>
+              <a:rPr lang="es-ES_tradnl" dirty="0" err="1"/>
+              <a:t>made</a:t>
+            </a:r>
+            <a:r>
+              <a:rPr lang="es-ES_tradnl" dirty="0"/>
+              <a:t> to share </a:t>
+            </a:r>
+            <a:r>
+              <a:rPr lang="es-ES_tradnl" dirty="0" err="1"/>
+              <a:t>your</a:t>
+            </a:r>
+            <a:r>
+              <a:rPr lang="es-ES_tradnl" dirty="0"/>
+              <a:t> </a:t>
+            </a:r>
+            <a:r>
+              <a:rPr lang="es-ES_tradnl" dirty="0" err="1"/>
+              <a:t>changes</a:t>
+            </a:r>
+            <a:r>
+              <a:rPr lang="es-ES_tradnl" dirty="0"/>
+              <a:t> </a:t>
+            </a:r>
+            <a:r>
+              <a:rPr lang="es-ES_tradnl" dirty="0" err="1"/>
+              <a:t>with</a:t>
+            </a:r>
+            <a:r>
+              <a:rPr lang="es-ES_tradnl" dirty="0"/>
+              <a:t> </a:t>
+            </a:r>
+            <a:r>
+              <a:rPr lang="es-ES_tradnl" dirty="0" err="1"/>
+              <a:t>other</a:t>
+            </a:r>
+            <a:r>
+              <a:rPr lang="es-ES_tradnl" dirty="0"/>
+              <a:t> </a:t>
+            </a:r>
+            <a:r>
+              <a:rPr lang="es-ES_tradnl" dirty="0" err="1"/>
+              <a:t>teammates</a:t>
+            </a:r>
+            <a:r>
+              <a:rPr lang="es-ES_tradnl" dirty="0"/>
               <a:t>. </a:t>
             </a:r>
             <a:r>
+              <a:rPr lang="es-ES_tradnl" dirty="0" err="1"/>
+              <a:t>uploading</a:t>
+            </a:r>
+            <a:r>
+              <a:rPr lang="es-ES_tradnl" dirty="0"/>
+              <a:t> </a:t>
+            </a:r>
+            <a:r>
+              <a:rPr lang="es-ES_tradnl" dirty="0" err="1"/>
+              <a:t>your</a:t>
+            </a:r>
+            <a:r>
+              <a:rPr lang="es-ES_tradnl" dirty="0"/>
+              <a:t> local </a:t>
+            </a:r>
+            <a:r>
+              <a:rPr lang="es-ES_tradnl" dirty="0" err="1"/>
+              <a:t>changes</a:t>
+            </a:r>
+            <a:r>
+              <a:rPr lang="es-ES_tradnl" dirty="0"/>
+              <a:t> to </a:t>
+            </a:r>
+            <a:r>
+              <a:rPr lang="es-ES_tradnl" dirty="0" err="1" smtClean="0"/>
+              <a:t>repository</a:t>
+            </a:r>
+            <a:endParaRPr lang="es-ES_tradnl" dirty="0" smtClean="0"/>
+          </a:p>
+          <a:p>
+            <a:r>
+              <a:rPr lang="es-ES_tradnl" b="1" dirty="0" err="1" smtClean="0"/>
+              <a:t>Update</a:t>
+            </a:r>
+            <a:r>
+              <a:rPr lang="es-ES_tradnl" b="1" dirty="0" smtClean="0"/>
+              <a:t> </a:t>
+            </a:r>
+            <a:r>
+              <a:rPr lang="es-ES_tradnl" b="1" dirty="0"/>
+              <a:t>(</a:t>
+            </a:r>
+            <a:r>
+              <a:rPr lang="es-ES_tradnl" b="1" dirty="0" err="1"/>
+              <a:t>git</a:t>
+            </a:r>
+            <a:r>
+              <a:rPr lang="es-ES_tradnl" b="1" dirty="0"/>
+              <a:t> </a:t>
+            </a:r>
+            <a:r>
+              <a:rPr lang="es-ES_tradnl" b="1" dirty="0" err="1"/>
+              <a:t>pull</a:t>
+            </a:r>
+            <a:r>
+              <a:rPr lang="es-ES_tradnl" b="1" dirty="0" smtClean="0"/>
+              <a:t>) </a:t>
+            </a:r>
+            <a:r>
+              <a:rPr lang="es-ES_tradnl" dirty="0" smtClean="0">
+                <a:sym typeface="Wingdings"/>
+              </a:rPr>
+              <a:t> </a:t>
+            </a:r>
+            <a:r>
+              <a:rPr lang="es-ES_tradnl" dirty="0" err="1" smtClean="0"/>
+              <a:t>action</a:t>
+            </a:r>
+            <a:r>
+              <a:rPr lang="es-ES_tradnl" dirty="0"/>
+              <a:t>, </a:t>
+            </a:r>
+            <a:r>
+              <a:rPr lang="es-ES_tradnl" dirty="0" err="1"/>
+              <a:t>that</a:t>
+            </a:r>
+            <a:r>
+              <a:rPr lang="es-ES_tradnl" dirty="0"/>
+              <a:t> </a:t>
+            </a:r>
+            <a:r>
+              <a:rPr lang="es-ES_tradnl" dirty="0" err="1"/>
+              <a:t>you</a:t>
+            </a:r>
+            <a:r>
+              <a:rPr lang="es-ES_tradnl" dirty="0"/>
+              <a:t> </a:t>
+            </a:r>
+            <a:r>
+              <a:rPr lang="es-ES_tradnl" dirty="0" err="1"/>
+              <a:t>made</a:t>
+            </a:r>
+            <a:r>
+              <a:rPr lang="es-ES_tradnl" dirty="0"/>
+              <a:t> to </a:t>
+            </a:r>
+            <a:r>
+              <a:rPr lang="es-ES_tradnl" dirty="0" err="1"/>
+              <a:t>make</a:t>
+            </a:r>
+            <a:r>
+              <a:rPr lang="es-ES_tradnl" dirty="0"/>
+              <a:t> </a:t>
+            </a:r>
+            <a:r>
+              <a:rPr lang="es-ES_tradnl" dirty="0" err="1"/>
+              <a:t>your</a:t>
+            </a:r>
+            <a:r>
+              <a:rPr lang="es-ES_tradnl" dirty="0"/>
+              <a:t> </a:t>
+            </a:r>
+            <a:r>
+              <a:rPr lang="es-ES_tradnl" dirty="0" err="1"/>
+              <a:t>working</a:t>
+            </a:r>
+            <a:r>
+              <a:rPr lang="es-ES_tradnl" dirty="0"/>
+              <a:t> </a:t>
+            </a:r>
+            <a:r>
+              <a:rPr lang="es-ES_tradnl" dirty="0" err="1"/>
+              <a:t>copy</a:t>
+            </a:r>
+            <a:r>
+              <a:rPr lang="es-ES_tradnl" dirty="0"/>
+              <a:t> up-to-date </a:t>
+            </a:r>
+            <a:r>
+              <a:rPr lang="es-ES_tradnl" dirty="0" err="1"/>
+              <a:t>with</a:t>
+            </a:r>
+            <a:r>
+              <a:rPr lang="es-ES_tradnl" dirty="0"/>
+              <a:t> </a:t>
+            </a:r>
+            <a:r>
+              <a:rPr lang="es-ES_tradnl" dirty="0" err="1"/>
+              <a:t>remote</a:t>
+            </a:r>
+            <a:r>
+              <a:rPr lang="es-ES_tradnl" dirty="0"/>
+              <a:t> </a:t>
+            </a:r>
+            <a:r>
+              <a:rPr lang="es-ES_tradnl" dirty="0" err="1" smtClean="0"/>
+              <a:t>repository</a:t>
+            </a:r>
+            <a:r>
               <a:rPr lang="es-ES_tradnl" dirty="0" smtClean="0"/>
-              <a:t>Fuerte </a:t>
-            </a:r>
-            <a:r>
-              <a:rPr lang="es-ES_tradnl" dirty="0"/>
-              <a:t>apoyo en el desarrollo no lineal </a:t>
+              <a:t>.</a:t>
+            </a:r>
+          </a:p>
+          <a:p>
+            <a:r>
+              <a:rPr lang="es-ES_tradnl" b="1" dirty="0" err="1" smtClean="0"/>
+              <a:t>Branch</a:t>
             </a:r>
             <a:r>
               <a:rPr lang="es-ES_tradnl" dirty="0" smtClean="0"/>
-              <a:t>(Miles de ramas paralelas)</a:t>
-            </a:r>
-            <a:endParaRPr lang="es-ES_tradnl" dirty="0"/>
-          </a:p>
-          <a:p>
-            <a:pPr algn="just"/>
+              <a:t> </a:t>
+            </a:r>
+            <a:r>
+              <a:rPr lang="es-ES_tradnl" dirty="0" smtClean="0">
+                <a:sym typeface="Wingdings"/>
+              </a:rPr>
+              <a:t> </a:t>
+            </a:r>
             <a:r>
               <a:rPr lang="es-ES_tradnl" dirty="0" smtClean="0"/>
-              <a:t>Capacidad </a:t>
-            </a:r>
-            <a:r>
-              <a:rPr lang="es-ES_tradnl" dirty="0"/>
-              <a:t>de manejar grandes </a:t>
+              <a:t>a </a:t>
+            </a:r>
+            <a:r>
+              <a:rPr lang="es-ES_tradnl" dirty="0" err="1"/>
+              <a:t>copy</a:t>
+            </a:r>
+            <a:r>
+              <a:rPr lang="es-ES_tradnl" dirty="0"/>
+              <a:t> of </a:t>
+            </a:r>
+            <a:r>
+              <a:rPr lang="es-ES_tradnl" dirty="0" err="1" smtClean="0"/>
+              <a:t>repository</a:t>
+            </a:r>
+            <a:endParaRPr lang="es-ES_tradnl" dirty="0" smtClean="0"/>
+          </a:p>
+          <a:p>
+            <a:r>
+              <a:rPr lang="es-ES_tradnl" b="1" dirty="0" smtClean="0"/>
+              <a:t>Master</a:t>
             </a:r>
             <a:r>
               <a:rPr lang="es-ES_tradnl" dirty="0" smtClean="0"/>
-              <a:t>proyectos.</a:t>
-            </a:r>
-          </a:p>
-          <a:p>
-            <a:pPr algn="just"/>
+              <a:t> </a:t>
+            </a:r>
+            <a:r>
+              <a:rPr lang="es-ES_tradnl" dirty="0" smtClean="0">
+                <a:sym typeface="Wingdings"/>
+              </a:rPr>
+              <a:t> </a:t>
+            </a:r>
             <a:r>
               <a:rPr lang="es-ES_tradnl" dirty="0" smtClean="0"/>
-              <a:t>Free y Open </a:t>
+              <a:t>a </a:t>
+            </a:r>
+            <a:r>
+              <a:rPr lang="es-ES_tradnl" dirty="0" err="1"/>
+              <a:t>main</a:t>
+            </a:r>
+            <a:r>
+              <a:rPr lang="es-ES_tradnl" dirty="0"/>
+              <a:t> </a:t>
+            </a:r>
+            <a:r>
+              <a:rPr lang="es-ES_tradnl" dirty="0" err="1"/>
+              <a:t>branch</a:t>
+            </a:r>
+            <a:r>
+              <a:rPr lang="es-ES_tradnl" dirty="0"/>
+              <a:t> </a:t>
+            </a:r>
+            <a:r>
+              <a:rPr lang="es-ES_tradnl" dirty="0" err="1"/>
+              <a:t>for</a:t>
+            </a:r>
+            <a:r>
+              <a:rPr lang="es-ES_tradnl" dirty="0"/>
+              <a:t> </a:t>
             </a:r>
             <a:r>
               <a:rPr lang="es-ES_tradnl" dirty="0" err="1" smtClean="0"/>
-              <a:t>Source</a:t>
+              <a:t>work</a:t>
+            </a:r>
+            <a:endParaRPr lang="es-ES_tradnl" dirty="0" smtClean="0"/>
+          </a:p>
+          <a:p>
+            <a:r>
+              <a:rPr lang="es-ES_tradnl" b="1" dirty="0" err="1" smtClean="0"/>
+              <a:t>Merge</a:t>
+            </a:r>
+            <a:r>
+              <a:rPr lang="es-ES_tradnl" dirty="0" smtClean="0"/>
+              <a:t> </a:t>
+            </a:r>
+            <a:r>
+              <a:rPr lang="es-ES_tradnl" dirty="0" smtClean="0">
+                <a:sym typeface="Wingdings"/>
+              </a:rPr>
+              <a:t> </a:t>
+            </a:r>
+            <a:r>
+              <a:rPr lang="es-ES_tradnl" dirty="0" err="1" smtClean="0"/>
+              <a:t>an</a:t>
+            </a:r>
+            <a:r>
+              <a:rPr lang="es-ES_tradnl" dirty="0" smtClean="0"/>
+              <a:t> </a:t>
+            </a:r>
+            <a:r>
+              <a:rPr lang="es-ES_tradnl" dirty="0" err="1"/>
+              <a:t>action</a:t>
+            </a:r>
+            <a:r>
+              <a:rPr lang="es-ES_tradnl" dirty="0"/>
+              <a:t> to combine </a:t>
+            </a:r>
+            <a:r>
+              <a:rPr lang="es-ES_tradnl" dirty="0" err="1"/>
+              <a:t>independent</a:t>
+            </a:r>
+            <a:r>
+              <a:rPr lang="es-ES_tradnl" dirty="0"/>
+              <a:t> </a:t>
+            </a:r>
+            <a:r>
+              <a:rPr lang="es-ES_tradnl" dirty="0" err="1"/>
+              <a:t>changes</a:t>
+            </a:r>
+            <a:r>
+              <a:rPr lang="es-ES_tradnl" dirty="0"/>
+              <a:t> to </a:t>
+            </a:r>
+            <a:r>
+              <a:rPr lang="es-ES_tradnl" dirty="0" err="1"/>
+              <a:t>one</a:t>
+            </a:r>
+            <a:r>
+              <a:rPr lang="es-ES_tradnl" dirty="0"/>
+              <a:t> </a:t>
+            </a:r>
+            <a:r>
+              <a:rPr lang="es-ES_tradnl" dirty="0" err="1" smtClean="0"/>
+              <a:t>version</a:t>
+            </a:r>
+            <a:endParaRPr lang="es-ES_tradnl" dirty="0" smtClean="0"/>
+          </a:p>
+          <a:p>
+            <a:r>
+              <a:rPr lang="es-ES_tradnl" dirty="0" err="1" smtClean="0"/>
+              <a:t>pull</a:t>
+            </a:r>
+            <a:r>
+              <a:rPr lang="es-ES_tradnl" dirty="0" smtClean="0"/>
+              <a:t>-&gt; bajar cambios de repositorio remoto y mezclarlos (</a:t>
+            </a:r>
+            <a:r>
+              <a:rPr lang="es-ES_tradnl" dirty="0" err="1" smtClean="0"/>
+              <a:t>fetch-merge</a:t>
+            </a:r>
+            <a:r>
+              <a:rPr lang="es-ES_tradnl" dirty="0" smtClean="0"/>
+              <a:t>)</a:t>
+            </a:r>
+          </a:p>
+          <a:p>
+            <a:r>
+              <a:rPr lang="es-ES_tradnl" dirty="0" err="1" smtClean="0"/>
+              <a:t>push</a:t>
+            </a:r>
+            <a:r>
+              <a:rPr lang="es-ES_tradnl" dirty="0" smtClean="0"/>
+              <a:t>-&gt; subir cambios al repositorio remoto</a:t>
+            </a:r>
+          </a:p>
+          <a:p>
+            <a:r>
+              <a:rPr lang="es-ES_tradnl" dirty="0" err="1" smtClean="0"/>
+              <a:t>fetch</a:t>
+            </a:r>
+            <a:r>
+              <a:rPr lang="es-ES_tradnl" dirty="0" smtClean="0"/>
+              <a:t>-&gt; bajar cambios del repositorio remoto</a:t>
             </a:r>
             <a:endParaRPr lang="es-ES_tradnl" dirty="0"/>
           </a:p>
@@ -12062,13 +12876,20 @@
     </p:spTree>
     <p:extLst>
       <p:ext uri="{BB962C8B-B14F-4D97-AF65-F5344CB8AC3E}">
-        <p14:creationId xmlns:p14="http://schemas.microsoft.com/office/powerpoint/2010/main" val="671350469"/>
+        <p14:creationId xmlns:p14="http://schemas.microsoft.com/office/powerpoint/2010/main" val="1520523497"/>
       </p:ext>
     </p:extLst>
   </p:cSld>
   <p:clrMapOvr>
     <a:masterClrMapping/>
   </p:clrMapOvr>
+  <p:timing>
+    <p:tnLst>
+      <p:par>
+        <p:cTn id="1" dur="indefinite" restart="never" nodeType="tmRoot"/>
+      </p:par>
+    </p:tnLst>
+  </p:timing>
 </p:sld>
 </file>
 
@@ -12105,12 +12926,16 @@
           <a:lstStyle/>
           <a:p>
             <a:r>
-              <a:rPr lang="es-ES_tradnl" dirty="0" err="1" smtClean="0"/>
-              <a:t>Terminolog</a:t>
+              <a:rPr lang="es-ES_tradnl" dirty="0" smtClean="0"/>
+              <a:t>¿C</a:t>
             </a:r>
             <a:r>
               <a:rPr lang="es-ES" dirty="0" err="1" smtClean="0"/>
-              <a:t>ía</a:t>
+              <a:t>ómo</a:t>
+            </a:r>
+            <a:r>
+              <a:rPr lang="es-ES" dirty="0" smtClean="0"/>
+              <a:t> Funciona?</a:t>
             </a:r>
             <a:endParaRPr lang="es-ES_tradnl" dirty="0"/>
           </a:p>
@@ -12126,673 +12951,32 @@
             <p:ph idx="1"/>
           </p:nvPr>
         </p:nvSpPr>
-        <p:spPr>
-          <a:xfrm>
-            <a:off x="1484310" y="2007704"/>
-            <a:ext cx="10018713" cy="4631635"/>
-          </a:xfrm>
-        </p:spPr>
-        <p:txBody>
-          <a:bodyPr>
-            <a:normAutofit fontScale="92500" lnSpcReduction="10000"/>
-          </a:bodyPr>
+        <p:spPr/>
+        <p:txBody>
+          <a:bodyPr/>
           <a:lstStyle/>
           <a:p>
-            <a:r>
-              <a:rPr lang="es-ES_tradnl" b="1" dirty="0" err="1" smtClean="0"/>
-              <a:t>Repository</a:t>
-            </a:r>
-            <a:r>
-              <a:rPr lang="es-ES_tradnl" dirty="0" smtClean="0"/>
-              <a:t> </a:t>
-            </a:r>
-            <a:r>
-              <a:rPr lang="es-ES_tradnl" dirty="0" smtClean="0">
-                <a:sym typeface="Wingdings"/>
-              </a:rPr>
-              <a:t></a:t>
-            </a:r>
-            <a:r>
-              <a:rPr lang="es-ES_tradnl" dirty="0">
-                <a:sym typeface="Wingdings"/>
-              </a:rPr>
-              <a:t> </a:t>
-            </a:r>
-            <a:r>
-              <a:rPr lang="es-ES_tradnl" dirty="0" err="1" smtClean="0"/>
-              <a:t>is</a:t>
-            </a:r>
-            <a:r>
-              <a:rPr lang="es-ES_tradnl" dirty="0" smtClean="0"/>
-              <a:t> </a:t>
-            </a:r>
-            <a:r>
-              <a:rPr lang="es-ES_tradnl" dirty="0"/>
-              <a:t>a </a:t>
-            </a:r>
-            <a:r>
-              <a:rPr lang="es-ES_tradnl" dirty="0" err="1"/>
-              <a:t>database</a:t>
-            </a:r>
-            <a:r>
-              <a:rPr lang="es-ES_tradnl" dirty="0"/>
-              <a:t> of </a:t>
-            </a:r>
-            <a:r>
-              <a:rPr lang="es-ES_tradnl" dirty="0" err="1"/>
-              <a:t>all</a:t>
-            </a:r>
-            <a:r>
-              <a:rPr lang="es-ES_tradnl" dirty="0"/>
-              <a:t> </a:t>
-            </a:r>
-            <a:r>
-              <a:rPr lang="es-ES_tradnl" dirty="0" err="1"/>
-              <a:t>the</a:t>
-            </a:r>
-            <a:r>
-              <a:rPr lang="es-ES_tradnl" dirty="0"/>
-              <a:t> </a:t>
-            </a:r>
-            <a:r>
-              <a:rPr lang="es-ES_tradnl" dirty="0" err="1"/>
-              <a:t>edits</a:t>
-            </a:r>
-            <a:r>
-              <a:rPr lang="es-ES_tradnl" dirty="0"/>
-              <a:t> to, and/</a:t>
-            </a:r>
-            <a:r>
-              <a:rPr lang="es-ES_tradnl" dirty="0" err="1"/>
-              <a:t>or</a:t>
-            </a:r>
-            <a:r>
-              <a:rPr lang="es-ES_tradnl" dirty="0"/>
-              <a:t> </a:t>
-            </a:r>
-            <a:r>
-              <a:rPr lang="es-ES_tradnl" dirty="0" err="1"/>
-              <a:t>historical</a:t>
-            </a:r>
-            <a:r>
-              <a:rPr lang="es-ES_tradnl" dirty="0"/>
-              <a:t> </a:t>
-            </a:r>
-            <a:r>
-              <a:rPr lang="es-ES_tradnl" dirty="0" err="1"/>
-              <a:t>versions</a:t>
-            </a:r>
-            <a:r>
-              <a:rPr lang="es-ES_tradnl" dirty="0"/>
-              <a:t> (</a:t>
-            </a:r>
-            <a:r>
-              <a:rPr lang="es-ES_tradnl" dirty="0" err="1"/>
-              <a:t>snapshots</a:t>
-            </a:r>
-            <a:r>
-              <a:rPr lang="es-ES_tradnl" dirty="0"/>
-              <a:t>) of </a:t>
-            </a:r>
-            <a:r>
-              <a:rPr lang="es-ES_tradnl" dirty="0" err="1"/>
-              <a:t>your</a:t>
-            </a:r>
-            <a:r>
-              <a:rPr lang="es-ES_tradnl" dirty="0"/>
-              <a:t> </a:t>
-            </a:r>
-            <a:r>
-              <a:rPr lang="es-ES_tradnl" dirty="0" err="1"/>
-              <a:t>project.local</a:t>
-            </a:r>
-            <a:r>
-              <a:rPr lang="es-ES_tradnl" dirty="0"/>
-              <a:t> </a:t>
-            </a:r>
-            <a:r>
-              <a:rPr lang="es-ES_tradnl" dirty="0" err="1"/>
-              <a:t>repository</a:t>
-            </a:r>
-            <a:r>
-              <a:rPr lang="es-ES_tradnl" dirty="0"/>
-              <a:t> and </a:t>
-            </a:r>
-            <a:r>
-              <a:rPr lang="es-ES_tradnl" dirty="0" err="1"/>
-              <a:t>the</a:t>
-            </a:r>
-            <a:r>
-              <a:rPr lang="es-ES_tradnl" dirty="0"/>
-              <a:t> central (</a:t>
-            </a:r>
-            <a:r>
-              <a:rPr lang="es-ES_tradnl" dirty="0" err="1"/>
-              <a:t>remote</a:t>
-            </a:r>
-            <a:r>
-              <a:rPr lang="es-ES_tradnl" dirty="0"/>
-              <a:t>) </a:t>
-            </a:r>
-            <a:r>
-              <a:rPr lang="es-ES_tradnl" dirty="0" err="1" smtClean="0"/>
-              <a:t>repository</a:t>
-            </a:r>
-            <a:endParaRPr lang="es-ES_tradnl" dirty="0" smtClean="0"/>
-          </a:p>
-          <a:p>
-            <a:r>
-              <a:rPr lang="es-ES_tradnl" b="1" dirty="0" err="1" smtClean="0"/>
-              <a:t>Working</a:t>
-            </a:r>
-            <a:r>
-              <a:rPr lang="es-ES_tradnl" b="1" dirty="0" smtClean="0"/>
-              <a:t> </a:t>
-            </a:r>
-            <a:r>
-              <a:rPr lang="es-ES_tradnl" b="1" dirty="0" err="1"/>
-              <a:t>copy</a:t>
-            </a:r>
-            <a:r>
-              <a:rPr lang="es-ES_tradnl" b="1" dirty="0"/>
-              <a:t> (</a:t>
-            </a:r>
-            <a:r>
-              <a:rPr lang="es-ES_tradnl" b="1" dirty="0" err="1" smtClean="0"/>
-              <a:t>checkout</a:t>
-            </a:r>
-            <a:r>
-              <a:rPr lang="es-ES_tradnl" b="1" dirty="0" smtClean="0"/>
-              <a:t>) </a:t>
-            </a:r>
-            <a:r>
-              <a:rPr lang="es-ES_tradnl" dirty="0" smtClean="0">
-                <a:sym typeface="Wingdings"/>
-              </a:rPr>
-              <a:t> </a:t>
-            </a:r>
-            <a:r>
-              <a:rPr lang="es-ES_tradnl" dirty="0" err="1" smtClean="0"/>
-              <a:t>your</a:t>
-            </a:r>
-            <a:r>
-              <a:rPr lang="es-ES_tradnl" dirty="0" smtClean="0"/>
-              <a:t> personal (local) </a:t>
-            </a:r>
-            <a:r>
-              <a:rPr lang="es-ES_tradnl" dirty="0" err="1" smtClean="0"/>
-              <a:t>copy</a:t>
-            </a:r>
-            <a:r>
-              <a:rPr lang="es-ES_tradnl" dirty="0" smtClean="0"/>
-              <a:t> of </a:t>
-            </a:r>
-            <a:r>
-              <a:rPr lang="es-ES_tradnl" dirty="0" err="1" smtClean="0"/>
-              <a:t>repository</a:t>
-            </a:r>
-            <a:endParaRPr lang="es-ES_tradnl" dirty="0" smtClean="0"/>
-          </a:p>
-          <a:p>
-            <a:r>
-              <a:rPr lang="es-ES_tradnl" b="1" dirty="0" smtClean="0"/>
-              <a:t>Clone</a:t>
-            </a:r>
-            <a:r>
-              <a:rPr lang="es-ES_tradnl" dirty="0" smtClean="0"/>
-              <a:t> </a:t>
-            </a:r>
-            <a:r>
-              <a:rPr lang="es-ES_tradnl" dirty="0" smtClean="0">
-                <a:sym typeface="Wingdings"/>
-              </a:rPr>
-              <a:t> </a:t>
-            </a:r>
-            <a:r>
-              <a:rPr lang="es-ES_tradnl" dirty="0" err="1" smtClean="0"/>
-              <a:t>action</a:t>
-            </a:r>
-            <a:r>
-              <a:rPr lang="es-ES_tradnl" dirty="0" smtClean="0"/>
-              <a:t> </a:t>
-            </a:r>
-            <a:r>
-              <a:rPr lang="es-ES_tradnl" dirty="0"/>
-              <a:t>to </a:t>
-            </a:r>
-            <a:r>
-              <a:rPr lang="es-ES_tradnl" dirty="0" err="1"/>
-              <a:t>copy</a:t>
-            </a:r>
-            <a:r>
-              <a:rPr lang="es-ES_tradnl" dirty="0"/>
-              <a:t> a </a:t>
-            </a:r>
-            <a:r>
-              <a:rPr lang="es-ES_tradnl" dirty="0" err="1"/>
-              <a:t>remote</a:t>
-            </a:r>
-            <a:r>
-              <a:rPr lang="es-ES_tradnl" dirty="0"/>
-              <a:t> </a:t>
-            </a:r>
-            <a:r>
-              <a:rPr lang="es-ES_tradnl" dirty="0" err="1"/>
-              <a:t>repository</a:t>
-            </a:r>
-            <a:r>
-              <a:rPr lang="es-ES_tradnl" dirty="0"/>
-              <a:t> to </a:t>
-            </a:r>
-            <a:r>
-              <a:rPr lang="es-ES_tradnl" dirty="0" err="1"/>
-              <a:t>your</a:t>
-            </a:r>
-            <a:r>
-              <a:rPr lang="es-ES_tradnl" dirty="0"/>
-              <a:t> </a:t>
-            </a:r>
-            <a:r>
-              <a:rPr lang="es-ES_tradnl" dirty="0" smtClean="0"/>
-              <a:t>local</a:t>
-            </a:r>
-          </a:p>
-          <a:p>
-            <a:r>
-              <a:rPr lang="es-ES_tradnl" b="1" dirty="0" err="1" smtClean="0"/>
-              <a:t>Commit</a:t>
-            </a:r>
-            <a:r>
-              <a:rPr lang="es-ES_tradnl" dirty="0" smtClean="0"/>
-              <a:t> </a:t>
-            </a:r>
-            <a:r>
-              <a:rPr lang="es-ES_tradnl" dirty="0" smtClean="0">
-                <a:sym typeface="Wingdings"/>
-              </a:rPr>
-              <a:t> </a:t>
-            </a:r>
-            <a:r>
-              <a:rPr lang="es-ES_tradnl" dirty="0" err="1" smtClean="0"/>
-              <a:t>action</a:t>
-            </a:r>
-            <a:r>
-              <a:rPr lang="es-ES_tradnl" dirty="0"/>
-              <a:t>, </a:t>
-            </a:r>
-            <a:r>
-              <a:rPr lang="es-ES_tradnl" dirty="0" err="1"/>
-              <a:t>that</a:t>
-            </a:r>
-            <a:r>
-              <a:rPr lang="es-ES_tradnl" dirty="0"/>
-              <a:t> </a:t>
-            </a:r>
-            <a:r>
-              <a:rPr lang="es-ES_tradnl" dirty="0" err="1"/>
-              <a:t>you</a:t>
-            </a:r>
-            <a:r>
-              <a:rPr lang="es-ES_tradnl" dirty="0"/>
-              <a:t> </a:t>
-            </a:r>
-            <a:r>
-              <a:rPr lang="es-ES_tradnl" dirty="0" err="1"/>
-              <a:t>made</a:t>
-            </a:r>
-            <a:r>
-              <a:rPr lang="es-ES_tradnl" dirty="0"/>
-              <a:t> to share </a:t>
-            </a:r>
-            <a:r>
-              <a:rPr lang="es-ES_tradnl" dirty="0" err="1"/>
-              <a:t>your</a:t>
-            </a:r>
-            <a:r>
-              <a:rPr lang="es-ES_tradnl" dirty="0"/>
-              <a:t> </a:t>
-            </a:r>
-            <a:r>
-              <a:rPr lang="es-ES_tradnl" dirty="0" err="1"/>
-              <a:t>changes</a:t>
-            </a:r>
-            <a:r>
-              <a:rPr lang="es-ES_tradnl" dirty="0"/>
-              <a:t> </a:t>
-            </a:r>
-            <a:r>
-              <a:rPr lang="es-ES_tradnl" dirty="0" err="1"/>
-              <a:t>with</a:t>
-            </a:r>
-            <a:r>
-              <a:rPr lang="es-ES_tradnl" dirty="0"/>
-              <a:t> </a:t>
-            </a:r>
-            <a:r>
-              <a:rPr lang="es-ES_tradnl" dirty="0" err="1"/>
-              <a:t>other</a:t>
-            </a:r>
-            <a:r>
-              <a:rPr lang="es-ES_tradnl" dirty="0"/>
-              <a:t> </a:t>
-            </a:r>
-            <a:r>
-              <a:rPr lang="es-ES_tradnl" dirty="0" err="1"/>
-              <a:t>teammates</a:t>
-            </a:r>
-            <a:r>
-              <a:rPr lang="es-ES_tradnl" dirty="0"/>
-              <a:t>. </a:t>
-            </a:r>
-            <a:r>
-              <a:rPr lang="es-ES_tradnl" dirty="0" err="1"/>
-              <a:t>uploading</a:t>
-            </a:r>
-            <a:r>
-              <a:rPr lang="es-ES_tradnl" dirty="0"/>
-              <a:t> </a:t>
-            </a:r>
-            <a:r>
-              <a:rPr lang="es-ES_tradnl" dirty="0" err="1"/>
-              <a:t>your</a:t>
-            </a:r>
-            <a:r>
-              <a:rPr lang="es-ES_tradnl" dirty="0"/>
-              <a:t> local </a:t>
-            </a:r>
-            <a:r>
-              <a:rPr lang="es-ES_tradnl" dirty="0" err="1"/>
-              <a:t>changes</a:t>
-            </a:r>
-            <a:r>
-              <a:rPr lang="es-ES_tradnl" dirty="0"/>
-              <a:t> to </a:t>
-            </a:r>
-            <a:r>
-              <a:rPr lang="es-ES_tradnl" dirty="0" err="1" smtClean="0"/>
-              <a:t>repository</a:t>
-            </a:r>
-            <a:endParaRPr lang="es-ES_tradnl" dirty="0" smtClean="0"/>
-          </a:p>
-          <a:p>
-            <a:r>
-              <a:rPr lang="es-ES_tradnl" b="1" dirty="0" err="1" smtClean="0"/>
-              <a:t>Update</a:t>
-            </a:r>
-            <a:r>
-              <a:rPr lang="es-ES_tradnl" b="1" dirty="0" smtClean="0"/>
-              <a:t> </a:t>
-            </a:r>
-            <a:r>
-              <a:rPr lang="es-ES_tradnl" b="1" dirty="0"/>
-              <a:t>(</a:t>
-            </a:r>
-            <a:r>
-              <a:rPr lang="es-ES_tradnl" b="1" dirty="0" err="1"/>
-              <a:t>git</a:t>
-            </a:r>
-            <a:r>
-              <a:rPr lang="es-ES_tradnl" b="1" dirty="0"/>
-              <a:t> </a:t>
-            </a:r>
-            <a:r>
-              <a:rPr lang="es-ES_tradnl" b="1" dirty="0" err="1"/>
-              <a:t>pull</a:t>
-            </a:r>
-            <a:r>
-              <a:rPr lang="es-ES_tradnl" b="1" dirty="0" smtClean="0"/>
-              <a:t>) </a:t>
-            </a:r>
-            <a:r>
-              <a:rPr lang="es-ES_tradnl" dirty="0" smtClean="0">
-                <a:sym typeface="Wingdings"/>
-              </a:rPr>
-              <a:t> </a:t>
-            </a:r>
-            <a:r>
-              <a:rPr lang="es-ES_tradnl" dirty="0" err="1" smtClean="0"/>
-              <a:t>action</a:t>
-            </a:r>
-            <a:r>
-              <a:rPr lang="es-ES_tradnl" dirty="0"/>
-              <a:t>, </a:t>
-            </a:r>
-            <a:r>
-              <a:rPr lang="es-ES_tradnl" dirty="0" err="1"/>
-              <a:t>that</a:t>
-            </a:r>
-            <a:r>
-              <a:rPr lang="es-ES_tradnl" dirty="0"/>
-              <a:t> </a:t>
-            </a:r>
-            <a:r>
-              <a:rPr lang="es-ES_tradnl" dirty="0" err="1"/>
-              <a:t>you</a:t>
-            </a:r>
-            <a:r>
-              <a:rPr lang="es-ES_tradnl" dirty="0"/>
-              <a:t> </a:t>
-            </a:r>
-            <a:r>
-              <a:rPr lang="es-ES_tradnl" dirty="0" err="1"/>
-              <a:t>made</a:t>
-            </a:r>
-            <a:r>
-              <a:rPr lang="es-ES_tradnl" dirty="0"/>
-              <a:t> to </a:t>
-            </a:r>
-            <a:r>
-              <a:rPr lang="es-ES_tradnl" dirty="0" err="1"/>
-              <a:t>make</a:t>
-            </a:r>
-            <a:r>
-              <a:rPr lang="es-ES_tradnl" dirty="0"/>
-              <a:t> </a:t>
-            </a:r>
-            <a:r>
-              <a:rPr lang="es-ES_tradnl" dirty="0" err="1"/>
-              <a:t>your</a:t>
-            </a:r>
-            <a:r>
-              <a:rPr lang="es-ES_tradnl" dirty="0"/>
-              <a:t> </a:t>
-            </a:r>
-            <a:r>
-              <a:rPr lang="es-ES_tradnl" dirty="0" err="1"/>
-              <a:t>working</a:t>
-            </a:r>
-            <a:r>
-              <a:rPr lang="es-ES_tradnl" dirty="0"/>
-              <a:t> </a:t>
-            </a:r>
-            <a:r>
-              <a:rPr lang="es-ES_tradnl" dirty="0" err="1"/>
-              <a:t>copy</a:t>
-            </a:r>
-            <a:r>
-              <a:rPr lang="es-ES_tradnl" dirty="0"/>
-              <a:t> up-to-date </a:t>
-            </a:r>
-            <a:r>
-              <a:rPr lang="es-ES_tradnl" dirty="0" err="1"/>
-              <a:t>with</a:t>
-            </a:r>
-            <a:r>
-              <a:rPr lang="es-ES_tradnl" dirty="0"/>
-              <a:t> </a:t>
-            </a:r>
-            <a:r>
-              <a:rPr lang="es-ES_tradnl" dirty="0" err="1"/>
-              <a:t>remote</a:t>
-            </a:r>
-            <a:r>
-              <a:rPr lang="es-ES_tradnl" dirty="0"/>
-              <a:t> </a:t>
-            </a:r>
-            <a:r>
-              <a:rPr lang="es-ES_tradnl" dirty="0" err="1" smtClean="0"/>
-              <a:t>repository</a:t>
-            </a:r>
-            <a:r>
-              <a:rPr lang="es-ES_tradnl" dirty="0" smtClean="0"/>
-              <a:t>.</a:t>
-            </a:r>
-          </a:p>
-          <a:p>
-            <a:r>
-              <a:rPr lang="es-ES_tradnl" b="1" dirty="0" err="1" smtClean="0"/>
-              <a:t>Branch</a:t>
-            </a:r>
-            <a:r>
-              <a:rPr lang="es-ES_tradnl" dirty="0" smtClean="0"/>
-              <a:t> </a:t>
-            </a:r>
-            <a:r>
-              <a:rPr lang="es-ES_tradnl" dirty="0" smtClean="0">
-                <a:sym typeface="Wingdings"/>
-              </a:rPr>
-              <a:t> </a:t>
-            </a:r>
-            <a:r>
-              <a:rPr lang="es-ES_tradnl" dirty="0" smtClean="0"/>
-              <a:t>a </a:t>
-            </a:r>
-            <a:r>
-              <a:rPr lang="es-ES_tradnl" dirty="0" err="1"/>
-              <a:t>copy</a:t>
-            </a:r>
-            <a:r>
-              <a:rPr lang="es-ES_tradnl" dirty="0"/>
-              <a:t> of </a:t>
-            </a:r>
-            <a:r>
-              <a:rPr lang="es-ES_tradnl" dirty="0" err="1" smtClean="0"/>
-              <a:t>repository</a:t>
-            </a:r>
-            <a:endParaRPr lang="es-ES_tradnl" dirty="0" smtClean="0"/>
-          </a:p>
-          <a:p>
-            <a:r>
-              <a:rPr lang="es-ES_tradnl" b="1" dirty="0" smtClean="0"/>
-              <a:t>Master</a:t>
-            </a:r>
-            <a:r>
-              <a:rPr lang="es-ES_tradnl" dirty="0" smtClean="0"/>
-              <a:t> </a:t>
-            </a:r>
-            <a:r>
-              <a:rPr lang="es-ES_tradnl" dirty="0" smtClean="0">
-                <a:sym typeface="Wingdings"/>
-              </a:rPr>
-              <a:t> </a:t>
-            </a:r>
-            <a:r>
-              <a:rPr lang="es-ES_tradnl" dirty="0" smtClean="0"/>
-              <a:t>a </a:t>
-            </a:r>
-            <a:r>
-              <a:rPr lang="es-ES_tradnl" dirty="0" err="1"/>
-              <a:t>main</a:t>
-            </a:r>
-            <a:r>
-              <a:rPr lang="es-ES_tradnl" dirty="0"/>
-              <a:t> </a:t>
-            </a:r>
-            <a:r>
-              <a:rPr lang="es-ES_tradnl" dirty="0" err="1"/>
-              <a:t>branch</a:t>
-            </a:r>
-            <a:r>
-              <a:rPr lang="es-ES_tradnl" dirty="0"/>
-              <a:t> </a:t>
-            </a:r>
-            <a:r>
-              <a:rPr lang="es-ES_tradnl" dirty="0" err="1"/>
-              <a:t>for</a:t>
-            </a:r>
-            <a:r>
-              <a:rPr lang="es-ES_tradnl" dirty="0"/>
-              <a:t> </a:t>
-            </a:r>
-            <a:r>
-              <a:rPr lang="es-ES_tradnl" dirty="0" err="1" smtClean="0"/>
-              <a:t>work</a:t>
-            </a:r>
-            <a:endParaRPr lang="es-ES_tradnl" dirty="0" smtClean="0"/>
-          </a:p>
-          <a:p>
-            <a:r>
-              <a:rPr lang="es-ES_tradnl" b="1" dirty="0" err="1" smtClean="0"/>
-              <a:t>Merge</a:t>
-            </a:r>
-            <a:r>
-              <a:rPr lang="es-ES_tradnl" dirty="0" smtClean="0"/>
-              <a:t> </a:t>
-            </a:r>
-            <a:r>
-              <a:rPr lang="es-ES_tradnl" dirty="0" smtClean="0">
-                <a:sym typeface="Wingdings"/>
-              </a:rPr>
-              <a:t> </a:t>
-            </a:r>
-            <a:r>
-              <a:rPr lang="es-ES_tradnl" dirty="0" err="1" smtClean="0"/>
-              <a:t>an</a:t>
-            </a:r>
-            <a:r>
-              <a:rPr lang="es-ES_tradnl" dirty="0" smtClean="0"/>
-              <a:t> </a:t>
-            </a:r>
-            <a:r>
-              <a:rPr lang="es-ES_tradnl" dirty="0" err="1"/>
-              <a:t>action</a:t>
-            </a:r>
-            <a:r>
-              <a:rPr lang="es-ES_tradnl" dirty="0"/>
-              <a:t> to combine </a:t>
-            </a:r>
-            <a:r>
-              <a:rPr lang="es-ES_tradnl" dirty="0" err="1"/>
-              <a:t>independent</a:t>
-            </a:r>
-            <a:r>
-              <a:rPr lang="es-ES_tradnl" dirty="0"/>
-              <a:t> </a:t>
-            </a:r>
-            <a:r>
-              <a:rPr lang="es-ES_tradnl" dirty="0" err="1"/>
-              <a:t>changes</a:t>
-            </a:r>
-            <a:r>
-              <a:rPr lang="es-ES_tradnl" dirty="0"/>
-              <a:t> to </a:t>
-            </a:r>
-            <a:r>
-              <a:rPr lang="es-ES_tradnl" dirty="0" err="1"/>
-              <a:t>one</a:t>
-            </a:r>
-            <a:r>
-              <a:rPr lang="es-ES_tradnl" dirty="0"/>
-              <a:t> </a:t>
-            </a:r>
-            <a:r>
-              <a:rPr lang="es-ES_tradnl" dirty="0" err="1"/>
-              <a:t>version</a:t>
-            </a:r>
-            <a:endParaRPr lang="es-ES_tradnl" dirty="0"/>
+            <a:endParaRPr lang="es-ES_tradnl"/>
           </a:p>
         </p:txBody>
       </p:sp>
     </p:spTree>
     <p:extLst>
       <p:ext uri="{BB962C8B-B14F-4D97-AF65-F5344CB8AC3E}">
-        <p14:creationId xmlns:p14="http://schemas.microsoft.com/office/powerpoint/2010/main" val="1520523497"/>
+        <p14:creationId xmlns:p14="http://schemas.microsoft.com/office/powerpoint/2010/main" val="1450622489"/>
       </p:ext>
     </p:extLst>
   </p:cSld>
   <p:clrMapOvr>
     <a:masterClrMapping/>
   </p:clrMapOvr>
+  <p:timing>
+    <p:tnLst>
+      <p:par>
+        <p:cTn id="1" dur="indefinite" restart="never" nodeType="tmRoot"/>
+      </p:par>
+    </p:tnLst>
+  </p:timing>
 </p:sld>
 </file>
 
